--- a/infrastructure-week-6.pptx
+++ b/infrastructure-week-6.pptx
@@ -4,9 +4,52 @@
   <p:sldMasterIdLst>
     <p:sldMasterId id="2147483648" r:id="rId1"/>
   </p:sldMasterIdLst>
+  <p:notesMasterIdLst>
+    <p:notesMasterId r:id="rId44"/>
+  </p:notesMasterIdLst>
   <p:sldIdLst>
-    <p:sldId id="256" r:id="rId2"/>
-    <p:sldId id="257" r:id="rId3"/>
+    <p:sldId id="258" r:id="rId2"/>
+    <p:sldId id="263" r:id="rId3"/>
+    <p:sldId id="257" r:id="rId4"/>
+    <p:sldId id="261" r:id="rId5"/>
+    <p:sldId id="269" r:id="rId6"/>
+    <p:sldId id="270" r:id="rId7"/>
+    <p:sldId id="271" r:id="rId8"/>
+    <p:sldId id="264" r:id="rId9"/>
+    <p:sldId id="265" r:id="rId10"/>
+    <p:sldId id="266" r:id="rId11"/>
+    <p:sldId id="267" r:id="rId12"/>
+    <p:sldId id="268" r:id="rId13"/>
+    <p:sldId id="272" r:id="rId14"/>
+    <p:sldId id="274" r:id="rId15"/>
+    <p:sldId id="275" r:id="rId16"/>
+    <p:sldId id="276" r:id="rId17"/>
+    <p:sldId id="282" r:id="rId18"/>
+    <p:sldId id="283" r:id="rId19"/>
+    <p:sldId id="284" r:id="rId20"/>
+    <p:sldId id="277" r:id="rId21"/>
+    <p:sldId id="278" r:id="rId22"/>
+    <p:sldId id="279" r:id="rId23"/>
+    <p:sldId id="280" r:id="rId24"/>
+    <p:sldId id="297" r:id="rId25"/>
+    <p:sldId id="281" r:id="rId26"/>
+    <p:sldId id="285" r:id="rId27"/>
+    <p:sldId id="286" r:id="rId28"/>
+    <p:sldId id="287" r:id="rId29"/>
+    <p:sldId id="288" r:id="rId30"/>
+    <p:sldId id="289" r:id="rId31"/>
+    <p:sldId id="290" r:id="rId32"/>
+    <p:sldId id="291" r:id="rId33"/>
+    <p:sldId id="292" r:id="rId34"/>
+    <p:sldId id="293" r:id="rId35"/>
+    <p:sldId id="298" r:id="rId36"/>
+    <p:sldId id="300" r:id="rId37"/>
+    <p:sldId id="299" r:id="rId38"/>
+    <p:sldId id="294" r:id="rId39"/>
+    <p:sldId id="295" r:id="rId40"/>
+    <p:sldId id="296" r:id="rId41"/>
+    <p:sldId id="273" r:id="rId42"/>
+    <p:sldId id="259" r:id="rId43"/>
   </p:sldIdLst>
   <p:sldSz cx="9144000" cy="6858000" type="screen4x3"/>
   <p:notesSz cx="6858000" cy="9144000"/>
@@ -108,6 +151,524 @@
 </p:presentation>
 </file>
 
+<file path=ppt/notesMasters/notesMaster1.xml><?xml version="1.0" encoding="utf-8"?>
+<p:notesMaster xmlns:a="http://schemas.openxmlformats.org/drawingml/2006/main" xmlns:r="http://schemas.openxmlformats.org/officeDocument/2006/relationships" xmlns:p="http://schemas.openxmlformats.org/presentationml/2006/main">
+  <p:cSld>
+    <p:bg>
+      <p:bgRef idx="1001">
+        <a:schemeClr val="bg1"/>
+      </p:bgRef>
+    </p:bg>
+    <p:spTree>
+      <p:nvGrpSpPr>
+        <p:cNvPr id="1" name=""/>
+        <p:cNvGrpSpPr/>
+        <p:nvPr/>
+      </p:nvGrpSpPr>
+      <p:grpSpPr>
+        <a:xfrm>
+          <a:off x="0" y="0"/>
+          <a:ext cx="0" cy="0"/>
+          <a:chOff x="0" y="0"/>
+          <a:chExt cx="0" cy="0"/>
+        </a:xfrm>
+      </p:grpSpPr>
+      <p:sp>
+        <p:nvSpPr>
+          <p:cNvPr id="2" name="Header Placeholder 1"/>
+          <p:cNvSpPr>
+            <a:spLocks noGrp="1"/>
+          </p:cNvSpPr>
+          <p:nvPr>
+            <p:ph type="hdr" sz="quarter"/>
+          </p:nvPr>
+        </p:nvSpPr>
+        <p:spPr>
+          <a:xfrm>
+            <a:off x="0" y="0"/>
+            <a:ext cx="2971800" cy="457200"/>
+          </a:xfrm>
+          <a:prstGeom prst="rect">
+            <a:avLst/>
+          </a:prstGeom>
+        </p:spPr>
+        <p:txBody>
+          <a:bodyPr vert="horz" lIns="91440" tIns="45720" rIns="91440" bIns="45720" rtlCol="0"/>
+          <a:lstStyle>
+            <a:lvl1pPr algn="l">
+              <a:defRPr sz="1200"/>
+            </a:lvl1pPr>
+          </a:lstStyle>
+          <a:p>
+            <a:endParaRPr lang="en-US"/>
+          </a:p>
+        </p:txBody>
+      </p:sp>
+      <p:sp>
+        <p:nvSpPr>
+          <p:cNvPr id="3" name="Date Placeholder 2"/>
+          <p:cNvSpPr>
+            <a:spLocks noGrp="1"/>
+          </p:cNvSpPr>
+          <p:nvPr>
+            <p:ph type="dt" idx="1"/>
+          </p:nvPr>
+        </p:nvSpPr>
+        <p:spPr>
+          <a:xfrm>
+            <a:off x="3884613" y="0"/>
+            <a:ext cx="2971800" cy="457200"/>
+          </a:xfrm>
+          <a:prstGeom prst="rect">
+            <a:avLst/>
+          </a:prstGeom>
+        </p:spPr>
+        <p:txBody>
+          <a:bodyPr vert="horz" lIns="91440" tIns="45720" rIns="91440" bIns="45720" rtlCol="0"/>
+          <a:lstStyle>
+            <a:lvl1pPr algn="r">
+              <a:defRPr sz="1200"/>
+            </a:lvl1pPr>
+          </a:lstStyle>
+          <a:p>
+            <a:fld id="{EF3E328F-0131-7F43-AC75-B1BE9FD38BFB}" type="datetimeFigureOut">
+              <a:rPr lang="en-US" smtClean="0"/>
+              <a:t>4/12/16</a:t>
+            </a:fld>
+            <a:endParaRPr lang="en-US"/>
+          </a:p>
+        </p:txBody>
+      </p:sp>
+      <p:sp>
+        <p:nvSpPr>
+          <p:cNvPr id="4" name="Slide Image Placeholder 3"/>
+          <p:cNvSpPr>
+            <a:spLocks noGrp="1" noRot="1" noChangeAspect="1"/>
+          </p:cNvSpPr>
+          <p:nvPr>
+            <p:ph type="sldImg" idx="2"/>
+          </p:nvPr>
+        </p:nvSpPr>
+        <p:spPr>
+          <a:xfrm>
+            <a:off x="1143000" y="685800"/>
+            <a:ext cx="4572000" cy="3429000"/>
+          </a:xfrm>
+          <a:prstGeom prst="rect">
+            <a:avLst/>
+          </a:prstGeom>
+          <a:noFill/>
+          <a:ln w="12700">
+            <a:solidFill>
+              <a:prstClr val="black"/>
+            </a:solidFill>
+          </a:ln>
+        </p:spPr>
+        <p:txBody>
+          <a:bodyPr vert="horz" lIns="91440" tIns="45720" rIns="91440" bIns="45720" rtlCol="0" anchor="ctr"/>
+          <a:lstStyle/>
+          <a:p>
+            <a:endParaRPr lang="en-US"/>
+          </a:p>
+        </p:txBody>
+      </p:sp>
+      <p:sp>
+        <p:nvSpPr>
+          <p:cNvPr id="5" name="Notes Placeholder 4"/>
+          <p:cNvSpPr>
+            <a:spLocks noGrp="1"/>
+          </p:cNvSpPr>
+          <p:nvPr>
+            <p:ph type="body" sz="quarter" idx="3"/>
+          </p:nvPr>
+        </p:nvSpPr>
+        <p:spPr>
+          <a:xfrm>
+            <a:off x="685800" y="4343400"/>
+            <a:ext cx="5486400" cy="4114800"/>
+          </a:xfrm>
+          <a:prstGeom prst="rect">
+            <a:avLst/>
+          </a:prstGeom>
+        </p:spPr>
+        <p:txBody>
+          <a:bodyPr vert="horz" lIns="91440" tIns="45720" rIns="91440" bIns="45720" rtlCol="0"/>
+          <a:lstStyle/>
+          <a:p>
+            <a:pPr lvl="0"/>
+            <a:r>
+              <a:rPr lang="en-US" smtClean="0"/>
+              <a:t>Click to edit Master text styles</a:t>
+            </a:r>
+          </a:p>
+          <a:p>
+            <a:pPr lvl="1"/>
+            <a:r>
+              <a:rPr lang="en-US" smtClean="0"/>
+              <a:t>Second level</a:t>
+            </a:r>
+          </a:p>
+          <a:p>
+            <a:pPr lvl="2"/>
+            <a:r>
+              <a:rPr lang="en-US" smtClean="0"/>
+              <a:t>Third level</a:t>
+            </a:r>
+          </a:p>
+          <a:p>
+            <a:pPr lvl="3"/>
+            <a:r>
+              <a:rPr lang="en-US" smtClean="0"/>
+              <a:t>Fourth level</a:t>
+            </a:r>
+          </a:p>
+          <a:p>
+            <a:pPr lvl="4"/>
+            <a:r>
+              <a:rPr lang="en-US" smtClean="0"/>
+              <a:t>Fifth level</a:t>
+            </a:r>
+            <a:endParaRPr lang="en-US"/>
+          </a:p>
+        </p:txBody>
+      </p:sp>
+      <p:sp>
+        <p:nvSpPr>
+          <p:cNvPr id="6" name="Footer Placeholder 5"/>
+          <p:cNvSpPr>
+            <a:spLocks noGrp="1"/>
+          </p:cNvSpPr>
+          <p:nvPr>
+            <p:ph type="ftr" sz="quarter" idx="4"/>
+          </p:nvPr>
+        </p:nvSpPr>
+        <p:spPr>
+          <a:xfrm>
+            <a:off x="0" y="8685213"/>
+            <a:ext cx="2971800" cy="457200"/>
+          </a:xfrm>
+          <a:prstGeom prst="rect">
+            <a:avLst/>
+          </a:prstGeom>
+        </p:spPr>
+        <p:txBody>
+          <a:bodyPr vert="horz" lIns="91440" tIns="45720" rIns="91440" bIns="45720" rtlCol="0" anchor="b"/>
+          <a:lstStyle>
+            <a:lvl1pPr algn="l">
+              <a:defRPr sz="1200"/>
+            </a:lvl1pPr>
+          </a:lstStyle>
+          <a:p>
+            <a:endParaRPr lang="en-US"/>
+          </a:p>
+        </p:txBody>
+      </p:sp>
+      <p:sp>
+        <p:nvSpPr>
+          <p:cNvPr id="7" name="Slide Number Placeholder 6"/>
+          <p:cNvSpPr>
+            <a:spLocks noGrp="1"/>
+          </p:cNvSpPr>
+          <p:nvPr>
+            <p:ph type="sldNum" sz="quarter" idx="5"/>
+          </p:nvPr>
+        </p:nvSpPr>
+        <p:spPr>
+          <a:xfrm>
+            <a:off x="3884613" y="8685213"/>
+            <a:ext cx="2971800" cy="457200"/>
+          </a:xfrm>
+          <a:prstGeom prst="rect">
+            <a:avLst/>
+          </a:prstGeom>
+        </p:spPr>
+        <p:txBody>
+          <a:bodyPr vert="horz" lIns="91440" tIns="45720" rIns="91440" bIns="45720" rtlCol="0" anchor="b"/>
+          <a:lstStyle>
+            <a:lvl1pPr algn="r">
+              <a:defRPr sz="1200"/>
+            </a:lvl1pPr>
+          </a:lstStyle>
+          <a:p>
+            <a:fld id="{49D6F140-F91F-C64E-A791-8EEBE5B18E2F}" type="slidenum">
+              <a:rPr lang="en-US" smtClean="0"/>
+              <a:t>‹#›</a:t>
+            </a:fld>
+            <a:endParaRPr lang="en-US"/>
+          </a:p>
+        </p:txBody>
+      </p:sp>
+    </p:spTree>
+    <p:extLst>
+      <p:ext uri="{BB962C8B-B14F-4D97-AF65-F5344CB8AC3E}">
+        <p14:creationId xmlns:p14="http://schemas.microsoft.com/office/powerpoint/2010/main" val="2145743445"/>
+      </p:ext>
+    </p:extLst>
+  </p:cSld>
+  <p:clrMap bg1="lt1" tx1="dk1" bg2="lt2" tx2="dk2" accent1="accent1" accent2="accent2" accent3="accent3" accent4="accent4" accent5="accent5" accent6="accent6" hlink="hlink" folHlink="folHlink"/>
+  <p:notesStyle>
+    <a:lvl1pPr marL="0" algn="l" defTabSz="457200" rtl="0" eaLnBrk="1" latinLnBrk="0" hangingPunct="1">
+      <a:defRPr sz="1200" kern="1200">
+        <a:solidFill>
+          <a:schemeClr val="tx1"/>
+        </a:solidFill>
+        <a:latin typeface="+mn-lt"/>
+        <a:ea typeface="+mn-ea"/>
+        <a:cs typeface="+mn-cs"/>
+      </a:defRPr>
+    </a:lvl1pPr>
+    <a:lvl2pPr marL="457200" algn="l" defTabSz="457200" rtl="0" eaLnBrk="1" latinLnBrk="0" hangingPunct="1">
+      <a:defRPr sz="1200" kern="1200">
+        <a:solidFill>
+          <a:schemeClr val="tx1"/>
+        </a:solidFill>
+        <a:latin typeface="+mn-lt"/>
+        <a:ea typeface="+mn-ea"/>
+        <a:cs typeface="+mn-cs"/>
+      </a:defRPr>
+    </a:lvl2pPr>
+    <a:lvl3pPr marL="914400" algn="l" defTabSz="457200" rtl="0" eaLnBrk="1" latinLnBrk="0" hangingPunct="1">
+      <a:defRPr sz="1200" kern="1200">
+        <a:solidFill>
+          <a:schemeClr val="tx1"/>
+        </a:solidFill>
+        <a:latin typeface="+mn-lt"/>
+        <a:ea typeface="+mn-ea"/>
+        <a:cs typeface="+mn-cs"/>
+      </a:defRPr>
+    </a:lvl3pPr>
+    <a:lvl4pPr marL="1371600" algn="l" defTabSz="457200" rtl="0" eaLnBrk="1" latinLnBrk="0" hangingPunct="1">
+      <a:defRPr sz="1200" kern="1200">
+        <a:solidFill>
+          <a:schemeClr val="tx1"/>
+        </a:solidFill>
+        <a:latin typeface="+mn-lt"/>
+        <a:ea typeface="+mn-ea"/>
+        <a:cs typeface="+mn-cs"/>
+      </a:defRPr>
+    </a:lvl4pPr>
+    <a:lvl5pPr marL="1828800" algn="l" defTabSz="457200" rtl="0" eaLnBrk="1" latinLnBrk="0" hangingPunct="1">
+      <a:defRPr sz="1200" kern="1200">
+        <a:solidFill>
+          <a:schemeClr val="tx1"/>
+        </a:solidFill>
+        <a:latin typeface="+mn-lt"/>
+        <a:ea typeface="+mn-ea"/>
+        <a:cs typeface="+mn-cs"/>
+      </a:defRPr>
+    </a:lvl5pPr>
+    <a:lvl6pPr marL="2286000" algn="l" defTabSz="457200" rtl="0" eaLnBrk="1" latinLnBrk="0" hangingPunct="1">
+      <a:defRPr sz="1200" kern="1200">
+        <a:solidFill>
+          <a:schemeClr val="tx1"/>
+        </a:solidFill>
+        <a:latin typeface="+mn-lt"/>
+        <a:ea typeface="+mn-ea"/>
+        <a:cs typeface="+mn-cs"/>
+      </a:defRPr>
+    </a:lvl6pPr>
+    <a:lvl7pPr marL="2743200" algn="l" defTabSz="457200" rtl="0" eaLnBrk="1" latinLnBrk="0" hangingPunct="1">
+      <a:defRPr sz="1200" kern="1200">
+        <a:solidFill>
+          <a:schemeClr val="tx1"/>
+        </a:solidFill>
+        <a:latin typeface="+mn-lt"/>
+        <a:ea typeface="+mn-ea"/>
+        <a:cs typeface="+mn-cs"/>
+      </a:defRPr>
+    </a:lvl7pPr>
+    <a:lvl8pPr marL="3200400" algn="l" defTabSz="457200" rtl="0" eaLnBrk="1" latinLnBrk="0" hangingPunct="1">
+      <a:defRPr sz="1200" kern="1200">
+        <a:solidFill>
+          <a:schemeClr val="tx1"/>
+        </a:solidFill>
+        <a:latin typeface="+mn-lt"/>
+        <a:ea typeface="+mn-ea"/>
+        <a:cs typeface="+mn-cs"/>
+      </a:defRPr>
+    </a:lvl8pPr>
+    <a:lvl9pPr marL="3657600" algn="l" defTabSz="457200" rtl="0" eaLnBrk="1" latinLnBrk="0" hangingPunct="1">
+      <a:defRPr sz="1200" kern="1200">
+        <a:solidFill>
+          <a:schemeClr val="tx1"/>
+        </a:solidFill>
+        <a:latin typeface="+mn-lt"/>
+        <a:ea typeface="+mn-ea"/>
+        <a:cs typeface="+mn-cs"/>
+      </a:defRPr>
+    </a:lvl9pPr>
+  </p:notesStyle>
+</p:notesMaster>
+</file>
+
+<file path=ppt/notesSlides/notesSlide1.xml><?xml version="1.0" encoding="utf-8"?>
+<p:notes xmlns:a="http://schemas.openxmlformats.org/drawingml/2006/main" xmlns:r="http://schemas.openxmlformats.org/officeDocument/2006/relationships" xmlns:p="http://schemas.openxmlformats.org/presentationml/2006/main">
+  <p:cSld>
+    <p:spTree>
+      <p:nvGrpSpPr>
+        <p:cNvPr id="1" name=""/>
+        <p:cNvGrpSpPr/>
+        <p:nvPr/>
+      </p:nvGrpSpPr>
+      <p:grpSpPr>
+        <a:xfrm>
+          <a:off x="0" y="0"/>
+          <a:ext cx="0" cy="0"/>
+          <a:chOff x="0" y="0"/>
+          <a:chExt cx="0" cy="0"/>
+        </a:xfrm>
+      </p:grpSpPr>
+      <p:sp>
+        <p:nvSpPr>
+          <p:cNvPr id="2" name="Slide Image Placeholder 1"/>
+          <p:cNvSpPr>
+            <a:spLocks noGrp="1" noRot="1" noChangeAspect="1"/>
+          </p:cNvSpPr>
+          <p:nvPr>
+            <p:ph type="sldImg"/>
+          </p:nvPr>
+        </p:nvSpPr>
+        <p:spPr/>
+      </p:sp>
+      <p:sp>
+        <p:nvSpPr>
+          <p:cNvPr id="3" name="Notes Placeholder 2"/>
+          <p:cNvSpPr>
+            <a:spLocks noGrp="1"/>
+          </p:cNvSpPr>
+          <p:nvPr>
+            <p:ph type="body" idx="1"/>
+          </p:nvPr>
+        </p:nvSpPr>
+        <p:spPr/>
+        <p:txBody>
+          <a:bodyPr/>
+          <a:lstStyle/>
+          <a:p>
+            <a:endParaRPr lang="en-US" dirty="0"/>
+          </a:p>
+        </p:txBody>
+      </p:sp>
+      <p:sp>
+        <p:nvSpPr>
+          <p:cNvPr id="4" name="Slide Number Placeholder 3"/>
+          <p:cNvSpPr>
+            <a:spLocks noGrp="1"/>
+          </p:cNvSpPr>
+          <p:nvPr>
+            <p:ph type="sldNum" sz="quarter" idx="10"/>
+          </p:nvPr>
+        </p:nvSpPr>
+        <p:spPr/>
+        <p:txBody>
+          <a:bodyPr/>
+          <a:lstStyle/>
+          <a:p>
+            <a:fld id="{49D6F140-F91F-C64E-A791-8EEBE5B18E2F}" type="slidenum">
+              <a:rPr lang="en-US" smtClean="0"/>
+              <a:t>20</a:t>
+            </a:fld>
+            <a:endParaRPr lang="en-US"/>
+          </a:p>
+        </p:txBody>
+      </p:sp>
+    </p:spTree>
+    <p:extLst>
+      <p:ext uri="{BB962C8B-B14F-4D97-AF65-F5344CB8AC3E}">
+        <p14:creationId xmlns:p14="http://schemas.microsoft.com/office/powerpoint/2010/main" val="1491788478"/>
+      </p:ext>
+    </p:extLst>
+  </p:cSld>
+  <p:clrMapOvr>
+    <a:masterClrMapping/>
+  </p:clrMapOvr>
+</p:notes>
+</file>
+
+<file path=ppt/notesSlides/notesSlide2.xml><?xml version="1.0" encoding="utf-8"?>
+<p:notes xmlns:a="http://schemas.openxmlformats.org/drawingml/2006/main" xmlns:r="http://schemas.openxmlformats.org/officeDocument/2006/relationships" xmlns:p="http://schemas.openxmlformats.org/presentationml/2006/main">
+  <p:cSld>
+    <p:spTree>
+      <p:nvGrpSpPr>
+        <p:cNvPr id="1" name=""/>
+        <p:cNvGrpSpPr/>
+        <p:nvPr/>
+      </p:nvGrpSpPr>
+      <p:grpSpPr>
+        <a:xfrm>
+          <a:off x="0" y="0"/>
+          <a:ext cx="0" cy="0"/>
+          <a:chOff x="0" y="0"/>
+          <a:chExt cx="0" cy="0"/>
+        </a:xfrm>
+      </p:grpSpPr>
+      <p:sp>
+        <p:nvSpPr>
+          <p:cNvPr id="2" name="Slide Image Placeholder 1"/>
+          <p:cNvSpPr>
+            <a:spLocks noGrp="1" noRot="1" noChangeAspect="1"/>
+          </p:cNvSpPr>
+          <p:nvPr>
+            <p:ph type="sldImg"/>
+          </p:nvPr>
+        </p:nvSpPr>
+        <p:spPr/>
+      </p:sp>
+      <p:sp>
+        <p:nvSpPr>
+          <p:cNvPr id="3" name="Notes Placeholder 2"/>
+          <p:cNvSpPr>
+            <a:spLocks noGrp="1"/>
+          </p:cNvSpPr>
+          <p:nvPr>
+            <p:ph type="body" idx="1"/>
+          </p:nvPr>
+        </p:nvSpPr>
+        <p:spPr/>
+        <p:txBody>
+          <a:bodyPr/>
+          <a:lstStyle/>
+          <a:p>
+            <a:endParaRPr lang="en-US" dirty="0"/>
+          </a:p>
+        </p:txBody>
+      </p:sp>
+      <p:sp>
+        <p:nvSpPr>
+          <p:cNvPr id="4" name="Slide Number Placeholder 3"/>
+          <p:cNvSpPr>
+            <a:spLocks noGrp="1"/>
+          </p:cNvSpPr>
+          <p:nvPr>
+            <p:ph type="sldNum" sz="quarter" idx="10"/>
+          </p:nvPr>
+        </p:nvSpPr>
+        <p:spPr/>
+        <p:txBody>
+          <a:bodyPr/>
+          <a:lstStyle/>
+          <a:p>
+            <a:fld id="{49D6F140-F91F-C64E-A791-8EEBE5B18E2F}" type="slidenum">
+              <a:rPr lang="en-US" smtClean="0"/>
+              <a:t>29</a:t>
+            </a:fld>
+            <a:endParaRPr lang="en-US"/>
+          </a:p>
+        </p:txBody>
+      </p:sp>
+    </p:spTree>
+    <p:extLst>
+      <p:ext uri="{BB962C8B-B14F-4D97-AF65-F5344CB8AC3E}">
+        <p14:creationId xmlns:p14="http://schemas.microsoft.com/office/powerpoint/2010/main" val="1077644505"/>
+      </p:ext>
+    </p:extLst>
+  </p:cSld>
+  <p:clrMapOvr>
+    <a:masterClrMapping/>
+  </p:clrMapOvr>
+</p:notes>
+</file>
+
 <file path=ppt/slideLayouts/slideLayout1.xml><?xml version="1.0" encoding="utf-8"?>
 <p:sldLayout xmlns:a="http://schemas.openxmlformats.org/drawingml/2006/main" xmlns:r="http://schemas.openxmlformats.org/officeDocument/2006/relationships" xmlns:p="http://schemas.openxmlformats.org/presentationml/2006/main" type="title" preserve="1">
   <p:cSld name="Title Slide">
@@ -289,7 +850,7 @@
           <a:p>
             <a:fld id="{00ED810F-92B1-F946-A788-203E54D97324}" type="datetimeFigureOut">
               <a:rPr lang="en-US" smtClean="0"/>
-              <a:t>3/20/16</a:t>
+              <a:t>4/8/16</a:t>
             </a:fld>
             <a:endParaRPr lang="en-US"/>
           </a:p>
@@ -459,7 +1020,7 @@
           <a:p>
             <a:fld id="{00ED810F-92B1-F946-A788-203E54D97324}" type="datetimeFigureOut">
               <a:rPr lang="en-US" smtClean="0"/>
-              <a:t>3/20/16</a:t>
+              <a:t>4/8/16</a:t>
             </a:fld>
             <a:endParaRPr lang="en-US"/>
           </a:p>
@@ -639,7 +1200,7 @@
           <a:p>
             <a:fld id="{00ED810F-92B1-F946-A788-203E54D97324}" type="datetimeFigureOut">
               <a:rPr lang="en-US" smtClean="0"/>
-              <a:t>3/20/16</a:t>
+              <a:t>4/8/16</a:t>
             </a:fld>
             <a:endParaRPr lang="en-US"/>
           </a:p>
@@ -809,7 +1370,7 @@
           <a:p>
             <a:fld id="{00ED810F-92B1-F946-A788-203E54D97324}" type="datetimeFigureOut">
               <a:rPr lang="en-US" smtClean="0"/>
-              <a:t>3/20/16</a:t>
+              <a:t>4/8/16</a:t>
             </a:fld>
             <a:endParaRPr lang="en-US"/>
           </a:p>
@@ -1055,7 +1616,7 @@
           <a:p>
             <a:fld id="{00ED810F-92B1-F946-A788-203E54D97324}" type="datetimeFigureOut">
               <a:rPr lang="en-US" smtClean="0"/>
-              <a:t>3/20/16</a:t>
+              <a:t>4/8/16</a:t>
             </a:fld>
             <a:endParaRPr lang="en-US"/>
           </a:p>
@@ -1343,7 +1904,7 @@
           <a:p>
             <a:fld id="{00ED810F-92B1-F946-A788-203E54D97324}" type="datetimeFigureOut">
               <a:rPr lang="en-US" smtClean="0"/>
-              <a:t>3/20/16</a:t>
+              <a:t>4/8/16</a:t>
             </a:fld>
             <a:endParaRPr lang="en-US"/>
           </a:p>
@@ -1765,7 +2326,7 @@
           <a:p>
             <a:fld id="{00ED810F-92B1-F946-A788-203E54D97324}" type="datetimeFigureOut">
               <a:rPr lang="en-US" smtClean="0"/>
-              <a:t>3/20/16</a:t>
+              <a:t>4/8/16</a:t>
             </a:fld>
             <a:endParaRPr lang="en-US"/>
           </a:p>
@@ -1883,7 +2444,7 @@
           <a:p>
             <a:fld id="{00ED810F-92B1-F946-A788-203E54D97324}" type="datetimeFigureOut">
               <a:rPr lang="en-US" smtClean="0"/>
-              <a:t>3/20/16</a:t>
+              <a:t>4/8/16</a:t>
             </a:fld>
             <a:endParaRPr lang="en-US"/>
           </a:p>
@@ -1978,7 +2539,7 @@
           <a:p>
             <a:fld id="{00ED810F-92B1-F946-A788-203E54D97324}" type="datetimeFigureOut">
               <a:rPr lang="en-US" smtClean="0"/>
-              <a:t>3/20/16</a:t>
+              <a:t>4/8/16</a:t>
             </a:fld>
             <a:endParaRPr lang="en-US"/>
           </a:p>
@@ -2255,7 +2816,7 @@
           <a:p>
             <a:fld id="{00ED810F-92B1-F946-A788-203E54D97324}" type="datetimeFigureOut">
               <a:rPr lang="en-US" smtClean="0"/>
-              <a:t>3/20/16</a:t>
+              <a:t>4/8/16</a:t>
             </a:fld>
             <a:endParaRPr lang="en-US"/>
           </a:p>
@@ -2508,7 +3069,7 @@
           <a:p>
             <a:fld id="{00ED810F-92B1-F946-A788-203E54D97324}" type="datetimeFigureOut">
               <a:rPr lang="en-US" smtClean="0"/>
-              <a:t>3/20/16</a:t>
+              <a:t>4/8/16</a:t>
             </a:fld>
             <a:endParaRPr lang="en-US"/>
           </a:p>
@@ -2721,7 +3282,7 @@
           <a:p>
             <a:fld id="{00ED810F-92B1-F946-A788-203E54D97324}" type="datetimeFigureOut">
               <a:rPr lang="en-US" smtClean="0"/>
-              <a:t>3/20/16</a:t>
+              <a:t>4/8/16</a:t>
             </a:fld>
             <a:endParaRPr lang="en-US"/>
           </a:p>
@@ -3096,6 +3657,30 @@
           <a:chExt cx="0" cy="0"/>
         </a:xfrm>
       </p:grpSpPr>
+      <p:pic>
+        <p:nvPicPr>
+          <p:cNvPr id="5" name="Picture 4"/>
+          <p:cNvPicPr>
+            <a:picLocks noChangeAspect="1"/>
+          </p:cNvPicPr>
+          <p:nvPr/>
+        </p:nvPicPr>
+        <p:blipFill>
+          <a:blip r:embed="rId2"/>
+          <a:stretch>
+            <a:fillRect/>
+          </a:stretch>
+        </p:blipFill>
+        <p:spPr>
+          <a:xfrm>
+            <a:off x="4572000" y="4698562"/>
+            <a:ext cx="4216400" cy="1244600"/>
+          </a:xfrm>
+          <a:prstGeom prst="rect">
+            <a:avLst/>
+          </a:prstGeom>
+        </p:spPr>
+      </p:pic>
       <p:sp>
         <p:nvSpPr>
           <p:cNvPr id="2" name="Title 1"/>
@@ -3106,12 +3691,41 @@
             <p:ph type="ctrTitle"/>
           </p:nvPr>
         </p:nvSpPr>
-        <p:spPr/>
-        <p:txBody>
-          <a:bodyPr/>
-          <a:lstStyle/>
-          <a:p>
-            <a:endParaRPr lang="en-US"/>
+        <p:spPr>
+          <a:xfrm>
+            <a:off x="685800" y="1270111"/>
+            <a:ext cx="7772400" cy="2330340"/>
+          </a:xfrm>
+        </p:spPr>
+        <p:txBody>
+          <a:bodyPr>
+            <a:normAutofit/>
+          </a:bodyPr>
+          <a:lstStyle/>
+          <a:p>
+            <a:r>
+              <a:rPr lang="en-US" sz="3600" dirty="0" err="1"/>
+              <a:t>DevOps</a:t>
+            </a:r>
+            <a:r>
+              <a:rPr lang="en-US" sz="3600" dirty="0"/>
+              <a:t> &amp; Cloud Infrastructure</a:t>
+            </a:r>
+            <a:br>
+              <a:rPr lang="en-US" sz="3600" dirty="0"/>
+            </a:br>
+            <a:r>
+              <a:rPr lang="en-US" sz="3600" dirty="0"/>
+              <a:t>SEIS 6XX</a:t>
+            </a:r>
+            <a:br>
+              <a:rPr lang="en-US" sz="3600" dirty="0"/>
+            </a:br>
+            <a:r>
+              <a:rPr lang="en-US" sz="3600" dirty="0"/>
+              <a:t>Week 6</a:t>
+            </a:r>
+            <a:endParaRPr lang="en-US" sz="3600" dirty="0"/>
           </a:p>
         </p:txBody>
       </p:sp>
@@ -3127,17 +3741,1519 @@
         </p:nvSpPr>
         <p:spPr/>
         <p:txBody>
-          <a:bodyPr/>
-          <a:lstStyle/>
-          <a:p>
-            <a:endParaRPr lang="en-US"/>
+          <a:bodyPr>
+            <a:normAutofit fontScale="70000" lnSpcReduction="20000"/>
+          </a:bodyPr>
+          <a:lstStyle/>
+          <a:p>
+            <a:pPr algn="l"/>
+            <a:r>
+              <a:rPr lang="en-US" dirty="0" smtClean="0"/>
+              <a:t>Jason Baker</a:t>
+            </a:r>
+          </a:p>
+          <a:p>
+            <a:pPr algn="l"/>
+            <a:r>
+              <a:rPr lang="en-US" dirty="0" smtClean="0"/>
+              <a:t>Adjunct Instructor</a:t>
+            </a:r>
+          </a:p>
+          <a:p>
+            <a:pPr algn="l"/>
+            <a:r>
+              <a:rPr lang="en-US" dirty="0" smtClean="0"/>
+              <a:t>Graduate Programs in Software</a:t>
+            </a:r>
+          </a:p>
+          <a:p>
+            <a:pPr algn="l"/>
+            <a:r>
+              <a:rPr lang="en-US" dirty="0" smtClean="0"/>
+              <a:t>University of St. Thomas</a:t>
+            </a:r>
+          </a:p>
+          <a:p>
+            <a:pPr algn="l"/>
+            <a:r>
+              <a:rPr lang="en-US" dirty="0" smtClean="0"/>
+              <a:t>St. Paul, MN</a:t>
+            </a:r>
+            <a:endParaRPr lang="en-US" dirty="0"/>
           </a:p>
         </p:txBody>
       </p:sp>
     </p:spTree>
     <p:extLst>
       <p:ext uri="{BB962C8B-B14F-4D97-AF65-F5344CB8AC3E}">
-        <p14:creationId xmlns:p14="http://schemas.microsoft.com/office/powerpoint/2010/main" val="300471662"/>
+        <p14:creationId xmlns:p14="http://schemas.microsoft.com/office/powerpoint/2010/main" val="2349044916"/>
+      </p:ext>
+    </p:extLst>
+  </p:cSld>
+  <p:clrMapOvr>
+    <a:masterClrMapping/>
+  </p:clrMapOvr>
+</p:sld>
+</file>
+
+<file path=ppt/slides/slide10.xml><?xml version="1.0" encoding="utf-8"?>
+<p:sld xmlns:a="http://schemas.openxmlformats.org/drawingml/2006/main" xmlns:r="http://schemas.openxmlformats.org/officeDocument/2006/relationships" xmlns:p="http://schemas.openxmlformats.org/presentationml/2006/main">
+  <p:cSld>
+    <p:spTree>
+      <p:nvGrpSpPr>
+        <p:cNvPr id="1" name=""/>
+        <p:cNvGrpSpPr/>
+        <p:nvPr/>
+      </p:nvGrpSpPr>
+      <p:grpSpPr>
+        <a:xfrm>
+          <a:off x="0" y="0"/>
+          <a:ext cx="0" cy="0"/>
+          <a:chOff x="0" y="0"/>
+          <a:chExt cx="0" cy="0"/>
+        </a:xfrm>
+      </p:grpSpPr>
+      <p:sp>
+        <p:nvSpPr>
+          <p:cNvPr id="2" name="Title 1"/>
+          <p:cNvSpPr>
+            <a:spLocks noGrp="1"/>
+          </p:cNvSpPr>
+          <p:nvPr>
+            <p:ph type="title"/>
+          </p:nvPr>
+        </p:nvSpPr>
+        <p:spPr/>
+        <p:txBody>
+          <a:bodyPr/>
+          <a:lstStyle/>
+          <a:p>
+            <a:r>
+              <a:rPr lang="en-US" dirty="0" smtClean="0"/>
+              <a:t>EC2 Auto Scaling</a:t>
+            </a:r>
+            <a:endParaRPr lang="en-US" dirty="0"/>
+          </a:p>
+        </p:txBody>
+      </p:sp>
+      <p:sp>
+        <p:nvSpPr>
+          <p:cNvPr id="3" name="Content Placeholder 2"/>
+          <p:cNvSpPr>
+            <a:spLocks noGrp="1"/>
+          </p:cNvSpPr>
+          <p:nvPr>
+            <p:ph idx="1"/>
+          </p:nvPr>
+        </p:nvSpPr>
+        <p:spPr/>
+        <p:txBody>
+          <a:bodyPr>
+            <a:normAutofit lnSpcReduction="10000"/>
+          </a:bodyPr>
+          <a:lstStyle/>
+          <a:p>
+            <a:r>
+              <a:rPr lang="en-US" b="1" dirty="0" smtClean="0"/>
+              <a:t>Auto scaling </a:t>
+            </a:r>
+            <a:r>
+              <a:rPr lang="en-US" dirty="0" smtClean="0"/>
+              <a:t>allows you to scale EC2 capacity up or down based on defined conditions</a:t>
+            </a:r>
+          </a:p>
+          <a:p>
+            <a:pPr lvl="1"/>
+            <a:r>
+              <a:rPr lang="en-US" dirty="0" smtClean="0"/>
+              <a:t>Ensure a certain number of instances are always running</a:t>
+            </a:r>
+          </a:p>
+          <a:p>
+            <a:pPr lvl="1"/>
+            <a:r>
+              <a:rPr lang="en-US" dirty="0" smtClean="0"/>
+              <a:t>Increase or decrease number of instances to support current demand and save costs</a:t>
+            </a:r>
+          </a:p>
+          <a:p>
+            <a:pPr lvl="1"/>
+            <a:endParaRPr lang="en-US" dirty="0" smtClean="0"/>
+          </a:p>
+          <a:p>
+            <a:r>
+              <a:rPr lang="en-US" dirty="0" smtClean="0"/>
+              <a:t>Only billed for instances created by Auto Scaling, </a:t>
+            </a:r>
+            <a:r>
+              <a:rPr lang="en-US" u="sng" dirty="0" smtClean="0"/>
+              <a:t>not</a:t>
+            </a:r>
+            <a:r>
+              <a:rPr lang="en-US" dirty="0" smtClean="0"/>
+              <a:t> the service itself</a:t>
+            </a:r>
+            <a:endParaRPr lang="en-US" dirty="0"/>
+          </a:p>
+        </p:txBody>
+      </p:sp>
+    </p:spTree>
+    <p:extLst>
+      <p:ext uri="{BB962C8B-B14F-4D97-AF65-F5344CB8AC3E}">
+        <p14:creationId xmlns:p14="http://schemas.microsoft.com/office/powerpoint/2010/main" val="2568075336"/>
+      </p:ext>
+    </p:extLst>
+  </p:cSld>
+  <p:clrMapOvr>
+    <a:masterClrMapping/>
+  </p:clrMapOvr>
+</p:sld>
+</file>
+
+<file path=ppt/slides/slide11.xml><?xml version="1.0" encoding="utf-8"?>
+<p:sld xmlns:a="http://schemas.openxmlformats.org/drawingml/2006/main" xmlns:r="http://schemas.openxmlformats.org/officeDocument/2006/relationships" xmlns:p="http://schemas.openxmlformats.org/presentationml/2006/main">
+  <p:cSld>
+    <p:spTree>
+      <p:nvGrpSpPr>
+        <p:cNvPr id="1" name=""/>
+        <p:cNvGrpSpPr/>
+        <p:nvPr/>
+      </p:nvGrpSpPr>
+      <p:grpSpPr>
+        <a:xfrm>
+          <a:off x="0" y="0"/>
+          <a:ext cx="0" cy="0"/>
+          <a:chOff x="0" y="0"/>
+          <a:chExt cx="0" cy="0"/>
+        </a:xfrm>
+      </p:grpSpPr>
+      <p:sp>
+        <p:nvSpPr>
+          <p:cNvPr id="2" name="Title 1"/>
+          <p:cNvSpPr>
+            <a:spLocks noGrp="1"/>
+          </p:cNvSpPr>
+          <p:nvPr>
+            <p:ph type="title"/>
+          </p:nvPr>
+        </p:nvSpPr>
+        <p:spPr/>
+        <p:txBody>
+          <a:bodyPr/>
+          <a:lstStyle/>
+          <a:p>
+            <a:r>
+              <a:rPr lang="en-US" dirty="0" smtClean="0"/>
+              <a:t>EC2 Auto Scaling</a:t>
+            </a:r>
+            <a:endParaRPr lang="en-US" dirty="0"/>
+          </a:p>
+        </p:txBody>
+      </p:sp>
+      <p:sp>
+        <p:nvSpPr>
+          <p:cNvPr id="3" name="Content Placeholder 2"/>
+          <p:cNvSpPr>
+            <a:spLocks noGrp="1"/>
+          </p:cNvSpPr>
+          <p:nvPr>
+            <p:ph idx="1"/>
+          </p:nvPr>
+        </p:nvSpPr>
+        <p:spPr/>
+        <p:txBody>
+          <a:bodyPr>
+            <a:normAutofit lnSpcReduction="10000"/>
+          </a:bodyPr>
+          <a:lstStyle/>
+          <a:p>
+            <a:r>
+              <a:rPr lang="en-US" dirty="0" smtClean="0"/>
+              <a:t>Two components of auto scaling configuration:</a:t>
+            </a:r>
+          </a:p>
+          <a:p>
+            <a:pPr lvl="1"/>
+            <a:r>
+              <a:rPr lang="en-US" b="1" dirty="0" smtClean="0"/>
+              <a:t>Launch Configuration</a:t>
+            </a:r>
+            <a:r>
+              <a:rPr lang="en-US" dirty="0" smtClean="0"/>
+              <a:t>: specifies the type of EC2 instance created during the auto scaling process</a:t>
+            </a:r>
+          </a:p>
+          <a:p>
+            <a:pPr lvl="2"/>
+            <a:r>
+              <a:rPr lang="en-US" dirty="0" smtClean="0"/>
+              <a:t>Very similar to launching an EC2 instance, in this case just the configuration is created</a:t>
+            </a:r>
+          </a:p>
+          <a:p>
+            <a:pPr lvl="2"/>
+            <a:endParaRPr lang="en-US" dirty="0" smtClean="0"/>
+          </a:p>
+          <a:p>
+            <a:pPr lvl="1"/>
+            <a:r>
+              <a:rPr lang="en-US" b="1" dirty="0" smtClean="0"/>
+              <a:t>Auto Scaling Group</a:t>
+            </a:r>
+            <a:r>
+              <a:rPr lang="en-US" dirty="0" smtClean="0"/>
+              <a:t>: defines a set of EC2 instances and the the conditions which determine the number of instances in the set</a:t>
+            </a:r>
+            <a:endParaRPr lang="en-US" dirty="0"/>
+          </a:p>
+        </p:txBody>
+      </p:sp>
+    </p:spTree>
+    <p:extLst>
+      <p:ext uri="{BB962C8B-B14F-4D97-AF65-F5344CB8AC3E}">
+        <p14:creationId xmlns:p14="http://schemas.microsoft.com/office/powerpoint/2010/main" val="818472278"/>
+      </p:ext>
+    </p:extLst>
+  </p:cSld>
+  <p:clrMapOvr>
+    <a:masterClrMapping/>
+  </p:clrMapOvr>
+</p:sld>
+</file>
+
+<file path=ppt/slides/slide12.xml><?xml version="1.0" encoding="utf-8"?>
+<p:sld xmlns:a="http://schemas.openxmlformats.org/drawingml/2006/main" xmlns:r="http://schemas.openxmlformats.org/officeDocument/2006/relationships" xmlns:p="http://schemas.openxmlformats.org/presentationml/2006/main">
+  <p:cSld>
+    <p:spTree>
+      <p:nvGrpSpPr>
+        <p:cNvPr id="1" name=""/>
+        <p:cNvGrpSpPr/>
+        <p:nvPr/>
+      </p:nvGrpSpPr>
+      <p:grpSpPr>
+        <a:xfrm>
+          <a:off x="0" y="0"/>
+          <a:ext cx="0" cy="0"/>
+          <a:chOff x="0" y="0"/>
+          <a:chExt cx="0" cy="0"/>
+        </a:xfrm>
+      </p:grpSpPr>
+      <p:sp>
+        <p:nvSpPr>
+          <p:cNvPr id="2" name="Title 1"/>
+          <p:cNvSpPr>
+            <a:spLocks noGrp="1"/>
+          </p:cNvSpPr>
+          <p:nvPr>
+            <p:ph type="title"/>
+          </p:nvPr>
+        </p:nvSpPr>
+        <p:spPr/>
+        <p:txBody>
+          <a:bodyPr/>
+          <a:lstStyle/>
+          <a:p>
+            <a:r>
+              <a:rPr lang="en-US" dirty="0" smtClean="0"/>
+              <a:t>EC2 Auto Scaling</a:t>
+            </a:r>
+            <a:endParaRPr lang="en-US" dirty="0"/>
+          </a:p>
+        </p:txBody>
+      </p:sp>
+      <p:sp>
+        <p:nvSpPr>
+          <p:cNvPr id="3" name="Content Placeholder 2"/>
+          <p:cNvSpPr>
+            <a:spLocks noGrp="1"/>
+          </p:cNvSpPr>
+          <p:nvPr>
+            <p:ph idx="1"/>
+          </p:nvPr>
+        </p:nvSpPr>
+        <p:spPr/>
+        <p:txBody>
+          <a:bodyPr>
+            <a:normAutofit fontScale="92500" lnSpcReduction="10000"/>
+          </a:bodyPr>
+          <a:lstStyle/>
+          <a:p>
+            <a:r>
+              <a:rPr lang="en-US" dirty="0" smtClean="0"/>
+              <a:t>Auto Scaling Group configurations:</a:t>
+            </a:r>
+          </a:p>
+          <a:p>
+            <a:pPr lvl="1"/>
+            <a:r>
+              <a:rPr lang="en-US" b="1" dirty="0" smtClean="0"/>
+              <a:t>Maintain minimum number of instances</a:t>
+            </a:r>
+            <a:r>
+              <a:rPr lang="en-US" dirty="0" smtClean="0"/>
+              <a:t>: automatically launches new instances if a current instance becomes unhealthy</a:t>
+            </a:r>
+          </a:p>
+          <a:p>
+            <a:pPr lvl="1"/>
+            <a:endParaRPr lang="en-US" dirty="0" smtClean="0"/>
+          </a:p>
+          <a:p>
+            <a:pPr lvl="1"/>
+            <a:r>
+              <a:rPr lang="en-US" b="1" dirty="0" smtClean="0"/>
+              <a:t>Manual scaling</a:t>
+            </a:r>
+            <a:r>
+              <a:rPr lang="en-US" dirty="0" smtClean="0"/>
+              <a:t>: user manually changes auto scaling group configuration and AWS adjust instance count to match new configuration</a:t>
+            </a:r>
+          </a:p>
+          <a:p>
+            <a:pPr lvl="1"/>
+            <a:endParaRPr lang="en-US" dirty="0" smtClean="0"/>
+          </a:p>
+          <a:p>
+            <a:pPr lvl="1"/>
+            <a:r>
+              <a:rPr lang="en-US" b="1" dirty="0" smtClean="0"/>
+              <a:t>Dynamic scaling</a:t>
+            </a:r>
+            <a:r>
+              <a:rPr lang="en-US" dirty="0" smtClean="0"/>
+              <a:t>: instances launched or removed based on </a:t>
+            </a:r>
+            <a:r>
+              <a:rPr lang="en-US" dirty="0" err="1" smtClean="0"/>
+              <a:t>CloudWatch</a:t>
+            </a:r>
+            <a:r>
+              <a:rPr lang="en-US" dirty="0" smtClean="0"/>
+              <a:t> metrics and alarms</a:t>
+            </a:r>
+          </a:p>
+          <a:p>
+            <a:pPr lvl="1"/>
+            <a:endParaRPr lang="en-US" dirty="0"/>
+          </a:p>
+        </p:txBody>
+      </p:sp>
+    </p:spTree>
+    <p:extLst>
+      <p:ext uri="{BB962C8B-B14F-4D97-AF65-F5344CB8AC3E}">
+        <p14:creationId xmlns:p14="http://schemas.microsoft.com/office/powerpoint/2010/main" val="448799512"/>
+      </p:ext>
+    </p:extLst>
+  </p:cSld>
+  <p:clrMapOvr>
+    <a:masterClrMapping/>
+  </p:clrMapOvr>
+</p:sld>
+</file>
+
+<file path=ppt/slides/slide13.xml><?xml version="1.0" encoding="utf-8"?>
+<p:sld xmlns:a="http://schemas.openxmlformats.org/drawingml/2006/main" xmlns:r="http://schemas.openxmlformats.org/officeDocument/2006/relationships" xmlns:p="http://schemas.openxmlformats.org/presentationml/2006/main">
+  <p:cSld>
+    <p:spTree>
+      <p:nvGrpSpPr>
+        <p:cNvPr id="1" name=""/>
+        <p:cNvGrpSpPr/>
+        <p:nvPr/>
+      </p:nvGrpSpPr>
+      <p:grpSpPr>
+        <a:xfrm>
+          <a:off x="0" y="0"/>
+          <a:ext cx="0" cy="0"/>
+          <a:chOff x="0" y="0"/>
+          <a:chExt cx="0" cy="0"/>
+        </a:xfrm>
+      </p:grpSpPr>
+      <p:sp>
+        <p:nvSpPr>
+          <p:cNvPr id="2" name="Title 1"/>
+          <p:cNvSpPr>
+            <a:spLocks noGrp="1"/>
+          </p:cNvSpPr>
+          <p:nvPr>
+            <p:ph type="title"/>
+          </p:nvPr>
+        </p:nvSpPr>
+        <p:spPr/>
+        <p:txBody>
+          <a:bodyPr/>
+          <a:lstStyle/>
+          <a:p>
+            <a:r>
+              <a:rPr lang="en-US" dirty="0" smtClean="0"/>
+              <a:t>Auto Scaling Hands On</a:t>
+            </a:r>
+            <a:endParaRPr lang="en-US" dirty="0"/>
+          </a:p>
+        </p:txBody>
+      </p:sp>
+      <p:sp>
+        <p:nvSpPr>
+          <p:cNvPr id="3" name="Content Placeholder 2"/>
+          <p:cNvSpPr>
+            <a:spLocks noGrp="1"/>
+          </p:cNvSpPr>
+          <p:nvPr>
+            <p:ph idx="1"/>
+          </p:nvPr>
+        </p:nvSpPr>
+        <p:spPr/>
+        <p:txBody>
+          <a:bodyPr>
+            <a:normAutofit fontScale="92500" lnSpcReduction="20000"/>
+          </a:bodyPr>
+          <a:lstStyle/>
+          <a:p>
+            <a:r>
+              <a:rPr lang="en-US" dirty="0" smtClean="0"/>
+              <a:t>Create a launch group</a:t>
+            </a:r>
+          </a:p>
+          <a:p>
+            <a:endParaRPr lang="en-US" dirty="0" smtClean="0"/>
+          </a:p>
+          <a:p>
+            <a:r>
+              <a:rPr lang="en-US" dirty="0" smtClean="0"/>
+              <a:t>Create an auto scaling group</a:t>
+            </a:r>
+          </a:p>
+          <a:p>
+            <a:pPr lvl="1"/>
+            <a:r>
+              <a:rPr lang="en-US" dirty="0" smtClean="0"/>
+              <a:t>Group size = 2</a:t>
+            </a:r>
+          </a:p>
+          <a:p>
+            <a:pPr lvl="1"/>
+            <a:r>
+              <a:rPr lang="en-US" dirty="0" smtClean="0"/>
+              <a:t>Keep group at its initial size</a:t>
+            </a:r>
+          </a:p>
+          <a:p>
+            <a:pPr lvl="1"/>
+            <a:endParaRPr lang="en-US" dirty="0" smtClean="0"/>
+          </a:p>
+          <a:p>
+            <a:r>
+              <a:rPr lang="en-US" dirty="0" smtClean="0"/>
+              <a:t>Watch AWS automatically launch EC2 instances</a:t>
+            </a:r>
+          </a:p>
+          <a:p>
+            <a:endParaRPr lang="en-US" dirty="0" smtClean="0"/>
+          </a:p>
+          <a:p>
+            <a:r>
+              <a:rPr lang="en-US" dirty="0" smtClean="0"/>
+              <a:t>Manually fail one of the instances and watch automatic recovery</a:t>
+            </a:r>
+          </a:p>
+        </p:txBody>
+      </p:sp>
+      <p:pic>
+        <p:nvPicPr>
+          <p:cNvPr id="4" name="Picture 3"/>
+          <p:cNvPicPr>
+            <a:picLocks noChangeAspect="1"/>
+          </p:cNvPicPr>
+          <p:nvPr/>
+        </p:nvPicPr>
+        <p:blipFill>
+          <a:blip r:embed="rId2"/>
+          <a:stretch>
+            <a:fillRect/>
+          </a:stretch>
+        </p:blipFill>
+        <p:spPr>
+          <a:xfrm>
+            <a:off x="7384148" y="403586"/>
+            <a:ext cx="1014052" cy="1014052"/>
+          </a:xfrm>
+          <a:prstGeom prst="rect">
+            <a:avLst/>
+          </a:prstGeom>
+        </p:spPr>
+      </p:pic>
+    </p:spTree>
+    <p:extLst>
+      <p:ext uri="{BB962C8B-B14F-4D97-AF65-F5344CB8AC3E}">
+        <p14:creationId xmlns:p14="http://schemas.microsoft.com/office/powerpoint/2010/main" val="360867253"/>
+      </p:ext>
+    </p:extLst>
+  </p:cSld>
+  <p:clrMapOvr>
+    <a:masterClrMapping/>
+  </p:clrMapOvr>
+</p:sld>
+</file>
+
+<file path=ppt/slides/slide14.xml><?xml version="1.0" encoding="utf-8"?>
+<p:sld xmlns:a="http://schemas.openxmlformats.org/drawingml/2006/main" xmlns:r="http://schemas.openxmlformats.org/officeDocument/2006/relationships" xmlns:p="http://schemas.openxmlformats.org/presentationml/2006/main">
+  <p:cSld>
+    <p:spTree>
+      <p:nvGrpSpPr>
+        <p:cNvPr id="1" name=""/>
+        <p:cNvGrpSpPr/>
+        <p:nvPr/>
+      </p:nvGrpSpPr>
+      <p:grpSpPr>
+        <a:xfrm>
+          <a:off x="0" y="0"/>
+          <a:ext cx="0" cy="0"/>
+          <a:chOff x="0" y="0"/>
+          <a:chExt cx="0" cy="0"/>
+        </a:xfrm>
+      </p:grpSpPr>
+      <p:sp>
+        <p:nvSpPr>
+          <p:cNvPr id="2" name="Title 1"/>
+          <p:cNvSpPr>
+            <a:spLocks noGrp="1"/>
+          </p:cNvSpPr>
+          <p:nvPr>
+            <p:ph type="title"/>
+          </p:nvPr>
+        </p:nvSpPr>
+        <p:spPr/>
+        <p:txBody>
+          <a:bodyPr/>
+          <a:lstStyle/>
+          <a:p>
+            <a:r>
+              <a:rPr lang="en-US" dirty="0" err="1" smtClean="0"/>
+              <a:t>ElastiCache</a:t>
+            </a:r>
+            <a:endParaRPr lang="en-US" dirty="0"/>
+          </a:p>
+        </p:txBody>
+      </p:sp>
+      <p:sp>
+        <p:nvSpPr>
+          <p:cNvPr id="3" name="Content Placeholder 2"/>
+          <p:cNvSpPr>
+            <a:spLocks noGrp="1"/>
+          </p:cNvSpPr>
+          <p:nvPr>
+            <p:ph idx="1"/>
+          </p:nvPr>
+        </p:nvSpPr>
+        <p:spPr/>
+        <p:txBody>
+          <a:bodyPr>
+            <a:normAutofit fontScale="85000" lnSpcReduction="10000"/>
+          </a:bodyPr>
+          <a:lstStyle/>
+          <a:p>
+            <a:r>
+              <a:rPr lang="en-US" b="1" dirty="0" err="1" smtClean="0"/>
+              <a:t>ElastiCache</a:t>
+            </a:r>
+            <a:r>
+              <a:rPr lang="en-US" dirty="0" smtClean="0"/>
+              <a:t> is a distributed in-memory caching system</a:t>
+            </a:r>
+          </a:p>
+          <a:p>
+            <a:pPr lvl="1"/>
+            <a:r>
+              <a:rPr lang="en-US" dirty="0" smtClean="0"/>
+              <a:t>Huge performance improvement when reading from memory vs. disk</a:t>
+            </a:r>
+          </a:p>
+          <a:p>
+            <a:pPr lvl="2"/>
+            <a:r>
+              <a:rPr lang="en-US" dirty="0" smtClean="0"/>
+              <a:t>Main memory reference = 100 ns</a:t>
+            </a:r>
+          </a:p>
+          <a:p>
+            <a:pPr lvl="2"/>
+            <a:r>
+              <a:rPr lang="en-US" dirty="0" smtClean="0"/>
+              <a:t>Read 4k randomly from SSD = 150,000 ns</a:t>
+            </a:r>
+          </a:p>
+          <a:p>
+            <a:pPr lvl="2"/>
+            <a:endParaRPr lang="en-US" dirty="0" smtClean="0"/>
+          </a:p>
+          <a:p>
+            <a:r>
+              <a:rPr lang="en-US" dirty="0" smtClean="0"/>
+              <a:t>Benefits:</a:t>
+            </a:r>
+          </a:p>
+          <a:p>
+            <a:pPr lvl="1"/>
+            <a:r>
+              <a:rPr lang="en-US" dirty="0" smtClean="0"/>
+              <a:t>Cache frequent database queries </a:t>
+            </a:r>
+          </a:p>
+          <a:p>
+            <a:pPr lvl="2"/>
+            <a:r>
+              <a:rPr lang="en-US" dirty="0" smtClean="0"/>
+              <a:t>List of US states</a:t>
+            </a:r>
+          </a:p>
+          <a:p>
+            <a:pPr lvl="2"/>
+            <a:r>
+              <a:rPr lang="en-US" dirty="0" smtClean="0"/>
+              <a:t>Product listing</a:t>
+            </a:r>
+          </a:p>
+          <a:p>
+            <a:pPr lvl="1"/>
+            <a:r>
+              <a:rPr lang="en-US" dirty="0" smtClean="0"/>
+              <a:t>Store frequently-accessed data</a:t>
+            </a:r>
+          </a:p>
+          <a:p>
+            <a:pPr lvl="2"/>
+            <a:r>
+              <a:rPr lang="en-US" dirty="0" smtClean="0"/>
+              <a:t>Web sessions</a:t>
+            </a:r>
+          </a:p>
+          <a:p>
+            <a:endParaRPr lang="en-US" dirty="0" smtClean="0"/>
+          </a:p>
+          <a:p>
+            <a:endParaRPr lang="en-US" dirty="0"/>
+          </a:p>
+        </p:txBody>
+      </p:sp>
+    </p:spTree>
+    <p:extLst>
+      <p:ext uri="{BB962C8B-B14F-4D97-AF65-F5344CB8AC3E}">
+        <p14:creationId xmlns:p14="http://schemas.microsoft.com/office/powerpoint/2010/main" val="2393712521"/>
+      </p:ext>
+    </p:extLst>
+  </p:cSld>
+  <p:clrMapOvr>
+    <a:masterClrMapping/>
+  </p:clrMapOvr>
+</p:sld>
+</file>
+
+<file path=ppt/slides/slide15.xml><?xml version="1.0" encoding="utf-8"?>
+<p:sld xmlns:a="http://schemas.openxmlformats.org/drawingml/2006/main" xmlns:r="http://schemas.openxmlformats.org/officeDocument/2006/relationships" xmlns:p="http://schemas.openxmlformats.org/presentationml/2006/main">
+  <p:cSld>
+    <p:spTree>
+      <p:nvGrpSpPr>
+        <p:cNvPr id="1" name=""/>
+        <p:cNvGrpSpPr/>
+        <p:nvPr/>
+      </p:nvGrpSpPr>
+      <p:grpSpPr>
+        <a:xfrm>
+          <a:off x="0" y="0"/>
+          <a:ext cx="0" cy="0"/>
+          <a:chOff x="0" y="0"/>
+          <a:chExt cx="0" cy="0"/>
+        </a:xfrm>
+      </p:grpSpPr>
+      <p:sp>
+        <p:nvSpPr>
+          <p:cNvPr id="2" name="Title 1"/>
+          <p:cNvSpPr>
+            <a:spLocks noGrp="1"/>
+          </p:cNvSpPr>
+          <p:nvPr>
+            <p:ph type="title"/>
+          </p:nvPr>
+        </p:nvSpPr>
+        <p:spPr/>
+        <p:txBody>
+          <a:bodyPr/>
+          <a:lstStyle/>
+          <a:p>
+            <a:r>
+              <a:rPr lang="en-US" dirty="0" err="1" smtClean="0"/>
+              <a:t>ElastiCache</a:t>
+            </a:r>
+            <a:endParaRPr lang="en-US" dirty="0"/>
+          </a:p>
+        </p:txBody>
+      </p:sp>
+      <p:sp>
+        <p:nvSpPr>
+          <p:cNvPr id="3" name="Content Placeholder 2"/>
+          <p:cNvSpPr>
+            <a:spLocks noGrp="1"/>
+          </p:cNvSpPr>
+          <p:nvPr>
+            <p:ph idx="1"/>
+          </p:nvPr>
+        </p:nvSpPr>
+        <p:spPr/>
+        <p:txBody>
+          <a:bodyPr>
+            <a:normAutofit fontScale="70000" lnSpcReduction="20000"/>
+          </a:bodyPr>
+          <a:lstStyle/>
+          <a:p>
+            <a:r>
+              <a:rPr lang="en-US" dirty="0" smtClean="0"/>
+              <a:t>Supports two types of cache systems:</a:t>
+            </a:r>
+          </a:p>
+          <a:p>
+            <a:pPr lvl="1"/>
+            <a:r>
+              <a:rPr lang="en-US" dirty="0" err="1" smtClean="0"/>
+              <a:t>Memcached</a:t>
+            </a:r>
+            <a:endParaRPr lang="en-US" dirty="0" smtClean="0"/>
+          </a:p>
+          <a:p>
+            <a:pPr lvl="1"/>
+            <a:r>
+              <a:rPr lang="en-US" dirty="0" err="1" smtClean="0"/>
+              <a:t>Redis</a:t>
+            </a:r>
+            <a:endParaRPr lang="en-US" dirty="0" smtClean="0"/>
+          </a:p>
+          <a:p>
+            <a:pPr lvl="1"/>
+            <a:endParaRPr lang="en-US" dirty="0" smtClean="0"/>
+          </a:p>
+          <a:p>
+            <a:r>
+              <a:rPr lang="en-US" b="1" dirty="0" err="1" smtClean="0"/>
+              <a:t>Memcached</a:t>
+            </a:r>
+            <a:endParaRPr lang="en-US" b="1" dirty="0" smtClean="0"/>
+          </a:p>
+          <a:p>
+            <a:pPr lvl="1"/>
+            <a:r>
+              <a:rPr lang="en-US" dirty="0" smtClean="0"/>
+              <a:t>Very reliable key/value store</a:t>
+            </a:r>
+          </a:p>
+          <a:p>
+            <a:pPr lvl="1"/>
+            <a:r>
+              <a:rPr lang="en-US" dirty="0" smtClean="0"/>
+              <a:t>Simple to operate and use</a:t>
+            </a:r>
+          </a:p>
+          <a:p>
+            <a:pPr lvl="1"/>
+            <a:endParaRPr lang="en-US" dirty="0" smtClean="0"/>
+          </a:p>
+          <a:p>
+            <a:r>
+              <a:rPr lang="en-US" b="1" dirty="0" err="1" smtClean="0"/>
+              <a:t>Redis</a:t>
+            </a:r>
+            <a:r>
+              <a:rPr lang="en-US" dirty="0" smtClean="0"/>
+              <a:t> has more features today </a:t>
+            </a:r>
+          </a:p>
+          <a:p>
+            <a:pPr lvl="1"/>
+            <a:r>
+              <a:rPr lang="en-US" dirty="0" smtClean="0"/>
+              <a:t>Storing data in a variety of formats beyond key/value: list, array, sets, and sorted sets</a:t>
+            </a:r>
+          </a:p>
+          <a:p>
+            <a:pPr lvl="1"/>
+            <a:r>
+              <a:rPr lang="en-US" dirty="0" smtClean="0"/>
+              <a:t>More complex to operate</a:t>
+            </a:r>
+          </a:p>
+          <a:p>
+            <a:pPr lvl="1"/>
+            <a:r>
+              <a:rPr lang="en-US" dirty="0" smtClean="0"/>
+              <a:t>AWS supports master/slave replication and cross AZ redundancy</a:t>
+            </a:r>
+          </a:p>
+        </p:txBody>
+      </p:sp>
+    </p:spTree>
+    <p:extLst>
+      <p:ext uri="{BB962C8B-B14F-4D97-AF65-F5344CB8AC3E}">
+        <p14:creationId xmlns:p14="http://schemas.microsoft.com/office/powerpoint/2010/main" val="1530428991"/>
+      </p:ext>
+    </p:extLst>
+  </p:cSld>
+  <p:clrMapOvr>
+    <a:masterClrMapping/>
+  </p:clrMapOvr>
+</p:sld>
+</file>
+
+<file path=ppt/slides/slide16.xml><?xml version="1.0" encoding="utf-8"?>
+<p:sld xmlns:a="http://schemas.openxmlformats.org/drawingml/2006/main" xmlns:r="http://schemas.openxmlformats.org/officeDocument/2006/relationships" xmlns:p="http://schemas.openxmlformats.org/presentationml/2006/main">
+  <p:cSld>
+    <p:spTree>
+      <p:nvGrpSpPr>
+        <p:cNvPr id="1" name=""/>
+        <p:cNvGrpSpPr/>
+        <p:nvPr/>
+      </p:nvGrpSpPr>
+      <p:grpSpPr>
+        <a:xfrm>
+          <a:off x="0" y="0"/>
+          <a:ext cx="0" cy="0"/>
+          <a:chOff x="0" y="0"/>
+          <a:chExt cx="0" cy="0"/>
+        </a:xfrm>
+      </p:grpSpPr>
+      <p:sp>
+        <p:nvSpPr>
+          <p:cNvPr id="2" name="Title 1"/>
+          <p:cNvSpPr>
+            <a:spLocks noGrp="1"/>
+          </p:cNvSpPr>
+          <p:nvPr>
+            <p:ph type="title"/>
+          </p:nvPr>
+        </p:nvSpPr>
+        <p:spPr/>
+        <p:txBody>
+          <a:bodyPr/>
+          <a:lstStyle/>
+          <a:p>
+            <a:r>
+              <a:rPr lang="en-US" dirty="0" err="1" smtClean="0"/>
+              <a:t>Memcached</a:t>
+            </a:r>
+            <a:r>
+              <a:rPr lang="en-US" dirty="0" smtClean="0"/>
+              <a:t> Example</a:t>
+            </a:r>
+            <a:endParaRPr lang="en-US" dirty="0"/>
+          </a:p>
+        </p:txBody>
+      </p:sp>
+      <p:sp>
+        <p:nvSpPr>
+          <p:cNvPr id="3" name="Content Placeholder 2"/>
+          <p:cNvSpPr>
+            <a:spLocks noGrp="1"/>
+          </p:cNvSpPr>
+          <p:nvPr>
+            <p:ph idx="1"/>
+          </p:nvPr>
+        </p:nvSpPr>
+        <p:spPr/>
+        <p:txBody>
+          <a:bodyPr>
+            <a:normAutofit fontScale="92500" lnSpcReduction="10000"/>
+          </a:bodyPr>
+          <a:lstStyle/>
+          <a:p>
+            <a:pPr marL="0" indent="0">
+              <a:buNone/>
+            </a:pPr>
+            <a:r>
+              <a:rPr lang="en-US" sz="1600" b="1" dirty="0"/>
+              <a:t>telnet mycachecluster.eaogs8.0001.usw2.cache.amazonaws.com 11211</a:t>
+            </a:r>
+            <a:endParaRPr lang="en-US" sz="1600" dirty="0"/>
+          </a:p>
+          <a:p>
+            <a:pPr marL="0" indent="0">
+              <a:buNone/>
+            </a:pPr>
+            <a:endParaRPr lang="en-US" sz="1600" dirty="0" smtClean="0"/>
+          </a:p>
+          <a:p>
+            <a:pPr marL="0" indent="0">
+              <a:buNone/>
+            </a:pPr>
+            <a:r>
+              <a:rPr lang="en-US" sz="1500" dirty="0"/>
+              <a:t>Trying 128.0.0.1...</a:t>
+            </a:r>
+          </a:p>
+          <a:p>
+            <a:pPr marL="0" indent="0">
+              <a:buNone/>
+            </a:pPr>
+            <a:r>
+              <a:rPr lang="en-US" sz="1500" dirty="0"/>
+              <a:t>Connected to mycachecluster.eaogs8.0001.usw2.cache.amazonaws.com.</a:t>
+            </a:r>
+          </a:p>
+          <a:p>
+            <a:pPr marL="0" indent="0">
+              <a:buNone/>
+            </a:pPr>
+            <a:r>
+              <a:rPr lang="en-US" sz="1500" dirty="0"/>
+              <a:t>Escape character is '^]'.</a:t>
+            </a:r>
+          </a:p>
+          <a:p>
+            <a:pPr marL="0" indent="0">
+              <a:buNone/>
+            </a:pPr>
+            <a:r>
+              <a:rPr lang="en-US" sz="1500" dirty="0"/>
+              <a:t>&gt;</a:t>
+            </a:r>
+            <a:endParaRPr lang="en-US" sz="1500" dirty="0" smtClean="0"/>
+          </a:p>
+          <a:p>
+            <a:pPr marL="0" indent="0">
+              <a:buNone/>
+            </a:pPr>
+            <a:endParaRPr lang="en-US" sz="1600" dirty="0"/>
+          </a:p>
+          <a:p>
+            <a:pPr marL="0" indent="0">
+              <a:buNone/>
+            </a:pPr>
+            <a:r>
+              <a:rPr lang="en-US" sz="1600" dirty="0"/>
+              <a:t>set a 0 0 5      </a:t>
+            </a:r>
+            <a:r>
+              <a:rPr lang="en-US" sz="1600" dirty="0" smtClean="0"/>
+              <a:t>	/</a:t>
+            </a:r>
+            <a:r>
+              <a:rPr lang="en-US" sz="1600" dirty="0"/>
+              <a:t>/ Set key "a" with no expiration and 5 byte value</a:t>
+            </a:r>
+          </a:p>
+          <a:p>
+            <a:pPr marL="0" indent="0">
+              <a:buNone/>
+            </a:pPr>
+            <a:r>
+              <a:rPr lang="en-US" sz="1600" dirty="0"/>
+              <a:t>hello           </a:t>
+            </a:r>
+            <a:r>
+              <a:rPr lang="en-US" sz="1600" dirty="0" smtClean="0"/>
+              <a:t>		/</a:t>
+            </a:r>
+            <a:r>
+              <a:rPr lang="en-US" sz="1600" dirty="0"/>
+              <a:t>/ Set value as "hello"</a:t>
+            </a:r>
+          </a:p>
+          <a:p>
+            <a:pPr marL="0" indent="0">
+              <a:buNone/>
+            </a:pPr>
+            <a:r>
+              <a:rPr lang="en-US" sz="1600" dirty="0"/>
+              <a:t>STORED</a:t>
+            </a:r>
+          </a:p>
+          <a:p>
+            <a:pPr marL="0" indent="0">
+              <a:buNone/>
+            </a:pPr>
+            <a:r>
+              <a:rPr lang="en-US" sz="1600" dirty="0"/>
+              <a:t>get a           </a:t>
+            </a:r>
+            <a:r>
+              <a:rPr lang="en-US" sz="1600" dirty="0" smtClean="0"/>
+              <a:t>		/</a:t>
+            </a:r>
+            <a:r>
+              <a:rPr lang="en-US" sz="1600" dirty="0"/>
+              <a:t>/ Get value for key "a"</a:t>
+            </a:r>
+          </a:p>
+          <a:p>
+            <a:pPr marL="0" indent="0">
+              <a:buNone/>
+            </a:pPr>
+            <a:r>
+              <a:rPr lang="ro-RO" sz="1600" dirty="0"/>
+              <a:t>VALUE a 0 5</a:t>
+            </a:r>
+          </a:p>
+          <a:p>
+            <a:pPr marL="0" indent="0">
+              <a:buNone/>
+            </a:pPr>
+            <a:r>
+              <a:rPr lang="ro-RO" sz="1600" dirty="0"/>
+              <a:t>hello</a:t>
+            </a:r>
+          </a:p>
+          <a:p>
+            <a:pPr marL="0" indent="0">
+              <a:buNone/>
+            </a:pPr>
+            <a:r>
+              <a:rPr lang="ro-RO" sz="1600" dirty="0"/>
+              <a:t>END</a:t>
+            </a:r>
+          </a:p>
+          <a:p>
+            <a:pPr marL="0" indent="0">
+              <a:buNone/>
+            </a:pPr>
+            <a:r>
+              <a:rPr lang="ro-RO" sz="1600" dirty="0"/>
+              <a:t>get b           </a:t>
+            </a:r>
+            <a:r>
+              <a:rPr lang="ro-RO" sz="1600" dirty="0" smtClean="0"/>
+              <a:t>		/</a:t>
+            </a:r>
+            <a:r>
+              <a:rPr lang="ro-RO" sz="1600" dirty="0"/>
+              <a:t>/ Get value for key "b" results in miss</a:t>
+            </a:r>
+          </a:p>
+          <a:p>
+            <a:pPr marL="0" indent="0">
+              <a:buNone/>
+            </a:pPr>
+            <a:r>
+              <a:rPr lang="ro-RO" sz="1600" dirty="0"/>
+              <a:t>END</a:t>
+            </a:r>
+          </a:p>
+          <a:p>
+            <a:pPr marL="0" indent="0">
+              <a:buNone/>
+            </a:pPr>
+            <a:r>
+              <a:rPr lang="en-US" sz="1600" dirty="0"/>
+              <a:t>&gt;</a:t>
+            </a:r>
+            <a:endParaRPr lang="en-US" sz="1600" dirty="0"/>
+          </a:p>
+        </p:txBody>
+      </p:sp>
+    </p:spTree>
+    <p:extLst>
+      <p:ext uri="{BB962C8B-B14F-4D97-AF65-F5344CB8AC3E}">
+        <p14:creationId xmlns:p14="http://schemas.microsoft.com/office/powerpoint/2010/main" val="1324614032"/>
+      </p:ext>
+    </p:extLst>
+  </p:cSld>
+  <p:clrMapOvr>
+    <a:masterClrMapping/>
+  </p:clrMapOvr>
+</p:sld>
+</file>
+
+<file path=ppt/slides/slide17.xml><?xml version="1.0" encoding="utf-8"?>
+<p:sld xmlns:a="http://schemas.openxmlformats.org/drawingml/2006/main" xmlns:r="http://schemas.openxmlformats.org/officeDocument/2006/relationships" xmlns:p="http://schemas.openxmlformats.org/presentationml/2006/main">
+  <p:cSld>
+    <p:spTree>
+      <p:nvGrpSpPr>
+        <p:cNvPr id="1" name=""/>
+        <p:cNvGrpSpPr/>
+        <p:nvPr/>
+      </p:nvGrpSpPr>
+      <p:grpSpPr>
+        <a:xfrm>
+          <a:off x="0" y="0"/>
+          <a:ext cx="0" cy="0"/>
+          <a:chOff x="0" y="0"/>
+          <a:chExt cx="0" cy="0"/>
+        </a:xfrm>
+      </p:grpSpPr>
+      <p:sp>
+        <p:nvSpPr>
+          <p:cNvPr id="2" name="Title 1"/>
+          <p:cNvSpPr>
+            <a:spLocks noGrp="1"/>
+          </p:cNvSpPr>
+          <p:nvPr>
+            <p:ph type="title"/>
+          </p:nvPr>
+        </p:nvSpPr>
+        <p:spPr/>
+        <p:txBody>
+          <a:bodyPr/>
+          <a:lstStyle/>
+          <a:p>
+            <a:r>
+              <a:rPr lang="en-US" dirty="0" smtClean="0"/>
+              <a:t>Simple Notification Service (SNS)</a:t>
+            </a:r>
+            <a:endParaRPr lang="en-US" dirty="0"/>
+          </a:p>
+        </p:txBody>
+      </p:sp>
+      <p:sp>
+        <p:nvSpPr>
+          <p:cNvPr id="3" name="Content Placeholder 2"/>
+          <p:cNvSpPr>
+            <a:spLocks noGrp="1"/>
+          </p:cNvSpPr>
+          <p:nvPr>
+            <p:ph idx="1"/>
+          </p:nvPr>
+        </p:nvSpPr>
+        <p:spPr/>
+        <p:txBody>
+          <a:bodyPr>
+            <a:normAutofit fontScale="92500" lnSpcReduction="10000"/>
+          </a:bodyPr>
+          <a:lstStyle/>
+          <a:p>
+            <a:r>
+              <a:rPr lang="en-US" dirty="0" smtClean="0"/>
+              <a:t>SNS makes it easy to publish messages from an application and deliver them to subscribers or other applications</a:t>
+            </a:r>
+          </a:p>
+          <a:p>
+            <a:endParaRPr lang="en-US" dirty="0" smtClean="0"/>
+          </a:p>
+          <a:p>
+            <a:r>
+              <a:rPr lang="en-US" dirty="0" smtClean="0"/>
+              <a:t>Send messages via:</a:t>
+            </a:r>
+          </a:p>
+          <a:p>
+            <a:pPr lvl="1"/>
+            <a:r>
+              <a:rPr lang="en-US" dirty="0" smtClean="0"/>
+              <a:t>Email</a:t>
+            </a:r>
+          </a:p>
+          <a:p>
+            <a:pPr lvl="1"/>
+            <a:r>
+              <a:rPr lang="en-US" dirty="0" smtClean="0"/>
+              <a:t>SMS (text message)</a:t>
+            </a:r>
+          </a:p>
+          <a:p>
+            <a:pPr lvl="1"/>
+            <a:r>
+              <a:rPr lang="en-US" dirty="0" smtClean="0"/>
+              <a:t>Mobile push (Apple, Google, Fire OS, Windows)</a:t>
+            </a:r>
+          </a:p>
+          <a:p>
+            <a:pPr lvl="1"/>
+            <a:r>
+              <a:rPr lang="en-US" dirty="0" smtClean="0"/>
+              <a:t>SQS queues</a:t>
+            </a:r>
+          </a:p>
+          <a:p>
+            <a:pPr lvl="1"/>
+            <a:r>
+              <a:rPr lang="en-US" dirty="0" smtClean="0"/>
+              <a:t>HTTP endpoints</a:t>
+            </a:r>
+          </a:p>
+          <a:p>
+            <a:endParaRPr lang="en-US" dirty="0"/>
+          </a:p>
+        </p:txBody>
+      </p:sp>
+      <p:pic>
+        <p:nvPicPr>
+          <p:cNvPr id="4" name="Picture 3"/>
+          <p:cNvPicPr>
+            <a:picLocks noChangeAspect="1"/>
+          </p:cNvPicPr>
+          <p:nvPr/>
+        </p:nvPicPr>
+        <p:blipFill>
+          <a:blip r:embed="rId2">
+            <a:extLst>
+              <a:ext uri="{28A0092B-C50C-407E-A947-70E740481C1C}">
+                <a14:useLocalDpi xmlns:a14="http://schemas.microsoft.com/office/drawing/2010/main" val="0"/>
+              </a:ext>
+            </a:extLst>
+          </a:blip>
+          <a:stretch>
+            <a:fillRect/>
+          </a:stretch>
+        </p:blipFill>
+        <p:spPr>
+          <a:xfrm>
+            <a:off x="8426116" y="274638"/>
+            <a:ext cx="521367" cy="521367"/>
+          </a:xfrm>
+          <a:prstGeom prst="rect">
+            <a:avLst/>
+          </a:prstGeom>
+        </p:spPr>
+      </p:pic>
+    </p:spTree>
+    <p:extLst>
+      <p:ext uri="{BB962C8B-B14F-4D97-AF65-F5344CB8AC3E}">
+        <p14:creationId xmlns:p14="http://schemas.microsoft.com/office/powerpoint/2010/main" val="583446738"/>
+      </p:ext>
+    </p:extLst>
+  </p:cSld>
+  <p:clrMapOvr>
+    <a:masterClrMapping/>
+  </p:clrMapOvr>
+</p:sld>
+</file>
+
+<file path=ppt/slides/slide18.xml><?xml version="1.0" encoding="utf-8"?>
+<p:sld xmlns:a="http://schemas.openxmlformats.org/drawingml/2006/main" xmlns:r="http://schemas.openxmlformats.org/officeDocument/2006/relationships" xmlns:p="http://schemas.openxmlformats.org/presentationml/2006/main">
+  <p:cSld>
+    <p:spTree>
+      <p:nvGrpSpPr>
+        <p:cNvPr id="1" name=""/>
+        <p:cNvGrpSpPr/>
+        <p:nvPr/>
+      </p:nvGrpSpPr>
+      <p:grpSpPr>
+        <a:xfrm>
+          <a:off x="0" y="0"/>
+          <a:ext cx="0" cy="0"/>
+          <a:chOff x="0" y="0"/>
+          <a:chExt cx="0" cy="0"/>
+        </a:xfrm>
+      </p:grpSpPr>
+      <p:sp>
+        <p:nvSpPr>
+          <p:cNvPr id="2" name="Title 1"/>
+          <p:cNvSpPr>
+            <a:spLocks noGrp="1"/>
+          </p:cNvSpPr>
+          <p:nvPr>
+            <p:ph type="title"/>
+          </p:nvPr>
+        </p:nvSpPr>
+        <p:spPr/>
+        <p:txBody>
+          <a:bodyPr/>
+          <a:lstStyle/>
+          <a:p>
+            <a:r>
+              <a:rPr lang="en-US" dirty="0" smtClean="0"/>
+              <a:t>SNS</a:t>
+            </a:r>
+            <a:endParaRPr lang="en-US" dirty="0"/>
+          </a:p>
+        </p:txBody>
+      </p:sp>
+      <p:sp>
+        <p:nvSpPr>
+          <p:cNvPr id="3" name="Content Placeholder 2"/>
+          <p:cNvSpPr>
+            <a:spLocks noGrp="1"/>
+          </p:cNvSpPr>
+          <p:nvPr>
+            <p:ph idx="1"/>
+          </p:nvPr>
+        </p:nvSpPr>
+        <p:spPr/>
+        <p:txBody>
+          <a:bodyPr>
+            <a:normAutofit fontScale="70000" lnSpcReduction="20000"/>
+          </a:bodyPr>
+          <a:lstStyle/>
+          <a:p>
+            <a:r>
+              <a:rPr lang="en-US" dirty="0" smtClean="0"/>
+              <a:t>A </a:t>
+            </a:r>
+            <a:r>
+              <a:rPr lang="en-US" b="1" dirty="0" smtClean="0"/>
+              <a:t>topic </a:t>
+            </a:r>
+            <a:r>
+              <a:rPr lang="en-US" dirty="0" smtClean="0"/>
+              <a:t>is created as an access point to allow multiple recipients to receive a message</a:t>
+            </a:r>
+          </a:p>
+          <a:p>
+            <a:pPr lvl="1"/>
+            <a:r>
+              <a:rPr lang="en-US" dirty="0" smtClean="0"/>
+              <a:t>A single topic can support multiple endpoint types</a:t>
+            </a:r>
+          </a:p>
+          <a:p>
+            <a:pPr lvl="1"/>
+            <a:endParaRPr lang="en-US" dirty="0" smtClean="0"/>
+          </a:p>
+          <a:p>
+            <a:r>
+              <a:rPr lang="en-US" dirty="0" smtClean="0"/>
+              <a:t>Messages published to SNS are stored in multiple AZs for redundancy</a:t>
+            </a:r>
+          </a:p>
+          <a:p>
+            <a:endParaRPr lang="en-US" dirty="0" smtClean="0"/>
+          </a:p>
+          <a:p>
+            <a:r>
+              <a:rPr lang="en-US" dirty="0" smtClean="0"/>
+              <a:t>Recipients must subscribe to a topic in order to receive published messages</a:t>
+            </a:r>
+          </a:p>
+          <a:p>
+            <a:endParaRPr lang="en-US" dirty="0" smtClean="0"/>
+          </a:p>
+          <a:p>
+            <a:r>
+              <a:rPr lang="en-US" dirty="0" smtClean="0"/>
+              <a:t>Messages are </a:t>
+            </a:r>
+            <a:r>
+              <a:rPr lang="en-US" u="sng" dirty="0" smtClean="0"/>
+              <a:t>pushed</a:t>
+            </a:r>
+            <a:r>
+              <a:rPr lang="en-US" dirty="0" smtClean="0"/>
+              <a:t> to topic recipients</a:t>
+            </a:r>
+          </a:p>
+          <a:p>
+            <a:endParaRPr lang="en-US" dirty="0" smtClean="0"/>
+          </a:p>
+          <a:p>
+            <a:r>
+              <a:rPr lang="en-US" dirty="0" smtClean="0"/>
+              <a:t>Use-cases: event notifications (triggers, alerts, auto scaling notifications, etc.)</a:t>
+            </a:r>
+          </a:p>
+          <a:p>
+            <a:endParaRPr lang="en-US" dirty="0"/>
+          </a:p>
+        </p:txBody>
+      </p:sp>
+    </p:spTree>
+    <p:extLst>
+      <p:ext uri="{BB962C8B-B14F-4D97-AF65-F5344CB8AC3E}">
+        <p14:creationId xmlns:p14="http://schemas.microsoft.com/office/powerpoint/2010/main" val="865341256"/>
+      </p:ext>
+    </p:extLst>
+  </p:cSld>
+  <p:clrMapOvr>
+    <a:masterClrMapping/>
+  </p:clrMapOvr>
+</p:sld>
+</file>
+
+<file path=ppt/slides/slide19.xml><?xml version="1.0" encoding="utf-8"?>
+<p:sld xmlns:a="http://schemas.openxmlformats.org/drawingml/2006/main" xmlns:r="http://schemas.openxmlformats.org/officeDocument/2006/relationships" xmlns:p="http://schemas.openxmlformats.org/presentationml/2006/main">
+  <p:cSld>
+    <p:spTree>
+      <p:nvGrpSpPr>
+        <p:cNvPr id="1" name=""/>
+        <p:cNvGrpSpPr/>
+        <p:nvPr/>
+      </p:nvGrpSpPr>
+      <p:grpSpPr>
+        <a:xfrm>
+          <a:off x="0" y="0"/>
+          <a:ext cx="0" cy="0"/>
+          <a:chOff x="0" y="0"/>
+          <a:chExt cx="0" cy="0"/>
+        </a:xfrm>
+      </p:grpSpPr>
+      <p:sp>
+        <p:nvSpPr>
+          <p:cNvPr id="2" name="Title 1"/>
+          <p:cNvSpPr>
+            <a:spLocks noGrp="1"/>
+          </p:cNvSpPr>
+          <p:nvPr>
+            <p:ph type="title"/>
+          </p:nvPr>
+        </p:nvSpPr>
+        <p:spPr/>
+        <p:txBody>
+          <a:bodyPr/>
+          <a:lstStyle/>
+          <a:p>
+            <a:r>
+              <a:rPr lang="en-US" dirty="0" smtClean="0"/>
+              <a:t>SNS Hands-on</a:t>
+            </a:r>
+            <a:endParaRPr lang="en-US" dirty="0"/>
+          </a:p>
+        </p:txBody>
+      </p:sp>
+      <p:sp>
+        <p:nvSpPr>
+          <p:cNvPr id="3" name="Content Placeholder 2"/>
+          <p:cNvSpPr>
+            <a:spLocks noGrp="1"/>
+          </p:cNvSpPr>
+          <p:nvPr>
+            <p:ph idx="1"/>
+          </p:nvPr>
+        </p:nvSpPr>
+        <p:spPr/>
+        <p:txBody>
+          <a:bodyPr/>
+          <a:lstStyle/>
+          <a:p>
+            <a:r>
+              <a:rPr lang="en-US" dirty="0" smtClean="0"/>
+              <a:t>Create a new topic</a:t>
+            </a:r>
+          </a:p>
+          <a:p>
+            <a:r>
+              <a:rPr lang="en-US" dirty="0" smtClean="0"/>
+              <a:t>Add a recipient to the topic</a:t>
+            </a:r>
+          </a:p>
+          <a:p>
+            <a:r>
+              <a:rPr lang="en-US" dirty="0" smtClean="0"/>
+              <a:t>Publish a message</a:t>
+            </a:r>
+            <a:endParaRPr lang="en-US" dirty="0"/>
+          </a:p>
+        </p:txBody>
+      </p:sp>
+      <p:pic>
+        <p:nvPicPr>
+          <p:cNvPr id="4" name="Picture 3"/>
+          <p:cNvPicPr>
+            <a:picLocks noChangeAspect="1"/>
+          </p:cNvPicPr>
+          <p:nvPr/>
+        </p:nvPicPr>
+        <p:blipFill>
+          <a:blip r:embed="rId2"/>
+          <a:stretch>
+            <a:fillRect/>
+          </a:stretch>
+        </p:blipFill>
+        <p:spPr>
+          <a:xfrm>
+            <a:off x="7384148" y="403586"/>
+            <a:ext cx="1014052" cy="1014052"/>
+          </a:xfrm>
+          <a:prstGeom prst="rect">
+            <a:avLst/>
+          </a:prstGeom>
+        </p:spPr>
+      </p:pic>
+    </p:spTree>
+    <p:extLst>
+      <p:ext uri="{BB962C8B-B14F-4D97-AF65-F5344CB8AC3E}">
+        <p14:creationId xmlns:p14="http://schemas.microsoft.com/office/powerpoint/2010/main" val="761658166"/>
       </p:ext>
     </p:extLst>
   </p:cSld>
@@ -3181,6 +5297,1410 @@
           <a:p>
             <a:r>
               <a:rPr lang="en-US" dirty="0" smtClean="0"/>
+              <a:t>Agenda</a:t>
+            </a:r>
+            <a:endParaRPr lang="en-US" dirty="0"/>
+          </a:p>
+        </p:txBody>
+      </p:sp>
+      <p:sp>
+        <p:nvSpPr>
+          <p:cNvPr id="3" name="Content Placeholder 2"/>
+          <p:cNvSpPr>
+            <a:spLocks noGrp="1"/>
+          </p:cNvSpPr>
+          <p:nvPr>
+            <p:ph idx="1"/>
+          </p:nvPr>
+        </p:nvSpPr>
+        <p:spPr/>
+        <p:txBody>
+          <a:bodyPr>
+            <a:normAutofit fontScale="77500" lnSpcReduction="20000"/>
+          </a:bodyPr>
+          <a:lstStyle/>
+          <a:p>
+            <a:r>
+              <a:rPr lang="en-US" dirty="0" smtClean="0"/>
+              <a:t>Web Operations readings</a:t>
+            </a:r>
+          </a:p>
+          <a:p>
+            <a:r>
+              <a:rPr lang="en-US" dirty="0" smtClean="0"/>
+              <a:t>AWS</a:t>
+            </a:r>
+          </a:p>
+          <a:p>
+            <a:pPr lvl="1"/>
+            <a:r>
+              <a:rPr lang="en-US" dirty="0"/>
+              <a:t>Cloud </a:t>
+            </a:r>
+            <a:r>
+              <a:rPr lang="en-US" dirty="0" smtClean="0"/>
+              <a:t>Watch</a:t>
+            </a:r>
+            <a:endParaRPr lang="en-US" dirty="0" smtClean="0"/>
+          </a:p>
+          <a:p>
+            <a:pPr lvl="1"/>
+            <a:r>
+              <a:rPr lang="en-US" dirty="0" smtClean="0"/>
+              <a:t>EC2 user data</a:t>
+            </a:r>
+          </a:p>
+          <a:p>
+            <a:pPr lvl="1"/>
+            <a:r>
+              <a:rPr lang="en-US" dirty="0" smtClean="0"/>
+              <a:t>EC2 Auto-scaling</a:t>
+            </a:r>
+            <a:endParaRPr lang="en-US" dirty="0" smtClean="0"/>
+          </a:p>
+          <a:p>
+            <a:pPr lvl="1"/>
+            <a:r>
+              <a:rPr lang="en-US" dirty="0" err="1" smtClean="0"/>
+              <a:t>ElastiCache</a:t>
+            </a:r>
+            <a:endParaRPr lang="en-US" dirty="0" smtClean="0"/>
+          </a:p>
+          <a:p>
+            <a:pPr lvl="1"/>
+            <a:r>
+              <a:rPr lang="en-US" dirty="0" smtClean="0"/>
+              <a:t>SNS</a:t>
+            </a:r>
+            <a:endParaRPr lang="en-US" dirty="0" smtClean="0"/>
+          </a:p>
+          <a:p>
+            <a:pPr lvl="1"/>
+            <a:r>
+              <a:rPr lang="en-US" dirty="0" smtClean="0"/>
+              <a:t>SQS</a:t>
+            </a:r>
+            <a:endParaRPr lang="en-US" dirty="0" smtClean="0"/>
+          </a:p>
+          <a:p>
+            <a:pPr lvl="1"/>
+            <a:r>
+              <a:rPr lang="en-US" dirty="0" smtClean="0"/>
+              <a:t>SES</a:t>
+            </a:r>
+          </a:p>
+          <a:p>
+            <a:pPr lvl="1"/>
+            <a:r>
+              <a:rPr lang="en-US" dirty="0" smtClean="0"/>
+              <a:t>Route 53</a:t>
+            </a:r>
+            <a:endParaRPr lang="en-US" dirty="0" smtClean="0"/>
+          </a:p>
+          <a:p>
+            <a:pPr lvl="1"/>
+            <a:r>
+              <a:rPr lang="en-US" dirty="0" smtClean="0"/>
+              <a:t>Elastic Beanstalk</a:t>
+            </a:r>
+          </a:p>
+          <a:p>
+            <a:r>
+              <a:rPr lang="en-US" dirty="0" smtClean="0"/>
+              <a:t>AWS Security</a:t>
+            </a:r>
+            <a:endParaRPr lang="en-US" dirty="0" smtClean="0"/>
+          </a:p>
+          <a:p>
+            <a:endParaRPr lang="en-US" dirty="0"/>
+          </a:p>
+          <a:p>
+            <a:pPr lvl="1"/>
+            <a:endParaRPr lang="en-US" dirty="0" smtClean="0"/>
+          </a:p>
+          <a:p>
+            <a:pPr marL="457200" lvl="1" indent="0">
+              <a:buNone/>
+            </a:pPr>
+            <a:endParaRPr lang="en-US" dirty="0" smtClean="0"/>
+          </a:p>
+        </p:txBody>
+      </p:sp>
+    </p:spTree>
+    <p:extLst>
+      <p:ext uri="{BB962C8B-B14F-4D97-AF65-F5344CB8AC3E}">
+        <p14:creationId xmlns:p14="http://schemas.microsoft.com/office/powerpoint/2010/main" val="4059831370"/>
+      </p:ext>
+    </p:extLst>
+  </p:cSld>
+  <p:clrMapOvr>
+    <a:masterClrMapping/>
+  </p:clrMapOvr>
+</p:sld>
+</file>
+
+<file path=ppt/slides/slide20.xml><?xml version="1.0" encoding="utf-8"?>
+<p:sld xmlns:a="http://schemas.openxmlformats.org/drawingml/2006/main" xmlns:r="http://schemas.openxmlformats.org/officeDocument/2006/relationships" xmlns:p="http://schemas.openxmlformats.org/presentationml/2006/main">
+  <p:cSld>
+    <p:spTree>
+      <p:nvGrpSpPr>
+        <p:cNvPr id="1" name=""/>
+        <p:cNvGrpSpPr/>
+        <p:nvPr/>
+      </p:nvGrpSpPr>
+      <p:grpSpPr>
+        <a:xfrm>
+          <a:off x="0" y="0"/>
+          <a:ext cx="0" cy="0"/>
+          <a:chOff x="0" y="0"/>
+          <a:chExt cx="0" cy="0"/>
+        </a:xfrm>
+      </p:grpSpPr>
+      <p:sp>
+        <p:nvSpPr>
+          <p:cNvPr id="2" name="Title 1"/>
+          <p:cNvSpPr>
+            <a:spLocks noGrp="1"/>
+          </p:cNvSpPr>
+          <p:nvPr>
+            <p:ph type="title"/>
+          </p:nvPr>
+        </p:nvSpPr>
+        <p:spPr/>
+        <p:txBody>
+          <a:bodyPr/>
+          <a:lstStyle/>
+          <a:p>
+            <a:r>
+              <a:rPr lang="en-US" dirty="0" smtClean="0"/>
+              <a:t>Simple Queue Service (SQS)</a:t>
+            </a:r>
+            <a:endParaRPr lang="en-US" dirty="0"/>
+          </a:p>
+        </p:txBody>
+      </p:sp>
+      <p:sp>
+        <p:nvSpPr>
+          <p:cNvPr id="3" name="Content Placeholder 2"/>
+          <p:cNvSpPr>
+            <a:spLocks noGrp="1"/>
+          </p:cNvSpPr>
+          <p:nvPr>
+            <p:ph idx="1"/>
+          </p:nvPr>
+        </p:nvSpPr>
+        <p:spPr>
+          <a:xfrm>
+            <a:off x="457200" y="1600200"/>
+            <a:ext cx="8229600" cy="2449725"/>
+          </a:xfrm>
+        </p:spPr>
+        <p:txBody>
+          <a:bodyPr>
+            <a:normAutofit fontScale="77500" lnSpcReduction="20000"/>
+          </a:bodyPr>
+          <a:lstStyle/>
+          <a:p>
+            <a:r>
+              <a:rPr lang="en-US" dirty="0" smtClean="0"/>
+              <a:t>SQS is a distributed queue system that allows messages generated by one system component to be consumed by another</a:t>
+            </a:r>
+          </a:p>
+          <a:p>
+            <a:pPr lvl="1"/>
+            <a:r>
+              <a:rPr lang="en-US" dirty="0" smtClean="0"/>
+              <a:t>First web service launched by Amazon in 2005</a:t>
+            </a:r>
+          </a:p>
+          <a:p>
+            <a:endParaRPr lang="en-US" dirty="0" smtClean="0"/>
+          </a:p>
+          <a:p>
+            <a:r>
+              <a:rPr lang="en-US" u="sng" dirty="0" smtClean="0"/>
+              <a:t>Asynchronous</a:t>
+            </a:r>
+            <a:r>
+              <a:rPr lang="en-US" dirty="0" smtClean="0"/>
+              <a:t> application integration: message producers are decoupled from consumers </a:t>
+            </a:r>
+            <a:endParaRPr lang="en-US" dirty="0"/>
+          </a:p>
+        </p:txBody>
+      </p:sp>
+      <p:pic>
+        <p:nvPicPr>
+          <p:cNvPr id="4" name="Picture 3"/>
+          <p:cNvPicPr>
+            <a:picLocks noChangeAspect="1"/>
+          </p:cNvPicPr>
+          <p:nvPr/>
+        </p:nvPicPr>
+        <p:blipFill>
+          <a:blip r:embed="rId3">
+            <a:extLst>
+              <a:ext uri="{28A0092B-C50C-407E-A947-70E740481C1C}">
+                <a14:useLocalDpi xmlns:a14="http://schemas.microsoft.com/office/drawing/2010/main" val="0"/>
+              </a:ext>
+            </a:extLst>
+          </a:blip>
+          <a:stretch>
+            <a:fillRect/>
+          </a:stretch>
+        </p:blipFill>
+        <p:spPr>
+          <a:xfrm>
+            <a:off x="8086564" y="722254"/>
+            <a:ext cx="544780" cy="653736"/>
+          </a:xfrm>
+          <a:prstGeom prst="rect">
+            <a:avLst/>
+          </a:prstGeom>
+        </p:spPr>
+      </p:pic>
+      <p:pic>
+        <p:nvPicPr>
+          <p:cNvPr id="5" name="Picture 4"/>
+          <p:cNvPicPr>
+            <a:picLocks noChangeAspect="1"/>
+          </p:cNvPicPr>
+          <p:nvPr/>
+        </p:nvPicPr>
+        <p:blipFill>
+          <a:blip r:embed="rId4"/>
+          <a:stretch>
+            <a:fillRect/>
+          </a:stretch>
+        </p:blipFill>
+        <p:spPr>
+          <a:xfrm>
+            <a:off x="1781464" y="4044148"/>
+            <a:ext cx="5526809" cy="2813852"/>
+          </a:xfrm>
+          <a:prstGeom prst="rect">
+            <a:avLst/>
+          </a:prstGeom>
+        </p:spPr>
+      </p:pic>
+    </p:spTree>
+    <p:extLst>
+      <p:ext uri="{BB962C8B-B14F-4D97-AF65-F5344CB8AC3E}">
+        <p14:creationId xmlns:p14="http://schemas.microsoft.com/office/powerpoint/2010/main" val="2493218575"/>
+      </p:ext>
+    </p:extLst>
+  </p:cSld>
+  <p:clrMapOvr>
+    <a:masterClrMapping/>
+  </p:clrMapOvr>
+</p:sld>
+</file>
+
+<file path=ppt/slides/slide21.xml><?xml version="1.0" encoding="utf-8"?>
+<p:sld xmlns:a="http://schemas.openxmlformats.org/drawingml/2006/main" xmlns:r="http://schemas.openxmlformats.org/officeDocument/2006/relationships" xmlns:p="http://schemas.openxmlformats.org/presentationml/2006/main">
+  <p:cSld>
+    <p:spTree>
+      <p:nvGrpSpPr>
+        <p:cNvPr id="1" name=""/>
+        <p:cNvGrpSpPr/>
+        <p:nvPr/>
+      </p:nvGrpSpPr>
+      <p:grpSpPr>
+        <a:xfrm>
+          <a:off x="0" y="0"/>
+          <a:ext cx="0" cy="0"/>
+          <a:chOff x="0" y="0"/>
+          <a:chExt cx="0" cy="0"/>
+        </a:xfrm>
+      </p:grpSpPr>
+      <p:sp>
+        <p:nvSpPr>
+          <p:cNvPr id="2" name="Title 1"/>
+          <p:cNvSpPr>
+            <a:spLocks noGrp="1"/>
+          </p:cNvSpPr>
+          <p:nvPr>
+            <p:ph type="title"/>
+          </p:nvPr>
+        </p:nvSpPr>
+        <p:spPr/>
+        <p:txBody>
+          <a:bodyPr/>
+          <a:lstStyle/>
+          <a:p>
+            <a:r>
+              <a:rPr lang="en-US" dirty="0" smtClean="0"/>
+              <a:t>SQS</a:t>
+            </a:r>
+            <a:endParaRPr lang="en-US" dirty="0"/>
+          </a:p>
+        </p:txBody>
+      </p:sp>
+      <p:sp>
+        <p:nvSpPr>
+          <p:cNvPr id="3" name="Content Placeholder 2"/>
+          <p:cNvSpPr>
+            <a:spLocks noGrp="1"/>
+          </p:cNvSpPr>
+          <p:nvPr>
+            <p:ph idx="1"/>
+          </p:nvPr>
+        </p:nvSpPr>
+        <p:spPr/>
+        <p:txBody>
+          <a:bodyPr>
+            <a:normAutofit fontScale="77500" lnSpcReduction="20000"/>
+          </a:bodyPr>
+          <a:lstStyle/>
+          <a:p>
+            <a:r>
+              <a:rPr lang="en-US" dirty="0" smtClean="0"/>
+              <a:t>SQS use cases:</a:t>
+            </a:r>
+          </a:p>
+          <a:p>
+            <a:pPr lvl="1"/>
+            <a:r>
+              <a:rPr lang="en-US" dirty="0" smtClean="0"/>
+              <a:t>Create thumbnails from user uploaded images or apply watermarks</a:t>
+            </a:r>
+          </a:p>
+          <a:p>
+            <a:pPr lvl="1"/>
+            <a:r>
+              <a:rPr lang="en-US" dirty="0" smtClean="0"/>
+              <a:t>Video transcoding</a:t>
+            </a:r>
+          </a:p>
+          <a:p>
+            <a:pPr lvl="1"/>
+            <a:r>
+              <a:rPr lang="en-US" dirty="0" smtClean="0"/>
+              <a:t>Support payment process workflow for orders</a:t>
+            </a:r>
+          </a:p>
+          <a:p>
+            <a:pPr lvl="1"/>
+            <a:r>
+              <a:rPr lang="en-US" dirty="0" smtClean="0"/>
+              <a:t>Scale </a:t>
+            </a:r>
+            <a:r>
+              <a:rPr lang="en-US" dirty="0" err="1" smtClean="0"/>
+              <a:t>bursty</a:t>
+            </a:r>
+            <a:r>
+              <a:rPr lang="en-US" dirty="0" smtClean="0"/>
+              <a:t> applications that are trying to balance data consumption with backend data processing</a:t>
+            </a:r>
+          </a:p>
+          <a:p>
+            <a:pPr lvl="1"/>
+            <a:endParaRPr lang="en-US" dirty="0" smtClean="0"/>
+          </a:p>
+          <a:p>
+            <a:r>
+              <a:rPr lang="en-US" dirty="0" smtClean="0"/>
+              <a:t>Messages are added to a queue by an application, and then </a:t>
+            </a:r>
+            <a:r>
+              <a:rPr lang="en-US" u="sng" dirty="0" smtClean="0"/>
+              <a:t>pulled</a:t>
+            </a:r>
+            <a:r>
+              <a:rPr lang="en-US" dirty="0" smtClean="0"/>
+              <a:t> from the queue by another application.</a:t>
+            </a:r>
+          </a:p>
+          <a:p>
+            <a:pPr lvl="1"/>
+            <a:r>
+              <a:rPr lang="en-US" dirty="0" smtClean="0"/>
+              <a:t>Consumer app must process message within a certain amount of time called the visibility timeout</a:t>
+            </a:r>
+          </a:p>
+          <a:p>
+            <a:pPr lvl="1"/>
+            <a:r>
+              <a:rPr lang="en-US" dirty="0" smtClean="0"/>
+              <a:t>Consumer app must delete the message from the queue when complete</a:t>
+            </a:r>
+          </a:p>
+        </p:txBody>
+      </p:sp>
+    </p:spTree>
+    <p:extLst>
+      <p:ext uri="{BB962C8B-B14F-4D97-AF65-F5344CB8AC3E}">
+        <p14:creationId xmlns:p14="http://schemas.microsoft.com/office/powerpoint/2010/main" val="2951128466"/>
+      </p:ext>
+    </p:extLst>
+  </p:cSld>
+  <p:clrMapOvr>
+    <a:masterClrMapping/>
+  </p:clrMapOvr>
+</p:sld>
+</file>
+
+<file path=ppt/slides/slide22.xml><?xml version="1.0" encoding="utf-8"?>
+<p:sld xmlns:a="http://schemas.openxmlformats.org/drawingml/2006/main" xmlns:r="http://schemas.openxmlformats.org/officeDocument/2006/relationships" xmlns:p="http://schemas.openxmlformats.org/presentationml/2006/main">
+  <p:cSld>
+    <p:spTree>
+      <p:nvGrpSpPr>
+        <p:cNvPr id="1" name=""/>
+        <p:cNvGrpSpPr/>
+        <p:nvPr/>
+      </p:nvGrpSpPr>
+      <p:grpSpPr>
+        <a:xfrm>
+          <a:off x="0" y="0"/>
+          <a:ext cx="0" cy="0"/>
+          <a:chOff x="0" y="0"/>
+          <a:chExt cx="0" cy="0"/>
+        </a:xfrm>
+      </p:grpSpPr>
+      <p:pic>
+        <p:nvPicPr>
+          <p:cNvPr id="4" name="Picture 3"/>
+          <p:cNvPicPr>
+            <a:picLocks noChangeAspect="1"/>
+          </p:cNvPicPr>
+          <p:nvPr/>
+        </p:nvPicPr>
+        <p:blipFill>
+          <a:blip r:embed="rId2"/>
+          <a:stretch>
+            <a:fillRect/>
+          </a:stretch>
+        </p:blipFill>
+        <p:spPr>
+          <a:xfrm>
+            <a:off x="762000" y="0"/>
+            <a:ext cx="7601919" cy="6858000"/>
+          </a:xfrm>
+          <a:prstGeom prst="rect">
+            <a:avLst/>
+          </a:prstGeom>
+        </p:spPr>
+      </p:pic>
+    </p:spTree>
+    <p:extLst>
+      <p:ext uri="{BB962C8B-B14F-4D97-AF65-F5344CB8AC3E}">
+        <p14:creationId xmlns:p14="http://schemas.microsoft.com/office/powerpoint/2010/main" val="907946821"/>
+      </p:ext>
+    </p:extLst>
+  </p:cSld>
+  <p:clrMapOvr>
+    <a:masterClrMapping/>
+  </p:clrMapOvr>
+</p:sld>
+</file>
+
+<file path=ppt/slides/slide23.xml><?xml version="1.0" encoding="utf-8"?>
+<p:sld xmlns:a="http://schemas.openxmlformats.org/drawingml/2006/main" xmlns:r="http://schemas.openxmlformats.org/officeDocument/2006/relationships" xmlns:p="http://schemas.openxmlformats.org/presentationml/2006/main">
+  <p:cSld>
+    <p:spTree>
+      <p:nvGrpSpPr>
+        <p:cNvPr id="1" name=""/>
+        <p:cNvGrpSpPr/>
+        <p:nvPr/>
+      </p:nvGrpSpPr>
+      <p:grpSpPr>
+        <a:xfrm>
+          <a:off x="0" y="0"/>
+          <a:ext cx="0" cy="0"/>
+          <a:chOff x="0" y="0"/>
+          <a:chExt cx="0" cy="0"/>
+        </a:xfrm>
+      </p:grpSpPr>
+      <p:sp>
+        <p:nvSpPr>
+          <p:cNvPr id="2" name="Title 1"/>
+          <p:cNvSpPr>
+            <a:spLocks noGrp="1"/>
+          </p:cNvSpPr>
+          <p:nvPr>
+            <p:ph type="title"/>
+          </p:nvPr>
+        </p:nvSpPr>
+        <p:spPr/>
+        <p:txBody>
+          <a:bodyPr/>
+          <a:lstStyle/>
+          <a:p>
+            <a:r>
+              <a:rPr lang="en-US" dirty="0" smtClean="0"/>
+              <a:t>SQS</a:t>
+            </a:r>
+            <a:endParaRPr lang="en-US" dirty="0"/>
+          </a:p>
+        </p:txBody>
+      </p:sp>
+      <p:sp>
+        <p:nvSpPr>
+          <p:cNvPr id="3" name="Content Placeholder 2"/>
+          <p:cNvSpPr>
+            <a:spLocks noGrp="1"/>
+          </p:cNvSpPr>
+          <p:nvPr>
+            <p:ph idx="1"/>
+          </p:nvPr>
+        </p:nvSpPr>
+        <p:spPr/>
+        <p:txBody>
+          <a:bodyPr>
+            <a:normAutofit fontScale="77500" lnSpcReduction="20000"/>
+          </a:bodyPr>
+          <a:lstStyle/>
+          <a:p>
+            <a:r>
+              <a:rPr lang="en-US" dirty="0" smtClean="0"/>
+              <a:t>SQS guarantees that a message will be received </a:t>
+            </a:r>
+            <a:r>
+              <a:rPr lang="en-US" u="sng" dirty="0" smtClean="0"/>
+              <a:t>at least </a:t>
+            </a:r>
+            <a:r>
+              <a:rPr lang="en-US" dirty="0" smtClean="0"/>
+              <a:t>once (but possibly more than once!)</a:t>
+            </a:r>
+          </a:p>
+          <a:p>
+            <a:pPr lvl="1"/>
+            <a:r>
+              <a:rPr lang="en-US" dirty="0" smtClean="0"/>
+              <a:t>Action taken on message should be </a:t>
+            </a:r>
+            <a:r>
+              <a:rPr lang="en-US" b="1" dirty="0" smtClean="0"/>
+              <a:t>idempotent</a:t>
+            </a:r>
+            <a:r>
+              <a:rPr lang="en-US" dirty="0" smtClean="0"/>
+              <a:t> (repeat action multiple times with same result)</a:t>
+            </a:r>
+          </a:p>
+          <a:p>
+            <a:pPr lvl="1"/>
+            <a:endParaRPr lang="en-US" dirty="0" smtClean="0"/>
+          </a:p>
+          <a:p>
+            <a:r>
+              <a:rPr lang="en-US" dirty="0" smtClean="0"/>
+              <a:t>Because messages are pulled, requests must be made every few seconds to see if anything in the queue</a:t>
+            </a:r>
+          </a:p>
+          <a:p>
+            <a:pPr lvl="1"/>
+            <a:r>
+              <a:rPr lang="en-US" dirty="0" smtClean="0"/>
+              <a:t>1 request every 5 sec = 12*60*24*7*4.3= 520,128/</a:t>
+            </a:r>
+            <a:r>
+              <a:rPr lang="en-US" dirty="0" err="1" smtClean="0"/>
+              <a:t>mo</a:t>
+            </a:r>
+            <a:endParaRPr lang="en-US" dirty="0" smtClean="0"/>
+          </a:p>
+          <a:p>
+            <a:pPr lvl="1"/>
+            <a:r>
+              <a:rPr lang="en-US" dirty="0" smtClean="0"/>
+              <a:t>4 backend workers &gt; 2 million requests/</a:t>
+            </a:r>
+            <a:r>
+              <a:rPr lang="en-US" dirty="0" err="1" smtClean="0"/>
+              <a:t>mo</a:t>
+            </a:r>
+            <a:endParaRPr lang="en-US" dirty="0" smtClean="0"/>
+          </a:p>
+          <a:p>
+            <a:pPr lvl="1"/>
+            <a:r>
+              <a:rPr lang="en-US" dirty="0" smtClean="0"/>
+              <a:t>Wasteful if queue is empty at times</a:t>
+            </a:r>
+          </a:p>
+          <a:p>
+            <a:pPr lvl="1"/>
+            <a:endParaRPr lang="en-US" dirty="0" smtClean="0"/>
+          </a:p>
+          <a:p>
+            <a:r>
+              <a:rPr lang="en-US" b="1" dirty="0" smtClean="0"/>
+              <a:t>Long polling</a:t>
+            </a:r>
+            <a:r>
+              <a:rPr lang="en-US" dirty="0" smtClean="0"/>
+              <a:t>: keep message pull call open for up to 20 seconds, streaming in new messages as they arrive</a:t>
+            </a:r>
+            <a:endParaRPr lang="en-US" dirty="0"/>
+          </a:p>
+        </p:txBody>
+      </p:sp>
+    </p:spTree>
+    <p:extLst>
+      <p:ext uri="{BB962C8B-B14F-4D97-AF65-F5344CB8AC3E}">
+        <p14:creationId xmlns:p14="http://schemas.microsoft.com/office/powerpoint/2010/main" val="742422788"/>
+      </p:ext>
+    </p:extLst>
+  </p:cSld>
+  <p:clrMapOvr>
+    <a:masterClrMapping/>
+  </p:clrMapOvr>
+</p:sld>
+</file>
+
+<file path=ppt/slides/slide24.xml><?xml version="1.0" encoding="utf-8"?>
+<p:sld xmlns:a="http://schemas.openxmlformats.org/drawingml/2006/main" xmlns:r="http://schemas.openxmlformats.org/officeDocument/2006/relationships" xmlns:p="http://schemas.openxmlformats.org/presentationml/2006/main">
+  <p:cSld>
+    <p:spTree>
+      <p:nvGrpSpPr>
+        <p:cNvPr id="1" name=""/>
+        <p:cNvGrpSpPr/>
+        <p:nvPr/>
+      </p:nvGrpSpPr>
+      <p:grpSpPr>
+        <a:xfrm>
+          <a:off x="0" y="0"/>
+          <a:ext cx="0" cy="0"/>
+          <a:chOff x="0" y="0"/>
+          <a:chExt cx="0" cy="0"/>
+        </a:xfrm>
+      </p:grpSpPr>
+      <p:sp>
+        <p:nvSpPr>
+          <p:cNvPr id="2" name="Title 1"/>
+          <p:cNvSpPr>
+            <a:spLocks noGrp="1"/>
+          </p:cNvSpPr>
+          <p:nvPr>
+            <p:ph type="title"/>
+          </p:nvPr>
+        </p:nvSpPr>
+        <p:spPr/>
+        <p:txBody>
+          <a:bodyPr/>
+          <a:lstStyle/>
+          <a:p>
+            <a:r>
+              <a:rPr lang="en-US" dirty="0" smtClean="0"/>
+              <a:t>SQS Priority Queuing</a:t>
+            </a:r>
+            <a:endParaRPr lang="en-US" dirty="0"/>
+          </a:p>
+        </p:txBody>
+      </p:sp>
+      <p:pic>
+        <p:nvPicPr>
+          <p:cNvPr id="5" name="Picture 4"/>
+          <p:cNvPicPr>
+            <a:picLocks noChangeAspect="1"/>
+          </p:cNvPicPr>
+          <p:nvPr/>
+        </p:nvPicPr>
+        <p:blipFill>
+          <a:blip r:embed="rId2"/>
+          <a:stretch>
+            <a:fillRect/>
+          </a:stretch>
+        </p:blipFill>
+        <p:spPr>
+          <a:xfrm>
+            <a:off x="2336800" y="1417638"/>
+            <a:ext cx="4457700" cy="5092700"/>
+          </a:xfrm>
+          <a:prstGeom prst="rect">
+            <a:avLst/>
+          </a:prstGeom>
+        </p:spPr>
+      </p:pic>
+    </p:spTree>
+    <p:extLst>
+      <p:ext uri="{BB962C8B-B14F-4D97-AF65-F5344CB8AC3E}">
+        <p14:creationId xmlns:p14="http://schemas.microsoft.com/office/powerpoint/2010/main" val="109024837"/>
+      </p:ext>
+    </p:extLst>
+  </p:cSld>
+  <p:clrMapOvr>
+    <a:masterClrMapping/>
+  </p:clrMapOvr>
+</p:sld>
+</file>
+
+<file path=ppt/slides/slide25.xml><?xml version="1.0" encoding="utf-8"?>
+<p:sld xmlns:a="http://schemas.openxmlformats.org/drawingml/2006/main" xmlns:r="http://schemas.openxmlformats.org/officeDocument/2006/relationships" xmlns:p="http://schemas.openxmlformats.org/presentationml/2006/main">
+  <p:cSld>
+    <p:spTree>
+      <p:nvGrpSpPr>
+        <p:cNvPr id="1" name=""/>
+        <p:cNvGrpSpPr/>
+        <p:nvPr/>
+      </p:nvGrpSpPr>
+      <p:grpSpPr>
+        <a:xfrm>
+          <a:off x="0" y="0"/>
+          <a:ext cx="0" cy="0"/>
+          <a:chOff x="0" y="0"/>
+          <a:chExt cx="0" cy="0"/>
+        </a:xfrm>
+      </p:grpSpPr>
+      <p:sp>
+        <p:nvSpPr>
+          <p:cNvPr id="2" name="Title 1"/>
+          <p:cNvSpPr>
+            <a:spLocks noGrp="1"/>
+          </p:cNvSpPr>
+          <p:nvPr>
+            <p:ph type="title"/>
+          </p:nvPr>
+        </p:nvSpPr>
+        <p:spPr/>
+        <p:txBody>
+          <a:bodyPr/>
+          <a:lstStyle/>
+          <a:p>
+            <a:r>
+              <a:rPr lang="en-US" dirty="0" smtClean="0"/>
+              <a:t>SQS Fan-out</a:t>
+            </a:r>
+            <a:endParaRPr lang="en-US" dirty="0"/>
+          </a:p>
+        </p:txBody>
+      </p:sp>
+      <p:pic>
+        <p:nvPicPr>
+          <p:cNvPr id="4" name="Picture 3"/>
+          <p:cNvPicPr>
+            <a:picLocks noChangeAspect="1"/>
+          </p:cNvPicPr>
+          <p:nvPr/>
+        </p:nvPicPr>
+        <p:blipFill>
+          <a:blip r:embed="rId2"/>
+          <a:stretch>
+            <a:fillRect/>
+          </a:stretch>
+        </p:blipFill>
+        <p:spPr>
+          <a:xfrm>
+            <a:off x="2759364" y="1263950"/>
+            <a:ext cx="4493739" cy="5293867"/>
+          </a:xfrm>
+          <a:prstGeom prst="rect">
+            <a:avLst/>
+          </a:prstGeom>
+        </p:spPr>
+      </p:pic>
+    </p:spTree>
+    <p:extLst>
+      <p:ext uri="{BB962C8B-B14F-4D97-AF65-F5344CB8AC3E}">
+        <p14:creationId xmlns:p14="http://schemas.microsoft.com/office/powerpoint/2010/main" val="352522017"/>
+      </p:ext>
+    </p:extLst>
+  </p:cSld>
+  <p:clrMapOvr>
+    <a:masterClrMapping/>
+  </p:clrMapOvr>
+</p:sld>
+</file>
+
+<file path=ppt/slides/slide26.xml><?xml version="1.0" encoding="utf-8"?>
+<p:sld xmlns:a="http://schemas.openxmlformats.org/drawingml/2006/main" xmlns:r="http://schemas.openxmlformats.org/officeDocument/2006/relationships" xmlns:p="http://schemas.openxmlformats.org/presentationml/2006/main">
+  <p:cSld>
+    <p:spTree>
+      <p:nvGrpSpPr>
+        <p:cNvPr id="1" name=""/>
+        <p:cNvGrpSpPr/>
+        <p:nvPr/>
+      </p:nvGrpSpPr>
+      <p:grpSpPr>
+        <a:xfrm>
+          <a:off x="0" y="0"/>
+          <a:ext cx="0" cy="0"/>
+          <a:chOff x="0" y="0"/>
+          <a:chExt cx="0" cy="0"/>
+        </a:xfrm>
+      </p:grpSpPr>
+      <p:sp>
+        <p:nvSpPr>
+          <p:cNvPr id="2" name="Title 1"/>
+          <p:cNvSpPr>
+            <a:spLocks noGrp="1"/>
+          </p:cNvSpPr>
+          <p:nvPr>
+            <p:ph type="title"/>
+          </p:nvPr>
+        </p:nvSpPr>
+        <p:spPr/>
+        <p:txBody>
+          <a:bodyPr/>
+          <a:lstStyle/>
+          <a:p>
+            <a:r>
+              <a:rPr lang="en-US" dirty="0" smtClean="0"/>
+              <a:t>Simple Email Service (SES)</a:t>
+            </a:r>
+            <a:endParaRPr lang="en-US" dirty="0"/>
+          </a:p>
+        </p:txBody>
+      </p:sp>
+      <p:sp>
+        <p:nvSpPr>
+          <p:cNvPr id="3" name="Content Placeholder 2"/>
+          <p:cNvSpPr>
+            <a:spLocks noGrp="1"/>
+          </p:cNvSpPr>
+          <p:nvPr>
+            <p:ph idx="1"/>
+          </p:nvPr>
+        </p:nvSpPr>
+        <p:spPr/>
+        <p:txBody>
+          <a:bodyPr>
+            <a:normAutofit fontScale="70000" lnSpcReduction="20000"/>
+          </a:bodyPr>
+          <a:lstStyle/>
+          <a:p>
+            <a:r>
+              <a:rPr lang="en-US" dirty="0" smtClean="0"/>
+              <a:t>SES is a scalable email service to support sending and receiving email from AWS</a:t>
+            </a:r>
+          </a:p>
+          <a:p>
+            <a:endParaRPr lang="en-US" dirty="0" smtClean="0"/>
+          </a:p>
+          <a:p>
+            <a:r>
+              <a:rPr lang="en-US" dirty="0" smtClean="0"/>
+              <a:t>Building and maintaining a scalable email platform is challenging and expensive (personal experience)</a:t>
+            </a:r>
+          </a:p>
+          <a:p>
+            <a:pPr lvl="1"/>
+            <a:r>
+              <a:rPr lang="en-US" dirty="0" smtClean="0"/>
+              <a:t>Building a secure platform is tricky</a:t>
+            </a:r>
+          </a:p>
+          <a:p>
+            <a:pPr lvl="1"/>
+            <a:r>
+              <a:rPr lang="en-US" dirty="0" smtClean="0"/>
+              <a:t>Spam and virus filtering expensive</a:t>
+            </a:r>
+          </a:p>
+          <a:p>
+            <a:pPr lvl="1"/>
+            <a:endParaRPr lang="en-US" dirty="0" smtClean="0"/>
+          </a:p>
+          <a:p>
+            <a:r>
+              <a:rPr lang="en-US" dirty="0" smtClean="0"/>
+              <a:t>AWS customers must get approval to run mail servers (</a:t>
+            </a:r>
+            <a:r>
+              <a:rPr lang="en-US" dirty="0" err="1" smtClean="0"/>
+              <a:t>smtp</a:t>
+            </a:r>
+            <a:r>
+              <a:rPr lang="en-US" dirty="0" smtClean="0"/>
+              <a:t>) on EC2 instances</a:t>
+            </a:r>
+          </a:p>
+          <a:p>
+            <a:pPr lvl="1"/>
+            <a:r>
+              <a:rPr lang="en-US" dirty="0" smtClean="0"/>
+              <a:t>Service providers have to constantly combat abuse by spammers leveraging platform</a:t>
+            </a:r>
+          </a:p>
+          <a:p>
+            <a:pPr lvl="1"/>
+            <a:r>
+              <a:rPr lang="en-US" dirty="0" smtClean="0"/>
+              <a:t>Public IP addresses eventually get blacklisted by spam monitors eventually leading to blacklisting of entire networks</a:t>
+            </a:r>
+          </a:p>
+          <a:p>
+            <a:pPr lvl="1"/>
+            <a:endParaRPr lang="en-US" dirty="0"/>
+          </a:p>
+        </p:txBody>
+      </p:sp>
+      <p:pic>
+        <p:nvPicPr>
+          <p:cNvPr id="4" name="Picture 3"/>
+          <p:cNvPicPr>
+            <a:picLocks noChangeAspect="1"/>
+          </p:cNvPicPr>
+          <p:nvPr/>
+        </p:nvPicPr>
+        <p:blipFill>
+          <a:blip r:embed="rId2">
+            <a:extLst>
+              <a:ext uri="{28A0092B-C50C-407E-A947-70E740481C1C}">
+                <a14:useLocalDpi xmlns:a14="http://schemas.microsoft.com/office/drawing/2010/main" val="0"/>
+              </a:ext>
+            </a:extLst>
+          </a:blip>
+          <a:stretch>
+            <a:fillRect/>
+          </a:stretch>
+        </p:blipFill>
+        <p:spPr>
+          <a:xfrm>
+            <a:off x="8008009" y="393385"/>
+            <a:ext cx="542268" cy="632647"/>
+          </a:xfrm>
+          <a:prstGeom prst="rect">
+            <a:avLst/>
+          </a:prstGeom>
+        </p:spPr>
+      </p:pic>
+    </p:spTree>
+    <p:extLst>
+      <p:ext uri="{BB962C8B-B14F-4D97-AF65-F5344CB8AC3E}">
+        <p14:creationId xmlns:p14="http://schemas.microsoft.com/office/powerpoint/2010/main" val="903318208"/>
+      </p:ext>
+    </p:extLst>
+  </p:cSld>
+  <p:clrMapOvr>
+    <a:masterClrMapping/>
+  </p:clrMapOvr>
+</p:sld>
+</file>
+
+<file path=ppt/slides/slide27.xml><?xml version="1.0" encoding="utf-8"?>
+<p:sld xmlns:a="http://schemas.openxmlformats.org/drawingml/2006/main" xmlns:r="http://schemas.openxmlformats.org/officeDocument/2006/relationships" xmlns:p="http://schemas.openxmlformats.org/presentationml/2006/main">
+  <p:cSld>
+    <p:spTree>
+      <p:nvGrpSpPr>
+        <p:cNvPr id="1" name=""/>
+        <p:cNvGrpSpPr/>
+        <p:nvPr/>
+      </p:nvGrpSpPr>
+      <p:grpSpPr>
+        <a:xfrm>
+          <a:off x="0" y="0"/>
+          <a:ext cx="0" cy="0"/>
+          <a:chOff x="0" y="0"/>
+          <a:chExt cx="0" cy="0"/>
+        </a:xfrm>
+      </p:grpSpPr>
+      <p:sp>
+        <p:nvSpPr>
+          <p:cNvPr id="2" name="Title 1"/>
+          <p:cNvSpPr>
+            <a:spLocks noGrp="1"/>
+          </p:cNvSpPr>
+          <p:nvPr>
+            <p:ph type="title"/>
+          </p:nvPr>
+        </p:nvSpPr>
+        <p:spPr/>
+        <p:txBody>
+          <a:bodyPr/>
+          <a:lstStyle/>
+          <a:p>
+            <a:r>
+              <a:rPr lang="en-US" dirty="0" smtClean="0"/>
+              <a:t>Simple Email Service (SES)</a:t>
+            </a:r>
+            <a:endParaRPr lang="en-US" dirty="0"/>
+          </a:p>
+        </p:txBody>
+      </p:sp>
+      <p:sp>
+        <p:nvSpPr>
+          <p:cNvPr id="3" name="Content Placeholder 2"/>
+          <p:cNvSpPr>
+            <a:spLocks noGrp="1"/>
+          </p:cNvSpPr>
+          <p:nvPr>
+            <p:ph idx="1"/>
+          </p:nvPr>
+        </p:nvSpPr>
+        <p:spPr/>
+        <p:txBody>
+          <a:bodyPr>
+            <a:normAutofit fontScale="85000" lnSpcReduction="20000"/>
+          </a:bodyPr>
+          <a:lstStyle/>
+          <a:p>
+            <a:r>
+              <a:rPr lang="en-US" dirty="0" smtClean="0"/>
+              <a:t>Messages sent via standard SMTP, received messages are stored in S3</a:t>
+            </a:r>
+          </a:p>
+          <a:p>
+            <a:endParaRPr lang="en-US" dirty="0" smtClean="0"/>
+          </a:p>
+          <a:p>
+            <a:r>
+              <a:rPr lang="en-US" dirty="0" smtClean="0"/>
+              <a:t>SES provides greater message delivery assurance by supporting authentication mechanisms:</a:t>
+            </a:r>
+          </a:p>
+          <a:p>
+            <a:pPr lvl="1"/>
+            <a:r>
+              <a:rPr lang="en-US" dirty="0" smtClean="0"/>
+              <a:t>Sender Policy Framework (SPF)</a:t>
+            </a:r>
+          </a:p>
+          <a:p>
+            <a:pPr lvl="1"/>
+            <a:r>
+              <a:rPr lang="en-US" dirty="0" err="1" smtClean="0"/>
+              <a:t>DomainKeys</a:t>
+            </a:r>
+            <a:r>
+              <a:rPr lang="en-US" dirty="0" smtClean="0"/>
+              <a:t> Identified Mail (DKIM)</a:t>
+            </a:r>
+          </a:p>
+          <a:p>
+            <a:pPr lvl="1"/>
+            <a:r>
+              <a:rPr lang="en-US" dirty="0" smtClean="0"/>
+              <a:t>Both use DNS records to verify that SES is allowed to send email on behalf of the domain owner</a:t>
+            </a:r>
+          </a:p>
+          <a:p>
+            <a:pPr lvl="1"/>
+            <a:endParaRPr lang="en-US" dirty="0" smtClean="0"/>
+          </a:p>
+          <a:p>
+            <a:r>
+              <a:rPr lang="en-US" dirty="0" smtClean="0"/>
+              <a:t>Billing is based on number of messages sent and received per month (first 62k sent free)</a:t>
+            </a:r>
+            <a:endParaRPr lang="en-US" dirty="0"/>
+          </a:p>
+        </p:txBody>
+      </p:sp>
+    </p:spTree>
+    <p:extLst>
+      <p:ext uri="{BB962C8B-B14F-4D97-AF65-F5344CB8AC3E}">
+        <p14:creationId xmlns:p14="http://schemas.microsoft.com/office/powerpoint/2010/main" val="951230433"/>
+      </p:ext>
+    </p:extLst>
+  </p:cSld>
+  <p:clrMapOvr>
+    <a:masterClrMapping/>
+  </p:clrMapOvr>
+</p:sld>
+</file>
+
+<file path=ppt/slides/slide28.xml><?xml version="1.0" encoding="utf-8"?>
+<p:sld xmlns:a="http://schemas.openxmlformats.org/drawingml/2006/main" xmlns:r="http://schemas.openxmlformats.org/officeDocument/2006/relationships" xmlns:p="http://schemas.openxmlformats.org/presentationml/2006/main">
+  <p:cSld>
+    <p:spTree>
+      <p:nvGrpSpPr>
+        <p:cNvPr id="1" name=""/>
+        <p:cNvGrpSpPr/>
+        <p:nvPr/>
+      </p:nvGrpSpPr>
+      <p:grpSpPr>
+        <a:xfrm>
+          <a:off x="0" y="0"/>
+          <a:ext cx="0" cy="0"/>
+          <a:chOff x="0" y="0"/>
+          <a:chExt cx="0" cy="0"/>
+        </a:xfrm>
+      </p:grpSpPr>
+      <p:sp>
+        <p:nvSpPr>
+          <p:cNvPr id="2" name="Title 1"/>
+          <p:cNvSpPr>
+            <a:spLocks noGrp="1"/>
+          </p:cNvSpPr>
+          <p:nvPr>
+            <p:ph type="title"/>
+          </p:nvPr>
+        </p:nvSpPr>
+        <p:spPr/>
+        <p:txBody>
+          <a:bodyPr/>
+          <a:lstStyle/>
+          <a:p>
+            <a:r>
+              <a:rPr lang="en-US" dirty="0" smtClean="0"/>
+              <a:t>Route 53</a:t>
+            </a:r>
+            <a:endParaRPr lang="en-US" dirty="0"/>
+          </a:p>
+        </p:txBody>
+      </p:sp>
+      <p:sp>
+        <p:nvSpPr>
+          <p:cNvPr id="3" name="Content Placeholder 2"/>
+          <p:cNvSpPr>
+            <a:spLocks noGrp="1"/>
+          </p:cNvSpPr>
+          <p:nvPr>
+            <p:ph idx="1"/>
+          </p:nvPr>
+        </p:nvSpPr>
+        <p:spPr/>
+        <p:txBody>
+          <a:bodyPr>
+            <a:normAutofit fontScale="85000" lnSpcReduction="20000"/>
+          </a:bodyPr>
+          <a:lstStyle/>
+          <a:p>
+            <a:r>
+              <a:rPr lang="en-US" dirty="0" smtClean="0"/>
+              <a:t>Scalable domain name hosting and registration service</a:t>
+            </a:r>
+          </a:p>
+          <a:p>
+            <a:endParaRPr lang="en-US" dirty="0" smtClean="0"/>
+          </a:p>
+          <a:p>
+            <a:r>
+              <a:rPr lang="en-US" dirty="0" smtClean="0"/>
+              <a:t>Route 53 name based on famous Route 66 highway across America, 53 is DNS port number</a:t>
+            </a:r>
+          </a:p>
+          <a:p>
+            <a:endParaRPr lang="en-US" dirty="0" smtClean="0"/>
+          </a:p>
+          <a:p>
+            <a:r>
+              <a:rPr lang="en-US" dirty="0" smtClean="0"/>
+              <a:t>Domain Name Services (DNS) are a critical part of Internet infrastructure</a:t>
+            </a:r>
+          </a:p>
+          <a:p>
+            <a:pPr lvl="1"/>
+            <a:r>
+              <a:rPr lang="en-US" dirty="0" smtClean="0"/>
+              <a:t>DNS translates domain names (</a:t>
+            </a:r>
+            <a:r>
+              <a:rPr lang="en-US" dirty="0" err="1" smtClean="0"/>
+              <a:t>domain.com</a:t>
+            </a:r>
+            <a:r>
+              <a:rPr lang="en-US" dirty="0" smtClean="0"/>
+              <a:t>) into IP addresses</a:t>
+            </a:r>
+          </a:p>
+          <a:p>
+            <a:pPr lvl="1"/>
+            <a:r>
+              <a:rPr lang="en-US" dirty="0" smtClean="0"/>
+              <a:t>Availability of DNS services directly impacts service availability</a:t>
+            </a:r>
+          </a:p>
+          <a:p>
+            <a:pPr lvl="2"/>
+            <a:r>
+              <a:rPr lang="en-US" dirty="0" smtClean="0"/>
+              <a:t>Service isn’t really “up” if nobody can find it</a:t>
+            </a:r>
+            <a:endParaRPr lang="en-US" dirty="0"/>
+          </a:p>
+        </p:txBody>
+      </p:sp>
+      <p:pic>
+        <p:nvPicPr>
+          <p:cNvPr id="4" name="Picture 3"/>
+          <p:cNvPicPr>
+            <a:picLocks noChangeAspect="1"/>
+          </p:cNvPicPr>
+          <p:nvPr/>
+        </p:nvPicPr>
+        <p:blipFill>
+          <a:blip r:embed="rId2">
+            <a:extLst>
+              <a:ext uri="{28A0092B-C50C-407E-A947-70E740481C1C}">
+                <a14:useLocalDpi xmlns:a14="http://schemas.microsoft.com/office/drawing/2010/main" val="0"/>
+              </a:ext>
+            </a:extLst>
+          </a:blip>
+          <a:stretch>
+            <a:fillRect/>
+          </a:stretch>
+        </p:blipFill>
+        <p:spPr>
+          <a:xfrm>
+            <a:off x="8149482" y="498411"/>
+            <a:ext cx="537318" cy="638065"/>
+          </a:xfrm>
+          <a:prstGeom prst="rect">
+            <a:avLst/>
+          </a:prstGeom>
+        </p:spPr>
+      </p:pic>
+    </p:spTree>
+    <p:extLst>
+      <p:ext uri="{BB962C8B-B14F-4D97-AF65-F5344CB8AC3E}">
+        <p14:creationId xmlns:p14="http://schemas.microsoft.com/office/powerpoint/2010/main" val="999180608"/>
+      </p:ext>
+    </p:extLst>
+  </p:cSld>
+  <p:clrMapOvr>
+    <a:masterClrMapping/>
+  </p:clrMapOvr>
+</p:sld>
+</file>
+
+<file path=ppt/slides/slide29.xml><?xml version="1.0" encoding="utf-8"?>
+<p:sld xmlns:a="http://schemas.openxmlformats.org/drawingml/2006/main" xmlns:r="http://schemas.openxmlformats.org/officeDocument/2006/relationships" xmlns:p="http://schemas.openxmlformats.org/presentationml/2006/main">
+  <p:cSld>
+    <p:spTree>
+      <p:nvGrpSpPr>
+        <p:cNvPr id="1" name=""/>
+        <p:cNvGrpSpPr/>
+        <p:nvPr/>
+      </p:nvGrpSpPr>
+      <p:grpSpPr>
+        <a:xfrm>
+          <a:off x="0" y="0"/>
+          <a:ext cx="0" cy="0"/>
+          <a:chOff x="0" y="0"/>
+          <a:chExt cx="0" cy="0"/>
+        </a:xfrm>
+      </p:grpSpPr>
+      <p:sp>
+        <p:nvSpPr>
+          <p:cNvPr id="2" name="Title 1"/>
+          <p:cNvSpPr>
+            <a:spLocks noGrp="1"/>
+          </p:cNvSpPr>
+          <p:nvPr>
+            <p:ph type="title"/>
+          </p:nvPr>
+        </p:nvSpPr>
+        <p:spPr/>
+        <p:txBody>
+          <a:bodyPr/>
+          <a:lstStyle/>
+          <a:p>
+            <a:r>
+              <a:rPr lang="en-US" dirty="0" smtClean="0"/>
+              <a:t>Route 53</a:t>
+            </a:r>
+            <a:endParaRPr lang="en-US" dirty="0"/>
+          </a:p>
+        </p:txBody>
+      </p:sp>
+      <p:pic>
+        <p:nvPicPr>
+          <p:cNvPr id="4" name="Picture 3"/>
+          <p:cNvPicPr>
+            <a:picLocks noChangeAspect="1"/>
+          </p:cNvPicPr>
+          <p:nvPr/>
+        </p:nvPicPr>
+        <p:blipFill>
+          <a:blip r:embed="rId3"/>
+          <a:stretch>
+            <a:fillRect/>
+          </a:stretch>
+        </p:blipFill>
+        <p:spPr>
+          <a:xfrm>
+            <a:off x="1548245" y="1187980"/>
+            <a:ext cx="6129482" cy="5359447"/>
+          </a:xfrm>
+          <a:prstGeom prst="rect">
+            <a:avLst/>
+          </a:prstGeom>
+        </p:spPr>
+      </p:pic>
+      <p:sp>
+        <p:nvSpPr>
+          <p:cNvPr id="5" name="TextBox 4"/>
+          <p:cNvSpPr txBox="1"/>
+          <p:nvPr/>
+        </p:nvSpPr>
+        <p:spPr>
+          <a:xfrm>
+            <a:off x="565727" y="2228165"/>
+            <a:ext cx="3859466" cy="646331"/>
+          </a:xfrm>
+          <a:prstGeom prst="rect">
+            <a:avLst/>
+          </a:prstGeom>
+          <a:noFill/>
+        </p:spPr>
+        <p:txBody>
+          <a:bodyPr wrap="none" rtlCol="0">
+            <a:spAutoFit/>
+          </a:bodyPr>
+          <a:lstStyle/>
+          <a:p>
+            <a:r>
+              <a:rPr lang="en-US" sz="3600" dirty="0" smtClean="0">
+                <a:solidFill>
+                  <a:srgbClr val="17375E"/>
+                </a:solidFill>
+                <a:latin typeface="Avenir Black"/>
+                <a:cs typeface="Avenir Black"/>
+              </a:rPr>
+              <a:t>How DNS Works</a:t>
+            </a:r>
+            <a:endParaRPr lang="en-US" sz="3600" dirty="0">
+              <a:solidFill>
+                <a:srgbClr val="17375E"/>
+              </a:solidFill>
+              <a:latin typeface="Avenir Black"/>
+              <a:cs typeface="Avenir Black"/>
+            </a:endParaRPr>
+          </a:p>
+        </p:txBody>
+      </p:sp>
+    </p:spTree>
+    <p:extLst>
+      <p:ext uri="{BB962C8B-B14F-4D97-AF65-F5344CB8AC3E}">
+        <p14:creationId xmlns:p14="http://schemas.microsoft.com/office/powerpoint/2010/main" val="3672327822"/>
+      </p:ext>
+    </p:extLst>
+  </p:cSld>
+  <p:clrMapOvr>
+    <a:masterClrMapping/>
+  </p:clrMapOvr>
+</p:sld>
+</file>
+
+<file path=ppt/slides/slide3.xml><?xml version="1.0" encoding="utf-8"?>
+<p:sld xmlns:a="http://schemas.openxmlformats.org/drawingml/2006/main" xmlns:r="http://schemas.openxmlformats.org/officeDocument/2006/relationships" xmlns:p="http://schemas.openxmlformats.org/presentationml/2006/main">
+  <p:cSld>
+    <p:spTree>
+      <p:nvGrpSpPr>
+        <p:cNvPr id="1" name=""/>
+        <p:cNvGrpSpPr/>
+        <p:nvPr/>
+      </p:nvGrpSpPr>
+      <p:grpSpPr>
+        <a:xfrm>
+          <a:off x="0" y="0"/>
+          <a:ext cx="0" cy="0"/>
+          <a:chOff x="0" y="0"/>
+          <a:chExt cx="0" cy="0"/>
+        </a:xfrm>
+      </p:grpSpPr>
+      <p:sp>
+        <p:nvSpPr>
+          <p:cNvPr id="2" name="Title 1"/>
+          <p:cNvSpPr>
+            <a:spLocks noGrp="1"/>
+          </p:cNvSpPr>
+          <p:nvPr>
+            <p:ph type="title"/>
+          </p:nvPr>
+        </p:nvSpPr>
+        <p:spPr/>
+        <p:txBody>
+          <a:bodyPr/>
+          <a:lstStyle/>
+          <a:p>
+            <a:r>
+              <a:rPr lang="en-US" dirty="0" smtClean="0"/>
               <a:t>Readings</a:t>
             </a:r>
             <a:endParaRPr lang="en-US" dirty="0"/>
@@ -3200,7 +6720,7 @@
         <p:spPr/>
         <p:txBody>
           <a:bodyPr>
-            <a:normAutofit lnSpcReduction="10000"/>
+            <a:normAutofit fontScale="92500" lnSpcReduction="10000"/>
           </a:bodyPr>
           <a:lstStyle/>
           <a:p>
@@ -3214,7 +6734,15 @@
             <a:pPr lvl="1"/>
             <a:r>
               <a:rPr lang="en-US" dirty="0" smtClean="0"/>
-              <a:t>Web Operations/ Site Reliability Engineer (SRE)</a:t>
+              <a:t>Web Operations/ </a:t>
+            </a:r>
+            <a:r>
+              <a:rPr lang="en-US" b="1" dirty="0" smtClean="0"/>
+              <a:t>Site Reliability Engineer </a:t>
+            </a:r>
+            <a:r>
+              <a:rPr lang="en-US" dirty="0" smtClean="0"/>
+              <a:t>(SRE)</a:t>
             </a:r>
           </a:p>
           <a:p>
@@ -3239,13 +6767,13 @@
               <a:t>Broad knowledge </a:t>
             </a:r>
             <a:r>
-              <a:rPr lang="en-US" dirty="0" err="1" smtClean="0"/>
-              <a:t>vs</a:t>
-            </a:r>
-            <a:r>
-              <a:rPr lang="en-US" dirty="0" smtClean="0"/>
-              <a:t> deep</a:t>
-            </a:r>
+              <a:rPr lang="en-US" dirty="0" smtClean="0"/>
+              <a:t>vs. deep</a:t>
+            </a:r>
+          </a:p>
+          <a:p>
+            <a:pPr lvl="2"/>
+            <a:endParaRPr lang="en-US" dirty="0" smtClean="0"/>
           </a:p>
           <a:p>
             <a:pPr lvl="1"/>
@@ -3257,15 +6785,23 @@
           <a:p>
             <a:pPr lvl="2"/>
             <a:r>
-              <a:rPr lang="en-US" dirty="0" smtClean="0"/>
-              <a:t>Knowledge = studying of experiences of others (like this class!)</a:t>
+              <a:rPr lang="en-US" b="1" dirty="0" smtClean="0"/>
+              <a:t>Knowledge</a:t>
+            </a:r>
+            <a:r>
+              <a:rPr lang="en-US" dirty="0" smtClean="0"/>
+              <a:t> = studying of experiences of others (like this class!)</a:t>
             </a:r>
           </a:p>
           <a:p>
             <a:pPr lvl="2"/>
             <a:r>
-              <a:rPr lang="en-US" dirty="0" smtClean="0"/>
-              <a:t>Experience = the process of making and surviving bad judgments</a:t>
+              <a:rPr lang="en-US" b="1" dirty="0" smtClean="0"/>
+              <a:t>Experience</a:t>
+            </a:r>
+            <a:r>
+              <a:rPr lang="en-US" dirty="0" smtClean="0"/>
+              <a:t> = the process of making and surviving bad judgments</a:t>
             </a:r>
           </a:p>
         </p:txBody>
@@ -3298,6 +6834,2392 @@
     <p:extLst>
       <p:ext uri="{BB962C8B-B14F-4D97-AF65-F5344CB8AC3E}">
         <p14:creationId xmlns:p14="http://schemas.microsoft.com/office/powerpoint/2010/main" val="2342229429"/>
+      </p:ext>
+    </p:extLst>
+  </p:cSld>
+  <p:clrMapOvr>
+    <a:masterClrMapping/>
+  </p:clrMapOvr>
+</p:sld>
+</file>
+
+<file path=ppt/slides/slide30.xml><?xml version="1.0" encoding="utf-8"?>
+<p:sld xmlns:a="http://schemas.openxmlformats.org/drawingml/2006/main" xmlns:r="http://schemas.openxmlformats.org/officeDocument/2006/relationships" xmlns:p="http://schemas.openxmlformats.org/presentationml/2006/main">
+  <p:cSld>
+    <p:spTree>
+      <p:nvGrpSpPr>
+        <p:cNvPr id="1" name=""/>
+        <p:cNvGrpSpPr/>
+        <p:nvPr/>
+      </p:nvGrpSpPr>
+      <p:grpSpPr>
+        <a:xfrm>
+          <a:off x="0" y="0"/>
+          <a:ext cx="0" cy="0"/>
+          <a:chOff x="0" y="0"/>
+          <a:chExt cx="0" cy="0"/>
+        </a:xfrm>
+      </p:grpSpPr>
+      <p:sp>
+        <p:nvSpPr>
+          <p:cNvPr id="2" name="Title 1"/>
+          <p:cNvSpPr>
+            <a:spLocks noGrp="1"/>
+          </p:cNvSpPr>
+          <p:nvPr>
+            <p:ph type="title"/>
+          </p:nvPr>
+        </p:nvSpPr>
+        <p:spPr/>
+        <p:txBody>
+          <a:bodyPr/>
+          <a:lstStyle/>
+          <a:p>
+            <a:r>
+              <a:rPr lang="en-US" dirty="0" smtClean="0"/>
+              <a:t>Route 53</a:t>
+            </a:r>
+            <a:endParaRPr lang="en-US" dirty="0"/>
+          </a:p>
+        </p:txBody>
+      </p:sp>
+      <p:sp>
+        <p:nvSpPr>
+          <p:cNvPr id="3" name="Content Placeholder 2"/>
+          <p:cNvSpPr>
+            <a:spLocks noGrp="1"/>
+          </p:cNvSpPr>
+          <p:nvPr>
+            <p:ph idx="1"/>
+          </p:nvPr>
+        </p:nvSpPr>
+        <p:spPr/>
+        <p:txBody>
+          <a:bodyPr>
+            <a:normAutofit fontScale="70000" lnSpcReduction="20000"/>
+          </a:bodyPr>
+          <a:lstStyle/>
+          <a:p>
+            <a:r>
+              <a:rPr lang="en-US" dirty="0" smtClean="0"/>
+              <a:t>AWS can serve as a domain registrar and name server</a:t>
+            </a:r>
+          </a:p>
+          <a:p>
+            <a:endParaRPr lang="en-US" dirty="0" smtClean="0"/>
+          </a:p>
+          <a:p>
+            <a:r>
+              <a:rPr lang="en-US" dirty="0" smtClean="0"/>
+              <a:t>A </a:t>
+            </a:r>
+            <a:r>
+              <a:rPr lang="en-US" b="1" dirty="0" smtClean="0"/>
+              <a:t>name server </a:t>
+            </a:r>
+            <a:r>
+              <a:rPr lang="en-US" dirty="0" smtClean="0"/>
+              <a:t>provides all authoritative records for a domain name</a:t>
+            </a:r>
+          </a:p>
+          <a:p>
+            <a:endParaRPr lang="en-US" dirty="0" smtClean="0"/>
+          </a:p>
+          <a:p>
+            <a:r>
+              <a:rPr lang="en-US" dirty="0" smtClean="0"/>
+              <a:t>Record types:</a:t>
+            </a:r>
+          </a:p>
+          <a:p>
+            <a:pPr lvl="1"/>
+            <a:r>
+              <a:rPr lang="en-US" b="1" dirty="0" smtClean="0"/>
+              <a:t>Start of authority </a:t>
+            </a:r>
+            <a:r>
+              <a:rPr lang="en-US" dirty="0" smtClean="0"/>
+              <a:t>(SOA):  administrator name, version, and TTL information</a:t>
+            </a:r>
+          </a:p>
+          <a:p>
+            <a:pPr lvl="1"/>
+            <a:r>
+              <a:rPr lang="en-US" b="1" dirty="0" smtClean="0"/>
+              <a:t>Name Server </a:t>
+            </a:r>
+            <a:r>
+              <a:rPr lang="en-US" dirty="0" smtClean="0"/>
+              <a:t>(NS): used by top level servers to locate authoritative name server</a:t>
+            </a:r>
+          </a:p>
+          <a:p>
+            <a:pPr lvl="1"/>
+            <a:r>
+              <a:rPr lang="en-US" b="1" dirty="0" smtClean="0"/>
+              <a:t>Address</a:t>
+            </a:r>
+            <a:r>
+              <a:rPr lang="en-US" dirty="0" smtClean="0"/>
+              <a:t> (A): maps a hostname to an IP address</a:t>
+            </a:r>
+          </a:p>
+          <a:p>
+            <a:pPr lvl="1"/>
+            <a:r>
+              <a:rPr lang="en-US" b="1" dirty="0" smtClean="0"/>
+              <a:t>CNAME</a:t>
+            </a:r>
+            <a:r>
+              <a:rPr lang="en-US" dirty="0" smtClean="0"/>
+              <a:t>: maps a hostname to a fully qualified domain name</a:t>
+            </a:r>
+          </a:p>
+          <a:p>
+            <a:pPr lvl="1"/>
+            <a:r>
+              <a:rPr lang="en-US" b="1" dirty="0" smtClean="0"/>
+              <a:t>Alias</a:t>
+            </a:r>
+            <a:r>
+              <a:rPr lang="en-US" dirty="0" smtClean="0"/>
+              <a:t>: like a CNAME, but can use dynamic AWS targets</a:t>
+            </a:r>
+          </a:p>
+          <a:p>
+            <a:pPr lvl="2"/>
+            <a:r>
+              <a:rPr lang="en-US" dirty="0" smtClean="0"/>
+              <a:t>Example: Elastic load balancers use a dynamic endpoint, not an IP address</a:t>
+            </a:r>
+          </a:p>
+          <a:p>
+            <a:pPr lvl="1"/>
+            <a:endParaRPr lang="en-US" dirty="0" smtClean="0"/>
+          </a:p>
+        </p:txBody>
+      </p:sp>
+    </p:spTree>
+    <p:extLst>
+      <p:ext uri="{BB962C8B-B14F-4D97-AF65-F5344CB8AC3E}">
+        <p14:creationId xmlns:p14="http://schemas.microsoft.com/office/powerpoint/2010/main" val="97698365"/>
+      </p:ext>
+    </p:extLst>
+  </p:cSld>
+  <p:clrMapOvr>
+    <a:masterClrMapping/>
+  </p:clrMapOvr>
+</p:sld>
+</file>
+
+<file path=ppt/slides/slide31.xml><?xml version="1.0" encoding="utf-8"?>
+<p:sld xmlns:a="http://schemas.openxmlformats.org/drawingml/2006/main" xmlns:r="http://schemas.openxmlformats.org/officeDocument/2006/relationships" xmlns:p="http://schemas.openxmlformats.org/presentationml/2006/main">
+  <p:cSld>
+    <p:spTree>
+      <p:nvGrpSpPr>
+        <p:cNvPr id="1" name=""/>
+        <p:cNvGrpSpPr/>
+        <p:nvPr/>
+      </p:nvGrpSpPr>
+      <p:grpSpPr>
+        <a:xfrm>
+          <a:off x="0" y="0"/>
+          <a:ext cx="0" cy="0"/>
+          <a:chOff x="0" y="0"/>
+          <a:chExt cx="0" cy="0"/>
+        </a:xfrm>
+      </p:grpSpPr>
+      <p:sp>
+        <p:nvSpPr>
+          <p:cNvPr id="2" name="Title 1"/>
+          <p:cNvSpPr>
+            <a:spLocks noGrp="1"/>
+          </p:cNvSpPr>
+          <p:nvPr>
+            <p:ph type="title"/>
+          </p:nvPr>
+        </p:nvSpPr>
+        <p:spPr/>
+        <p:txBody>
+          <a:bodyPr/>
+          <a:lstStyle/>
+          <a:p>
+            <a:r>
+              <a:rPr lang="en-US" dirty="0" smtClean="0"/>
+              <a:t>Route 53 Routing Policies</a:t>
+            </a:r>
+            <a:endParaRPr lang="en-US" dirty="0"/>
+          </a:p>
+        </p:txBody>
+      </p:sp>
+      <p:sp>
+        <p:nvSpPr>
+          <p:cNvPr id="3" name="Content Placeholder 2"/>
+          <p:cNvSpPr>
+            <a:spLocks noGrp="1"/>
+          </p:cNvSpPr>
+          <p:nvPr>
+            <p:ph idx="1"/>
+          </p:nvPr>
+        </p:nvSpPr>
+        <p:spPr/>
+        <p:txBody>
+          <a:bodyPr>
+            <a:normAutofit fontScale="92500" lnSpcReduction="20000"/>
+          </a:bodyPr>
+          <a:lstStyle/>
+          <a:p>
+            <a:r>
+              <a:rPr lang="en-US" dirty="0" smtClean="0"/>
+              <a:t>Routing policies are used to </a:t>
+            </a:r>
+            <a:r>
+              <a:rPr lang="is-IS" dirty="0" smtClean="0"/>
+              <a:t>distribute traffic over multiple regions using dynamic DNS responses</a:t>
+            </a:r>
+          </a:p>
+          <a:p>
+            <a:endParaRPr lang="is-IS" dirty="0" smtClean="0"/>
+          </a:p>
+          <a:p>
+            <a:r>
+              <a:rPr lang="is-IS" b="1" dirty="0" smtClean="0"/>
+              <a:t>Simple</a:t>
+            </a:r>
+            <a:r>
+              <a:rPr lang="is-IS" dirty="0" smtClean="0"/>
+              <a:t>: default policy which maps a DNS response to a single region </a:t>
+            </a:r>
+          </a:p>
+          <a:p>
+            <a:endParaRPr lang="is-IS" dirty="0" smtClean="0"/>
+          </a:p>
+          <a:p>
+            <a:r>
+              <a:rPr lang="en-US" b="1" dirty="0" smtClean="0"/>
+              <a:t>Weighted</a:t>
+            </a:r>
+            <a:r>
+              <a:rPr lang="en-US" dirty="0" smtClean="0"/>
+              <a:t>: distribute traffic over multiple regions based on the weighting assigned to each region </a:t>
+            </a:r>
+          </a:p>
+          <a:p>
+            <a:pPr lvl="1"/>
+            <a:r>
+              <a:rPr lang="en-US" dirty="0"/>
+              <a:t>E</a:t>
+            </a:r>
+            <a:r>
+              <a:rPr lang="en-US" dirty="0" smtClean="0"/>
+              <a:t>xample: 85% us-east, 15% us-west)</a:t>
+            </a:r>
+          </a:p>
+          <a:p>
+            <a:pPr lvl="1"/>
+            <a:r>
+              <a:rPr lang="en-US" dirty="0" smtClean="0"/>
+              <a:t>May be useful for A/B testing </a:t>
+            </a:r>
+          </a:p>
+          <a:p>
+            <a:endParaRPr lang="en-US" dirty="0" smtClean="0"/>
+          </a:p>
+          <a:p>
+            <a:endParaRPr lang="en-US" dirty="0" smtClean="0"/>
+          </a:p>
+          <a:p>
+            <a:endParaRPr lang="en-US" dirty="0"/>
+          </a:p>
+        </p:txBody>
+      </p:sp>
+    </p:spTree>
+    <p:extLst>
+      <p:ext uri="{BB962C8B-B14F-4D97-AF65-F5344CB8AC3E}">
+        <p14:creationId xmlns:p14="http://schemas.microsoft.com/office/powerpoint/2010/main" val="4222650068"/>
+      </p:ext>
+    </p:extLst>
+  </p:cSld>
+  <p:clrMapOvr>
+    <a:masterClrMapping/>
+  </p:clrMapOvr>
+</p:sld>
+</file>
+
+<file path=ppt/slides/slide32.xml><?xml version="1.0" encoding="utf-8"?>
+<p:sld xmlns:a="http://schemas.openxmlformats.org/drawingml/2006/main" xmlns:r="http://schemas.openxmlformats.org/officeDocument/2006/relationships" xmlns:p="http://schemas.openxmlformats.org/presentationml/2006/main">
+  <p:cSld>
+    <p:spTree>
+      <p:nvGrpSpPr>
+        <p:cNvPr id="1" name=""/>
+        <p:cNvGrpSpPr/>
+        <p:nvPr/>
+      </p:nvGrpSpPr>
+      <p:grpSpPr>
+        <a:xfrm>
+          <a:off x="0" y="0"/>
+          <a:ext cx="0" cy="0"/>
+          <a:chOff x="0" y="0"/>
+          <a:chExt cx="0" cy="0"/>
+        </a:xfrm>
+      </p:grpSpPr>
+      <p:sp>
+        <p:nvSpPr>
+          <p:cNvPr id="2" name="Title 1"/>
+          <p:cNvSpPr>
+            <a:spLocks noGrp="1"/>
+          </p:cNvSpPr>
+          <p:nvPr>
+            <p:ph type="title"/>
+          </p:nvPr>
+        </p:nvSpPr>
+        <p:spPr/>
+        <p:txBody>
+          <a:bodyPr/>
+          <a:lstStyle/>
+          <a:p>
+            <a:r>
+              <a:rPr lang="en-US" dirty="0" smtClean="0"/>
+              <a:t>Route 53 Routing Policies</a:t>
+            </a:r>
+            <a:endParaRPr lang="en-US" dirty="0"/>
+          </a:p>
+        </p:txBody>
+      </p:sp>
+      <p:sp>
+        <p:nvSpPr>
+          <p:cNvPr id="3" name="Content Placeholder 2"/>
+          <p:cNvSpPr>
+            <a:spLocks noGrp="1"/>
+          </p:cNvSpPr>
+          <p:nvPr>
+            <p:ph idx="1"/>
+          </p:nvPr>
+        </p:nvSpPr>
+        <p:spPr/>
+        <p:txBody>
+          <a:bodyPr>
+            <a:normAutofit fontScale="70000" lnSpcReduction="20000"/>
+          </a:bodyPr>
+          <a:lstStyle/>
+          <a:p>
+            <a:r>
+              <a:rPr lang="en-US" b="1" dirty="0" smtClean="0"/>
+              <a:t>Latency</a:t>
+            </a:r>
+            <a:r>
+              <a:rPr lang="en-US" dirty="0" smtClean="0"/>
+              <a:t>: distribute traffic by directing user to the lowest latency region</a:t>
+            </a:r>
+          </a:p>
+          <a:p>
+            <a:pPr lvl="1"/>
+            <a:r>
+              <a:rPr lang="en-US" dirty="0" smtClean="0"/>
+              <a:t>Example: US customers directed to us-east and European customers direct to </a:t>
+            </a:r>
+            <a:r>
+              <a:rPr lang="en-US" dirty="0" err="1" smtClean="0"/>
+              <a:t>eu</a:t>
+            </a:r>
+            <a:r>
+              <a:rPr lang="en-US" dirty="0" smtClean="0"/>
+              <a:t>-west</a:t>
+            </a:r>
+          </a:p>
+          <a:p>
+            <a:pPr lvl="1"/>
+            <a:endParaRPr lang="en-US" dirty="0" smtClean="0"/>
+          </a:p>
+          <a:p>
+            <a:r>
+              <a:rPr lang="en-US" b="1" dirty="0" smtClean="0"/>
+              <a:t>Failover</a:t>
+            </a:r>
+            <a:r>
+              <a:rPr lang="en-US" dirty="0" smtClean="0"/>
+              <a:t>: monitor health of services and fail over to a secondary region if health check fails</a:t>
+            </a:r>
+          </a:p>
+          <a:p>
+            <a:pPr lvl="1"/>
+            <a:r>
+              <a:rPr lang="en-US" dirty="0" smtClean="0"/>
+              <a:t>Example: us-east is primary, us-west is secondary</a:t>
+            </a:r>
+          </a:p>
+          <a:p>
+            <a:pPr lvl="1"/>
+            <a:r>
+              <a:rPr lang="en-US" dirty="0" smtClean="0"/>
+              <a:t>Primarily used for disaster recovery purposes, protect against failure of an entire region</a:t>
+            </a:r>
+          </a:p>
+          <a:p>
+            <a:pPr lvl="1"/>
+            <a:endParaRPr lang="en-US" dirty="0" smtClean="0"/>
+          </a:p>
+          <a:p>
+            <a:r>
+              <a:rPr lang="en-US" b="1" dirty="0" err="1" smtClean="0"/>
+              <a:t>Geolocation</a:t>
+            </a:r>
+            <a:r>
+              <a:rPr lang="en-US" dirty="0" smtClean="0"/>
+              <a:t>: distribute traffic to a specific region based on physical location of user</a:t>
+            </a:r>
+          </a:p>
+          <a:p>
+            <a:pPr lvl="1"/>
+            <a:r>
+              <a:rPr lang="en-US" dirty="0" smtClean="0"/>
+              <a:t>Example: All queries from European users go to </a:t>
+            </a:r>
+            <a:r>
+              <a:rPr lang="en-US" dirty="0" err="1" smtClean="0"/>
+              <a:t>eu</a:t>
+            </a:r>
+            <a:r>
+              <a:rPr lang="en-US" dirty="0" smtClean="0"/>
+              <a:t>-west</a:t>
+            </a:r>
+          </a:p>
+          <a:p>
+            <a:pPr lvl="1"/>
+            <a:r>
+              <a:rPr lang="en-US" dirty="0" smtClean="0"/>
+              <a:t>Primarily used to meet regulatory and data privacy requirements </a:t>
+            </a:r>
+            <a:endParaRPr lang="en-US" dirty="0"/>
+          </a:p>
+        </p:txBody>
+      </p:sp>
+    </p:spTree>
+    <p:extLst>
+      <p:ext uri="{BB962C8B-B14F-4D97-AF65-F5344CB8AC3E}">
+        <p14:creationId xmlns:p14="http://schemas.microsoft.com/office/powerpoint/2010/main" val="581695462"/>
+      </p:ext>
+    </p:extLst>
+  </p:cSld>
+  <p:clrMapOvr>
+    <a:masterClrMapping/>
+  </p:clrMapOvr>
+</p:sld>
+</file>
+
+<file path=ppt/slides/slide33.xml><?xml version="1.0" encoding="utf-8"?>
+<p:sld xmlns:a="http://schemas.openxmlformats.org/drawingml/2006/main" xmlns:r="http://schemas.openxmlformats.org/officeDocument/2006/relationships" xmlns:p="http://schemas.openxmlformats.org/presentationml/2006/main">
+  <p:cSld>
+    <p:spTree>
+      <p:nvGrpSpPr>
+        <p:cNvPr id="1" name=""/>
+        <p:cNvGrpSpPr/>
+        <p:nvPr/>
+      </p:nvGrpSpPr>
+      <p:grpSpPr>
+        <a:xfrm>
+          <a:off x="0" y="0"/>
+          <a:ext cx="0" cy="0"/>
+          <a:chOff x="0" y="0"/>
+          <a:chExt cx="0" cy="0"/>
+        </a:xfrm>
+      </p:grpSpPr>
+      <p:sp>
+        <p:nvSpPr>
+          <p:cNvPr id="2" name="Title 1"/>
+          <p:cNvSpPr>
+            <a:spLocks noGrp="1"/>
+          </p:cNvSpPr>
+          <p:nvPr>
+            <p:ph type="title"/>
+          </p:nvPr>
+        </p:nvSpPr>
+        <p:spPr/>
+        <p:txBody>
+          <a:bodyPr>
+            <a:normAutofit/>
+          </a:bodyPr>
+          <a:lstStyle/>
+          <a:p>
+            <a:r>
+              <a:rPr lang="en-US" dirty="0" smtClean="0"/>
+              <a:t>DR Architecture Using Route 53</a:t>
+            </a:r>
+            <a:endParaRPr lang="en-US" dirty="0"/>
+          </a:p>
+        </p:txBody>
+      </p:sp>
+      <p:pic>
+        <p:nvPicPr>
+          <p:cNvPr id="4" name="Picture 3"/>
+          <p:cNvPicPr>
+            <a:picLocks noChangeAspect="1"/>
+          </p:cNvPicPr>
+          <p:nvPr/>
+        </p:nvPicPr>
+        <p:blipFill>
+          <a:blip r:embed="rId2"/>
+          <a:stretch>
+            <a:fillRect/>
+          </a:stretch>
+        </p:blipFill>
+        <p:spPr>
+          <a:xfrm>
+            <a:off x="897684" y="2032000"/>
+            <a:ext cx="7468592" cy="4202546"/>
+          </a:xfrm>
+          <a:prstGeom prst="rect">
+            <a:avLst/>
+          </a:prstGeom>
+        </p:spPr>
+      </p:pic>
+    </p:spTree>
+    <p:extLst>
+      <p:ext uri="{BB962C8B-B14F-4D97-AF65-F5344CB8AC3E}">
+        <p14:creationId xmlns:p14="http://schemas.microsoft.com/office/powerpoint/2010/main" val="3863840098"/>
+      </p:ext>
+    </p:extLst>
+  </p:cSld>
+  <p:clrMapOvr>
+    <a:masterClrMapping/>
+  </p:clrMapOvr>
+</p:sld>
+</file>
+
+<file path=ppt/slides/slide34.xml><?xml version="1.0" encoding="utf-8"?>
+<p:sld xmlns:a="http://schemas.openxmlformats.org/drawingml/2006/main" xmlns:r="http://schemas.openxmlformats.org/officeDocument/2006/relationships" xmlns:p="http://schemas.openxmlformats.org/presentationml/2006/main">
+  <p:cSld>
+    <p:spTree>
+      <p:nvGrpSpPr>
+        <p:cNvPr id="1" name=""/>
+        <p:cNvGrpSpPr/>
+        <p:nvPr/>
+      </p:nvGrpSpPr>
+      <p:grpSpPr>
+        <a:xfrm>
+          <a:off x="0" y="0"/>
+          <a:ext cx="0" cy="0"/>
+          <a:chOff x="0" y="0"/>
+          <a:chExt cx="0" cy="0"/>
+        </a:xfrm>
+      </p:grpSpPr>
+      <p:sp>
+        <p:nvSpPr>
+          <p:cNvPr id="2" name="Title 1"/>
+          <p:cNvSpPr>
+            <a:spLocks noGrp="1"/>
+          </p:cNvSpPr>
+          <p:nvPr>
+            <p:ph type="title"/>
+          </p:nvPr>
+        </p:nvSpPr>
+        <p:spPr/>
+        <p:txBody>
+          <a:bodyPr/>
+          <a:lstStyle/>
+          <a:p>
+            <a:r>
+              <a:rPr lang="en-US" dirty="0" smtClean="0"/>
+              <a:t>Elastic Beanstalk</a:t>
+            </a:r>
+            <a:endParaRPr lang="en-US" dirty="0"/>
+          </a:p>
+        </p:txBody>
+      </p:sp>
+      <p:sp>
+        <p:nvSpPr>
+          <p:cNvPr id="3" name="Content Placeholder 2"/>
+          <p:cNvSpPr>
+            <a:spLocks noGrp="1"/>
+          </p:cNvSpPr>
+          <p:nvPr>
+            <p:ph idx="1"/>
+          </p:nvPr>
+        </p:nvSpPr>
+        <p:spPr/>
+        <p:txBody>
+          <a:bodyPr>
+            <a:normAutofit fontScale="92500" lnSpcReduction="20000"/>
+          </a:bodyPr>
+          <a:lstStyle/>
+          <a:p>
+            <a:r>
+              <a:rPr lang="en-US" dirty="0" err="1" smtClean="0"/>
+              <a:t>PaaS</a:t>
+            </a:r>
+            <a:r>
+              <a:rPr lang="en-US" dirty="0" smtClean="0"/>
+              <a:t> which automates the configuration and deployment of application stacks</a:t>
+            </a:r>
+          </a:p>
+          <a:p>
+            <a:pPr lvl="1"/>
+            <a:r>
+              <a:rPr lang="en-US" dirty="0" smtClean="0"/>
+              <a:t>Automatically provisions and scales EC2, load balancing, networking, storage, and RDS</a:t>
+            </a:r>
+          </a:p>
+          <a:p>
+            <a:pPr lvl="1"/>
+            <a:r>
+              <a:rPr lang="en-US" dirty="0" smtClean="0"/>
+              <a:t>Installs and manages application servers and frameworks</a:t>
+            </a:r>
+          </a:p>
+          <a:p>
+            <a:pPr lvl="1"/>
+            <a:r>
+              <a:rPr lang="en-US" dirty="0" smtClean="0"/>
+              <a:t>AWS user just focuses on loading custom application</a:t>
+            </a:r>
+          </a:p>
+          <a:p>
+            <a:pPr lvl="1"/>
+            <a:endParaRPr lang="en-US" dirty="0" smtClean="0"/>
+          </a:p>
+          <a:p>
+            <a:r>
+              <a:rPr lang="en-US" dirty="0" smtClean="0"/>
+              <a:t>Benefit: designed primarily for application developers that don’t want to deal with infrastructure</a:t>
+            </a:r>
+            <a:endParaRPr lang="en-US" dirty="0"/>
+          </a:p>
+        </p:txBody>
+      </p:sp>
+      <p:pic>
+        <p:nvPicPr>
+          <p:cNvPr id="4" name="Picture 3"/>
+          <p:cNvPicPr>
+            <a:picLocks noChangeAspect="1"/>
+          </p:cNvPicPr>
+          <p:nvPr/>
+        </p:nvPicPr>
+        <p:blipFill>
+          <a:blip r:embed="rId2">
+            <a:extLst>
+              <a:ext uri="{28A0092B-C50C-407E-A947-70E740481C1C}">
+                <a14:useLocalDpi xmlns:a14="http://schemas.microsoft.com/office/drawing/2010/main" val="0"/>
+              </a:ext>
+            </a:extLst>
+          </a:blip>
+          <a:stretch>
+            <a:fillRect/>
+          </a:stretch>
+        </p:blipFill>
+        <p:spPr>
+          <a:xfrm>
+            <a:off x="7850532" y="346277"/>
+            <a:ext cx="544781" cy="653737"/>
+          </a:xfrm>
+          <a:prstGeom prst="rect">
+            <a:avLst/>
+          </a:prstGeom>
+        </p:spPr>
+      </p:pic>
+    </p:spTree>
+    <p:extLst>
+      <p:ext uri="{BB962C8B-B14F-4D97-AF65-F5344CB8AC3E}">
+        <p14:creationId xmlns:p14="http://schemas.microsoft.com/office/powerpoint/2010/main" val="179910308"/>
+      </p:ext>
+    </p:extLst>
+  </p:cSld>
+  <p:clrMapOvr>
+    <a:masterClrMapping/>
+  </p:clrMapOvr>
+</p:sld>
+</file>
+
+<file path=ppt/slides/slide35.xml><?xml version="1.0" encoding="utf-8"?>
+<p:sld xmlns:a="http://schemas.openxmlformats.org/drawingml/2006/main" xmlns:r="http://schemas.openxmlformats.org/officeDocument/2006/relationships" xmlns:p="http://schemas.openxmlformats.org/presentationml/2006/main">
+  <p:cSld>
+    <p:spTree>
+      <p:nvGrpSpPr>
+        <p:cNvPr id="1" name=""/>
+        <p:cNvGrpSpPr/>
+        <p:nvPr/>
+      </p:nvGrpSpPr>
+      <p:grpSpPr>
+        <a:xfrm>
+          <a:off x="0" y="0"/>
+          <a:ext cx="0" cy="0"/>
+          <a:chOff x="0" y="0"/>
+          <a:chExt cx="0" cy="0"/>
+        </a:xfrm>
+      </p:grpSpPr>
+      <p:sp>
+        <p:nvSpPr>
+          <p:cNvPr id="2" name="Title 1"/>
+          <p:cNvSpPr>
+            <a:spLocks noGrp="1"/>
+          </p:cNvSpPr>
+          <p:nvPr>
+            <p:ph type="title"/>
+          </p:nvPr>
+        </p:nvSpPr>
+        <p:spPr/>
+        <p:txBody>
+          <a:bodyPr/>
+          <a:lstStyle/>
+          <a:p>
+            <a:r>
+              <a:rPr lang="en-US" dirty="0" smtClean="0"/>
+              <a:t>Elastic Beanstalk</a:t>
+            </a:r>
+            <a:endParaRPr lang="en-US" dirty="0"/>
+          </a:p>
+        </p:txBody>
+      </p:sp>
+      <p:sp>
+        <p:nvSpPr>
+          <p:cNvPr id="3" name="Content Placeholder 2"/>
+          <p:cNvSpPr>
+            <a:spLocks noGrp="1"/>
+          </p:cNvSpPr>
+          <p:nvPr>
+            <p:ph idx="1"/>
+          </p:nvPr>
+        </p:nvSpPr>
+        <p:spPr/>
+        <p:txBody>
+          <a:bodyPr>
+            <a:normAutofit fontScale="92500" lnSpcReduction="20000"/>
+          </a:bodyPr>
+          <a:lstStyle/>
+          <a:p>
+            <a:r>
+              <a:rPr lang="en-US" dirty="0" smtClean="0"/>
+              <a:t>Application support:</a:t>
+            </a:r>
+          </a:p>
+          <a:p>
+            <a:pPr lvl="1"/>
+            <a:r>
+              <a:rPr lang="en-US" dirty="0" smtClean="0"/>
+              <a:t>Java</a:t>
+            </a:r>
+          </a:p>
+          <a:p>
+            <a:pPr lvl="1"/>
+            <a:r>
+              <a:rPr lang="en-US" dirty="0" smtClean="0"/>
+              <a:t>PHP</a:t>
+            </a:r>
+          </a:p>
+          <a:p>
+            <a:pPr lvl="1"/>
+            <a:r>
+              <a:rPr lang="en-US" dirty="0" smtClean="0"/>
+              <a:t>Python</a:t>
+            </a:r>
+          </a:p>
+          <a:p>
+            <a:pPr lvl="1"/>
+            <a:r>
+              <a:rPr lang="en-US" dirty="0" smtClean="0"/>
+              <a:t>Ruby</a:t>
+            </a:r>
+          </a:p>
+          <a:p>
+            <a:pPr lvl="1"/>
+            <a:r>
+              <a:rPr lang="en-US" dirty="0" smtClean="0"/>
+              <a:t>IIS/.NET</a:t>
+            </a:r>
+          </a:p>
+          <a:p>
+            <a:pPr lvl="1"/>
+            <a:r>
+              <a:rPr lang="en-US" dirty="0" err="1" smtClean="0"/>
+              <a:t>Node.js</a:t>
+            </a:r>
+            <a:endParaRPr lang="en-US" dirty="0" smtClean="0"/>
+          </a:p>
+          <a:p>
+            <a:pPr lvl="1"/>
+            <a:r>
+              <a:rPr lang="en-US" dirty="0" err="1" smtClean="0"/>
+              <a:t>Docker</a:t>
+            </a:r>
+            <a:endParaRPr lang="en-US" dirty="0" smtClean="0"/>
+          </a:p>
+          <a:p>
+            <a:pPr lvl="1"/>
+            <a:endParaRPr lang="en-US" dirty="0" smtClean="0"/>
+          </a:p>
+          <a:p>
+            <a:r>
+              <a:rPr lang="en-US" dirty="0" smtClean="0"/>
+              <a:t>EB controls capacity of resources, but you can still access infrastructure</a:t>
+            </a:r>
+          </a:p>
+          <a:p>
+            <a:endParaRPr lang="en-US" dirty="0" smtClean="0"/>
+          </a:p>
+          <a:p>
+            <a:endParaRPr lang="en-US" dirty="0"/>
+          </a:p>
+        </p:txBody>
+      </p:sp>
+    </p:spTree>
+    <p:extLst>
+      <p:ext uri="{BB962C8B-B14F-4D97-AF65-F5344CB8AC3E}">
+        <p14:creationId xmlns:p14="http://schemas.microsoft.com/office/powerpoint/2010/main" val="402783495"/>
+      </p:ext>
+    </p:extLst>
+  </p:cSld>
+  <p:clrMapOvr>
+    <a:masterClrMapping/>
+  </p:clrMapOvr>
+</p:sld>
+</file>
+
+<file path=ppt/slides/slide36.xml><?xml version="1.0" encoding="utf-8"?>
+<p:sld xmlns:a="http://schemas.openxmlformats.org/drawingml/2006/main" xmlns:r="http://schemas.openxmlformats.org/officeDocument/2006/relationships" xmlns:p="http://schemas.openxmlformats.org/presentationml/2006/main">
+  <p:cSld>
+    <p:spTree>
+      <p:nvGrpSpPr>
+        <p:cNvPr id="1" name=""/>
+        <p:cNvGrpSpPr/>
+        <p:nvPr/>
+      </p:nvGrpSpPr>
+      <p:grpSpPr>
+        <a:xfrm>
+          <a:off x="0" y="0"/>
+          <a:ext cx="0" cy="0"/>
+          <a:chOff x="0" y="0"/>
+          <a:chExt cx="0" cy="0"/>
+        </a:xfrm>
+      </p:grpSpPr>
+      <p:sp>
+        <p:nvSpPr>
+          <p:cNvPr id="2" name="Title 1"/>
+          <p:cNvSpPr>
+            <a:spLocks noGrp="1"/>
+          </p:cNvSpPr>
+          <p:nvPr>
+            <p:ph type="title"/>
+          </p:nvPr>
+        </p:nvSpPr>
+        <p:spPr/>
+        <p:txBody>
+          <a:bodyPr>
+            <a:normAutofit fontScale="90000"/>
+          </a:bodyPr>
+          <a:lstStyle/>
+          <a:p>
+            <a:r>
+              <a:rPr lang="en-US" dirty="0" smtClean="0"/>
+              <a:t>Elastic Beanstalk Deployment Policies</a:t>
+            </a:r>
+            <a:endParaRPr lang="en-US" dirty="0"/>
+          </a:p>
+        </p:txBody>
+      </p:sp>
+      <p:sp>
+        <p:nvSpPr>
+          <p:cNvPr id="3" name="Content Placeholder 2"/>
+          <p:cNvSpPr>
+            <a:spLocks noGrp="1"/>
+          </p:cNvSpPr>
+          <p:nvPr>
+            <p:ph idx="1"/>
+          </p:nvPr>
+        </p:nvSpPr>
+        <p:spPr/>
+        <p:txBody>
+          <a:bodyPr>
+            <a:normAutofit fontScale="85000" lnSpcReduction="20000"/>
+          </a:bodyPr>
+          <a:lstStyle/>
+          <a:p>
+            <a:r>
+              <a:rPr lang="en-US" dirty="0" smtClean="0"/>
+              <a:t>Deployment policies control how EB updates deployed application</a:t>
+            </a:r>
+          </a:p>
+          <a:p>
+            <a:pPr lvl="1"/>
+            <a:r>
+              <a:rPr lang="en-US" b="1" dirty="0" smtClean="0"/>
+              <a:t>All at once</a:t>
+            </a:r>
+            <a:r>
+              <a:rPr lang="en-US" dirty="0" smtClean="0"/>
+              <a:t>: deploy application to all instances simultaneously (short service disruption)</a:t>
+            </a:r>
+          </a:p>
+          <a:p>
+            <a:pPr lvl="1"/>
+            <a:endParaRPr lang="en-US" dirty="0" smtClean="0"/>
+          </a:p>
+          <a:p>
+            <a:pPr lvl="1"/>
+            <a:r>
+              <a:rPr lang="en-US" b="1" dirty="0" smtClean="0"/>
+              <a:t>Rolling</a:t>
+            </a:r>
+            <a:r>
+              <a:rPr lang="en-US" dirty="0" smtClean="0"/>
+              <a:t>: deploy new app in batches, reducing service capacity but causing no disruption</a:t>
+            </a:r>
+          </a:p>
+          <a:p>
+            <a:pPr lvl="1"/>
+            <a:endParaRPr lang="en-US" dirty="0" smtClean="0"/>
+          </a:p>
+          <a:p>
+            <a:pPr lvl="1"/>
+            <a:r>
+              <a:rPr lang="en-US" b="1" dirty="0" smtClean="0"/>
+              <a:t>Rolling with additional batch</a:t>
+            </a:r>
+            <a:r>
+              <a:rPr lang="en-US" dirty="0" smtClean="0"/>
+              <a:t>: launch new resources before batch updates so that service capacity isn’t reduced</a:t>
+            </a:r>
+          </a:p>
+          <a:p>
+            <a:pPr lvl="1"/>
+            <a:endParaRPr lang="en-US" dirty="0" smtClean="0"/>
+          </a:p>
+          <a:p>
+            <a:pPr lvl="1"/>
+            <a:r>
+              <a:rPr lang="en-US" b="1" dirty="0" smtClean="0"/>
+              <a:t>Immutable</a:t>
+            </a:r>
+            <a:r>
+              <a:rPr lang="en-US" dirty="0" smtClean="0"/>
+              <a:t>: deploy new application to a fresh group of instances (blue-green deployment)</a:t>
+            </a:r>
+          </a:p>
+        </p:txBody>
+      </p:sp>
+    </p:spTree>
+    <p:extLst>
+      <p:ext uri="{BB962C8B-B14F-4D97-AF65-F5344CB8AC3E}">
+        <p14:creationId xmlns:p14="http://schemas.microsoft.com/office/powerpoint/2010/main" val="2001788993"/>
+      </p:ext>
+    </p:extLst>
+  </p:cSld>
+  <p:clrMapOvr>
+    <a:masterClrMapping/>
+  </p:clrMapOvr>
+</p:sld>
+</file>
+
+<file path=ppt/slides/slide37.xml><?xml version="1.0" encoding="utf-8"?>
+<p:sld xmlns:a="http://schemas.openxmlformats.org/drawingml/2006/main" xmlns:r="http://schemas.openxmlformats.org/officeDocument/2006/relationships" xmlns:p="http://schemas.openxmlformats.org/presentationml/2006/main">
+  <p:cSld>
+    <p:spTree>
+      <p:nvGrpSpPr>
+        <p:cNvPr id="1" name=""/>
+        <p:cNvGrpSpPr/>
+        <p:nvPr/>
+      </p:nvGrpSpPr>
+      <p:grpSpPr>
+        <a:xfrm>
+          <a:off x="0" y="0"/>
+          <a:ext cx="0" cy="0"/>
+          <a:chOff x="0" y="0"/>
+          <a:chExt cx="0" cy="0"/>
+        </a:xfrm>
+      </p:grpSpPr>
+      <p:sp>
+        <p:nvSpPr>
+          <p:cNvPr id="2" name="Title 1"/>
+          <p:cNvSpPr>
+            <a:spLocks noGrp="1"/>
+          </p:cNvSpPr>
+          <p:nvPr>
+            <p:ph type="title"/>
+          </p:nvPr>
+        </p:nvSpPr>
+        <p:spPr/>
+        <p:txBody>
+          <a:bodyPr/>
+          <a:lstStyle/>
+          <a:p>
+            <a:r>
+              <a:rPr lang="en-US" dirty="0" smtClean="0"/>
+              <a:t>Elastic Beanstalk Hands On</a:t>
+            </a:r>
+            <a:endParaRPr lang="en-US" dirty="0"/>
+          </a:p>
+        </p:txBody>
+      </p:sp>
+      <p:sp>
+        <p:nvSpPr>
+          <p:cNvPr id="3" name="Content Placeholder 2"/>
+          <p:cNvSpPr>
+            <a:spLocks noGrp="1"/>
+          </p:cNvSpPr>
+          <p:nvPr>
+            <p:ph idx="1"/>
+          </p:nvPr>
+        </p:nvSpPr>
+        <p:spPr/>
+        <p:txBody>
+          <a:bodyPr/>
+          <a:lstStyle/>
+          <a:p>
+            <a:r>
+              <a:rPr lang="en-US" dirty="0" smtClean="0"/>
+              <a:t>Deploy auto-scaling PHP platform using sample application</a:t>
+            </a:r>
+            <a:endParaRPr lang="en-US" dirty="0"/>
+          </a:p>
+        </p:txBody>
+      </p:sp>
+      <p:pic>
+        <p:nvPicPr>
+          <p:cNvPr id="4" name="Picture 3"/>
+          <p:cNvPicPr>
+            <a:picLocks noChangeAspect="1"/>
+          </p:cNvPicPr>
+          <p:nvPr/>
+        </p:nvPicPr>
+        <p:blipFill>
+          <a:blip r:embed="rId2"/>
+          <a:stretch>
+            <a:fillRect/>
+          </a:stretch>
+        </p:blipFill>
+        <p:spPr>
+          <a:xfrm>
+            <a:off x="7891174" y="403586"/>
+            <a:ext cx="1014052" cy="1014052"/>
+          </a:xfrm>
+          <a:prstGeom prst="rect">
+            <a:avLst/>
+          </a:prstGeom>
+        </p:spPr>
+      </p:pic>
+    </p:spTree>
+    <p:extLst>
+      <p:ext uri="{BB962C8B-B14F-4D97-AF65-F5344CB8AC3E}">
+        <p14:creationId xmlns:p14="http://schemas.microsoft.com/office/powerpoint/2010/main" val="2381121721"/>
+      </p:ext>
+    </p:extLst>
+  </p:cSld>
+  <p:clrMapOvr>
+    <a:masterClrMapping/>
+  </p:clrMapOvr>
+</p:sld>
+</file>
+
+<file path=ppt/slides/slide38.xml><?xml version="1.0" encoding="utf-8"?>
+<p:sld xmlns:a="http://schemas.openxmlformats.org/drawingml/2006/main" xmlns:r="http://schemas.openxmlformats.org/officeDocument/2006/relationships" xmlns:p="http://schemas.openxmlformats.org/presentationml/2006/main">
+  <p:cSld>
+    <p:spTree>
+      <p:nvGrpSpPr>
+        <p:cNvPr id="1" name=""/>
+        <p:cNvGrpSpPr/>
+        <p:nvPr/>
+      </p:nvGrpSpPr>
+      <p:grpSpPr>
+        <a:xfrm>
+          <a:off x="0" y="0"/>
+          <a:ext cx="0" cy="0"/>
+          <a:chOff x="0" y="0"/>
+          <a:chExt cx="0" cy="0"/>
+        </a:xfrm>
+      </p:grpSpPr>
+      <p:sp>
+        <p:nvSpPr>
+          <p:cNvPr id="2" name="Title 1"/>
+          <p:cNvSpPr>
+            <a:spLocks noGrp="1"/>
+          </p:cNvSpPr>
+          <p:nvPr>
+            <p:ph type="title"/>
+          </p:nvPr>
+        </p:nvSpPr>
+        <p:spPr/>
+        <p:txBody>
+          <a:bodyPr/>
+          <a:lstStyle/>
+          <a:p>
+            <a:r>
+              <a:rPr lang="en-US" dirty="0" smtClean="0"/>
+              <a:t>AWS Shared Security Model</a:t>
+            </a:r>
+            <a:endParaRPr lang="en-US" dirty="0"/>
+          </a:p>
+        </p:txBody>
+      </p:sp>
+      <p:pic>
+        <p:nvPicPr>
+          <p:cNvPr id="4" name="Picture 3"/>
+          <p:cNvPicPr>
+            <a:picLocks noChangeAspect="1"/>
+          </p:cNvPicPr>
+          <p:nvPr/>
+        </p:nvPicPr>
+        <p:blipFill>
+          <a:blip r:embed="rId2"/>
+          <a:stretch>
+            <a:fillRect/>
+          </a:stretch>
+        </p:blipFill>
+        <p:spPr>
+          <a:xfrm>
+            <a:off x="11545" y="1341298"/>
+            <a:ext cx="9144000" cy="5505157"/>
+          </a:xfrm>
+          <a:prstGeom prst="rect">
+            <a:avLst/>
+          </a:prstGeom>
+        </p:spPr>
+      </p:pic>
+    </p:spTree>
+    <p:extLst>
+      <p:ext uri="{BB962C8B-B14F-4D97-AF65-F5344CB8AC3E}">
+        <p14:creationId xmlns:p14="http://schemas.microsoft.com/office/powerpoint/2010/main" val="3062966473"/>
+      </p:ext>
+    </p:extLst>
+  </p:cSld>
+  <p:clrMapOvr>
+    <a:masterClrMapping/>
+  </p:clrMapOvr>
+</p:sld>
+</file>
+
+<file path=ppt/slides/slide39.xml><?xml version="1.0" encoding="utf-8"?>
+<p:sld xmlns:a="http://schemas.openxmlformats.org/drawingml/2006/main" xmlns:r="http://schemas.openxmlformats.org/officeDocument/2006/relationships" xmlns:p="http://schemas.openxmlformats.org/presentationml/2006/main">
+  <p:cSld>
+    <p:spTree>
+      <p:nvGrpSpPr>
+        <p:cNvPr id="1" name=""/>
+        <p:cNvGrpSpPr/>
+        <p:nvPr/>
+      </p:nvGrpSpPr>
+      <p:grpSpPr>
+        <a:xfrm>
+          <a:off x="0" y="0"/>
+          <a:ext cx="0" cy="0"/>
+          <a:chOff x="0" y="0"/>
+          <a:chExt cx="0" cy="0"/>
+        </a:xfrm>
+      </p:grpSpPr>
+      <p:sp>
+        <p:nvSpPr>
+          <p:cNvPr id="2" name="Title 1"/>
+          <p:cNvSpPr>
+            <a:spLocks noGrp="1"/>
+          </p:cNvSpPr>
+          <p:nvPr>
+            <p:ph type="title"/>
+          </p:nvPr>
+        </p:nvSpPr>
+        <p:spPr/>
+        <p:txBody>
+          <a:bodyPr/>
+          <a:lstStyle/>
+          <a:p>
+            <a:r>
+              <a:rPr lang="en-US" dirty="0" smtClean="0"/>
+              <a:t>AWS Network Security</a:t>
+            </a:r>
+            <a:endParaRPr lang="en-US" dirty="0"/>
+          </a:p>
+        </p:txBody>
+      </p:sp>
+      <p:sp>
+        <p:nvSpPr>
+          <p:cNvPr id="3" name="Content Placeholder 2"/>
+          <p:cNvSpPr>
+            <a:spLocks noGrp="1"/>
+          </p:cNvSpPr>
+          <p:nvPr>
+            <p:ph idx="1"/>
+          </p:nvPr>
+        </p:nvSpPr>
+        <p:spPr/>
+        <p:txBody>
+          <a:bodyPr>
+            <a:normAutofit fontScale="92500" lnSpcReduction="10000"/>
+          </a:bodyPr>
+          <a:lstStyle/>
+          <a:p>
+            <a:r>
+              <a:rPr lang="en-US" dirty="0" smtClean="0"/>
+              <a:t>AWS network and Amazon network use similar infrastructure, but are logically separated from one another</a:t>
+            </a:r>
+          </a:p>
+          <a:p>
+            <a:endParaRPr lang="en-US" dirty="0" smtClean="0"/>
+          </a:p>
+          <a:p>
+            <a:r>
+              <a:rPr lang="en-US" dirty="0" smtClean="0"/>
+              <a:t>AWS prevents IP spoofing: instance sending data with an IP or MAC address that’s not it’s own</a:t>
+            </a:r>
+          </a:p>
+          <a:p>
+            <a:endParaRPr lang="en-US" dirty="0" smtClean="0"/>
+          </a:p>
+          <a:p>
+            <a:r>
+              <a:rPr lang="en-US" dirty="0" smtClean="0"/>
+              <a:t>Network port scans must be approved by AWS in advance</a:t>
+            </a:r>
+          </a:p>
+          <a:p>
+            <a:endParaRPr lang="en-US" dirty="0"/>
+          </a:p>
+        </p:txBody>
+      </p:sp>
+    </p:spTree>
+    <p:extLst>
+      <p:ext uri="{BB962C8B-B14F-4D97-AF65-F5344CB8AC3E}">
+        <p14:creationId xmlns:p14="http://schemas.microsoft.com/office/powerpoint/2010/main" val="1300806929"/>
+      </p:ext>
+    </p:extLst>
+  </p:cSld>
+  <p:clrMapOvr>
+    <a:masterClrMapping/>
+  </p:clrMapOvr>
+</p:sld>
+</file>
+
+<file path=ppt/slides/slide4.xml><?xml version="1.0" encoding="utf-8"?>
+<p:sld xmlns:a="http://schemas.openxmlformats.org/drawingml/2006/main" xmlns:r="http://schemas.openxmlformats.org/officeDocument/2006/relationships" xmlns:p="http://schemas.openxmlformats.org/presentationml/2006/main">
+  <p:cSld>
+    <p:spTree>
+      <p:nvGrpSpPr>
+        <p:cNvPr id="1" name=""/>
+        <p:cNvGrpSpPr/>
+        <p:nvPr/>
+      </p:nvGrpSpPr>
+      <p:grpSpPr>
+        <a:xfrm>
+          <a:off x="0" y="0"/>
+          <a:ext cx="0" cy="0"/>
+          <a:chOff x="0" y="0"/>
+          <a:chExt cx="0" cy="0"/>
+        </a:xfrm>
+      </p:grpSpPr>
+      <p:sp>
+        <p:nvSpPr>
+          <p:cNvPr id="2" name="Title 1"/>
+          <p:cNvSpPr>
+            <a:spLocks noGrp="1"/>
+          </p:cNvSpPr>
+          <p:nvPr>
+            <p:ph type="title"/>
+          </p:nvPr>
+        </p:nvSpPr>
+        <p:spPr/>
+        <p:txBody>
+          <a:bodyPr/>
+          <a:lstStyle/>
+          <a:p>
+            <a:r>
+              <a:rPr lang="en-US" dirty="0" smtClean="0"/>
+              <a:t>Readings</a:t>
+            </a:r>
+            <a:endParaRPr lang="en-US" dirty="0"/>
+          </a:p>
+        </p:txBody>
+      </p:sp>
+      <p:sp>
+        <p:nvSpPr>
+          <p:cNvPr id="3" name="Content Placeholder 2"/>
+          <p:cNvSpPr>
+            <a:spLocks noGrp="1"/>
+          </p:cNvSpPr>
+          <p:nvPr>
+            <p:ph idx="1"/>
+          </p:nvPr>
+        </p:nvSpPr>
+        <p:spPr/>
+        <p:txBody>
+          <a:bodyPr>
+            <a:normAutofit fontScale="92500" lnSpcReduction="10000"/>
+          </a:bodyPr>
+          <a:lstStyle/>
+          <a:p>
+            <a:r>
+              <a:rPr lang="en-US" dirty="0" smtClean="0"/>
+              <a:t>Web Operations Chapter </a:t>
+            </a:r>
+            <a:r>
+              <a:rPr lang="en-US" dirty="0" smtClean="0"/>
+              <a:t>2: Lessons Learned</a:t>
+            </a:r>
+            <a:endParaRPr lang="en-US" dirty="0"/>
+          </a:p>
+          <a:p>
+            <a:pPr lvl="1"/>
+            <a:r>
+              <a:rPr lang="en-US" dirty="0" smtClean="0"/>
+              <a:t>Provides an exampl</a:t>
+            </a:r>
+            <a:r>
+              <a:rPr lang="en-US" dirty="0" smtClean="0"/>
+              <a:t>e of </a:t>
+            </a:r>
+            <a:r>
+              <a:rPr lang="en-US" dirty="0" err="1" smtClean="0"/>
+              <a:t>Piknik’s</a:t>
+            </a:r>
+            <a:r>
+              <a:rPr lang="en-US" dirty="0" smtClean="0"/>
+              <a:t> journey with AWS</a:t>
+            </a:r>
+          </a:p>
+          <a:p>
+            <a:pPr lvl="1"/>
+            <a:r>
+              <a:rPr lang="en-US" dirty="0" smtClean="0"/>
+              <a:t>Note that this story is 5+ years old</a:t>
+            </a:r>
+          </a:p>
+          <a:p>
+            <a:pPr lvl="2"/>
+            <a:r>
+              <a:rPr lang="en-US" dirty="0" smtClean="0"/>
+              <a:t>AWS reliability </a:t>
+            </a:r>
+            <a:r>
+              <a:rPr lang="en-US" dirty="0" smtClean="0"/>
+              <a:t>is better</a:t>
+            </a:r>
+          </a:p>
+          <a:p>
+            <a:pPr lvl="2"/>
+            <a:r>
+              <a:rPr lang="en-US" dirty="0" smtClean="0"/>
+              <a:t>Very high-end storage I/O options are now available (I2) as well as EFS (replacing NAS)</a:t>
+            </a:r>
+          </a:p>
+          <a:p>
+            <a:pPr lvl="2"/>
+            <a:endParaRPr lang="en-US" dirty="0" smtClean="0"/>
+          </a:p>
+          <a:p>
+            <a:pPr lvl="1"/>
+            <a:r>
+              <a:rPr lang="en-US" dirty="0" smtClean="0"/>
+              <a:t>Lessons:</a:t>
+            </a:r>
+          </a:p>
+          <a:p>
+            <a:pPr lvl="2"/>
+            <a:r>
+              <a:rPr lang="en-US" dirty="0" smtClean="0"/>
+              <a:t>Danger of </a:t>
+            </a:r>
+            <a:r>
+              <a:rPr lang="en-US" dirty="0" smtClean="0"/>
+              <a:t>“infinite” storage is that it’s easy to waste it</a:t>
+            </a:r>
+          </a:p>
+          <a:p>
+            <a:pPr lvl="2"/>
+            <a:r>
+              <a:rPr lang="en-US" dirty="0" smtClean="0"/>
+              <a:t>I/O (network and/or disk) are typically the biggest performance constraints</a:t>
+            </a:r>
+            <a:endParaRPr lang="en-US" dirty="0" smtClean="0"/>
+          </a:p>
+        </p:txBody>
+      </p:sp>
+      <p:pic>
+        <p:nvPicPr>
+          <p:cNvPr id="4" name="Picture 3"/>
+          <p:cNvPicPr>
+            <a:picLocks noChangeAspect="1"/>
+          </p:cNvPicPr>
+          <p:nvPr/>
+        </p:nvPicPr>
+        <p:blipFill>
+          <a:blip r:embed="rId2"/>
+          <a:stretch>
+            <a:fillRect/>
+          </a:stretch>
+        </p:blipFill>
+        <p:spPr>
+          <a:xfrm>
+            <a:off x="7333612" y="274638"/>
+            <a:ext cx="1012102" cy="1325562"/>
+          </a:xfrm>
+          <a:prstGeom prst="rect">
+            <a:avLst/>
+          </a:prstGeom>
+        </p:spPr>
+      </p:pic>
+    </p:spTree>
+    <p:extLst>
+      <p:ext uri="{BB962C8B-B14F-4D97-AF65-F5344CB8AC3E}">
+        <p14:creationId xmlns:p14="http://schemas.microsoft.com/office/powerpoint/2010/main" val="3875521531"/>
+      </p:ext>
+    </p:extLst>
+  </p:cSld>
+  <p:clrMapOvr>
+    <a:masterClrMapping/>
+  </p:clrMapOvr>
+</p:sld>
+</file>
+
+<file path=ppt/slides/slide40.xml><?xml version="1.0" encoding="utf-8"?>
+<p:sld xmlns:a="http://schemas.openxmlformats.org/drawingml/2006/main" xmlns:r="http://schemas.openxmlformats.org/officeDocument/2006/relationships" xmlns:p="http://schemas.openxmlformats.org/presentationml/2006/main">
+  <p:cSld>
+    <p:spTree>
+      <p:nvGrpSpPr>
+        <p:cNvPr id="1" name=""/>
+        <p:cNvGrpSpPr/>
+        <p:nvPr/>
+      </p:nvGrpSpPr>
+      <p:grpSpPr>
+        <a:xfrm>
+          <a:off x="0" y="0"/>
+          <a:ext cx="0" cy="0"/>
+          <a:chOff x="0" y="0"/>
+          <a:chExt cx="0" cy="0"/>
+        </a:xfrm>
+      </p:grpSpPr>
+      <p:sp>
+        <p:nvSpPr>
+          <p:cNvPr id="2" name="Title 1"/>
+          <p:cNvSpPr>
+            <a:spLocks noGrp="1"/>
+          </p:cNvSpPr>
+          <p:nvPr>
+            <p:ph type="title"/>
+          </p:nvPr>
+        </p:nvSpPr>
+        <p:spPr/>
+        <p:txBody>
+          <a:bodyPr/>
+          <a:lstStyle/>
+          <a:p>
+            <a:r>
+              <a:rPr lang="en-US" dirty="0" smtClean="0"/>
+              <a:t>AWS Trusted Advisor</a:t>
+            </a:r>
+            <a:endParaRPr lang="en-US" dirty="0"/>
+          </a:p>
+        </p:txBody>
+      </p:sp>
+      <p:sp>
+        <p:nvSpPr>
+          <p:cNvPr id="3" name="Content Placeholder 2"/>
+          <p:cNvSpPr>
+            <a:spLocks noGrp="1"/>
+          </p:cNvSpPr>
+          <p:nvPr>
+            <p:ph idx="1"/>
+          </p:nvPr>
+        </p:nvSpPr>
+        <p:spPr/>
+        <p:txBody>
+          <a:bodyPr>
+            <a:normAutofit fontScale="85000" lnSpcReduction="20000"/>
+          </a:bodyPr>
+          <a:lstStyle/>
+          <a:p>
+            <a:r>
+              <a:rPr lang="en-US" dirty="0" smtClean="0"/>
+              <a:t>Originally an internal tool used by AWS consultants to audit customer service configuration</a:t>
+            </a:r>
+          </a:p>
+          <a:p>
+            <a:endParaRPr lang="en-US" dirty="0" smtClean="0"/>
+          </a:p>
+          <a:p>
+            <a:r>
+              <a:rPr lang="en-US" dirty="0" smtClean="0"/>
+              <a:t>Audits four aspects of deployed services:</a:t>
+            </a:r>
+          </a:p>
+          <a:p>
+            <a:pPr lvl="1"/>
+            <a:r>
+              <a:rPr lang="en-US" dirty="0" smtClean="0"/>
+              <a:t>Cost optimization</a:t>
+            </a:r>
+          </a:p>
+          <a:p>
+            <a:pPr lvl="1"/>
+            <a:r>
+              <a:rPr lang="en-US" dirty="0" smtClean="0"/>
+              <a:t>Performance</a:t>
+            </a:r>
+          </a:p>
+          <a:p>
+            <a:pPr lvl="1"/>
+            <a:r>
+              <a:rPr lang="en-US" dirty="0" smtClean="0"/>
+              <a:t>Security</a:t>
+            </a:r>
+          </a:p>
+          <a:p>
+            <a:pPr lvl="1"/>
+            <a:r>
+              <a:rPr lang="en-US" dirty="0" smtClean="0"/>
+              <a:t>Fault tolerance</a:t>
+            </a:r>
+          </a:p>
+          <a:p>
+            <a:pPr lvl="1"/>
+            <a:endParaRPr lang="en-US" dirty="0" smtClean="0"/>
+          </a:p>
+          <a:p>
+            <a:r>
+              <a:rPr lang="en-US" dirty="0" smtClean="0"/>
+              <a:t>Basic review available for free, advanced reports require a support plan</a:t>
+            </a:r>
+            <a:endParaRPr lang="en-US" dirty="0"/>
+          </a:p>
+        </p:txBody>
+      </p:sp>
+      <p:pic>
+        <p:nvPicPr>
+          <p:cNvPr id="4" name="Picture 3"/>
+          <p:cNvPicPr>
+            <a:picLocks noChangeAspect="1"/>
+          </p:cNvPicPr>
+          <p:nvPr/>
+        </p:nvPicPr>
+        <p:blipFill>
+          <a:blip r:embed="rId2">
+            <a:extLst>
+              <a:ext uri="{28A0092B-C50C-407E-A947-70E740481C1C}">
+                <a14:useLocalDpi xmlns:a14="http://schemas.microsoft.com/office/drawing/2010/main" val="0"/>
+              </a:ext>
+            </a:extLst>
+          </a:blip>
+          <a:stretch>
+            <a:fillRect/>
+          </a:stretch>
+        </p:blipFill>
+        <p:spPr>
+          <a:xfrm>
+            <a:off x="7834520" y="476199"/>
+            <a:ext cx="535849" cy="643018"/>
+          </a:xfrm>
+          <a:prstGeom prst="rect">
+            <a:avLst/>
+          </a:prstGeom>
+        </p:spPr>
+      </p:pic>
+    </p:spTree>
+    <p:extLst>
+      <p:ext uri="{BB962C8B-B14F-4D97-AF65-F5344CB8AC3E}">
+        <p14:creationId xmlns:p14="http://schemas.microsoft.com/office/powerpoint/2010/main" val="1927073352"/>
+      </p:ext>
+    </p:extLst>
+  </p:cSld>
+  <p:clrMapOvr>
+    <a:masterClrMapping/>
+  </p:clrMapOvr>
+</p:sld>
+</file>
+
+<file path=ppt/slides/slide41.xml><?xml version="1.0" encoding="utf-8"?>
+<p:sld xmlns:a="http://schemas.openxmlformats.org/drawingml/2006/main" xmlns:r="http://schemas.openxmlformats.org/officeDocument/2006/relationships" xmlns:p="http://schemas.openxmlformats.org/presentationml/2006/main">
+  <p:cSld>
+    <p:spTree>
+      <p:nvGrpSpPr>
+        <p:cNvPr id="1" name=""/>
+        <p:cNvGrpSpPr/>
+        <p:nvPr/>
+      </p:nvGrpSpPr>
+      <p:grpSpPr>
+        <a:xfrm>
+          <a:off x="0" y="0"/>
+          <a:ext cx="0" cy="0"/>
+          <a:chOff x="0" y="0"/>
+          <a:chExt cx="0" cy="0"/>
+        </a:xfrm>
+      </p:grpSpPr>
+      <p:sp>
+        <p:nvSpPr>
+          <p:cNvPr id="2" name="Title 1"/>
+          <p:cNvSpPr>
+            <a:spLocks noGrp="1"/>
+          </p:cNvSpPr>
+          <p:nvPr>
+            <p:ph type="title"/>
+          </p:nvPr>
+        </p:nvSpPr>
+        <p:spPr/>
+        <p:txBody>
+          <a:bodyPr/>
+          <a:lstStyle/>
+          <a:p>
+            <a:r>
+              <a:rPr lang="en-US" dirty="0" smtClean="0"/>
+              <a:t>Resource Groups</a:t>
+            </a:r>
+            <a:endParaRPr lang="en-US" dirty="0"/>
+          </a:p>
+        </p:txBody>
+      </p:sp>
+      <p:sp>
+        <p:nvSpPr>
+          <p:cNvPr id="3" name="Content Placeholder 2"/>
+          <p:cNvSpPr>
+            <a:spLocks noGrp="1"/>
+          </p:cNvSpPr>
+          <p:nvPr>
+            <p:ph idx="1"/>
+          </p:nvPr>
+        </p:nvSpPr>
+        <p:spPr/>
+        <p:txBody>
+          <a:bodyPr>
+            <a:normAutofit fontScale="92500"/>
+          </a:bodyPr>
+          <a:lstStyle/>
+          <a:p>
+            <a:r>
+              <a:rPr lang="en-US" dirty="0" smtClean="0"/>
+              <a:t>Resource Groups are collections of AWS resources that share tags</a:t>
+            </a:r>
+          </a:p>
+          <a:p>
+            <a:pPr lvl="1"/>
+            <a:r>
+              <a:rPr lang="en-US" dirty="0" smtClean="0"/>
+              <a:t>Tags are user-definable metadata for resources</a:t>
+            </a:r>
+          </a:p>
+          <a:p>
+            <a:pPr lvl="1"/>
+            <a:r>
+              <a:rPr lang="en-US" dirty="0" smtClean="0"/>
+              <a:t>One or more tags may be used in a resource group</a:t>
+            </a:r>
+          </a:p>
+          <a:p>
+            <a:pPr marL="457200" lvl="1" indent="0">
+              <a:buNone/>
+            </a:pPr>
+            <a:endParaRPr lang="en-US" dirty="0" smtClean="0"/>
+          </a:p>
+          <a:p>
+            <a:r>
+              <a:rPr lang="en-US" dirty="0" smtClean="0"/>
+              <a:t>Benefit: easily view associated resources across the entire AWS platform</a:t>
+            </a:r>
+          </a:p>
+          <a:p>
+            <a:pPr lvl="1"/>
+            <a:r>
+              <a:rPr lang="en-US" dirty="0" smtClean="0"/>
+              <a:t>Tag and group resources by organization or project</a:t>
+            </a:r>
+          </a:p>
+          <a:p>
+            <a:pPr lvl="1"/>
+            <a:r>
+              <a:rPr lang="en-US" dirty="0" smtClean="0"/>
+              <a:t>Group resources by owner</a:t>
+            </a:r>
+          </a:p>
+          <a:p>
+            <a:endParaRPr lang="en-US" dirty="0"/>
+          </a:p>
+        </p:txBody>
+      </p:sp>
+    </p:spTree>
+    <p:extLst>
+      <p:ext uri="{BB962C8B-B14F-4D97-AF65-F5344CB8AC3E}">
+        <p14:creationId xmlns:p14="http://schemas.microsoft.com/office/powerpoint/2010/main" val="2290194258"/>
+      </p:ext>
+    </p:extLst>
+  </p:cSld>
+  <p:clrMapOvr>
+    <a:masterClrMapping/>
+  </p:clrMapOvr>
+</p:sld>
+</file>
+
+<file path=ppt/slides/slide42.xml><?xml version="1.0" encoding="utf-8"?>
+<p:sld xmlns:a="http://schemas.openxmlformats.org/drawingml/2006/main" xmlns:r="http://schemas.openxmlformats.org/officeDocument/2006/relationships" xmlns:p="http://schemas.openxmlformats.org/presentationml/2006/main">
+  <p:cSld>
+    <p:spTree>
+      <p:nvGrpSpPr>
+        <p:cNvPr id="1" name=""/>
+        <p:cNvGrpSpPr/>
+        <p:nvPr/>
+      </p:nvGrpSpPr>
+      <p:grpSpPr>
+        <a:xfrm>
+          <a:off x="0" y="0"/>
+          <a:ext cx="0" cy="0"/>
+          <a:chOff x="0" y="0"/>
+          <a:chExt cx="0" cy="0"/>
+        </a:xfrm>
+      </p:grpSpPr>
+      <p:sp>
+        <p:nvSpPr>
+          <p:cNvPr id="2" name="Title 1"/>
+          <p:cNvSpPr>
+            <a:spLocks noGrp="1"/>
+          </p:cNvSpPr>
+          <p:nvPr>
+            <p:ph type="title"/>
+          </p:nvPr>
+        </p:nvSpPr>
+        <p:spPr/>
+        <p:txBody>
+          <a:bodyPr/>
+          <a:lstStyle/>
+          <a:p>
+            <a:r>
+              <a:rPr lang="en-US" dirty="0" smtClean="0"/>
+              <a:t>Homework</a:t>
+            </a:r>
+            <a:endParaRPr lang="en-US" dirty="0"/>
+          </a:p>
+        </p:txBody>
+      </p:sp>
+      <p:sp>
+        <p:nvSpPr>
+          <p:cNvPr id="3" name="Content Placeholder 2"/>
+          <p:cNvSpPr>
+            <a:spLocks noGrp="1"/>
+          </p:cNvSpPr>
+          <p:nvPr>
+            <p:ph idx="1"/>
+          </p:nvPr>
+        </p:nvSpPr>
+        <p:spPr/>
+        <p:txBody>
+          <a:bodyPr/>
+          <a:lstStyle/>
+          <a:p>
+            <a:r>
+              <a:rPr lang="en-US" sz="2800" dirty="0" smtClean="0"/>
+              <a:t>Study for Midterm Exam</a:t>
+            </a:r>
+          </a:p>
+          <a:p>
+            <a:endParaRPr lang="en-US" sz="2800" dirty="0" smtClean="0"/>
+          </a:p>
+          <a:p>
+            <a:r>
+              <a:rPr lang="en-US" sz="2800" dirty="0" smtClean="0"/>
+              <a:t>Due in Week 8 class:</a:t>
+            </a:r>
+          </a:p>
+          <a:p>
+            <a:pPr lvl="1"/>
+            <a:r>
+              <a:rPr lang="en-US" sz="2400" dirty="0" smtClean="0"/>
+              <a:t>Assignment 6</a:t>
+            </a:r>
+          </a:p>
+          <a:p>
+            <a:pPr lvl="1"/>
+            <a:r>
+              <a:rPr lang="en-US" sz="2400" dirty="0" smtClean="0"/>
+              <a:t>Read </a:t>
+            </a:r>
+            <a:r>
+              <a:rPr lang="en-US" sz="2400" i="1" dirty="0" smtClean="0"/>
+              <a:t>Practice of Cloud Systems Administration </a:t>
+            </a:r>
+            <a:r>
+              <a:rPr lang="en-US" sz="2400" dirty="0" smtClean="0"/>
+              <a:t>Chapters 2 &amp; 4</a:t>
+            </a:r>
+            <a:endParaRPr lang="en-US" sz="2400" dirty="0"/>
+          </a:p>
+        </p:txBody>
+      </p:sp>
+    </p:spTree>
+    <p:extLst>
+      <p:ext uri="{BB962C8B-B14F-4D97-AF65-F5344CB8AC3E}">
+        <p14:creationId xmlns:p14="http://schemas.microsoft.com/office/powerpoint/2010/main" val="168230186"/>
+      </p:ext>
+    </p:extLst>
+  </p:cSld>
+  <p:clrMapOvr>
+    <a:masterClrMapping/>
+  </p:clrMapOvr>
+</p:sld>
+</file>
+
+<file path=ppt/slides/slide5.xml><?xml version="1.0" encoding="utf-8"?>
+<p:sld xmlns:a="http://schemas.openxmlformats.org/drawingml/2006/main" xmlns:r="http://schemas.openxmlformats.org/officeDocument/2006/relationships" xmlns:p="http://schemas.openxmlformats.org/presentationml/2006/main">
+  <p:cSld>
+    <p:spTree>
+      <p:nvGrpSpPr>
+        <p:cNvPr id="1" name=""/>
+        <p:cNvGrpSpPr/>
+        <p:nvPr/>
+      </p:nvGrpSpPr>
+      <p:grpSpPr>
+        <a:xfrm>
+          <a:off x="0" y="0"/>
+          <a:ext cx="0" cy="0"/>
+          <a:chOff x="0" y="0"/>
+          <a:chExt cx="0" cy="0"/>
+        </a:xfrm>
+      </p:grpSpPr>
+      <p:sp>
+        <p:nvSpPr>
+          <p:cNvPr id="2" name="Title 1"/>
+          <p:cNvSpPr>
+            <a:spLocks noGrp="1"/>
+          </p:cNvSpPr>
+          <p:nvPr>
+            <p:ph type="title"/>
+          </p:nvPr>
+        </p:nvSpPr>
+        <p:spPr/>
+        <p:txBody>
+          <a:bodyPr/>
+          <a:lstStyle/>
+          <a:p>
+            <a:r>
+              <a:rPr lang="en-US" dirty="0" err="1" smtClean="0"/>
+              <a:t>CloudWatch</a:t>
+            </a:r>
+            <a:endParaRPr lang="en-US" dirty="0"/>
+          </a:p>
+        </p:txBody>
+      </p:sp>
+      <p:sp>
+        <p:nvSpPr>
+          <p:cNvPr id="3" name="Content Placeholder 2"/>
+          <p:cNvSpPr>
+            <a:spLocks noGrp="1"/>
+          </p:cNvSpPr>
+          <p:nvPr>
+            <p:ph idx="1"/>
+          </p:nvPr>
+        </p:nvSpPr>
+        <p:spPr/>
+        <p:txBody>
+          <a:bodyPr>
+            <a:normAutofit fontScale="85000" lnSpcReduction="20000"/>
+          </a:bodyPr>
+          <a:lstStyle/>
+          <a:p>
+            <a:r>
+              <a:rPr lang="en-US" b="1" dirty="0" err="1" smtClean="0"/>
+              <a:t>CloudWatch</a:t>
+            </a:r>
+            <a:r>
+              <a:rPr lang="en-US" dirty="0" smtClean="0"/>
+              <a:t> is a monitoring service for AWS resources and applications</a:t>
+            </a:r>
+          </a:p>
+          <a:p>
+            <a:pPr lvl="1"/>
+            <a:r>
+              <a:rPr lang="en-US" dirty="0" smtClean="0"/>
+              <a:t>Track performance metrics</a:t>
+            </a:r>
+          </a:p>
+          <a:p>
+            <a:pPr lvl="1"/>
+            <a:r>
+              <a:rPr lang="en-US" dirty="0" smtClean="0"/>
+              <a:t>Collect and monitor log files</a:t>
+            </a:r>
+          </a:p>
+          <a:p>
+            <a:pPr lvl="1"/>
+            <a:r>
+              <a:rPr lang="en-US" dirty="0" smtClean="0"/>
+              <a:t>Set alarms based on predefined thresholds</a:t>
+            </a:r>
+          </a:p>
+          <a:p>
+            <a:pPr lvl="1"/>
+            <a:endParaRPr lang="en-US" dirty="0" smtClean="0"/>
+          </a:p>
+          <a:p>
+            <a:r>
+              <a:rPr lang="en-US" dirty="0" smtClean="0"/>
+              <a:t>Supports EC2, RDS, </a:t>
+            </a:r>
+            <a:r>
+              <a:rPr lang="en-US" dirty="0" err="1" smtClean="0"/>
+              <a:t>DynamoDB</a:t>
+            </a:r>
+            <a:r>
+              <a:rPr lang="en-US" dirty="0" smtClean="0"/>
+              <a:t>, and other services</a:t>
+            </a:r>
+          </a:p>
+          <a:p>
+            <a:endParaRPr lang="en-US" dirty="0" smtClean="0"/>
+          </a:p>
+          <a:p>
+            <a:r>
+              <a:rPr lang="en-US" dirty="0" smtClean="0"/>
+              <a:t>Basic monitoring is free, detailed costs extra</a:t>
+            </a:r>
+          </a:p>
+          <a:p>
+            <a:pPr lvl="1"/>
+            <a:r>
+              <a:rPr lang="en-US" dirty="0" smtClean="0"/>
+              <a:t>Increased interval from 5 min to 1 min</a:t>
+            </a:r>
+          </a:p>
+          <a:p>
+            <a:pPr lvl="1"/>
+            <a:r>
+              <a:rPr lang="en-US" dirty="0" smtClean="0"/>
+              <a:t>Monitor custom app metrics using an API</a:t>
+            </a:r>
+            <a:endParaRPr lang="en-US" dirty="0"/>
+          </a:p>
+        </p:txBody>
+      </p:sp>
+      <p:pic>
+        <p:nvPicPr>
+          <p:cNvPr id="4" name="Picture 3"/>
+          <p:cNvPicPr>
+            <a:picLocks noChangeAspect="1"/>
+          </p:cNvPicPr>
+          <p:nvPr/>
+        </p:nvPicPr>
+        <p:blipFill>
+          <a:blip r:embed="rId2"/>
+          <a:stretch>
+            <a:fillRect/>
+          </a:stretch>
+        </p:blipFill>
+        <p:spPr>
+          <a:xfrm>
+            <a:off x="7370618" y="274638"/>
+            <a:ext cx="1316182" cy="1316182"/>
+          </a:xfrm>
+          <a:prstGeom prst="rect">
+            <a:avLst/>
+          </a:prstGeom>
+        </p:spPr>
+      </p:pic>
+    </p:spTree>
+    <p:extLst>
+      <p:ext uri="{BB962C8B-B14F-4D97-AF65-F5344CB8AC3E}">
+        <p14:creationId xmlns:p14="http://schemas.microsoft.com/office/powerpoint/2010/main" val="843961752"/>
+      </p:ext>
+    </p:extLst>
+  </p:cSld>
+  <p:clrMapOvr>
+    <a:masterClrMapping/>
+  </p:clrMapOvr>
+</p:sld>
+</file>
+
+<file path=ppt/slides/slide6.xml><?xml version="1.0" encoding="utf-8"?>
+<p:sld xmlns:a="http://schemas.openxmlformats.org/drawingml/2006/main" xmlns:r="http://schemas.openxmlformats.org/officeDocument/2006/relationships" xmlns:p="http://schemas.openxmlformats.org/presentationml/2006/main">
+  <p:cSld>
+    <p:spTree>
+      <p:nvGrpSpPr>
+        <p:cNvPr id="1" name=""/>
+        <p:cNvGrpSpPr/>
+        <p:nvPr/>
+      </p:nvGrpSpPr>
+      <p:grpSpPr>
+        <a:xfrm>
+          <a:off x="0" y="0"/>
+          <a:ext cx="0" cy="0"/>
+          <a:chOff x="0" y="0"/>
+          <a:chExt cx="0" cy="0"/>
+        </a:xfrm>
+      </p:grpSpPr>
+      <p:sp>
+        <p:nvSpPr>
+          <p:cNvPr id="2" name="Title 1"/>
+          <p:cNvSpPr>
+            <a:spLocks noGrp="1"/>
+          </p:cNvSpPr>
+          <p:nvPr>
+            <p:ph type="title"/>
+          </p:nvPr>
+        </p:nvSpPr>
+        <p:spPr/>
+        <p:txBody>
+          <a:bodyPr/>
+          <a:lstStyle/>
+          <a:p>
+            <a:r>
+              <a:rPr lang="en-US" dirty="0" err="1" smtClean="0"/>
+              <a:t>CloudWatch</a:t>
+            </a:r>
+            <a:r>
+              <a:rPr lang="en-US" dirty="0" smtClean="0"/>
+              <a:t> Instrumentation</a:t>
+            </a:r>
+            <a:endParaRPr lang="en-US" dirty="0"/>
+          </a:p>
+        </p:txBody>
+      </p:sp>
+      <p:pic>
+        <p:nvPicPr>
+          <p:cNvPr id="5" name="Picture 4"/>
+          <p:cNvPicPr>
+            <a:picLocks noChangeAspect="1"/>
+          </p:cNvPicPr>
+          <p:nvPr/>
+        </p:nvPicPr>
+        <p:blipFill>
+          <a:blip r:embed="rId2"/>
+          <a:stretch>
+            <a:fillRect/>
+          </a:stretch>
+        </p:blipFill>
+        <p:spPr>
+          <a:xfrm>
+            <a:off x="1754909" y="1417638"/>
+            <a:ext cx="5778500" cy="5179637"/>
+          </a:xfrm>
+          <a:prstGeom prst="rect">
+            <a:avLst/>
+          </a:prstGeom>
+        </p:spPr>
+      </p:pic>
+    </p:spTree>
+    <p:extLst>
+      <p:ext uri="{BB962C8B-B14F-4D97-AF65-F5344CB8AC3E}">
+        <p14:creationId xmlns:p14="http://schemas.microsoft.com/office/powerpoint/2010/main" val="3413712157"/>
+      </p:ext>
+    </p:extLst>
+  </p:cSld>
+  <p:clrMapOvr>
+    <a:masterClrMapping/>
+  </p:clrMapOvr>
+</p:sld>
+</file>
+
+<file path=ppt/slides/slide7.xml><?xml version="1.0" encoding="utf-8"?>
+<p:sld xmlns:a="http://schemas.openxmlformats.org/drawingml/2006/main" xmlns:r="http://schemas.openxmlformats.org/officeDocument/2006/relationships" xmlns:p="http://schemas.openxmlformats.org/presentationml/2006/main">
+  <p:cSld>
+    <p:spTree>
+      <p:nvGrpSpPr>
+        <p:cNvPr id="1" name=""/>
+        <p:cNvGrpSpPr/>
+        <p:nvPr/>
+      </p:nvGrpSpPr>
+      <p:grpSpPr>
+        <a:xfrm>
+          <a:off x="0" y="0"/>
+          <a:ext cx="0" cy="0"/>
+          <a:chOff x="0" y="0"/>
+          <a:chExt cx="0" cy="0"/>
+        </a:xfrm>
+      </p:grpSpPr>
+      <p:sp>
+        <p:nvSpPr>
+          <p:cNvPr id="2" name="Title 1"/>
+          <p:cNvSpPr>
+            <a:spLocks noGrp="1"/>
+          </p:cNvSpPr>
+          <p:nvPr>
+            <p:ph type="title"/>
+          </p:nvPr>
+        </p:nvSpPr>
+        <p:spPr/>
+        <p:txBody>
+          <a:bodyPr/>
+          <a:lstStyle/>
+          <a:p>
+            <a:r>
+              <a:rPr lang="en-US" dirty="0" err="1" smtClean="0"/>
+              <a:t>CloudWatch</a:t>
+            </a:r>
+            <a:r>
+              <a:rPr lang="en-US" dirty="0" smtClean="0"/>
+              <a:t> Hands-on</a:t>
+            </a:r>
+            <a:endParaRPr lang="en-US" dirty="0"/>
+          </a:p>
+        </p:txBody>
+      </p:sp>
+      <p:sp>
+        <p:nvSpPr>
+          <p:cNvPr id="3" name="Content Placeholder 2"/>
+          <p:cNvSpPr>
+            <a:spLocks noGrp="1"/>
+          </p:cNvSpPr>
+          <p:nvPr>
+            <p:ph idx="1"/>
+          </p:nvPr>
+        </p:nvSpPr>
+        <p:spPr/>
+        <p:txBody>
+          <a:bodyPr/>
+          <a:lstStyle/>
+          <a:p>
+            <a:r>
+              <a:rPr lang="en-US" dirty="0" smtClean="0"/>
+              <a:t>View Metrics</a:t>
+            </a:r>
+          </a:p>
+          <a:p>
+            <a:pPr lvl="1"/>
+            <a:r>
+              <a:rPr lang="en-US" dirty="0" smtClean="0"/>
+              <a:t>EC2 instance CPU utilization</a:t>
+            </a:r>
+          </a:p>
+          <a:p>
+            <a:pPr lvl="1"/>
+            <a:r>
+              <a:rPr lang="en-US" dirty="0" smtClean="0"/>
+              <a:t>RDS database read IOPS</a:t>
+            </a:r>
+          </a:p>
+          <a:p>
+            <a:endParaRPr lang="en-US" dirty="0"/>
+          </a:p>
+          <a:p>
+            <a:r>
+              <a:rPr lang="en-US" dirty="0" smtClean="0"/>
+              <a:t>Create Alarm</a:t>
+            </a:r>
+          </a:p>
+          <a:p>
+            <a:pPr lvl="1"/>
+            <a:r>
+              <a:rPr lang="en-US" dirty="0" smtClean="0"/>
+              <a:t>S3ObjectCount: alarm when number of S3 objects in a bucket is over 1000</a:t>
+            </a:r>
+            <a:endParaRPr lang="en-US" dirty="0"/>
+          </a:p>
+        </p:txBody>
+      </p:sp>
+      <p:pic>
+        <p:nvPicPr>
+          <p:cNvPr id="4" name="Picture 3"/>
+          <p:cNvPicPr>
+            <a:picLocks noChangeAspect="1"/>
+          </p:cNvPicPr>
+          <p:nvPr/>
+        </p:nvPicPr>
+        <p:blipFill>
+          <a:blip r:embed="rId2"/>
+          <a:stretch>
+            <a:fillRect/>
+          </a:stretch>
+        </p:blipFill>
+        <p:spPr>
+          <a:xfrm>
+            <a:off x="7488062" y="403586"/>
+            <a:ext cx="1014052" cy="1014052"/>
+          </a:xfrm>
+          <a:prstGeom prst="rect">
+            <a:avLst/>
+          </a:prstGeom>
+        </p:spPr>
+      </p:pic>
+    </p:spTree>
+    <p:extLst>
+      <p:ext uri="{BB962C8B-B14F-4D97-AF65-F5344CB8AC3E}">
+        <p14:creationId xmlns:p14="http://schemas.microsoft.com/office/powerpoint/2010/main" val="1758334888"/>
+      </p:ext>
+    </p:extLst>
+  </p:cSld>
+  <p:clrMapOvr>
+    <a:masterClrMapping/>
+  </p:clrMapOvr>
+</p:sld>
+</file>
+
+<file path=ppt/slides/slide8.xml><?xml version="1.0" encoding="utf-8"?>
+<p:sld xmlns:a="http://schemas.openxmlformats.org/drawingml/2006/main" xmlns:r="http://schemas.openxmlformats.org/officeDocument/2006/relationships" xmlns:p="http://schemas.openxmlformats.org/presentationml/2006/main">
+  <p:cSld>
+    <p:spTree>
+      <p:nvGrpSpPr>
+        <p:cNvPr id="1" name=""/>
+        <p:cNvGrpSpPr/>
+        <p:nvPr/>
+      </p:nvGrpSpPr>
+      <p:grpSpPr>
+        <a:xfrm>
+          <a:off x="0" y="0"/>
+          <a:ext cx="0" cy="0"/>
+          <a:chOff x="0" y="0"/>
+          <a:chExt cx="0" cy="0"/>
+        </a:xfrm>
+      </p:grpSpPr>
+      <p:sp>
+        <p:nvSpPr>
+          <p:cNvPr id="2" name="Title 1"/>
+          <p:cNvSpPr>
+            <a:spLocks noGrp="1"/>
+          </p:cNvSpPr>
+          <p:nvPr>
+            <p:ph type="title"/>
+          </p:nvPr>
+        </p:nvSpPr>
+        <p:spPr/>
+        <p:txBody>
+          <a:bodyPr/>
+          <a:lstStyle/>
+          <a:p>
+            <a:r>
+              <a:rPr lang="en-US" dirty="0" smtClean="0"/>
+              <a:t>EC2 User Data</a:t>
+            </a:r>
+            <a:endParaRPr lang="en-US" dirty="0"/>
+          </a:p>
+        </p:txBody>
+      </p:sp>
+      <p:sp>
+        <p:nvSpPr>
+          <p:cNvPr id="3" name="Content Placeholder 2"/>
+          <p:cNvSpPr>
+            <a:spLocks noGrp="1"/>
+          </p:cNvSpPr>
+          <p:nvPr>
+            <p:ph idx="1"/>
+          </p:nvPr>
+        </p:nvSpPr>
+        <p:spPr/>
+        <p:txBody>
+          <a:bodyPr>
+            <a:normAutofit fontScale="85000" lnSpcReduction="10000"/>
+          </a:bodyPr>
+          <a:lstStyle/>
+          <a:p>
+            <a:r>
+              <a:rPr lang="en-US" b="1" dirty="0" smtClean="0"/>
+              <a:t>User Data </a:t>
+            </a:r>
+            <a:r>
+              <a:rPr lang="en-US" dirty="0" smtClean="0"/>
+              <a:t>is a set of shell script commands automatically executed by the instance during the initial launch</a:t>
+            </a:r>
+          </a:p>
+          <a:p>
+            <a:endParaRPr lang="en-US" dirty="0" smtClean="0"/>
+          </a:p>
+          <a:p>
+            <a:r>
+              <a:rPr lang="en-US" dirty="0" smtClean="0"/>
+              <a:t>Commands are executed as root, so </a:t>
+            </a:r>
+            <a:r>
+              <a:rPr lang="en-US" u="sng" dirty="0" smtClean="0"/>
+              <a:t>do not</a:t>
+            </a:r>
+            <a:r>
+              <a:rPr lang="en-US" dirty="0" smtClean="0"/>
+              <a:t> need </a:t>
+            </a:r>
+            <a:r>
+              <a:rPr lang="en-US" dirty="0" err="1" smtClean="0"/>
+              <a:t>sudo</a:t>
+            </a:r>
+            <a:endParaRPr lang="en-US" dirty="0" smtClean="0"/>
+          </a:p>
+          <a:p>
+            <a:endParaRPr lang="en-US" dirty="0" smtClean="0"/>
+          </a:p>
+          <a:p>
+            <a:r>
+              <a:rPr lang="en-US" dirty="0" smtClean="0"/>
+              <a:t>Commands supplied via text entry or stored in a file</a:t>
+            </a:r>
+          </a:p>
+          <a:p>
+            <a:endParaRPr lang="en-US" dirty="0" smtClean="0"/>
+          </a:p>
+          <a:p>
+            <a:r>
+              <a:rPr lang="en-US" dirty="0" smtClean="0"/>
+              <a:t>Benefit: automate installation and configuration of instance</a:t>
+            </a:r>
+          </a:p>
+          <a:p>
+            <a:endParaRPr lang="en-US" dirty="0"/>
+          </a:p>
+        </p:txBody>
+      </p:sp>
+    </p:spTree>
+    <p:extLst>
+      <p:ext uri="{BB962C8B-B14F-4D97-AF65-F5344CB8AC3E}">
+        <p14:creationId xmlns:p14="http://schemas.microsoft.com/office/powerpoint/2010/main" val="1344130266"/>
+      </p:ext>
+    </p:extLst>
+  </p:cSld>
+  <p:clrMapOvr>
+    <a:masterClrMapping/>
+  </p:clrMapOvr>
+</p:sld>
+</file>
+
+<file path=ppt/slides/slide9.xml><?xml version="1.0" encoding="utf-8"?>
+<p:sld xmlns:a="http://schemas.openxmlformats.org/drawingml/2006/main" xmlns:r="http://schemas.openxmlformats.org/officeDocument/2006/relationships" xmlns:p="http://schemas.openxmlformats.org/presentationml/2006/main">
+  <p:cSld>
+    <p:spTree>
+      <p:nvGrpSpPr>
+        <p:cNvPr id="1" name=""/>
+        <p:cNvGrpSpPr/>
+        <p:nvPr/>
+      </p:nvGrpSpPr>
+      <p:grpSpPr>
+        <a:xfrm>
+          <a:off x="0" y="0"/>
+          <a:ext cx="0" cy="0"/>
+          <a:chOff x="0" y="0"/>
+          <a:chExt cx="0" cy="0"/>
+        </a:xfrm>
+      </p:grpSpPr>
+      <p:sp>
+        <p:nvSpPr>
+          <p:cNvPr id="2" name="Title 1"/>
+          <p:cNvSpPr>
+            <a:spLocks noGrp="1"/>
+          </p:cNvSpPr>
+          <p:nvPr>
+            <p:ph type="title"/>
+          </p:nvPr>
+        </p:nvSpPr>
+        <p:spPr/>
+        <p:txBody>
+          <a:bodyPr/>
+          <a:lstStyle/>
+          <a:p>
+            <a:r>
+              <a:rPr lang="en-US" dirty="0" smtClean="0"/>
+              <a:t>EC2 User Data</a:t>
+            </a:r>
+            <a:endParaRPr lang="en-US" dirty="0"/>
+          </a:p>
+        </p:txBody>
+      </p:sp>
+      <p:pic>
+        <p:nvPicPr>
+          <p:cNvPr id="4" name="Picture 3"/>
+          <p:cNvPicPr>
+            <a:picLocks noChangeAspect="1"/>
+          </p:cNvPicPr>
+          <p:nvPr/>
+        </p:nvPicPr>
+        <p:blipFill>
+          <a:blip r:embed="rId2"/>
+          <a:stretch>
+            <a:fillRect/>
+          </a:stretch>
+        </p:blipFill>
+        <p:spPr>
+          <a:xfrm>
+            <a:off x="265545" y="1594417"/>
+            <a:ext cx="8844179" cy="4707504"/>
+          </a:xfrm>
+          <a:prstGeom prst="rect">
+            <a:avLst/>
+          </a:prstGeom>
+        </p:spPr>
+      </p:pic>
+    </p:spTree>
+    <p:extLst>
+      <p:ext uri="{BB962C8B-B14F-4D97-AF65-F5344CB8AC3E}">
+        <p14:creationId xmlns:p14="http://schemas.microsoft.com/office/powerpoint/2010/main" val="2237291935"/>
       </p:ext>
     </p:extLst>
   </p:cSld>
@@ -3625,4 +9547,324 @@
   </a:objectDefaults>
   <a:extraClrSchemeLst/>
 </a:theme>
+</file>
+
+<file path=ppt/theme/theme2.xml><?xml version="1.0" encoding="utf-8"?>
+<a:theme xmlns:a="http://schemas.openxmlformats.org/drawingml/2006/main" name="Office Theme">
+  <a:themeElements>
+    <a:clrScheme name="Office">
+      <a:dk1>
+        <a:sysClr val="windowText" lastClr="000000"/>
+      </a:dk1>
+      <a:lt1>
+        <a:sysClr val="window" lastClr="FFFFFF"/>
+      </a:lt1>
+      <a:dk2>
+        <a:srgbClr val="1F497D"/>
+      </a:dk2>
+      <a:lt2>
+        <a:srgbClr val="EEECE1"/>
+      </a:lt2>
+      <a:accent1>
+        <a:srgbClr val="4F81BD"/>
+      </a:accent1>
+      <a:accent2>
+        <a:srgbClr val="C0504D"/>
+      </a:accent2>
+      <a:accent3>
+        <a:srgbClr val="9BBB59"/>
+      </a:accent3>
+      <a:accent4>
+        <a:srgbClr val="8064A2"/>
+      </a:accent4>
+      <a:accent5>
+        <a:srgbClr val="4BACC6"/>
+      </a:accent5>
+      <a:accent6>
+        <a:srgbClr val="F79646"/>
+      </a:accent6>
+      <a:hlink>
+        <a:srgbClr val="0000FF"/>
+      </a:hlink>
+      <a:folHlink>
+        <a:srgbClr val="800080"/>
+      </a:folHlink>
+    </a:clrScheme>
+    <a:fontScheme name="Office">
+      <a:majorFont>
+        <a:latin typeface="Calibri"/>
+        <a:ea typeface=""/>
+        <a:cs typeface=""/>
+        <a:font script="Jpan" typeface="ＭＳ Ｐゴシック"/>
+        <a:font script="Hang" typeface="맑은 고딕"/>
+        <a:font script="Hans" typeface="宋体"/>
+        <a:font script="Hant" typeface="新細明體"/>
+        <a:font script="Arab" typeface="Times New Roman"/>
+        <a:font script="Hebr" typeface="Times New Roman"/>
+        <a:font script="Thai" typeface="Angsana New"/>
+        <a:font script="Ethi" typeface="Nyala"/>
+        <a:font script="Beng" typeface="Vrinda"/>
+        <a:font script="Gujr" typeface="Shruti"/>
+        <a:font script="Khmr" typeface="MoolBoran"/>
+        <a:font script="Knda" typeface="Tunga"/>
+        <a:font script="Guru" typeface="Raavi"/>
+        <a:font script="Cans" typeface="Euphemia"/>
+        <a:font script="Cher" typeface="Plantagenet Cherokee"/>
+        <a:font script="Yiii" typeface="Microsoft Yi Baiti"/>
+        <a:font script="Tibt" typeface="Microsoft Himalaya"/>
+        <a:font script="Thaa" typeface="MV Boli"/>
+        <a:font script="Deva" typeface="Mangal"/>
+        <a:font script="Telu" typeface="Gautami"/>
+        <a:font script="Taml" typeface="Latha"/>
+        <a:font script="Syrc" typeface="Estrangelo Edessa"/>
+        <a:font script="Orya" typeface="Kalinga"/>
+        <a:font script="Mlym" typeface="Kartika"/>
+        <a:font script="Laoo" typeface="DokChampa"/>
+        <a:font script="Sinh" typeface="Iskoola Pota"/>
+        <a:font script="Mong" typeface="Mongolian Baiti"/>
+        <a:font script="Viet" typeface="Times New Roman"/>
+        <a:font script="Uigh" typeface="Microsoft Uighur"/>
+        <a:font script="Geor" typeface="Sylfaen"/>
+      </a:majorFont>
+      <a:minorFont>
+        <a:latin typeface="Calibri"/>
+        <a:ea typeface=""/>
+        <a:cs typeface=""/>
+        <a:font script="Jpan" typeface="ＭＳ Ｐゴシック"/>
+        <a:font script="Hang" typeface="맑은 고딕"/>
+        <a:font script="Hans" typeface="宋体"/>
+        <a:font script="Hant" typeface="新細明體"/>
+        <a:font script="Arab" typeface="Arial"/>
+        <a:font script="Hebr" typeface="Arial"/>
+        <a:font script="Thai" typeface="Cordia New"/>
+        <a:font script="Ethi" typeface="Nyala"/>
+        <a:font script="Beng" typeface="Vrinda"/>
+        <a:font script="Gujr" typeface="Shruti"/>
+        <a:font script="Khmr" typeface="DaunPenh"/>
+        <a:font script="Knda" typeface="Tunga"/>
+        <a:font script="Guru" typeface="Raavi"/>
+        <a:font script="Cans" typeface="Euphemia"/>
+        <a:font script="Cher" typeface="Plantagenet Cherokee"/>
+        <a:font script="Yiii" typeface="Microsoft Yi Baiti"/>
+        <a:font script="Tibt" typeface="Microsoft Himalaya"/>
+        <a:font script="Thaa" typeface="MV Boli"/>
+        <a:font script="Deva" typeface="Mangal"/>
+        <a:font script="Telu" typeface="Gautami"/>
+        <a:font script="Taml" typeface="Latha"/>
+        <a:font script="Syrc" typeface="Estrangelo Edessa"/>
+        <a:font script="Orya" typeface="Kalinga"/>
+        <a:font script="Mlym" typeface="Kartika"/>
+        <a:font script="Laoo" typeface="DokChampa"/>
+        <a:font script="Sinh" typeface="Iskoola Pota"/>
+        <a:font script="Mong" typeface="Mongolian Baiti"/>
+        <a:font script="Viet" typeface="Arial"/>
+        <a:font script="Uigh" typeface="Microsoft Uighur"/>
+        <a:font script="Geor" typeface="Sylfaen"/>
+      </a:minorFont>
+    </a:fontScheme>
+    <a:fmtScheme name="Office">
+      <a:fillStyleLst>
+        <a:solidFill>
+          <a:schemeClr val="phClr"/>
+        </a:solidFill>
+        <a:gradFill rotWithShape="1">
+          <a:gsLst>
+            <a:gs pos="0">
+              <a:schemeClr val="phClr">
+                <a:tint val="50000"/>
+                <a:satMod val="300000"/>
+              </a:schemeClr>
+            </a:gs>
+            <a:gs pos="35000">
+              <a:schemeClr val="phClr">
+                <a:tint val="37000"/>
+                <a:satMod val="300000"/>
+              </a:schemeClr>
+            </a:gs>
+            <a:gs pos="100000">
+              <a:schemeClr val="phClr">
+                <a:tint val="15000"/>
+                <a:satMod val="350000"/>
+              </a:schemeClr>
+            </a:gs>
+          </a:gsLst>
+          <a:lin ang="16200000" scaled="1"/>
+        </a:gradFill>
+        <a:gradFill rotWithShape="1">
+          <a:gsLst>
+            <a:gs pos="0">
+              <a:schemeClr val="phClr">
+                <a:tint val="100000"/>
+                <a:shade val="100000"/>
+                <a:satMod val="130000"/>
+              </a:schemeClr>
+            </a:gs>
+            <a:gs pos="100000">
+              <a:schemeClr val="phClr">
+                <a:tint val="50000"/>
+                <a:shade val="100000"/>
+                <a:satMod val="350000"/>
+              </a:schemeClr>
+            </a:gs>
+          </a:gsLst>
+          <a:lin ang="16200000" scaled="0"/>
+        </a:gradFill>
+      </a:fillStyleLst>
+      <a:lnStyleLst>
+        <a:ln w="9525" cap="flat" cmpd="sng" algn="ctr">
+          <a:solidFill>
+            <a:schemeClr val="phClr">
+              <a:shade val="95000"/>
+              <a:satMod val="105000"/>
+            </a:schemeClr>
+          </a:solidFill>
+          <a:prstDash val="solid"/>
+        </a:ln>
+        <a:ln w="25400" cap="flat" cmpd="sng" algn="ctr">
+          <a:solidFill>
+            <a:schemeClr val="phClr"/>
+          </a:solidFill>
+          <a:prstDash val="solid"/>
+        </a:ln>
+        <a:ln w="38100" cap="flat" cmpd="sng" algn="ctr">
+          <a:solidFill>
+            <a:schemeClr val="phClr"/>
+          </a:solidFill>
+          <a:prstDash val="solid"/>
+        </a:ln>
+      </a:lnStyleLst>
+      <a:effectStyleLst>
+        <a:effectStyle>
+          <a:effectLst>
+            <a:outerShdw blurRad="40000" dist="20000" dir="5400000" rotWithShape="0">
+              <a:srgbClr val="000000">
+                <a:alpha val="38000"/>
+              </a:srgbClr>
+            </a:outerShdw>
+          </a:effectLst>
+        </a:effectStyle>
+        <a:effectStyle>
+          <a:effectLst>
+            <a:outerShdw blurRad="40000" dist="23000" dir="5400000" rotWithShape="0">
+              <a:srgbClr val="000000">
+                <a:alpha val="35000"/>
+              </a:srgbClr>
+            </a:outerShdw>
+          </a:effectLst>
+        </a:effectStyle>
+        <a:effectStyle>
+          <a:effectLst>
+            <a:outerShdw blurRad="40000" dist="23000" dir="5400000" rotWithShape="0">
+              <a:srgbClr val="000000">
+                <a:alpha val="35000"/>
+              </a:srgbClr>
+            </a:outerShdw>
+          </a:effectLst>
+          <a:scene3d>
+            <a:camera prst="orthographicFront">
+              <a:rot lat="0" lon="0" rev="0"/>
+            </a:camera>
+            <a:lightRig rig="threePt" dir="t">
+              <a:rot lat="0" lon="0" rev="1200000"/>
+            </a:lightRig>
+          </a:scene3d>
+          <a:sp3d>
+            <a:bevelT w="63500" h="25400"/>
+          </a:sp3d>
+        </a:effectStyle>
+      </a:effectStyleLst>
+      <a:bgFillStyleLst>
+        <a:solidFill>
+          <a:schemeClr val="phClr"/>
+        </a:solidFill>
+        <a:gradFill rotWithShape="1">
+          <a:gsLst>
+            <a:gs pos="0">
+              <a:schemeClr val="phClr">
+                <a:tint val="40000"/>
+                <a:satMod val="350000"/>
+              </a:schemeClr>
+            </a:gs>
+            <a:gs pos="40000">
+              <a:schemeClr val="phClr">
+                <a:tint val="45000"/>
+                <a:shade val="99000"/>
+                <a:satMod val="350000"/>
+              </a:schemeClr>
+            </a:gs>
+            <a:gs pos="100000">
+              <a:schemeClr val="phClr">
+                <a:shade val="20000"/>
+                <a:satMod val="255000"/>
+              </a:schemeClr>
+            </a:gs>
+          </a:gsLst>
+          <a:path path="circle">
+            <a:fillToRect l="50000" t="-80000" r="50000" b="180000"/>
+          </a:path>
+        </a:gradFill>
+        <a:gradFill rotWithShape="1">
+          <a:gsLst>
+            <a:gs pos="0">
+              <a:schemeClr val="phClr">
+                <a:tint val="80000"/>
+                <a:satMod val="300000"/>
+              </a:schemeClr>
+            </a:gs>
+            <a:gs pos="100000">
+              <a:schemeClr val="phClr">
+                <a:shade val="30000"/>
+                <a:satMod val="200000"/>
+              </a:schemeClr>
+            </a:gs>
+          </a:gsLst>
+          <a:path path="circle">
+            <a:fillToRect l="50000" t="50000" r="50000" b="50000"/>
+          </a:path>
+        </a:gradFill>
+      </a:bgFillStyleLst>
+    </a:fmtScheme>
+  </a:themeElements>
+  <a:objectDefaults>
+    <a:spDef>
+      <a:spPr/>
+      <a:bodyPr/>
+      <a:lstStyle/>
+      <a:style>
+        <a:lnRef idx="1">
+          <a:schemeClr val="accent1"/>
+        </a:lnRef>
+        <a:fillRef idx="3">
+          <a:schemeClr val="accent1"/>
+        </a:fillRef>
+        <a:effectRef idx="2">
+          <a:schemeClr val="accent1"/>
+        </a:effectRef>
+        <a:fontRef idx="minor">
+          <a:schemeClr val="lt1"/>
+        </a:fontRef>
+      </a:style>
+    </a:spDef>
+    <a:lnDef>
+      <a:spPr/>
+      <a:bodyPr/>
+      <a:lstStyle/>
+      <a:style>
+        <a:lnRef idx="2">
+          <a:schemeClr val="accent1"/>
+        </a:lnRef>
+        <a:fillRef idx="0">
+          <a:schemeClr val="accent1"/>
+        </a:fillRef>
+        <a:effectRef idx="1">
+          <a:schemeClr val="accent1"/>
+        </a:effectRef>
+        <a:fontRef idx="minor">
+          <a:schemeClr val="tx1"/>
+        </a:fontRef>
+      </a:style>
+    </a:lnDef>
+  </a:objectDefaults>
+  <a:extraClrSchemeLst/>
+</a:theme>
 </file>
--- a/infrastructure-week-6.pptx
+++ b/infrastructure-week-6.pptx
@@ -233,7 +233,7 @@
           <a:p>
             <a:fld id="{EF3E328F-0131-7F43-AC75-B1BE9FD38BFB}" type="datetimeFigureOut">
               <a:rPr lang="en-US" smtClean="0"/>
-              <a:t>4/12/16</a:t>
+              <a:t>8/5/16</a:t>
             </a:fld>
             <a:endParaRPr lang="en-US"/>
           </a:p>
@@ -850,7 +850,7 @@
           <a:p>
             <a:fld id="{00ED810F-92B1-F946-A788-203E54D97324}" type="datetimeFigureOut">
               <a:rPr lang="en-US" smtClean="0"/>
-              <a:t>4/8/16</a:t>
+              <a:t>8/5/16</a:t>
             </a:fld>
             <a:endParaRPr lang="en-US"/>
           </a:p>
@@ -1020,7 +1020,7 @@
           <a:p>
             <a:fld id="{00ED810F-92B1-F946-A788-203E54D97324}" type="datetimeFigureOut">
               <a:rPr lang="en-US" smtClean="0"/>
-              <a:t>4/8/16</a:t>
+              <a:t>8/5/16</a:t>
             </a:fld>
             <a:endParaRPr lang="en-US"/>
           </a:p>
@@ -1200,7 +1200,7 @@
           <a:p>
             <a:fld id="{00ED810F-92B1-F946-A788-203E54D97324}" type="datetimeFigureOut">
               <a:rPr lang="en-US" smtClean="0"/>
-              <a:t>4/8/16</a:t>
+              <a:t>8/5/16</a:t>
             </a:fld>
             <a:endParaRPr lang="en-US"/>
           </a:p>
@@ -1370,7 +1370,7 @@
           <a:p>
             <a:fld id="{00ED810F-92B1-F946-A788-203E54D97324}" type="datetimeFigureOut">
               <a:rPr lang="en-US" smtClean="0"/>
-              <a:t>4/8/16</a:t>
+              <a:t>8/5/16</a:t>
             </a:fld>
             <a:endParaRPr lang="en-US"/>
           </a:p>
@@ -1616,7 +1616,7 @@
           <a:p>
             <a:fld id="{00ED810F-92B1-F946-A788-203E54D97324}" type="datetimeFigureOut">
               <a:rPr lang="en-US" smtClean="0"/>
-              <a:t>4/8/16</a:t>
+              <a:t>8/5/16</a:t>
             </a:fld>
             <a:endParaRPr lang="en-US"/>
           </a:p>
@@ -1904,7 +1904,7 @@
           <a:p>
             <a:fld id="{00ED810F-92B1-F946-A788-203E54D97324}" type="datetimeFigureOut">
               <a:rPr lang="en-US" smtClean="0"/>
-              <a:t>4/8/16</a:t>
+              <a:t>8/5/16</a:t>
             </a:fld>
             <a:endParaRPr lang="en-US"/>
           </a:p>
@@ -2326,7 +2326,7 @@
           <a:p>
             <a:fld id="{00ED810F-92B1-F946-A788-203E54D97324}" type="datetimeFigureOut">
               <a:rPr lang="en-US" smtClean="0"/>
-              <a:t>4/8/16</a:t>
+              <a:t>8/5/16</a:t>
             </a:fld>
             <a:endParaRPr lang="en-US"/>
           </a:p>
@@ -2444,7 +2444,7 @@
           <a:p>
             <a:fld id="{00ED810F-92B1-F946-A788-203E54D97324}" type="datetimeFigureOut">
               <a:rPr lang="en-US" smtClean="0"/>
-              <a:t>4/8/16</a:t>
+              <a:t>8/5/16</a:t>
             </a:fld>
             <a:endParaRPr lang="en-US"/>
           </a:p>
@@ -2539,7 +2539,7 @@
           <a:p>
             <a:fld id="{00ED810F-92B1-F946-A788-203E54D97324}" type="datetimeFigureOut">
               <a:rPr lang="en-US" smtClean="0"/>
-              <a:t>4/8/16</a:t>
+              <a:t>8/5/16</a:t>
             </a:fld>
             <a:endParaRPr lang="en-US"/>
           </a:p>
@@ -2816,7 +2816,7 @@
           <a:p>
             <a:fld id="{00ED810F-92B1-F946-A788-203E54D97324}" type="datetimeFigureOut">
               <a:rPr lang="en-US" smtClean="0"/>
-              <a:t>4/8/16</a:t>
+              <a:t>8/5/16</a:t>
             </a:fld>
             <a:endParaRPr lang="en-US"/>
           </a:p>
@@ -3069,7 +3069,7 @@
           <a:p>
             <a:fld id="{00ED810F-92B1-F946-A788-203E54D97324}" type="datetimeFigureOut">
               <a:rPr lang="en-US" smtClean="0"/>
-              <a:t>4/8/16</a:t>
+              <a:t>8/5/16</a:t>
             </a:fld>
             <a:endParaRPr lang="en-US"/>
           </a:p>
@@ -3282,7 +3282,7 @@
           <a:p>
             <a:fld id="{00ED810F-92B1-F946-A788-203E54D97324}" type="datetimeFigureOut">
               <a:rPr lang="en-US" smtClean="0"/>
-              <a:t>4/8/16</a:t>
+              <a:t>8/5/16</a:t>
             </a:fld>
             <a:endParaRPr lang="en-US"/>
           </a:p>
@@ -3716,7 +3716,15 @@
             </a:br>
             <a:r>
               <a:rPr lang="en-US" sz="3600" dirty="0"/>
-              <a:t>SEIS 6XX</a:t>
+              <a:t>SEIS </a:t>
+            </a:r>
+            <a:r>
+              <a:rPr lang="en-US" sz="3600" dirty="0" smtClean="0"/>
+              <a:t>665</a:t>
+            </a:r>
+            <a:r>
+              <a:rPr lang="en-US" sz="3600" dirty="0"/>
+              <a:t/>
             </a:r>
             <a:br>
               <a:rPr lang="en-US" sz="3600" dirty="0"/>
@@ -3725,7 +3733,6 @@
               <a:rPr lang="en-US" sz="3600" dirty="0"/>
               <a:t>Week 6</a:t>
             </a:r>
-            <a:endParaRPr lang="en-US" sz="3600" dirty="0"/>
           </a:p>
         </p:txBody>
       </p:sp>
@@ -4840,7 +4847,6 @@
               <a:rPr lang="en-US" sz="1600" dirty="0"/>
               <a:t>&gt;</a:t>
             </a:r>
-            <a:endParaRPr lang="en-US" sz="1600" dirty="0"/>
           </a:p>
         </p:txBody>
       </p:sp>
@@ -5341,7 +5347,6 @@
               <a:rPr lang="en-US" dirty="0" smtClean="0"/>
               <a:t>Watch</a:t>
             </a:r>
-            <a:endParaRPr lang="en-US" dirty="0" smtClean="0"/>
           </a:p>
           <a:p>
             <a:pPr lvl="1"/>
@@ -5356,7 +5361,6 @@
               <a:rPr lang="en-US" dirty="0" smtClean="0"/>
               <a:t>EC2 Auto-scaling</a:t>
             </a:r>
-            <a:endParaRPr lang="en-US" dirty="0" smtClean="0"/>
           </a:p>
           <a:p>
             <a:pPr lvl="1"/>
@@ -5372,7 +5376,6 @@
               <a:rPr lang="en-US" dirty="0" smtClean="0"/>
               <a:t>SNS</a:t>
             </a:r>
-            <a:endParaRPr lang="en-US" dirty="0" smtClean="0"/>
           </a:p>
           <a:p>
             <a:pPr lvl="1"/>
@@ -5380,7 +5383,6 @@
               <a:rPr lang="en-US" dirty="0" smtClean="0"/>
               <a:t>SQS</a:t>
             </a:r>
-            <a:endParaRPr lang="en-US" dirty="0" smtClean="0"/>
           </a:p>
           <a:p>
             <a:pPr lvl="1"/>
@@ -5395,7 +5397,6 @@
               <a:rPr lang="en-US" dirty="0" smtClean="0"/>
               <a:t>Route 53</a:t>
             </a:r>
-            <a:endParaRPr lang="en-US" dirty="0" smtClean="0"/>
           </a:p>
           <a:p>
             <a:pPr lvl="1"/>
@@ -5409,7 +5410,6 @@
               <a:rPr lang="en-US" dirty="0" smtClean="0"/>
               <a:t>AWS Security</a:t>
             </a:r>
-            <a:endParaRPr lang="en-US" dirty="0" smtClean="0"/>
           </a:p>
           <a:p>
             <a:endParaRPr lang="en-US" dirty="0"/>
@@ -6007,7 +6007,7 @@
         </p:blipFill>
         <p:spPr>
           <a:xfrm>
-            <a:off x="2336800" y="1417638"/>
+            <a:off x="3355372" y="1417638"/>
             <a:ext cx="4457700" cy="5092700"/>
           </a:xfrm>
           <a:prstGeom prst="rect">
@@ -6015,6 +6015,36 @@
           </a:prstGeom>
         </p:spPr>
       </p:pic>
+      <p:sp>
+        <p:nvSpPr>
+          <p:cNvPr id="3" name="TextBox 2"/>
+          <p:cNvSpPr txBox="1"/>
+          <p:nvPr/>
+        </p:nvSpPr>
+        <p:spPr>
+          <a:xfrm>
+            <a:off x="357163" y="2156458"/>
+            <a:ext cx="2619184" cy="3046988"/>
+          </a:xfrm>
+          <a:prstGeom prst="rect">
+            <a:avLst/>
+          </a:prstGeom>
+          <a:noFill/>
+        </p:spPr>
+        <p:txBody>
+          <a:bodyPr wrap="square" rtlCol="0">
+            <a:spAutoFit/>
+          </a:bodyPr>
+          <a:lstStyle/>
+          <a:p>
+            <a:r>
+              <a:rPr lang="en-US" sz="2400" dirty="0" smtClean="0"/>
+              <a:t>SQS doesn’t support the concept of prioritization, but you can use multiple queues to accomplish the same thing.</a:t>
+            </a:r>
+            <a:endParaRPr lang="en-US" sz="2400" dirty="0"/>
+          </a:p>
+        </p:txBody>
+      </p:sp>
     </p:spTree>
     <p:extLst>
       <p:ext uri="{BB962C8B-B14F-4D97-AF65-F5344CB8AC3E}">
@@ -6764,11 +6794,7 @@
             <a:pPr lvl="2"/>
             <a:r>
               <a:rPr lang="en-US" dirty="0" smtClean="0"/>
-              <a:t>Broad knowledge </a:t>
-            </a:r>
-            <a:r>
-              <a:rPr lang="en-US" dirty="0" smtClean="0"/>
-              <a:t>vs. deep</a:t>
+              <a:t>Broad knowledge vs. deep</a:t>
             </a:r>
           </a:p>
           <a:p>
@@ -8142,11 +8168,7 @@
           <a:p>
             <a:r>
               <a:rPr lang="en-US" dirty="0" smtClean="0"/>
-              <a:t>Web Operations Chapter </a:t>
-            </a:r>
-            <a:r>
-              <a:rPr lang="en-US" dirty="0" smtClean="0"/>
-              <a:t>2: Lessons Learned</a:t>
+              <a:t>Web Operations Chapter 2: Lessons Learned</a:t>
             </a:r>
             <a:endParaRPr lang="en-US" dirty="0"/>
           </a:p>
@@ -8154,11 +8176,7 @@
             <a:pPr lvl="1"/>
             <a:r>
               <a:rPr lang="en-US" dirty="0" smtClean="0"/>
-              <a:t>Provides an exampl</a:t>
-            </a:r>
-            <a:r>
-              <a:rPr lang="en-US" dirty="0" smtClean="0"/>
-              <a:t>e of </a:t>
+              <a:t>Provides an example of </a:t>
             </a:r>
             <a:r>
               <a:rPr lang="en-US" dirty="0" err="1" smtClean="0"/>
@@ -8180,11 +8198,7 @@
             <a:pPr lvl="2"/>
             <a:r>
               <a:rPr lang="en-US" dirty="0" smtClean="0"/>
-              <a:t>AWS reliability </a:t>
-            </a:r>
-            <a:r>
-              <a:rPr lang="en-US" dirty="0" smtClean="0"/>
-              <a:t>is better</a:t>
+              <a:t>AWS reliability is better</a:t>
             </a:r>
           </a:p>
           <a:p>
@@ -8209,11 +8223,7 @@
             <a:pPr lvl="2"/>
             <a:r>
               <a:rPr lang="en-US" dirty="0" smtClean="0"/>
-              <a:t>Danger of </a:t>
-            </a:r>
-            <a:r>
-              <a:rPr lang="en-US" dirty="0" smtClean="0"/>
-              <a:t>“infinite” storage is that it’s easy to waste it</a:t>
+              <a:t>Danger of “infinite” storage is that it’s easy to waste it</a:t>
             </a:r>
           </a:p>
           <a:p>
@@ -8222,7 +8232,6 @@
               <a:rPr lang="en-US" dirty="0" smtClean="0"/>
               <a:t>I/O (network and/or disk) are typically the biggest performance constraints</a:t>
             </a:r>
-            <a:endParaRPr lang="en-US" dirty="0" smtClean="0"/>
           </a:p>
         </p:txBody>
       </p:sp>

--- a/infrastructure-week-6.pptx
+++ b/infrastructure-week-6.pptx
@@ -233,7 +233,7 @@
           <a:p>
             <a:fld id="{EF3E328F-0131-7F43-AC75-B1BE9FD38BFB}" type="datetimeFigureOut">
               <a:rPr lang="en-US" smtClean="0"/>
-              <a:t>8/5/16</a:t>
+              <a:t>8/13/16</a:t>
             </a:fld>
             <a:endParaRPr lang="en-US"/>
           </a:p>
@@ -850,7 +850,7 @@
           <a:p>
             <a:fld id="{00ED810F-92B1-F946-A788-203E54D97324}" type="datetimeFigureOut">
               <a:rPr lang="en-US" smtClean="0"/>
-              <a:t>8/5/16</a:t>
+              <a:t>8/13/16</a:t>
             </a:fld>
             <a:endParaRPr lang="en-US"/>
           </a:p>
@@ -1020,7 +1020,7 @@
           <a:p>
             <a:fld id="{00ED810F-92B1-F946-A788-203E54D97324}" type="datetimeFigureOut">
               <a:rPr lang="en-US" smtClean="0"/>
-              <a:t>8/5/16</a:t>
+              <a:t>8/13/16</a:t>
             </a:fld>
             <a:endParaRPr lang="en-US"/>
           </a:p>
@@ -1200,7 +1200,7 @@
           <a:p>
             <a:fld id="{00ED810F-92B1-F946-A788-203E54D97324}" type="datetimeFigureOut">
               <a:rPr lang="en-US" smtClean="0"/>
-              <a:t>8/5/16</a:t>
+              <a:t>8/13/16</a:t>
             </a:fld>
             <a:endParaRPr lang="en-US"/>
           </a:p>
@@ -1370,7 +1370,7 @@
           <a:p>
             <a:fld id="{00ED810F-92B1-F946-A788-203E54D97324}" type="datetimeFigureOut">
               <a:rPr lang="en-US" smtClean="0"/>
-              <a:t>8/5/16</a:t>
+              <a:t>8/13/16</a:t>
             </a:fld>
             <a:endParaRPr lang="en-US"/>
           </a:p>
@@ -1616,7 +1616,7 @@
           <a:p>
             <a:fld id="{00ED810F-92B1-F946-A788-203E54D97324}" type="datetimeFigureOut">
               <a:rPr lang="en-US" smtClean="0"/>
-              <a:t>8/5/16</a:t>
+              <a:t>8/13/16</a:t>
             </a:fld>
             <a:endParaRPr lang="en-US"/>
           </a:p>
@@ -1904,7 +1904,7 @@
           <a:p>
             <a:fld id="{00ED810F-92B1-F946-A788-203E54D97324}" type="datetimeFigureOut">
               <a:rPr lang="en-US" smtClean="0"/>
-              <a:t>8/5/16</a:t>
+              <a:t>8/13/16</a:t>
             </a:fld>
             <a:endParaRPr lang="en-US"/>
           </a:p>
@@ -2326,7 +2326,7 @@
           <a:p>
             <a:fld id="{00ED810F-92B1-F946-A788-203E54D97324}" type="datetimeFigureOut">
               <a:rPr lang="en-US" smtClean="0"/>
-              <a:t>8/5/16</a:t>
+              <a:t>8/13/16</a:t>
             </a:fld>
             <a:endParaRPr lang="en-US"/>
           </a:p>
@@ -2444,7 +2444,7 @@
           <a:p>
             <a:fld id="{00ED810F-92B1-F946-A788-203E54D97324}" type="datetimeFigureOut">
               <a:rPr lang="en-US" smtClean="0"/>
-              <a:t>8/5/16</a:t>
+              <a:t>8/13/16</a:t>
             </a:fld>
             <a:endParaRPr lang="en-US"/>
           </a:p>
@@ -2539,7 +2539,7 @@
           <a:p>
             <a:fld id="{00ED810F-92B1-F946-A788-203E54D97324}" type="datetimeFigureOut">
               <a:rPr lang="en-US" smtClean="0"/>
-              <a:t>8/5/16</a:t>
+              <a:t>8/13/16</a:t>
             </a:fld>
             <a:endParaRPr lang="en-US"/>
           </a:p>
@@ -2816,7 +2816,7 @@
           <a:p>
             <a:fld id="{00ED810F-92B1-F946-A788-203E54D97324}" type="datetimeFigureOut">
               <a:rPr lang="en-US" smtClean="0"/>
-              <a:t>8/5/16</a:t>
+              <a:t>8/13/16</a:t>
             </a:fld>
             <a:endParaRPr lang="en-US"/>
           </a:p>
@@ -3069,7 +3069,7 @@
           <a:p>
             <a:fld id="{00ED810F-92B1-F946-A788-203E54D97324}" type="datetimeFigureOut">
               <a:rPr lang="en-US" smtClean="0"/>
-              <a:t>8/5/16</a:t>
+              <a:t>8/13/16</a:t>
             </a:fld>
             <a:endParaRPr lang="en-US"/>
           </a:p>
@@ -3282,7 +3282,7 @@
           <a:p>
             <a:fld id="{00ED810F-92B1-F946-A788-203E54D97324}" type="datetimeFigureOut">
               <a:rPr lang="en-US" smtClean="0"/>
-              <a:t>8/5/16</a:t>
+              <a:t>8/13/16</a:t>
             </a:fld>
             <a:endParaRPr lang="en-US"/>
           </a:p>
@@ -8604,8 +8604,13 @@
           <a:p>
             <a:r>
               <a:rPr lang="en-US" sz="2800" dirty="0" smtClean="0"/>
-              <a:t>Study for Midterm Exam</a:t>
-            </a:r>
+              <a:t>Study for Midterm </a:t>
+            </a:r>
+            <a:r>
+              <a:rPr lang="en-US" sz="2800" dirty="0" smtClean="0"/>
+              <a:t>Exam – Good Luck!</a:t>
+            </a:r>
+            <a:endParaRPr lang="en-US" sz="2800" dirty="0" smtClean="0"/>
           </a:p>
           <a:p>
             <a:endParaRPr lang="en-US" sz="2800" dirty="0" smtClean="0"/>
@@ -8634,8 +8639,20 @@
               <a:t>Practice of Cloud Systems Administration </a:t>
             </a:r>
             <a:r>
-              <a:rPr lang="en-US" sz="2400" dirty="0" smtClean="0"/>
-              <a:t>Chapters 2 &amp; 4</a:t>
+              <a:rPr lang="en-US" sz="2400" smtClean="0"/>
+              <a:t>Chapters </a:t>
+            </a:r>
+            <a:r>
+              <a:rPr lang="en-US" sz="2400" smtClean="0"/>
+              <a:t>4 </a:t>
+            </a:r>
+            <a:r>
+              <a:rPr lang="en-US" sz="2400" smtClean="0"/>
+              <a:t>&amp; </a:t>
+            </a:r>
+            <a:r>
+              <a:rPr lang="en-US" sz="2400" smtClean="0"/>
+              <a:t>5</a:t>
             </a:r>
             <a:endParaRPr lang="en-US" sz="2400" dirty="0"/>
           </a:p>

--- a/infrastructure-week-6.pptx
+++ b/infrastructure-week-6.pptx
@@ -5,51 +5,50 @@
     <p:sldMasterId id="2147483648" r:id="rId1"/>
   </p:sldMasterIdLst>
   <p:notesMasterIdLst>
-    <p:notesMasterId r:id="rId44"/>
+    <p:notesMasterId r:id="rId43"/>
   </p:notesMasterIdLst>
   <p:sldIdLst>
     <p:sldId id="258" r:id="rId2"/>
     <p:sldId id="263" r:id="rId3"/>
-    <p:sldId id="257" r:id="rId4"/>
-    <p:sldId id="261" r:id="rId5"/>
-    <p:sldId id="269" r:id="rId6"/>
-    <p:sldId id="270" r:id="rId7"/>
-    <p:sldId id="271" r:id="rId8"/>
-    <p:sldId id="264" r:id="rId9"/>
-    <p:sldId id="265" r:id="rId10"/>
-    <p:sldId id="266" r:id="rId11"/>
-    <p:sldId id="267" r:id="rId12"/>
-    <p:sldId id="268" r:id="rId13"/>
-    <p:sldId id="272" r:id="rId14"/>
-    <p:sldId id="274" r:id="rId15"/>
-    <p:sldId id="275" r:id="rId16"/>
-    <p:sldId id="276" r:id="rId17"/>
-    <p:sldId id="282" r:id="rId18"/>
-    <p:sldId id="283" r:id="rId19"/>
-    <p:sldId id="284" r:id="rId20"/>
-    <p:sldId id="277" r:id="rId21"/>
-    <p:sldId id="278" r:id="rId22"/>
-    <p:sldId id="279" r:id="rId23"/>
-    <p:sldId id="280" r:id="rId24"/>
-    <p:sldId id="297" r:id="rId25"/>
-    <p:sldId id="281" r:id="rId26"/>
-    <p:sldId id="285" r:id="rId27"/>
-    <p:sldId id="286" r:id="rId28"/>
-    <p:sldId id="287" r:id="rId29"/>
-    <p:sldId id="288" r:id="rId30"/>
-    <p:sldId id="289" r:id="rId31"/>
-    <p:sldId id="290" r:id="rId32"/>
-    <p:sldId id="291" r:id="rId33"/>
-    <p:sldId id="292" r:id="rId34"/>
-    <p:sldId id="293" r:id="rId35"/>
-    <p:sldId id="298" r:id="rId36"/>
-    <p:sldId id="300" r:id="rId37"/>
-    <p:sldId id="299" r:id="rId38"/>
-    <p:sldId id="294" r:id="rId39"/>
-    <p:sldId id="295" r:id="rId40"/>
-    <p:sldId id="296" r:id="rId41"/>
-    <p:sldId id="273" r:id="rId42"/>
-    <p:sldId id="259" r:id="rId43"/>
+    <p:sldId id="269" r:id="rId4"/>
+    <p:sldId id="270" r:id="rId5"/>
+    <p:sldId id="271" r:id="rId6"/>
+    <p:sldId id="264" r:id="rId7"/>
+    <p:sldId id="265" r:id="rId8"/>
+    <p:sldId id="266" r:id="rId9"/>
+    <p:sldId id="267" r:id="rId10"/>
+    <p:sldId id="268" r:id="rId11"/>
+    <p:sldId id="272" r:id="rId12"/>
+    <p:sldId id="274" r:id="rId13"/>
+    <p:sldId id="275" r:id="rId14"/>
+    <p:sldId id="276" r:id="rId15"/>
+    <p:sldId id="301" r:id="rId16"/>
+    <p:sldId id="282" r:id="rId17"/>
+    <p:sldId id="283" r:id="rId18"/>
+    <p:sldId id="284" r:id="rId19"/>
+    <p:sldId id="277" r:id="rId20"/>
+    <p:sldId id="278" r:id="rId21"/>
+    <p:sldId id="279" r:id="rId22"/>
+    <p:sldId id="280" r:id="rId23"/>
+    <p:sldId id="297" r:id="rId24"/>
+    <p:sldId id="281" r:id="rId25"/>
+    <p:sldId id="285" r:id="rId26"/>
+    <p:sldId id="286" r:id="rId27"/>
+    <p:sldId id="287" r:id="rId28"/>
+    <p:sldId id="288" r:id="rId29"/>
+    <p:sldId id="289" r:id="rId30"/>
+    <p:sldId id="290" r:id="rId31"/>
+    <p:sldId id="291" r:id="rId32"/>
+    <p:sldId id="292" r:id="rId33"/>
+    <p:sldId id="293" r:id="rId34"/>
+    <p:sldId id="298" r:id="rId35"/>
+    <p:sldId id="300" r:id="rId36"/>
+    <p:sldId id="299" r:id="rId37"/>
+    <p:sldId id="294" r:id="rId38"/>
+    <p:sldId id="295" r:id="rId39"/>
+    <p:sldId id="296" r:id="rId40"/>
+    <p:sldId id="273" r:id="rId41"/>
+    <p:sldId id="259" r:id="rId42"/>
   </p:sldIdLst>
   <p:sldSz cx="9144000" cy="6858000" type="screen4x3"/>
   <p:notesSz cx="6858000" cy="9144000"/>
@@ -233,7 +232,7 @@
           <a:p>
             <a:fld id="{EF3E328F-0131-7F43-AC75-B1BE9FD38BFB}" type="datetimeFigureOut">
               <a:rPr lang="en-US" smtClean="0"/>
-              <a:t>8/13/16</a:t>
+              <a:t>8/14/16</a:t>
             </a:fld>
             <a:endParaRPr lang="en-US"/>
           </a:p>
@@ -566,7 +565,7 @@
           <a:p>
             <a:fld id="{49D6F140-F91F-C64E-A791-8EEBE5B18E2F}" type="slidenum">
               <a:rPr lang="en-US" smtClean="0"/>
-              <a:t>20</a:t>
+              <a:t>19</a:t>
             </a:fld>
             <a:endParaRPr lang="en-US"/>
           </a:p>
@@ -650,7 +649,7 @@
           <a:p>
             <a:fld id="{49D6F140-F91F-C64E-A791-8EEBE5B18E2F}" type="slidenum">
               <a:rPr lang="en-US" smtClean="0"/>
-              <a:t>29</a:t>
+              <a:t>28</a:t>
             </a:fld>
             <a:endParaRPr lang="en-US"/>
           </a:p>
@@ -850,7 +849,7 @@
           <a:p>
             <a:fld id="{00ED810F-92B1-F946-A788-203E54D97324}" type="datetimeFigureOut">
               <a:rPr lang="en-US" smtClean="0"/>
-              <a:t>8/13/16</a:t>
+              <a:t>8/14/16</a:t>
             </a:fld>
             <a:endParaRPr lang="en-US"/>
           </a:p>
@@ -1020,7 +1019,7 @@
           <a:p>
             <a:fld id="{00ED810F-92B1-F946-A788-203E54D97324}" type="datetimeFigureOut">
               <a:rPr lang="en-US" smtClean="0"/>
-              <a:t>8/13/16</a:t>
+              <a:t>8/14/16</a:t>
             </a:fld>
             <a:endParaRPr lang="en-US"/>
           </a:p>
@@ -1200,7 +1199,7 @@
           <a:p>
             <a:fld id="{00ED810F-92B1-F946-A788-203E54D97324}" type="datetimeFigureOut">
               <a:rPr lang="en-US" smtClean="0"/>
-              <a:t>8/13/16</a:t>
+              <a:t>8/14/16</a:t>
             </a:fld>
             <a:endParaRPr lang="en-US"/>
           </a:p>
@@ -1370,7 +1369,7 @@
           <a:p>
             <a:fld id="{00ED810F-92B1-F946-A788-203E54D97324}" type="datetimeFigureOut">
               <a:rPr lang="en-US" smtClean="0"/>
-              <a:t>8/13/16</a:t>
+              <a:t>8/14/16</a:t>
             </a:fld>
             <a:endParaRPr lang="en-US"/>
           </a:p>
@@ -1616,7 +1615,7 @@
           <a:p>
             <a:fld id="{00ED810F-92B1-F946-A788-203E54D97324}" type="datetimeFigureOut">
               <a:rPr lang="en-US" smtClean="0"/>
-              <a:t>8/13/16</a:t>
+              <a:t>8/14/16</a:t>
             </a:fld>
             <a:endParaRPr lang="en-US"/>
           </a:p>
@@ -1904,7 +1903,7 @@
           <a:p>
             <a:fld id="{00ED810F-92B1-F946-A788-203E54D97324}" type="datetimeFigureOut">
               <a:rPr lang="en-US" smtClean="0"/>
-              <a:t>8/13/16</a:t>
+              <a:t>8/14/16</a:t>
             </a:fld>
             <a:endParaRPr lang="en-US"/>
           </a:p>
@@ -2326,7 +2325,7 @@
           <a:p>
             <a:fld id="{00ED810F-92B1-F946-A788-203E54D97324}" type="datetimeFigureOut">
               <a:rPr lang="en-US" smtClean="0"/>
-              <a:t>8/13/16</a:t>
+              <a:t>8/14/16</a:t>
             </a:fld>
             <a:endParaRPr lang="en-US"/>
           </a:p>
@@ -2444,7 +2443,7 @@
           <a:p>
             <a:fld id="{00ED810F-92B1-F946-A788-203E54D97324}" type="datetimeFigureOut">
               <a:rPr lang="en-US" smtClean="0"/>
-              <a:t>8/13/16</a:t>
+              <a:t>8/14/16</a:t>
             </a:fld>
             <a:endParaRPr lang="en-US"/>
           </a:p>
@@ -2539,7 +2538,7 @@
           <a:p>
             <a:fld id="{00ED810F-92B1-F946-A788-203E54D97324}" type="datetimeFigureOut">
               <a:rPr lang="en-US" smtClean="0"/>
-              <a:t>8/13/16</a:t>
+              <a:t>8/14/16</a:t>
             </a:fld>
             <a:endParaRPr lang="en-US"/>
           </a:p>
@@ -2816,7 +2815,7 @@
           <a:p>
             <a:fld id="{00ED810F-92B1-F946-A788-203E54D97324}" type="datetimeFigureOut">
               <a:rPr lang="en-US" smtClean="0"/>
-              <a:t>8/13/16</a:t>
+              <a:t>8/14/16</a:t>
             </a:fld>
             <a:endParaRPr lang="en-US"/>
           </a:p>
@@ -3069,7 +3068,7 @@
           <a:p>
             <a:fld id="{00ED810F-92B1-F946-A788-203E54D97324}" type="datetimeFigureOut">
               <a:rPr lang="en-US" smtClean="0"/>
-              <a:t>8/13/16</a:t>
+              <a:t>8/14/16</a:t>
             </a:fld>
             <a:endParaRPr lang="en-US"/>
           </a:p>
@@ -3282,7 +3281,7 @@
           <a:p>
             <a:fld id="{00ED810F-92B1-F946-A788-203E54D97324}" type="datetimeFigureOut">
               <a:rPr lang="en-US" smtClean="0"/>
-              <a:t>8/13/16</a:t>
+              <a:t>8/14/16</a:t>
             </a:fld>
             <a:endParaRPr lang="en-US"/>
           </a:p>
@@ -3856,231 +3855,6 @@
         <p:spPr/>
         <p:txBody>
           <a:bodyPr>
-            <a:normAutofit lnSpcReduction="10000"/>
-          </a:bodyPr>
-          <a:lstStyle/>
-          <a:p>
-            <a:r>
-              <a:rPr lang="en-US" b="1" dirty="0" smtClean="0"/>
-              <a:t>Auto scaling </a:t>
-            </a:r>
-            <a:r>
-              <a:rPr lang="en-US" dirty="0" smtClean="0"/>
-              <a:t>allows you to scale EC2 capacity up or down based on defined conditions</a:t>
-            </a:r>
-          </a:p>
-          <a:p>
-            <a:pPr lvl="1"/>
-            <a:r>
-              <a:rPr lang="en-US" dirty="0" smtClean="0"/>
-              <a:t>Ensure a certain number of instances are always running</a:t>
-            </a:r>
-          </a:p>
-          <a:p>
-            <a:pPr lvl="1"/>
-            <a:r>
-              <a:rPr lang="en-US" dirty="0" smtClean="0"/>
-              <a:t>Increase or decrease number of instances to support current demand and save costs</a:t>
-            </a:r>
-          </a:p>
-          <a:p>
-            <a:pPr lvl="1"/>
-            <a:endParaRPr lang="en-US" dirty="0" smtClean="0"/>
-          </a:p>
-          <a:p>
-            <a:r>
-              <a:rPr lang="en-US" dirty="0" smtClean="0"/>
-              <a:t>Only billed for instances created by Auto Scaling, </a:t>
-            </a:r>
-            <a:r>
-              <a:rPr lang="en-US" u="sng" dirty="0" smtClean="0"/>
-              <a:t>not</a:t>
-            </a:r>
-            <a:r>
-              <a:rPr lang="en-US" dirty="0" smtClean="0"/>
-              <a:t> the service itself</a:t>
-            </a:r>
-            <a:endParaRPr lang="en-US" dirty="0"/>
-          </a:p>
-        </p:txBody>
-      </p:sp>
-    </p:spTree>
-    <p:extLst>
-      <p:ext uri="{BB962C8B-B14F-4D97-AF65-F5344CB8AC3E}">
-        <p14:creationId xmlns:p14="http://schemas.microsoft.com/office/powerpoint/2010/main" val="2568075336"/>
-      </p:ext>
-    </p:extLst>
-  </p:cSld>
-  <p:clrMapOvr>
-    <a:masterClrMapping/>
-  </p:clrMapOvr>
-</p:sld>
-</file>
-
-<file path=ppt/slides/slide11.xml><?xml version="1.0" encoding="utf-8"?>
-<p:sld xmlns:a="http://schemas.openxmlformats.org/drawingml/2006/main" xmlns:r="http://schemas.openxmlformats.org/officeDocument/2006/relationships" xmlns:p="http://schemas.openxmlformats.org/presentationml/2006/main">
-  <p:cSld>
-    <p:spTree>
-      <p:nvGrpSpPr>
-        <p:cNvPr id="1" name=""/>
-        <p:cNvGrpSpPr/>
-        <p:nvPr/>
-      </p:nvGrpSpPr>
-      <p:grpSpPr>
-        <a:xfrm>
-          <a:off x="0" y="0"/>
-          <a:ext cx="0" cy="0"/>
-          <a:chOff x="0" y="0"/>
-          <a:chExt cx="0" cy="0"/>
-        </a:xfrm>
-      </p:grpSpPr>
-      <p:sp>
-        <p:nvSpPr>
-          <p:cNvPr id="2" name="Title 1"/>
-          <p:cNvSpPr>
-            <a:spLocks noGrp="1"/>
-          </p:cNvSpPr>
-          <p:nvPr>
-            <p:ph type="title"/>
-          </p:nvPr>
-        </p:nvSpPr>
-        <p:spPr/>
-        <p:txBody>
-          <a:bodyPr/>
-          <a:lstStyle/>
-          <a:p>
-            <a:r>
-              <a:rPr lang="en-US" dirty="0" smtClean="0"/>
-              <a:t>EC2 Auto Scaling</a:t>
-            </a:r>
-            <a:endParaRPr lang="en-US" dirty="0"/>
-          </a:p>
-        </p:txBody>
-      </p:sp>
-      <p:sp>
-        <p:nvSpPr>
-          <p:cNvPr id="3" name="Content Placeholder 2"/>
-          <p:cNvSpPr>
-            <a:spLocks noGrp="1"/>
-          </p:cNvSpPr>
-          <p:nvPr>
-            <p:ph idx="1"/>
-          </p:nvPr>
-        </p:nvSpPr>
-        <p:spPr/>
-        <p:txBody>
-          <a:bodyPr>
-            <a:normAutofit lnSpcReduction="10000"/>
-          </a:bodyPr>
-          <a:lstStyle/>
-          <a:p>
-            <a:r>
-              <a:rPr lang="en-US" dirty="0" smtClean="0"/>
-              <a:t>Two components of auto scaling configuration:</a:t>
-            </a:r>
-          </a:p>
-          <a:p>
-            <a:pPr lvl="1"/>
-            <a:r>
-              <a:rPr lang="en-US" b="1" dirty="0" smtClean="0"/>
-              <a:t>Launch Configuration</a:t>
-            </a:r>
-            <a:r>
-              <a:rPr lang="en-US" dirty="0" smtClean="0"/>
-              <a:t>: specifies the type of EC2 instance created during the auto scaling process</a:t>
-            </a:r>
-          </a:p>
-          <a:p>
-            <a:pPr lvl="2"/>
-            <a:r>
-              <a:rPr lang="en-US" dirty="0" smtClean="0"/>
-              <a:t>Very similar to launching an EC2 instance, in this case just the configuration is created</a:t>
-            </a:r>
-          </a:p>
-          <a:p>
-            <a:pPr lvl="2"/>
-            <a:endParaRPr lang="en-US" dirty="0" smtClean="0"/>
-          </a:p>
-          <a:p>
-            <a:pPr lvl="1"/>
-            <a:r>
-              <a:rPr lang="en-US" b="1" dirty="0" smtClean="0"/>
-              <a:t>Auto Scaling Group</a:t>
-            </a:r>
-            <a:r>
-              <a:rPr lang="en-US" dirty="0" smtClean="0"/>
-              <a:t>: defines a set of EC2 instances and the the conditions which determine the number of instances in the set</a:t>
-            </a:r>
-            <a:endParaRPr lang="en-US" dirty="0"/>
-          </a:p>
-        </p:txBody>
-      </p:sp>
-    </p:spTree>
-    <p:extLst>
-      <p:ext uri="{BB962C8B-B14F-4D97-AF65-F5344CB8AC3E}">
-        <p14:creationId xmlns:p14="http://schemas.microsoft.com/office/powerpoint/2010/main" val="818472278"/>
-      </p:ext>
-    </p:extLst>
-  </p:cSld>
-  <p:clrMapOvr>
-    <a:masterClrMapping/>
-  </p:clrMapOvr>
-</p:sld>
-</file>
-
-<file path=ppt/slides/slide12.xml><?xml version="1.0" encoding="utf-8"?>
-<p:sld xmlns:a="http://schemas.openxmlformats.org/drawingml/2006/main" xmlns:r="http://schemas.openxmlformats.org/officeDocument/2006/relationships" xmlns:p="http://schemas.openxmlformats.org/presentationml/2006/main">
-  <p:cSld>
-    <p:spTree>
-      <p:nvGrpSpPr>
-        <p:cNvPr id="1" name=""/>
-        <p:cNvGrpSpPr/>
-        <p:nvPr/>
-      </p:nvGrpSpPr>
-      <p:grpSpPr>
-        <a:xfrm>
-          <a:off x="0" y="0"/>
-          <a:ext cx="0" cy="0"/>
-          <a:chOff x="0" y="0"/>
-          <a:chExt cx="0" cy="0"/>
-        </a:xfrm>
-      </p:grpSpPr>
-      <p:sp>
-        <p:nvSpPr>
-          <p:cNvPr id="2" name="Title 1"/>
-          <p:cNvSpPr>
-            <a:spLocks noGrp="1"/>
-          </p:cNvSpPr>
-          <p:nvPr>
-            <p:ph type="title"/>
-          </p:nvPr>
-        </p:nvSpPr>
-        <p:spPr/>
-        <p:txBody>
-          <a:bodyPr/>
-          <a:lstStyle/>
-          <a:p>
-            <a:r>
-              <a:rPr lang="en-US" dirty="0" smtClean="0"/>
-              <a:t>EC2 Auto Scaling</a:t>
-            </a:r>
-            <a:endParaRPr lang="en-US" dirty="0"/>
-          </a:p>
-        </p:txBody>
-      </p:sp>
-      <p:sp>
-        <p:nvSpPr>
-          <p:cNvPr id="3" name="Content Placeholder 2"/>
-          <p:cNvSpPr>
-            <a:spLocks noGrp="1"/>
-          </p:cNvSpPr>
-          <p:nvPr>
-            <p:ph idx="1"/>
-          </p:nvPr>
-        </p:nvSpPr>
-        <p:spPr/>
-        <p:txBody>
-          <a:bodyPr>
             <a:normAutofit fontScale="92500" lnSpcReduction="10000"/>
           </a:bodyPr>
           <a:lstStyle/>
@@ -4098,8 +3872,13 @@
             </a:r>
             <a:r>
               <a:rPr lang="en-US" dirty="0" smtClean="0"/>
-              <a:t>: automatically launches new instances if a current instance becomes unhealthy</a:t>
-            </a:r>
+              <a:t>: automatically launches new instances if a current instance becomes </a:t>
+            </a:r>
+            <a:r>
+              <a:rPr lang="en-US" dirty="0" smtClean="0"/>
+              <a:t>unhealthy.</a:t>
+            </a:r>
+            <a:endParaRPr lang="en-US" dirty="0" smtClean="0"/>
           </a:p>
           <a:p>
             <a:pPr lvl="1"/>
@@ -4113,8 +3892,13 @@
             </a:r>
             <a:r>
               <a:rPr lang="en-US" dirty="0" smtClean="0"/>
-              <a:t>: user manually changes auto scaling group configuration and AWS adjust instance count to match new configuration</a:t>
-            </a:r>
+              <a:t>: user manually changes auto scaling group configuration and AWS adjust instance count to match new </a:t>
+            </a:r>
+            <a:r>
+              <a:rPr lang="en-US" dirty="0" smtClean="0"/>
+              <a:t>configuration.</a:t>
+            </a:r>
+            <a:endParaRPr lang="en-US" dirty="0" smtClean="0"/>
           </a:p>
           <a:p>
             <a:pPr lvl="1"/>
@@ -4136,8 +3920,13 @@
             </a:r>
             <a:r>
               <a:rPr lang="en-US" dirty="0" smtClean="0"/>
-              <a:t> metrics and alarms</a:t>
-            </a:r>
+              <a:t> metrics and </a:t>
+            </a:r>
+            <a:r>
+              <a:rPr lang="en-US" dirty="0" smtClean="0"/>
+              <a:t>alarms.</a:t>
+            </a:r>
+            <a:endParaRPr lang="en-US" dirty="0" smtClean="0"/>
           </a:p>
           <a:p>
             <a:pPr lvl="1"/>
@@ -4158,7 +3947,7 @@
 </p:sld>
 </file>
 
-<file path=ppt/slides/slide13.xml><?xml version="1.0" encoding="utf-8"?>
+<file path=ppt/slides/slide11.xml><?xml version="1.0" encoding="utf-8"?>
 <p:sld xmlns:a="http://schemas.openxmlformats.org/drawingml/2006/main" xmlns:r="http://schemas.openxmlformats.org/officeDocument/2006/relationships" xmlns:p="http://schemas.openxmlformats.org/presentationml/2006/main">
   <p:cSld>
     <p:spTree>
@@ -4301,6 +4090,340 @@
 </p:sld>
 </file>
 
+<file path=ppt/slides/slide12.xml><?xml version="1.0" encoding="utf-8"?>
+<p:sld xmlns:a="http://schemas.openxmlformats.org/drawingml/2006/main" xmlns:r="http://schemas.openxmlformats.org/officeDocument/2006/relationships" xmlns:p="http://schemas.openxmlformats.org/presentationml/2006/main">
+  <p:cSld>
+    <p:spTree>
+      <p:nvGrpSpPr>
+        <p:cNvPr id="1" name=""/>
+        <p:cNvGrpSpPr/>
+        <p:nvPr/>
+      </p:nvGrpSpPr>
+      <p:grpSpPr>
+        <a:xfrm>
+          <a:off x="0" y="0"/>
+          <a:ext cx="0" cy="0"/>
+          <a:chOff x="0" y="0"/>
+          <a:chExt cx="0" cy="0"/>
+        </a:xfrm>
+      </p:grpSpPr>
+      <p:sp>
+        <p:nvSpPr>
+          <p:cNvPr id="2" name="Title 1"/>
+          <p:cNvSpPr>
+            <a:spLocks noGrp="1"/>
+          </p:cNvSpPr>
+          <p:nvPr>
+            <p:ph type="title"/>
+          </p:nvPr>
+        </p:nvSpPr>
+        <p:spPr/>
+        <p:txBody>
+          <a:bodyPr/>
+          <a:lstStyle/>
+          <a:p>
+            <a:r>
+              <a:rPr lang="en-US" dirty="0" err="1" smtClean="0"/>
+              <a:t>ElastiCache</a:t>
+            </a:r>
+            <a:endParaRPr lang="en-US" dirty="0"/>
+          </a:p>
+        </p:txBody>
+      </p:sp>
+      <p:sp>
+        <p:nvSpPr>
+          <p:cNvPr id="3" name="Content Placeholder 2"/>
+          <p:cNvSpPr>
+            <a:spLocks noGrp="1"/>
+          </p:cNvSpPr>
+          <p:nvPr>
+            <p:ph idx="1"/>
+          </p:nvPr>
+        </p:nvSpPr>
+        <p:spPr>
+          <a:xfrm>
+            <a:off x="457200" y="1600200"/>
+            <a:ext cx="8229600" cy="5075182"/>
+          </a:xfrm>
+        </p:spPr>
+        <p:txBody>
+          <a:bodyPr>
+            <a:normAutofit fontScale="85000" lnSpcReduction="10000"/>
+          </a:bodyPr>
+          <a:lstStyle/>
+          <a:p>
+            <a:r>
+              <a:rPr lang="en-US" b="1" dirty="0" err="1" smtClean="0"/>
+              <a:t>ElastiCache</a:t>
+            </a:r>
+            <a:r>
+              <a:rPr lang="en-US" dirty="0" smtClean="0"/>
+              <a:t> is a distributed in-memory caching </a:t>
+            </a:r>
+            <a:r>
+              <a:rPr lang="en-US" dirty="0" smtClean="0"/>
+              <a:t>system.</a:t>
+            </a:r>
+            <a:endParaRPr lang="en-US" dirty="0" smtClean="0"/>
+          </a:p>
+          <a:p>
+            <a:pPr lvl="1"/>
+            <a:r>
+              <a:rPr lang="en-US" dirty="0" smtClean="0"/>
+              <a:t>Huge performance improvement when reading from memory vs. </a:t>
+            </a:r>
+            <a:r>
+              <a:rPr lang="en-US" dirty="0" smtClean="0"/>
+              <a:t>disk.</a:t>
+            </a:r>
+            <a:endParaRPr lang="en-US" dirty="0" smtClean="0"/>
+          </a:p>
+          <a:p>
+            <a:pPr lvl="2"/>
+            <a:r>
+              <a:rPr lang="en-US" dirty="0" smtClean="0"/>
+              <a:t>Main memory reference = 100 ns</a:t>
+            </a:r>
+          </a:p>
+          <a:p>
+            <a:pPr lvl="2"/>
+            <a:r>
+              <a:rPr lang="en-US" dirty="0" smtClean="0"/>
+              <a:t>Read 4k randomly from SSD = 150,000 ns</a:t>
+            </a:r>
+          </a:p>
+          <a:p>
+            <a:pPr lvl="2"/>
+            <a:endParaRPr lang="en-US" dirty="0" smtClean="0"/>
+          </a:p>
+          <a:p>
+            <a:r>
+              <a:rPr lang="en-US" dirty="0" smtClean="0"/>
+              <a:t>Benefits:</a:t>
+            </a:r>
+          </a:p>
+          <a:p>
+            <a:pPr lvl="1"/>
+            <a:r>
+              <a:rPr lang="en-US" dirty="0" smtClean="0"/>
+              <a:t>Cache frequent database queries </a:t>
+            </a:r>
+          </a:p>
+          <a:p>
+            <a:pPr lvl="2"/>
+            <a:r>
+              <a:rPr lang="en-US" dirty="0" smtClean="0"/>
+              <a:t>List of US states</a:t>
+            </a:r>
+          </a:p>
+          <a:p>
+            <a:pPr lvl="2"/>
+            <a:r>
+              <a:rPr lang="en-US" dirty="0" smtClean="0"/>
+              <a:t>Product </a:t>
+            </a:r>
+            <a:r>
+              <a:rPr lang="en-US" dirty="0" smtClean="0"/>
+              <a:t>listing</a:t>
+            </a:r>
+          </a:p>
+          <a:p>
+            <a:pPr lvl="2"/>
+            <a:endParaRPr lang="en-US" dirty="0" smtClean="0"/>
+          </a:p>
+          <a:p>
+            <a:pPr lvl="1"/>
+            <a:r>
+              <a:rPr lang="en-US" dirty="0" smtClean="0"/>
+              <a:t>Store frequently-accessed data</a:t>
+            </a:r>
+          </a:p>
+          <a:p>
+            <a:pPr lvl="2"/>
+            <a:r>
+              <a:rPr lang="en-US" dirty="0" smtClean="0"/>
+              <a:t>Web sessions</a:t>
+            </a:r>
+          </a:p>
+          <a:p>
+            <a:endParaRPr lang="en-US" dirty="0" smtClean="0"/>
+          </a:p>
+          <a:p>
+            <a:endParaRPr lang="en-US" dirty="0"/>
+          </a:p>
+        </p:txBody>
+      </p:sp>
+    </p:spTree>
+    <p:extLst>
+      <p:ext uri="{BB962C8B-B14F-4D97-AF65-F5344CB8AC3E}">
+        <p14:creationId xmlns:p14="http://schemas.microsoft.com/office/powerpoint/2010/main" val="2393712521"/>
+      </p:ext>
+    </p:extLst>
+  </p:cSld>
+  <p:clrMapOvr>
+    <a:masterClrMapping/>
+  </p:clrMapOvr>
+</p:sld>
+</file>
+
+<file path=ppt/slides/slide13.xml><?xml version="1.0" encoding="utf-8"?>
+<p:sld xmlns:a="http://schemas.openxmlformats.org/drawingml/2006/main" xmlns:r="http://schemas.openxmlformats.org/officeDocument/2006/relationships" xmlns:p="http://schemas.openxmlformats.org/presentationml/2006/main">
+  <p:cSld>
+    <p:spTree>
+      <p:nvGrpSpPr>
+        <p:cNvPr id="1" name=""/>
+        <p:cNvGrpSpPr/>
+        <p:nvPr/>
+      </p:nvGrpSpPr>
+      <p:grpSpPr>
+        <a:xfrm>
+          <a:off x="0" y="0"/>
+          <a:ext cx="0" cy="0"/>
+          <a:chOff x="0" y="0"/>
+          <a:chExt cx="0" cy="0"/>
+        </a:xfrm>
+      </p:grpSpPr>
+      <p:sp>
+        <p:nvSpPr>
+          <p:cNvPr id="2" name="Title 1"/>
+          <p:cNvSpPr>
+            <a:spLocks noGrp="1"/>
+          </p:cNvSpPr>
+          <p:nvPr>
+            <p:ph type="title"/>
+          </p:nvPr>
+        </p:nvSpPr>
+        <p:spPr/>
+        <p:txBody>
+          <a:bodyPr/>
+          <a:lstStyle/>
+          <a:p>
+            <a:r>
+              <a:rPr lang="en-US" dirty="0" err="1" smtClean="0"/>
+              <a:t>ElastiCache</a:t>
+            </a:r>
+            <a:endParaRPr lang="en-US" dirty="0"/>
+          </a:p>
+        </p:txBody>
+      </p:sp>
+      <p:sp>
+        <p:nvSpPr>
+          <p:cNvPr id="3" name="Content Placeholder 2"/>
+          <p:cNvSpPr>
+            <a:spLocks noGrp="1"/>
+          </p:cNvSpPr>
+          <p:nvPr>
+            <p:ph idx="1"/>
+          </p:nvPr>
+        </p:nvSpPr>
+        <p:spPr>
+          <a:xfrm>
+            <a:off x="457200" y="1600200"/>
+            <a:ext cx="8229600" cy="4951564"/>
+          </a:xfrm>
+        </p:spPr>
+        <p:txBody>
+          <a:bodyPr>
+            <a:normAutofit fontScale="77500" lnSpcReduction="20000"/>
+          </a:bodyPr>
+          <a:lstStyle/>
+          <a:p>
+            <a:r>
+              <a:rPr lang="en-US" dirty="0" smtClean="0"/>
+              <a:t>Supports two types of cache systems:</a:t>
+            </a:r>
+          </a:p>
+          <a:p>
+            <a:pPr lvl="1"/>
+            <a:r>
+              <a:rPr lang="en-US" dirty="0" err="1" smtClean="0"/>
+              <a:t>Memcached</a:t>
+            </a:r>
+            <a:endParaRPr lang="en-US" dirty="0" smtClean="0"/>
+          </a:p>
+          <a:p>
+            <a:pPr lvl="1"/>
+            <a:r>
+              <a:rPr lang="en-US" dirty="0" err="1" smtClean="0"/>
+              <a:t>Redis</a:t>
+            </a:r>
+            <a:endParaRPr lang="en-US" dirty="0" smtClean="0"/>
+          </a:p>
+          <a:p>
+            <a:pPr lvl="1"/>
+            <a:endParaRPr lang="en-US" dirty="0" smtClean="0"/>
+          </a:p>
+          <a:p>
+            <a:r>
+              <a:rPr lang="en-US" b="1" dirty="0" err="1" smtClean="0"/>
+              <a:t>Memcached</a:t>
+            </a:r>
+            <a:endParaRPr lang="en-US" b="1" dirty="0" smtClean="0"/>
+          </a:p>
+          <a:p>
+            <a:pPr lvl="1"/>
+            <a:r>
+              <a:rPr lang="en-US" dirty="0" smtClean="0"/>
+              <a:t>Very reliable key/value store</a:t>
+            </a:r>
+          </a:p>
+          <a:p>
+            <a:pPr lvl="1"/>
+            <a:r>
+              <a:rPr lang="en-US" dirty="0" smtClean="0"/>
+              <a:t>Simple to operate and use</a:t>
+            </a:r>
+          </a:p>
+          <a:p>
+            <a:pPr lvl="1"/>
+            <a:endParaRPr lang="en-US" dirty="0" smtClean="0"/>
+          </a:p>
+          <a:p>
+            <a:r>
+              <a:rPr lang="en-US" b="1" dirty="0" err="1" smtClean="0"/>
+              <a:t>Redis</a:t>
+            </a:r>
+            <a:r>
+              <a:rPr lang="en-US" dirty="0" smtClean="0"/>
+              <a:t> has more features today </a:t>
+            </a:r>
+          </a:p>
+          <a:p>
+            <a:pPr lvl="1"/>
+            <a:r>
+              <a:rPr lang="en-US" dirty="0" smtClean="0"/>
+              <a:t>Storing data in a variety of formats beyond key/value: list, array, sets, and sorted sets</a:t>
+            </a:r>
+          </a:p>
+          <a:p>
+            <a:pPr lvl="1"/>
+            <a:r>
+              <a:rPr lang="en-US" dirty="0" smtClean="0"/>
+              <a:t>More complex to operate</a:t>
+            </a:r>
+          </a:p>
+          <a:p>
+            <a:pPr lvl="1"/>
+            <a:r>
+              <a:rPr lang="en-US" dirty="0" smtClean="0"/>
+              <a:t>AWS supports master/slave replication and cross AZ redundancy</a:t>
+            </a:r>
+          </a:p>
+        </p:txBody>
+      </p:sp>
+    </p:spTree>
+    <p:extLst>
+      <p:ext uri="{BB962C8B-B14F-4D97-AF65-F5344CB8AC3E}">
+        <p14:creationId xmlns:p14="http://schemas.microsoft.com/office/powerpoint/2010/main" val="1530428991"/>
+      </p:ext>
+    </p:extLst>
+  </p:cSld>
+  <p:clrMapOvr>
+    <a:masterClrMapping/>
+  </p:clrMapOvr>
+</p:sld>
+</file>
+
 <file path=ppt/slides/slide14.xml><?xml version="1.0" encoding="utf-8"?>
 <p:sld xmlns:a="http://schemas.openxmlformats.org/drawingml/2006/main" xmlns:r="http://schemas.openxmlformats.org/officeDocument/2006/relationships" xmlns:p="http://schemas.openxmlformats.org/presentationml/2006/main">
   <p:cSld>
@@ -4335,7 +4458,11 @@
           <a:p>
             <a:r>
               <a:rPr lang="en-US" dirty="0" err="1" smtClean="0"/>
-              <a:t>ElastiCache</a:t>
+              <a:t>Memcached</a:t>
+            </a:r>
+            <a:r>
+              <a:rPr lang="en-US" dirty="0" smtClean="0"/>
+              <a:t> Example</a:t>
             </a:r>
             <a:endParaRPr lang="en-US" dirty="0"/>
           </a:p>
@@ -4354,97 +4481,196 @@
         <p:spPr/>
         <p:txBody>
           <a:bodyPr>
-            <a:normAutofit fontScale="85000" lnSpcReduction="10000"/>
+            <a:normAutofit fontScale="92500" lnSpcReduction="10000"/>
           </a:bodyPr>
           <a:lstStyle/>
           <a:p>
-            <a:r>
-              <a:rPr lang="en-US" b="1" dirty="0" err="1" smtClean="0"/>
-              <a:t>ElastiCache</a:t>
-            </a:r>
-            <a:r>
-              <a:rPr lang="en-US" dirty="0" smtClean="0"/>
-              <a:t> is a distributed in-memory caching system</a:t>
-            </a:r>
-          </a:p>
-          <a:p>
-            <a:pPr lvl="1"/>
-            <a:r>
-              <a:rPr lang="en-US" dirty="0" smtClean="0"/>
-              <a:t>Huge performance improvement when reading from memory vs. disk</a:t>
-            </a:r>
-          </a:p>
-          <a:p>
-            <a:pPr lvl="2"/>
-            <a:r>
-              <a:rPr lang="en-US" dirty="0" smtClean="0"/>
-              <a:t>Main memory reference = 100 ns</a:t>
-            </a:r>
-          </a:p>
-          <a:p>
-            <a:pPr lvl="2"/>
-            <a:r>
-              <a:rPr lang="en-US" dirty="0" smtClean="0"/>
-              <a:t>Read 4k randomly from SSD = 150,000 ns</a:t>
-            </a:r>
-          </a:p>
-          <a:p>
-            <a:pPr lvl="2"/>
-            <a:endParaRPr lang="en-US" dirty="0" smtClean="0"/>
-          </a:p>
-          <a:p>
-            <a:r>
-              <a:rPr lang="en-US" dirty="0" smtClean="0"/>
-              <a:t>Benefits:</a:t>
-            </a:r>
-          </a:p>
-          <a:p>
-            <a:pPr lvl="1"/>
-            <a:r>
-              <a:rPr lang="en-US" dirty="0" smtClean="0"/>
-              <a:t>Cache frequent database queries </a:t>
-            </a:r>
-          </a:p>
-          <a:p>
-            <a:pPr lvl="2"/>
-            <a:r>
-              <a:rPr lang="en-US" dirty="0" smtClean="0"/>
-              <a:t>List of US states</a:t>
-            </a:r>
-          </a:p>
-          <a:p>
-            <a:pPr lvl="2"/>
-            <a:r>
-              <a:rPr lang="en-US" dirty="0" smtClean="0"/>
-              <a:t>Product listing</a:t>
-            </a:r>
-          </a:p>
-          <a:p>
-            <a:pPr lvl="1"/>
-            <a:r>
-              <a:rPr lang="en-US" dirty="0" smtClean="0"/>
-              <a:t>Store frequently-accessed data</a:t>
-            </a:r>
-          </a:p>
-          <a:p>
-            <a:pPr lvl="2"/>
-            <a:r>
-              <a:rPr lang="en-US" dirty="0" smtClean="0"/>
-              <a:t>Web sessions</a:t>
-            </a:r>
-          </a:p>
-          <a:p>
-            <a:endParaRPr lang="en-US" dirty="0" smtClean="0"/>
-          </a:p>
-          <a:p>
-            <a:endParaRPr lang="en-US" dirty="0"/>
+            <a:pPr marL="0" indent="0">
+              <a:buNone/>
+            </a:pPr>
+            <a:r>
+              <a:rPr lang="en-US" sz="1600" b="1" dirty="0"/>
+              <a:t>telnet mycachecluster.eaogs8.0001.usw2.cache.amazonaws.com 11211</a:t>
+            </a:r>
+            <a:endParaRPr lang="en-US" sz="1600" dirty="0"/>
+          </a:p>
+          <a:p>
+            <a:pPr marL="0" indent="0">
+              <a:buNone/>
+            </a:pPr>
+            <a:endParaRPr lang="en-US" sz="1600" dirty="0" smtClean="0"/>
+          </a:p>
+          <a:p>
+            <a:pPr marL="0" indent="0">
+              <a:buNone/>
+            </a:pPr>
+            <a:r>
+              <a:rPr lang="en-US" sz="1500" dirty="0"/>
+              <a:t>Trying 128.0.0.1...</a:t>
+            </a:r>
+          </a:p>
+          <a:p>
+            <a:pPr marL="0" indent="0">
+              <a:buNone/>
+            </a:pPr>
+            <a:r>
+              <a:rPr lang="en-US" sz="1500" dirty="0"/>
+              <a:t>Connected to mycachecluster.eaogs8.0001.usw2.cache.amazonaws.com.</a:t>
+            </a:r>
+          </a:p>
+          <a:p>
+            <a:pPr marL="0" indent="0">
+              <a:buNone/>
+            </a:pPr>
+            <a:r>
+              <a:rPr lang="en-US" sz="1500" dirty="0"/>
+              <a:t>Escape character is '^]'.</a:t>
+            </a:r>
+          </a:p>
+          <a:p>
+            <a:pPr marL="0" indent="0">
+              <a:buNone/>
+            </a:pPr>
+            <a:r>
+              <a:rPr lang="en-US" sz="1500" dirty="0"/>
+              <a:t>&gt;</a:t>
+            </a:r>
+            <a:endParaRPr lang="en-US" sz="1500" dirty="0" smtClean="0"/>
+          </a:p>
+          <a:p>
+            <a:pPr marL="0" indent="0">
+              <a:buNone/>
+            </a:pPr>
+            <a:endParaRPr lang="en-US" sz="1600" dirty="0"/>
+          </a:p>
+          <a:p>
+            <a:pPr marL="0" indent="0">
+              <a:buNone/>
+            </a:pPr>
+            <a:r>
+              <a:rPr lang="en-US" sz="1600" dirty="0"/>
+              <a:t>set a 0 0 5      </a:t>
+            </a:r>
+            <a:r>
+              <a:rPr lang="en-US" sz="1600" dirty="0" smtClean="0"/>
+              <a:t>	/</a:t>
+            </a:r>
+            <a:r>
+              <a:rPr lang="en-US" sz="1600" dirty="0"/>
+              <a:t>/ Set key "a" with no expiration and 5 byte value</a:t>
+            </a:r>
+          </a:p>
+          <a:p>
+            <a:pPr marL="0" indent="0">
+              <a:buNone/>
+            </a:pPr>
+            <a:r>
+              <a:rPr lang="en-US" sz="1600" dirty="0"/>
+              <a:t>hello           </a:t>
+            </a:r>
+            <a:r>
+              <a:rPr lang="en-US" sz="1600" dirty="0" smtClean="0"/>
+              <a:t>		/</a:t>
+            </a:r>
+            <a:r>
+              <a:rPr lang="en-US" sz="1600" dirty="0"/>
+              <a:t>/ Set value as "hello"</a:t>
+            </a:r>
+          </a:p>
+          <a:p>
+            <a:pPr marL="0" indent="0">
+              <a:buNone/>
+            </a:pPr>
+            <a:r>
+              <a:rPr lang="en-US" sz="1600" dirty="0"/>
+              <a:t>STORED</a:t>
+            </a:r>
+          </a:p>
+          <a:p>
+            <a:pPr marL="0" indent="0">
+              <a:buNone/>
+            </a:pPr>
+            <a:r>
+              <a:rPr lang="en-US" sz="1600" dirty="0"/>
+              <a:t>get a           </a:t>
+            </a:r>
+            <a:r>
+              <a:rPr lang="en-US" sz="1600" dirty="0" smtClean="0"/>
+              <a:t>		/</a:t>
+            </a:r>
+            <a:r>
+              <a:rPr lang="en-US" sz="1600" dirty="0"/>
+              <a:t>/ Get value for key "a"</a:t>
+            </a:r>
+          </a:p>
+          <a:p>
+            <a:pPr marL="0" indent="0">
+              <a:buNone/>
+            </a:pPr>
+            <a:r>
+              <a:rPr lang="ro-RO" sz="1600" dirty="0"/>
+              <a:t>VALUE a 0 5</a:t>
+            </a:r>
+          </a:p>
+          <a:p>
+            <a:pPr marL="0" indent="0">
+              <a:buNone/>
+            </a:pPr>
+            <a:r>
+              <a:rPr lang="ro-RO" sz="1600" dirty="0"/>
+              <a:t>hello</a:t>
+            </a:r>
+          </a:p>
+          <a:p>
+            <a:pPr marL="0" indent="0">
+              <a:buNone/>
+            </a:pPr>
+            <a:r>
+              <a:rPr lang="ro-RO" sz="1600" dirty="0"/>
+              <a:t>END</a:t>
+            </a:r>
+          </a:p>
+          <a:p>
+            <a:pPr marL="0" indent="0">
+              <a:buNone/>
+            </a:pPr>
+            <a:r>
+              <a:rPr lang="ro-RO" sz="1600" dirty="0"/>
+              <a:t>get b           </a:t>
+            </a:r>
+            <a:r>
+              <a:rPr lang="ro-RO" sz="1600" dirty="0" smtClean="0"/>
+              <a:t>		/</a:t>
+            </a:r>
+            <a:r>
+              <a:rPr lang="ro-RO" sz="1600" dirty="0"/>
+              <a:t>/ Get value for key "b" results in miss</a:t>
+            </a:r>
+          </a:p>
+          <a:p>
+            <a:pPr marL="0" indent="0">
+              <a:buNone/>
+            </a:pPr>
+            <a:r>
+              <a:rPr lang="ro-RO" sz="1600" dirty="0"/>
+              <a:t>END</a:t>
+            </a:r>
+          </a:p>
+          <a:p>
+            <a:pPr marL="0" indent="0">
+              <a:buNone/>
+            </a:pPr>
+            <a:r>
+              <a:rPr lang="en-US" sz="1600" dirty="0"/>
+              <a:t>&gt;</a:t>
+            </a:r>
           </a:p>
         </p:txBody>
       </p:sp>
     </p:spTree>
     <p:extLst>
       <p:ext uri="{BB962C8B-B14F-4D97-AF65-F5344CB8AC3E}">
-        <p14:creationId xmlns:p14="http://schemas.microsoft.com/office/powerpoint/2010/main" val="2393712521"/>
+        <p14:creationId xmlns:p14="http://schemas.microsoft.com/office/powerpoint/2010/main" val="1324614032"/>
       </p:ext>
     </p:extLst>
   </p:cSld>
@@ -4488,7 +4714,11 @@
           <a:p>
             <a:r>
               <a:rPr lang="en-US" dirty="0" err="1" smtClean="0"/>
-              <a:t>ElastiCache</a:t>
+              <a:t>Redis</a:t>
+            </a:r>
+            <a:r>
+              <a:rPr lang="en-US" dirty="0" smtClean="0"/>
+              <a:t> example</a:t>
             </a:r>
             <a:endParaRPr lang="en-US" dirty="0"/>
           </a:p>
@@ -4507,97 +4737,111 @@
         <p:spPr/>
         <p:txBody>
           <a:bodyPr>
-            <a:normAutofit fontScale="70000" lnSpcReduction="20000"/>
+            <a:normAutofit/>
           </a:bodyPr>
           <a:lstStyle/>
           <a:p>
-            <a:r>
-              <a:rPr lang="en-US" dirty="0" smtClean="0"/>
-              <a:t>Supports two types of cache systems:</a:t>
-            </a:r>
-          </a:p>
-          <a:p>
-            <a:pPr lvl="1"/>
-            <a:r>
-              <a:rPr lang="en-US" dirty="0" err="1" smtClean="0"/>
-              <a:t>Memcached</a:t>
-            </a:r>
-            <a:endParaRPr lang="en-US" dirty="0" smtClean="0"/>
-          </a:p>
-          <a:p>
-            <a:pPr lvl="1"/>
-            <a:r>
-              <a:rPr lang="en-US" dirty="0" err="1" smtClean="0"/>
-              <a:t>Redis</a:t>
-            </a:r>
-            <a:endParaRPr lang="en-US" dirty="0" smtClean="0"/>
-          </a:p>
-          <a:p>
-            <a:pPr lvl="1"/>
-            <a:endParaRPr lang="en-US" dirty="0" smtClean="0"/>
-          </a:p>
-          <a:p>
-            <a:r>
-              <a:rPr lang="en-US" b="1" dirty="0" err="1" smtClean="0"/>
-              <a:t>Memcached</a:t>
-            </a:r>
-            <a:endParaRPr lang="en-US" b="1" dirty="0" smtClean="0"/>
-          </a:p>
-          <a:p>
-            <a:pPr lvl="1"/>
-            <a:r>
-              <a:rPr lang="en-US" dirty="0" smtClean="0"/>
-              <a:t>Very reliable key/value store</a:t>
-            </a:r>
-          </a:p>
-          <a:p>
-            <a:pPr lvl="1"/>
-            <a:r>
-              <a:rPr lang="en-US" dirty="0" smtClean="0"/>
-              <a:t>Simple to operate and use</a:t>
-            </a:r>
-          </a:p>
-          <a:p>
-            <a:pPr lvl="1"/>
-            <a:endParaRPr lang="en-US" dirty="0" smtClean="0"/>
-          </a:p>
-          <a:p>
-            <a:r>
-              <a:rPr lang="en-US" b="1" dirty="0" err="1" smtClean="0"/>
-              <a:t>Redis</a:t>
-            </a:r>
-            <a:r>
-              <a:rPr lang="en-US" dirty="0" smtClean="0"/>
-              <a:t> has more features today </a:t>
-            </a:r>
-          </a:p>
-          <a:p>
-            <a:pPr lvl="1"/>
-            <a:r>
-              <a:rPr lang="en-US" dirty="0" smtClean="0"/>
-              <a:t>Storing data in a variety of formats beyond key/value: list, array, sets, and sorted sets</a:t>
-            </a:r>
-          </a:p>
-          <a:p>
-            <a:pPr lvl="1"/>
-            <a:r>
-              <a:rPr lang="en-US" dirty="0" smtClean="0"/>
-              <a:t>More complex to operate</a:t>
-            </a:r>
-          </a:p>
-          <a:p>
-            <a:pPr lvl="1"/>
-            <a:r>
-              <a:rPr lang="en-US" dirty="0" smtClean="0"/>
-              <a:t>AWS supports master/slave replication and cross AZ redundancy</a:t>
-            </a:r>
+            <a:pPr marL="0" indent="0">
+              <a:buNone/>
+            </a:pPr>
+            <a:r>
+              <a:rPr lang="en-US" sz="1800" b="1" dirty="0" err="1"/>
+              <a:t>redis</a:t>
+            </a:r>
+            <a:r>
+              <a:rPr lang="en-US" sz="1800" b="1" dirty="0"/>
+              <a:t>-cli -h mycachecluster.eaogs8.0001.usw2.cache.amazonaws.com -p 6379</a:t>
+            </a:r>
+            <a:endParaRPr lang="en-US" sz="1800" b="1" dirty="0" smtClean="0"/>
+          </a:p>
+          <a:p>
+            <a:pPr marL="0" indent="0">
+              <a:buNone/>
+            </a:pPr>
+            <a:endParaRPr lang="en-US" sz="1800" dirty="0"/>
+          </a:p>
+          <a:p>
+            <a:pPr marL="0" indent="0">
+              <a:buNone/>
+            </a:pPr>
+            <a:r>
+              <a:rPr lang="en-US" sz="1800" dirty="0" smtClean="0"/>
+              <a:t>set </a:t>
+            </a:r>
+            <a:r>
+              <a:rPr lang="en-US" sz="1800" dirty="0"/>
+              <a:t>a "hello"     // Set key "a" with a string value and no expiration</a:t>
+            </a:r>
+          </a:p>
+          <a:p>
+            <a:pPr marL="0" indent="0">
+              <a:buNone/>
+            </a:pPr>
+            <a:r>
+              <a:rPr lang="en-US" sz="1800" dirty="0"/>
+              <a:t>OK</a:t>
+            </a:r>
+          </a:p>
+          <a:p>
+            <a:pPr marL="0" indent="0">
+              <a:buNone/>
+            </a:pPr>
+            <a:r>
+              <a:rPr lang="en-US" sz="1800" dirty="0"/>
+              <a:t>get a              // Get value for key "a"</a:t>
+            </a:r>
+          </a:p>
+          <a:p>
+            <a:pPr marL="0" indent="0">
+              <a:buNone/>
+            </a:pPr>
+            <a:r>
+              <a:rPr lang="en-US" sz="1800" dirty="0"/>
+              <a:t>"hello"</a:t>
+            </a:r>
+          </a:p>
+          <a:p>
+            <a:pPr marL="0" indent="0">
+              <a:buNone/>
+            </a:pPr>
+            <a:r>
+              <a:rPr lang="en-US" sz="1800" dirty="0"/>
+              <a:t>get b              // Get value for key "b" results in miss</a:t>
+            </a:r>
+          </a:p>
+          <a:p>
+            <a:pPr marL="0" indent="0">
+              <a:buNone/>
+            </a:pPr>
+            <a:r>
+              <a:rPr lang="is-IS" sz="1800" dirty="0"/>
+              <a:t>(nil)				</a:t>
+            </a:r>
+          </a:p>
+          <a:p>
+            <a:pPr marL="0" indent="0">
+              <a:buNone/>
+            </a:pPr>
+            <a:r>
+              <a:rPr lang="en-US" sz="1800" dirty="0"/>
+              <a:t>quit               // Exit from </a:t>
+            </a:r>
+            <a:r>
+              <a:rPr lang="en-US" sz="1800" dirty="0" err="1"/>
+              <a:t>redis</a:t>
+            </a:r>
+            <a:r>
+              <a:rPr lang="en-US" sz="1800" dirty="0"/>
+              <a:t>-cli</a:t>
+            </a:r>
+            <a:endParaRPr lang="en-US" sz="1800" dirty="0"/>
           </a:p>
         </p:txBody>
       </p:sp>
     </p:spTree>
     <p:extLst>
       <p:ext uri="{BB962C8B-B14F-4D97-AF65-F5344CB8AC3E}">
-        <p14:creationId xmlns:p14="http://schemas.microsoft.com/office/powerpoint/2010/main" val="1530428991"/>
+        <p14:creationId xmlns:p14="http://schemas.microsoft.com/office/powerpoint/2010/main" val="155354656"/>
       </p:ext>
     </p:extLst>
   </p:cSld>
@@ -4640,12 +4884,8 @@
           <a:lstStyle/>
           <a:p>
             <a:r>
-              <a:rPr lang="en-US" dirty="0" err="1" smtClean="0"/>
-              <a:t>Memcached</a:t>
-            </a:r>
-            <a:r>
-              <a:rPr lang="en-US" dirty="0" smtClean="0"/>
-              <a:t> Example</a:t>
+              <a:rPr lang="en-US" dirty="0" smtClean="0"/>
+              <a:t>Simple Notification Service (SNS)</a:t>
             </a:r>
             <a:endParaRPr lang="en-US" dirty="0"/>
           </a:p>
@@ -4668,262 +4908,15 @@
           </a:bodyPr>
           <a:lstStyle/>
           <a:p>
-            <a:pPr marL="0" indent="0">
-              <a:buNone/>
-            </a:pPr>
-            <a:r>
-              <a:rPr lang="en-US" sz="1600" b="1" dirty="0"/>
-              <a:t>telnet mycachecluster.eaogs8.0001.usw2.cache.amazonaws.com 11211</a:t>
-            </a:r>
-            <a:endParaRPr lang="en-US" sz="1600" dirty="0"/>
-          </a:p>
-          <a:p>
-            <a:pPr marL="0" indent="0">
-              <a:buNone/>
-            </a:pPr>
-            <a:endParaRPr lang="en-US" sz="1600" dirty="0" smtClean="0"/>
-          </a:p>
-          <a:p>
-            <a:pPr marL="0" indent="0">
-              <a:buNone/>
-            </a:pPr>
-            <a:r>
-              <a:rPr lang="en-US" sz="1500" dirty="0"/>
-              <a:t>Trying 128.0.0.1...</a:t>
-            </a:r>
-          </a:p>
-          <a:p>
-            <a:pPr marL="0" indent="0">
-              <a:buNone/>
-            </a:pPr>
-            <a:r>
-              <a:rPr lang="en-US" sz="1500" dirty="0"/>
-              <a:t>Connected to mycachecluster.eaogs8.0001.usw2.cache.amazonaws.com.</a:t>
-            </a:r>
-          </a:p>
-          <a:p>
-            <a:pPr marL="0" indent="0">
-              <a:buNone/>
-            </a:pPr>
-            <a:r>
-              <a:rPr lang="en-US" sz="1500" dirty="0"/>
-              <a:t>Escape character is '^]'.</a:t>
-            </a:r>
-          </a:p>
-          <a:p>
-            <a:pPr marL="0" indent="0">
-              <a:buNone/>
-            </a:pPr>
-            <a:r>
-              <a:rPr lang="en-US" sz="1500" dirty="0"/>
-              <a:t>&gt;</a:t>
-            </a:r>
-            <a:endParaRPr lang="en-US" sz="1500" dirty="0" smtClean="0"/>
-          </a:p>
-          <a:p>
-            <a:pPr marL="0" indent="0">
-              <a:buNone/>
-            </a:pPr>
-            <a:endParaRPr lang="en-US" sz="1600" dirty="0"/>
-          </a:p>
-          <a:p>
-            <a:pPr marL="0" indent="0">
-              <a:buNone/>
-            </a:pPr>
-            <a:r>
-              <a:rPr lang="en-US" sz="1600" dirty="0"/>
-              <a:t>set a 0 0 5      </a:t>
-            </a:r>
-            <a:r>
-              <a:rPr lang="en-US" sz="1600" dirty="0" smtClean="0"/>
-              <a:t>	/</a:t>
-            </a:r>
-            <a:r>
-              <a:rPr lang="en-US" sz="1600" dirty="0"/>
-              <a:t>/ Set key "a" with no expiration and 5 byte value</a:t>
-            </a:r>
-          </a:p>
-          <a:p>
-            <a:pPr marL="0" indent="0">
-              <a:buNone/>
-            </a:pPr>
-            <a:r>
-              <a:rPr lang="en-US" sz="1600" dirty="0"/>
-              <a:t>hello           </a:t>
-            </a:r>
-            <a:r>
-              <a:rPr lang="en-US" sz="1600" dirty="0" smtClean="0"/>
-              <a:t>		/</a:t>
-            </a:r>
-            <a:r>
-              <a:rPr lang="en-US" sz="1600" dirty="0"/>
-              <a:t>/ Set value as "hello"</a:t>
-            </a:r>
-          </a:p>
-          <a:p>
-            <a:pPr marL="0" indent="0">
-              <a:buNone/>
-            </a:pPr>
-            <a:r>
-              <a:rPr lang="en-US" sz="1600" dirty="0"/>
-              <a:t>STORED</a:t>
-            </a:r>
-          </a:p>
-          <a:p>
-            <a:pPr marL="0" indent="0">
-              <a:buNone/>
-            </a:pPr>
-            <a:r>
-              <a:rPr lang="en-US" sz="1600" dirty="0"/>
-              <a:t>get a           </a:t>
-            </a:r>
-            <a:r>
-              <a:rPr lang="en-US" sz="1600" dirty="0" smtClean="0"/>
-              <a:t>		/</a:t>
-            </a:r>
-            <a:r>
-              <a:rPr lang="en-US" sz="1600" dirty="0"/>
-              <a:t>/ Get value for key "a"</a:t>
-            </a:r>
-          </a:p>
-          <a:p>
-            <a:pPr marL="0" indent="0">
-              <a:buNone/>
-            </a:pPr>
-            <a:r>
-              <a:rPr lang="ro-RO" sz="1600" dirty="0"/>
-              <a:t>VALUE a 0 5</a:t>
-            </a:r>
-          </a:p>
-          <a:p>
-            <a:pPr marL="0" indent="0">
-              <a:buNone/>
-            </a:pPr>
-            <a:r>
-              <a:rPr lang="ro-RO" sz="1600" dirty="0"/>
-              <a:t>hello</a:t>
-            </a:r>
-          </a:p>
-          <a:p>
-            <a:pPr marL="0" indent="0">
-              <a:buNone/>
-            </a:pPr>
-            <a:r>
-              <a:rPr lang="ro-RO" sz="1600" dirty="0"/>
-              <a:t>END</a:t>
-            </a:r>
-          </a:p>
-          <a:p>
-            <a:pPr marL="0" indent="0">
-              <a:buNone/>
-            </a:pPr>
-            <a:r>
-              <a:rPr lang="ro-RO" sz="1600" dirty="0"/>
-              <a:t>get b           </a:t>
-            </a:r>
-            <a:r>
-              <a:rPr lang="ro-RO" sz="1600" dirty="0" smtClean="0"/>
-              <a:t>		/</a:t>
-            </a:r>
-            <a:r>
-              <a:rPr lang="ro-RO" sz="1600" dirty="0"/>
-              <a:t>/ Get value for key "b" results in miss</a:t>
-            </a:r>
-          </a:p>
-          <a:p>
-            <a:pPr marL="0" indent="0">
-              <a:buNone/>
-            </a:pPr>
-            <a:r>
-              <a:rPr lang="ro-RO" sz="1600" dirty="0"/>
-              <a:t>END</a:t>
-            </a:r>
-          </a:p>
-          <a:p>
-            <a:pPr marL="0" indent="0">
-              <a:buNone/>
-            </a:pPr>
-            <a:r>
-              <a:rPr lang="en-US" sz="1600" dirty="0"/>
-              <a:t>&gt;</a:t>
-            </a:r>
-          </a:p>
-        </p:txBody>
-      </p:sp>
-    </p:spTree>
-    <p:extLst>
-      <p:ext uri="{BB962C8B-B14F-4D97-AF65-F5344CB8AC3E}">
-        <p14:creationId xmlns:p14="http://schemas.microsoft.com/office/powerpoint/2010/main" val="1324614032"/>
-      </p:ext>
-    </p:extLst>
-  </p:cSld>
-  <p:clrMapOvr>
-    <a:masterClrMapping/>
-  </p:clrMapOvr>
-</p:sld>
-</file>
-
-<file path=ppt/slides/slide17.xml><?xml version="1.0" encoding="utf-8"?>
-<p:sld xmlns:a="http://schemas.openxmlformats.org/drawingml/2006/main" xmlns:r="http://schemas.openxmlformats.org/officeDocument/2006/relationships" xmlns:p="http://schemas.openxmlformats.org/presentationml/2006/main">
-  <p:cSld>
-    <p:spTree>
-      <p:nvGrpSpPr>
-        <p:cNvPr id="1" name=""/>
-        <p:cNvGrpSpPr/>
-        <p:nvPr/>
-      </p:nvGrpSpPr>
-      <p:grpSpPr>
-        <a:xfrm>
-          <a:off x="0" y="0"/>
-          <a:ext cx="0" cy="0"/>
-          <a:chOff x="0" y="0"/>
-          <a:chExt cx="0" cy="0"/>
-        </a:xfrm>
-      </p:grpSpPr>
-      <p:sp>
-        <p:nvSpPr>
-          <p:cNvPr id="2" name="Title 1"/>
-          <p:cNvSpPr>
-            <a:spLocks noGrp="1"/>
-          </p:cNvSpPr>
-          <p:nvPr>
-            <p:ph type="title"/>
-          </p:nvPr>
-        </p:nvSpPr>
-        <p:spPr/>
-        <p:txBody>
-          <a:bodyPr/>
-          <a:lstStyle/>
-          <a:p>
-            <a:r>
-              <a:rPr lang="en-US" dirty="0" smtClean="0"/>
-              <a:t>Simple Notification Service (SNS)</a:t>
-            </a:r>
-            <a:endParaRPr lang="en-US" dirty="0"/>
-          </a:p>
-        </p:txBody>
-      </p:sp>
-      <p:sp>
-        <p:nvSpPr>
-          <p:cNvPr id="3" name="Content Placeholder 2"/>
-          <p:cNvSpPr>
-            <a:spLocks noGrp="1"/>
-          </p:cNvSpPr>
-          <p:nvPr>
-            <p:ph idx="1"/>
-          </p:nvPr>
-        </p:nvSpPr>
-        <p:spPr/>
-        <p:txBody>
-          <a:bodyPr>
-            <a:normAutofit fontScale="92500" lnSpcReduction="10000"/>
-          </a:bodyPr>
-          <a:lstStyle/>
-          <a:p>
-            <a:r>
-              <a:rPr lang="en-US" dirty="0" smtClean="0"/>
-              <a:t>SNS makes it easy to publish messages from an application and deliver them to subscribers or other applications</a:t>
-            </a:r>
+            <a:r>
+              <a:rPr lang="en-US" dirty="0" smtClean="0"/>
+              <a:t>SNS makes it easy to publish messages from an application and deliver them to subscribers or other </a:t>
+            </a:r>
+            <a:r>
+              <a:rPr lang="en-US" dirty="0" smtClean="0"/>
+              <a:t>applications.</a:t>
+            </a:r>
+            <a:endParaRPr lang="en-US" dirty="0" smtClean="0"/>
           </a:p>
           <a:p>
             <a:endParaRPr lang="en-US" dirty="0" smtClean="0"/>
@@ -5017,6 +5010,166 @@
 </p:sld>
 </file>
 
+<file path=ppt/slides/slide17.xml><?xml version="1.0" encoding="utf-8"?>
+<p:sld xmlns:a="http://schemas.openxmlformats.org/drawingml/2006/main" xmlns:r="http://schemas.openxmlformats.org/officeDocument/2006/relationships" xmlns:p="http://schemas.openxmlformats.org/presentationml/2006/main">
+  <p:cSld>
+    <p:spTree>
+      <p:nvGrpSpPr>
+        <p:cNvPr id="1" name=""/>
+        <p:cNvGrpSpPr/>
+        <p:nvPr/>
+      </p:nvGrpSpPr>
+      <p:grpSpPr>
+        <a:xfrm>
+          <a:off x="0" y="0"/>
+          <a:ext cx="0" cy="0"/>
+          <a:chOff x="0" y="0"/>
+          <a:chExt cx="0" cy="0"/>
+        </a:xfrm>
+      </p:grpSpPr>
+      <p:sp>
+        <p:nvSpPr>
+          <p:cNvPr id="2" name="Title 1"/>
+          <p:cNvSpPr>
+            <a:spLocks noGrp="1"/>
+          </p:cNvSpPr>
+          <p:nvPr>
+            <p:ph type="title"/>
+          </p:nvPr>
+        </p:nvSpPr>
+        <p:spPr/>
+        <p:txBody>
+          <a:bodyPr/>
+          <a:lstStyle/>
+          <a:p>
+            <a:r>
+              <a:rPr lang="en-US" dirty="0" smtClean="0"/>
+              <a:t>SNS</a:t>
+            </a:r>
+            <a:endParaRPr lang="en-US" dirty="0"/>
+          </a:p>
+        </p:txBody>
+      </p:sp>
+      <p:sp>
+        <p:nvSpPr>
+          <p:cNvPr id="3" name="Content Placeholder 2"/>
+          <p:cNvSpPr>
+            <a:spLocks noGrp="1"/>
+          </p:cNvSpPr>
+          <p:nvPr>
+            <p:ph idx="1"/>
+          </p:nvPr>
+        </p:nvSpPr>
+        <p:spPr/>
+        <p:txBody>
+          <a:bodyPr>
+            <a:normAutofit fontScale="70000" lnSpcReduction="20000"/>
+          </a:bodyPr>
+          <a:lstStyle/>
+          <a:p>
+            <a:r>
+              <a:rPr lang="en-US" dirty="0" smtClean="0"/>
+              <a:t>A </a:t>
+            </a:r>
+            <a:r>
+              <a:rPr lang="en-US" b="1" dirty="0" smtClean="0"/>
+              <a:t>topic </a:t>
+            </a:r>
+            <a:r>
+              <a:rPr lang="en-US" dirty="0" smtClean="0"/>
+              <a:t>is created as an access point to allow multiple recipients to receive a </a:t>
+            </a:r>
+            <a:r>
+              <a:rPr lang="en-US" dirty="0" smtClean="0"/>
+              <a:t>message.</a:t>
+            </a:r>
+            <a:endParaRPr lang="en-US" dirty="0" smtClean="0"/>
+          </a:p>
+          <a:p>
+            <a:pPr lvl="1"/>
+            <a:r>
+              <a:rPr lang="en-US" dirty="0" smtClean="0"/>
+              <a:t>A single topic can support multiple endpoint types</a:t>
+            </a:r>
+          </a:p>
+          <a:p>
+            <a:pPr lvl="1"/>
+            <a:endParaRPr lang="en-US" dirty="0" smtClean="0"/>
+          </a:p>
+          <a:p>
+            <a:r>
+              <a:rPr lang="en-US" dirty="0" smtClean="0"/>
+              <a:t>Messages published to SNS are stored in multiple AZs for </a:t>
+            </a:r>
+            <a:r>
+              <a:rPr lang="en-US" dirty="0" smtClean="0"/>
+              <a:t>redundancy.</a:t>
+            </a:r>
+            <a:endParaRPr lang="en-US" dirty="0" smtClean="0"/>
+          </a:p>
+          <a:p>
+            <a:endParaRPr lang="en-US" dirty="0" smtClean="0"/>
+          </a:p>
+          <a:p>
+            <a:r>
+              <a:rPr lang="en-US" dirty="0" smtClean="0"/>
+              <a:t>Recipients must subscribe to a topic in order to receive published </a:t>
+            </a:r>
+            <a:r>
+              <a:rPr lang="en-US" dirty="0" smtClean="0"/>
+              <a:t>messages.</a:t>
+            </a:r>
+            <a:endParaRPr lang="en-US" dirty="0" smtClean="0"/>
+          </a:p>
+          <a:p>
+            <a:endParaRPr lang="en-US" dirty="0" smtClean="0"/>
+          </a:p>
+          <a:p>
+            <a:r>
+              <a:rPr lang="en-US" dirty="0" smtClean="0"/>
+              <a:t>Messages are </a:t>
+            </a:r>
+            <a:r>
+              <a:rPr lang="en-US" u="sng" dirty="0" smtClean="0"/>
+              <a:t>pushed</a:t>
+            </a:r>
+            <a:r>
+              <a:rPr lang="en-US" dirty="0" smtClean="0"/>
+              <a:t> to topic </a:t>
+            </a:r>
+            <a:r>
+              <a:rPr lang="en-US" dirty="0" smtClean="0"/>
+              <a:t>recipients.</a:t>
+            </a:r>
+            <a:endParaRPr lang="en-US" dirty="0" smtClean="0"/>
+          </a:p>
+          <a:p>
+            <a:endParaRPr lang="en-US" dirty="0" smtClean="0"/>
+          </a:p>
+          <a:p>
+            <a:r>
+              <a:rPr lang="en-US" dirty="0" smtClean="0"/>
+              <a:t>Use-cases: event notifications (triggers, alerts, auto scaling notifications, etc.)</a:t>
+            </a:r>
+          </a:p>
+          <a:p>
+            <a:endParaRPr lang="en-US" dirty="0"/>
+          </a:p>
+        </p:txBody>
+      </p:sp>
+    </p:spTree>
+    <p:extLst>
+      <p:ext uri="{BB962C8B-B14F-4D97-AF65-F5344CB8AC3E}">
+        <p14:creationId xmlns:p14="http://schemas.microsoft.com/office/powerpoint/2010/main" val="865341256"/>
+      </p:ext>
+    </p:extLst>
+  </p:cSld>
+  <p:clrMapOvr>
+    <a:masterClrMapping/>
+  </p:clrMapOvr>
+</p:sld>
+</file>
+
 <file path=ppt/slides/slide18.xml><?xml version="1.0" encoding="utf-8"?>
 <p:sld xmlns:a="http://schemas.openxmlformats.org/drawingml/2006/main" xmlns:r="http://schemas.openxmlformats.org/officeDocument/2006/relationships" xmlns:p="http://schemas.openxmlformats.org/presentationml/2006/main">
   <p:cSld>
@@ -5051,7 +5204,7 @@
           <a:p>
             <a:r>
               <a:rPr lang="en-US" dirty="0" smtClean="0"/>
-              <a:t>SNS</a:t>
+              <a:t>SNS Hands-on</a:t>
             </a:r>
             <a:endParaRPr lang="en-US" dirty="0"/>
           </a:p>
@@ -5069,164 +5222,38 @@
         </p:nvSpPr>
         <p:spPr/>
         <p:txBody>
-          <a:bodyPr>
-            <a:normAutofit fontScale="70000" lnSpcReduction="20000"/>
-          </a:bodyPr>
-          <a:lstStyle/>
-          <a:p>
-            <a:r>
-              <a:rPr lang="en-US" dirty="0" smtClean="0"/>
-              <a:t>A </a:t>
-            </a:r>
-            <a:r>
-              <a:rPr lang="en-US" b="1" dirty="0" smtClean="0"/>
-              <a:t>topic </a:t>
-            </a:r>
-            <a:r>
-              <a:rPr lang="en-US" dirty="0" smtClean="0"/>
-              <a:t>is created as an access point to allow multiple recipients to receive a message</a:t>
-            </a:r>
-          </a:p>
-          <a:p>
-            <a:pPr lvl="1"/>
-            <a:r>
-              <a:rPr lang="en-US" dirty="0" smtClean="0"/>
-              <a:t>A single topic can support multiple endpoint types</a:t>
-            </a:r>
-          </a:p>
-          <a:p>
-            <a:pPr lvl="1"/>
-            <a:endParaRPr lang="en-US" dirty="0" smtClean="0"/>
-          </a:p>
-          <a:p>
-            <a:r>
-              <a:rPr lang="en-US" dirty="0" smtClean="0"/>
-              <a:t>Messages published to SNS are stored in multiple AZs for redundancy</a:t>
-            </a:r>
-          </a:p>
-          <a:p>
-            <a:endParaRPr lang="en-US" dirty="0" smtClean="0"/>
-          </a:p>
-          <a:p>
-            <a:r>
-              <a:rPr lang="en-US" dirty="0" smtClean="0"/>
-              <a:t>Recipients must subscribe to a topic in order to receive published messages</a:t>
-            </a:r>
-          </a:p>
-          <a:p>
-            <a:endParaRPr lang="en-US" dirty="0" smtClean="0"/>
-          </a:p>
-          <a:p>
-            <a:r>
-              <a:rPr lang="en-US" dirty="0" smtClean="0"/>
-              <a:t>Messages are </a:t>
-            </a:r>
-            <a:r>
-              <a:rPr lang="en-US" u="sng" dirty="0" smtClean="0"/>
-              <a:t>pushed</a:t>
-            </a:r>
-            <a:r>
-              <a:rPr lang="en-US" dirty="0" smtClean="0"/>
-              <a:t> to topic recipients</a:t>
-            </a:r>
-          </a:p>
-          <a:p>
-            <a:endParaRPr lang="en-US" dirty="0" smtClean="0"/>
-          </a:p>
-          <a:p>
-            <a:r>
-              <a:rPr lang="en-US" dirty="0" smtClean="0"/>
-              <a:t>Use-cases: event notifications (triggers, alerts, auto scaling notifications, etc.)</a:t>
-            </a:r>
-          </a:p>
-          <a:p>
-            <a:endParaRPr lang="en-US" dirty="0"/>
-          </a:p>
-        </p:txBody>
-      </p:sp>
-    </p:spTree>
-    <p:extLst>
-      <p:ext uri="{BB962C8B-B14F-4D97-AF65-F5344CB8AC3E}">
-        <p14:creationId xmlns:p14="http://schemas.microsoft.com/office/powerpoint/2010/main" val="865341256"/>
-      </p:ext>
-    </p:extLst>
-  </p:cSld>
-  <p:clrMapOvr>
-    <a:masterClrMapping/>
-  </p:clrMapOvr>
-</p:sld>
-</file>
-
-<file path=ppt/slides/slide19.xml><?xml version="1.0" encoding="utf-8"?>
-<p:sld xmlns:a="http://schemas.openxmlformats.org/drawingml/2006/main" xmlns:r="http://schemas.openxmlformats.org/officeDocument/2006/relationships" xmlns:p="http://schemas.openxmlformats.org/presentationml/2006/main">
-  <p:cSld>
-    <p:spTree>
-      <p:nvGrpSpPr>
-        <p:cNvPr id="1" name=""/>
-        <p:cNvGrpSpPr/>
-        <p:nvPr/>
-      </p:nvGrpSpPr>
-      <p:grpSpPr>
-        <a:xfrm>
-          <a:off x="0" y="0"/>
-          <a:ext cx="0" cy="0"/>
-          <a:chOff x="0" y="0"/>
-          <a:chExt cx="0" cy="0"/>
-        </a:xfrm>
-      </p:grpSpPr>
-      <p:sp>
-        <p:nvSpPr>
-          <p:cNvPr id="2" name="Title 1"/>
-          <p:cNvSpPr>
-            <a:spLocks noGrp="1"/>
-          </p:cNvSpPr>
-          <p:nvPr>
-            <p:ph type="title"/>
-          </p:nvPr>
-        </p:nvSpPr>
-        <p:spPr/>
-        <p:txBody>
           <a:bodyPr/>
           <a:lstStyle/>
           <a:p>
             <a:r>
               <a:rPr lang="en-US" dirty="0" smtClean="0"/>
-              <a:t>SNS Hands-on</a:t>
-            </a:r>
-            <a:endParaRPr lang="en-US" dirty="0"/>
-          </a:p>
-        </p:txBody>
-      </p:sp>
-      <p:sp>
-        <p:nvSpPr>
-          <p:cNvPr id="3" name="Content Placeholder 2"/>
-          <p:cNvSpPr>
-            <a:spLocks noGrp="1"/>
-          </p:cNvSpPr>
-          <p:nvPr>
-            <p:ph idx="1"/>
-          </p:nvPr>
-        </p:nvSpPr>
-        <p:spPr/>
-        <p:txBody>
-          <a:bodyPr/>
-          <a:lstStyle/>
-          <a:p>
-            <a:r>
-              <a:rPr lang="en-US" dirty="0" smtClean="0"/>
-              <a:t>Create a new topic</a:t>
-            </a:r>
-          </a:p>
-          <a:p>
-            <a:r>
-              <a:rPr lang="en-US" dirty="0" smtClean="0"/>
-              <a:t>Add a recipient to the topic</a:t>
-            </a:r>
-          </a:p>
-          <a:p>
-            <a:r>
-              <a:rPr lang="en-US" dirty="0" smtClean="0"/>
-              <a:t>Publish a message</a:t>
+              <a:t>Create a new </a:t>
+            </a:r>
+            <a:r>
+              <a:rPr lang="en-US" dirty="0" smtClean="0"/>
+              <a:t>topic.</a:t>
+            </a:r>
+            <a:endParaRPr lang="en-US" dirty="0" smtClean="0"/>
+          </a:p>
+          <a:p>
+            <a:r>
+              <a:rPr lang="en-US" dirty="0" smtClean="0"/>
+              <a:t>Add a recipient to the </a:t>
+            </a:r>
+            <a:r>
+              <a:rPr lang="en-US" dirty="0" smtClean="0"/>
+              <a:t>topic.</a:t>
+            </a:r>
+            <a:endParaRPr lang="en-US" dirty="0" smtClean="0"/>
+          </a:p>
+          <a:p>
+            <a:r>
+              <a:rPr lang="en-US" dirty="0" smtClean="0"/>
+              <a:t>Publish a </a:t>
+            </a:r>
+            <a:r>
+              <a:rPr lang="en-US" dirty="0" smtClean="0"/>
+              <a:t>message.</a:t>
             </a:r>
             <a:endParaRPr lang="en-US" dirty="0"/>
           </a:p>
@@ -5269,7 +5296,7 @@
 </p:sld>
 </file>
 
-<file path=ppt/slides/slide2.xml><?xml version="1.0" encoding="utf-8"?>
+<file path=ppt/slides/slide19.xml><?xml version="1.0" encoding="utf-8"?>
 <p:sld xmlns:a="http://schemas.openxmlformats.org/drawingml/2006/main" xmlns:r="http://schemas.openxmlformats.org/officeDocument/2006/relationships" xmlns:p="http://schemas.openxmlformats.org/presentationml/2006/main">
   <p:cSld>
     <p:spTree>
@@ -5303,176 +5330,6 @@
           <a:p>
             <a:r>
               <a:rPr lang="en-US" dirty="0" smtClean="0"/>
-              <a:t>Agenda</a:t>
-            </a:r>
-            <a:endParaRPr lang="en-US" dirty="0"/>
-          </a:p>
-        </p:txBody>
-      </p:sp>
-      <p:sp>
-        <p:nvSpPr>
-          <p:cNvPr id="3" name="Content Placeholder 2"/>
-          <p:cNvSpPr>
-            <a:spLocks noGrp="1"/>
-          </p:cNvSpPr>
-          <p:nvPr>
-            <p:ph idx="1"/>
-          </p:nvPr>
-        </p:nvSpPr>
-        <p:spPr/>
-        <p:txBody>
-          <a:bodyPr>
-            <a:normAutofit fontScale="77500" lnSpcReduction="20000"/>
-          </a:bodyPr>
-          <a:lstStyle/>
-          <a:p>
-            <a:r>
-              <a:rPr lang="en-US" dirty="0" smtClean="0"/>
-              <a:t>Web Operations readings</a:t>
-            </a:r>
-          </a:p>
-          <a:p>
-            <a:r>
-              <a:rPr lang="en-US" dirty="0" smtClean="0"/>
-              <a:t>AWS</a:t>
-            </a:r>
-          </a:p>
-          <a:p>
-            <a:pPr lvl="1"/>
-            <a:r>
-              <a:rPr lang="en-US" dirty="0"/>
-              <a:t>Cloud </a:t>
-            </a:r>
-            <a:r>
-              <a:rPr lang="en-US" dirty="0" smtClean="0"/>
-              <a:t>Watch</a:t>
-            </a:r>
-          </a:p>
-          <a:p>
-            <a:pPr lvl="1"/>
-            <a:r>
-              <a:rPr lang="en-US" dirty="0" smtClean="0"/>
-              <a:t>EC2 user data</a:t>
-            </a:r>
-          </a:p>
-          <a:p>
-            <a:pPr lvl="1"/>
-            <a:r>
-              <a:rPr lang="en-US" dirty="0" smtClean="0"/>
-              <a:t>EC2 Auto-scaling</a:t>
-            </a:r>
-          </a:p>
-          <a:p>
-            <a:pPr lvl="1"/>
-            <a:r>
-              <a:rPr lang="en-US" dirty="0" err="1" smtClean="0"/>
-              <a:t>ElastiCache</a:t>
-            </a:r>
-            <a:endParaRPr lang="en-US" dirty="0" smtClean="0"/>
-          </a:p>
-          <a:p>
-            <a:pPr lvl="1"/>
-            <a:r>
-              <a:rPr lang="en-US" dirty="0" smtClean="0"/>
-              <a:t>SNS</a:t>
-            </a:r>
-          </a:p>
-          <a:p>
-            <a:pPr lvl="1"/>
-            <a:r>
-              <a:rPr lang="en-US" dirty="0" smtClean="0"/>
-              <a:t>SQS</a:t>
-            </a:r>
-          </a:p>
-          <a:p>
-            <a:pPr lvl="1"/>
-            <a:r>
-              <a:rPr lang="en-US" dirty="0" smtClean="0"/>
-              <a:t>SES</a:t>
-            </a:r>
-          </a:p>
-          <a:p>
-            <a:pPr lvl="1"/>
-            <a:r>
-              <a:rPr lang="en-US" dirty="0" smtClean="0"/>
-              <a:t>Route 53</a:t>
-            </a:r>
-          </a:p>
-          <a:p>
-            <a:pPr lvl="1"/>
-            <a:r>
-              <a:rPr lang="en-US" dirty="0" smtClean="0"/>
-              <a:t>Elastic Beanstalk</a:t>
-            </a:r>
-          </a:p>
-          <a:p>
-            <a:r>
-              <a:rPr lang="en-US" dirty="0" smtClean="0"/>
-              <a:t>AWS Security</a:t>
-            </a:r>
-          </a:p>
-          <a:p>
-            <a:endParaRPr lang="en-US" dirty="0"/>
-          </a:p>
-          <a:p>
-            <a:pPr lvl="1"/>
-            <a:endParaRPr lang="en-US" dirty="0" smtClean="0"/>
-          </a:p>
-          <a:p>
-            <a:pPr marL="457200" lvl="1" indent="0">
-              <a:buNone/>
-            </a:pPr>
-            <a:endParaRPr lang="en-US" dirty="0" smtClean="0"/>
-          </a:p>
-        </p:txBody>
-      </p:sp>
-    </p:spTree>
-    <p:extLst>
-      <p:ext uri="{BB962C8B-B14F-4D97-AF65-F5344CB8AC3E}">
-        <p14:creationId xmlns:p14="http://schemas.microsoft.com/office/powerpoint/2010/main" val="4059831370"/>
-      </p:ext>
-    </p:extLst>
-  </p:cSld>
-  <p:clrMapOvr>
-    <a:masterClrMapping/>
-  </p:clrMapOvr>
-</p:sld>
-</file>
-
-<file path=ppt/slides/slide20.xml><?xml version="1.0" encoding="utf-8"?>
-<p:sld xmlns:a="http://schemas.openxmlformats.org/drawingml/2006/main" xmlns:r="http://schemas.openxmlformats.org/officeDocument/2006/relationships" xmlns:p="http://schemas.openxmlformats.org/presentationml/2006/main">
-  <p:cSld>
-    <p:spTree>
-      <p:nvGrpSpPr>
-        <p:cNvPr id="1" name=""/>
-        <p:cNvGrpSpPr/>
-        <p:nvPr/>
-      </p:nvGrpSpPr>
-      <p:grpSpPr>
-        <a:xfrm>
-          <a:off x="0" y="0"/>
-          <a:ext cx="0" cy="0"/>
-          <a:chOff x="0" y="0"/>
-          <a:chExt cx="0" cy="0"/>
-        </a:xfrm>
-      </p:grpSpPr>
-      <p:sp>
-        <p:nvSpPr>
-          <p:cNvPr id="2" name="Title 1"/>
-          <p:cNvSpPr>
-            <a:spLocks noGrp="1"/>
-          </p:cNvSpPr>
-          <p:nvPr>
-            <p:ph type="title"/>
-          </p:nvPr>
-        </p:nvSpPr>
-        <p:spPr/>
-        <p:txBody>
-          <a:bodyPr/>
-          <a:lstStyle/>
-          <a:p>
-            <a:r>
-              <a:rPr lang="en-US" dirty="0" smtClean="0"/>
               <a:t>Simple Queue Service (SQS)</a:t>
             </a:r>
             <a:endParaRPr lang="en-US" dirty="0"/>
@@ -5503,15 +5360,25 @@
           <a:p>
             <a:r>
               <a:rPr lang="en-US" dirty="0" smtClean="0"/>
-              <a:t>SQS is a distributed queue system that allows messages generated by one system component to be consumed by another</a:t>
-            </a:r>
-          </a:p>
-          <a:p>
-            <a:pPr lvl="1"/>
-            <a:r>
-              <a:rPr lang="en-US" dirty="0" smtClean="0"/>
-              <a:t>First web service launched by Amazon in 2005</a:t>
-            </a:r>
+              <a:t>SQS is a distributed queue system that allows messages generated by one system component to be consumed by </a:t>
+            </a:r>
+            <a:r>
+              <a:rPr lang="en-US" dirty="0" smtClean="0"/>
+              <a:t>another.</a:t>
+            </a:r>
+            <a:endParaRPr lang="en-US" dirty="0" smtClean="0"/>
+          </a:p>
+          <a:p>
+            <a:pPr lvl="1"/>
+            <a:r>
+              <a:rPr lang="en-US" dirty="0" smtClean="0"/>
+              <a:t>First web service launched by Amazon in </a:t>
+            </a:r>
+            <a:r>
+              <a:rPr lang="en-US" dirty="0" smtClean="0"/>
+              <a:t>2005.</a:t>
+            </a:r>
+            <a:endParaRPr lang="en-US" dirty="0" smtClean="0"/>
           </a:p>
           <a:p>
             <a:endParaRPr lang="en-US" dirty="0" smtClean="0"/>
@@ -5596,7 +5463,7 @@
 </p:sld>
 </file>
 
-<file path=ppt/slides/slide21.xml><?xml version="1.0" encoding="utf-8"?>
+<file path=ppt/slides/slide2.xml><?xml version="1.0" encoding="utf-8"?>
 <p:sld xmlns:a="http://schemas.openxmlformats.org/drawingml/2006/main" xmlns:r="http://schemas.openxmlformats.org/officeDocument/2006/relationships" xmlns:p="http://schemas.openxmlformats.org/presentationml/2006/main">
   <p:cSld>
     <p:spTree>
@@ -5630,6 +5497,171 @@
           <a:p>
             <a:r>
               <a:rPr lang="en-US" dirty="0" smtClean="0"/>
+              <a:t>Agenda</a:t>
+            </a:r>
+            <a:endParaRPr lang="en-US" dirty="0"/>
+          </a:p>
+        </p:txBody>
+      </p:sp>
+      <p:sp>
+        <p:nvSpPr>
+          <p:cNvPr id="3" name="Content Placeholder 2"/>
+          <p:cNvSpPr>
+            <a:spLocks noGrp="1"/>
+          </p:cNvSpPr>
+          <p:nvPr>
+            <p:ph idx="1"/>
+          </p:nvPr>
+        </p:nvSpPr>
+        <p:spPr/>
+        <p:txBody>
+          <a:bodyPr>
+            <a:normAutofit fontScale="85000" lnSpcReduction="20000"/>
+          </a:bodyPr>
+          <a:lstStyle/>
+          <a:p>
+            <a:r>
+              <a:rPr lang="en-US" dirty="0" smtClean="0"/>
+              <a:t>AWS</a:t>
+            </a:r>
+            <a:endParaRPr lang="en-US" dirty="0" smtClean="0"/>
+          </a:p>
+          <a:p>
+            <a:pPr lvl="1"/>
+            <a:r>
+              <a:rPr lang="en-US" dirty="0"/>
+              <a:t>Cloud </a:t>
+            </a:r>
+            <a:r>
+              <a:rPr lang="en-US" dirty="0" smtClean="0"/>
+              <a:t>Watch</a:t>
+            </a:r>
+          </a:p>
+          <a:p>
+            <a:pPr lvl="1"/>
+            <a:r>
+              <a:rPr lang="en-US" dirty="0" smtClean="0"/>
+              <a:t>EC2 user data</a:t>
+            </a:r>
+          </a:p>
+          <a:p>
+            <a:pPr lvl="1"/>
+            <a:r>
+              <a:rPr lang="en-US" dirty="0" smtClean="0"/>
+              <a:t>EC2 Auto-scaling</a:t>
+            </a:r>
+          </a:p>
+          <a:p>
+            <a:pPr lvl="1"/>
+            <a:r>
+              <a:rPr lang="en-US" dirty="0" err="1" smtClean="0"/>
+              <a:t>ElastiCache</a:t>
+            </a:r>
+            <a:endParaRPr lang="en-US" dirty="0" smtClean="0"/>
+          </a:p>
+          <a:p>
+            <a:pPr lvl="1"/>
+            <a:r>
+              <a:rPr lang="en-US" dirty="0" smtClean="0"/>
+              <a:t>SNS</a:t>
+            </a:r>
+          </a:p>
+          <a:p>
+            <a:pPr lvl="1"/>
+            <a:r>
+              <a:rPr lang="en-US" dirty="0" smtClean="0"/>
+              <a:t>SQS</a:t>
+            </a:r>
+          </a:p>
+          <a:p>
+            <a:pPr lvl="1"/>
+            <a:r>
+              <a:rPr lang="en-US" dirty="0" smtClean="0"/>
+              <a:t>SES</a:t>
+            </a:r>
+          </a:p>
+          <a:p>
+            <a:pPr lvl="1"/>
+            <a:r>
+              <a:rPr lang="en-US" dirty="0" smtClean="0"/>
+              <a:t>Route 53</a:t>
+            </a:r>
+          </a:p>
+          <a:p>
+            <a:pPr lvl="1"/>
+            <a:r>
+              <a:rPr lang="en-US" dirty="0" smtClean="0"/>
+              <a:t>Elastic Beanstalk</a:t>
+            </a:r>
+          </a:p>
+          <a:p>
+            <a:r>
+              <a:rPr lang="en-US" dirty="0" smtClean="0"/>
+              <a:t>AWS Security</a:t>
+            </a:r>
+          </a:p>
+          <a:p>
+            <a:endParaRPr lang="en-US" dirty="0"/>
+          </a:p>
+          <a:p>
+            <a:pPr lvl="1"/>
+            <a:endParaRPr lang="en-US" dirty="0" smtClean="0"/>
+          </a:p>
+          <a:p>
+            <a:pPr marL="457200" lvl="1" indent="0">
+              <a:buNone/>
+            </a:pPr>
+            <a:endParaRPr lang="en-US" dirty="0" smtClean="0"/>
+          </a:p>
+        </p:txBody>
+      </p:sp>
+    </p:spTree>
+    <p:extLst>
+      <p:ext uri="{BB962C8B-B14F-4D97-AF65-F5344CB8AC3E}">
+        <p14:creationId xmlns:p14="http://schemas.microsoft.com/office/powerpoint/2010/main" val="4059831370"/>
+      </p:ext>
+    </p:extLst>
+  </p:cSld>
+  <p:clrMapOvr>
+    <a:masterClrMapping/>
+  </p:clrMapOvr>
+</p:sld>
+</file>
+
+<file path=ppt/slides/slide20.xml><?xml version="1.0" encoding="utf-8"?>
+<p:sld xmlns:a="http://schemas.openxmlformats.org/drawingml/2006/main" xmlns:r="http://schemas.openxmlformats.org/officeDocument/2006/relationships" xmlns:p="http://schemas.openxmlformats.org/presentationml/2006/main">
+  <p:cSld>
+    <p:spTree>
+      <p:nvGrpSpPr>
+        <p:cNvPr id="1" name=""/>
+        <p:cNvGrpSpPr/>
+        <p:nvPr/>
+      </p:nvGrpSpPr>
+      <p:grpSpPr>
+        <a:xfrm>
+          <a:off x="0" y="0"/>
+          <a:ext cx="0" cy="0"/>
+          <a:chOff x="0" y="0"/>
+          <a:chExt cx="0" cy="0"/>
+        </a:xfrm>
+      </p:grpSpPr>
+      <p:sp>
+        <p:nvSpPr>
+          <p:cNvPr id="2" name="Title 1"/>
+          <p:cNvSpPr>
+            <a:spLocks noGrp="1"/>
+          </p:cNvSpPr>
+          <p:nvPr>
+            <p:ph type="title"/>
+          </p:nvPr>
+        </p:nvSpPr>
+        <p:spPr/>
+        <p:txBody>
+          <a:bodyPr/>
+          <a:lstStyle/>
+          <a:p>
+            <a:r>
+              <a:rPr lang="en-US" dirty="0" smtClean="0"/>
               <a:t>SQS</a:t>
             </a:r>
             <a:endParaRPr lang="en-US" dirty="0"/>
@@ -5662,8 +5694,13 @@
             <a:pPr lvl="1"/>
             <a:r>
               <a:rPr lang="en-US" dirty="0" smtClean="0"/>
-              <a:t>Create thumbnails from user uploaded images or apply watermarks</a:t>
-            </a:r>
+              <a:t>Create thumbnails from user uploaded images or apply </a:t>
+            </a:r>
+            <a:r>
+              <a:rPr lang="en-US" dirty="0" smtClean="0"/>
+              <a:t>watermarks.</a:t>
+            </a:r>
+            <a:endParaRPr lang="en-US" dirty="0" smtClean="0"/>
           </a:p>
           <a:p>
             <a:pPr lvl="1"/>
@@ -5676,8 +5713,13 @@
             <a:pPr lvl="1"/>
             <a:r>
               <a:rPr lang="en-US" dirty="0" smtClean="0"/>
-              <a:t>Support payment process workflow for orders</a:t>
-            </a:r>
+              <a:t>Support payment process workflow for </a:t>
+            </a:r>
+            <a:r>
+              <a:rPr lang="en-US" dirty="0" smtClean="0"/>
+              <a:t>orders.</a:t>
+            </a:r>
+            <a:endParaRPr lang="en-US" dirty="0" smtClean="0"/>
           </a:p>
           <a:p>
             <a:pPr lvl="1"/>
@@ -5691,8 +5733,13 @@
             </a:r>
             <a:r>
               <a:rPr lang="en-US" dirty="0" smtClean="0"/>
-              <a:t> applications that are trying to balance data consumption with backend data processing</a:t>
-            </a:r>
+              <a:t> applications that are trying to balance data consumption with backend data </a:t>
+            </a:r>
+            <a:r>
+              <a:rPr lang="en-US" dirty="0" smtClean="0"/>
+              <a:t>processing.</a:t>
+            </a:r>
+            <a:endParaRPr lang="en-US" dirty="0" smtClean="0"/>
           </a:p>
           <a:p>
             <a:pPr lvl="1"/>
@@ -5716,15 +5763,25 @@
             <a:pPr lvl="1"/>
             <a:r>
               <a:rPr lang="en-US" dirty="0" smtClean="0"/>
-              <a:t>Consumer app must process message within a certain amount of time called the visibility timeout</a:t>
-            </a:r>
-          </a:p>
-          <a:p>
-            <a:pPr lvl="1"/>
-            <a:r>
-              <a:rPr lang="en-US" dirty="0" smtClean="0"/>
-              <a:t>Consumer app must delete the message from the queue when complete</a:t>
-            </a:r>
+              <a:t>Consumer app must process message within a certain amount of time called the visibility </a:t>
+            </a:r>
+            <a:r>
+              <a:rPr lang="en-US" dirty="0" smtClean="0"/>
+              <a:t>timeout.</a:t>
+            </a:r>
+            <a:endParaRPr lang="en-US" dirty="0" smtClean="0"/>
+          </a:p>
+          <a:p>
+            <a:pPr lvl="1"/>
+            <a:r>
+              <a:rPr lang="en-US" dirty="0" smtClean="0"/>
+              <a:t>Consumer app must delete the message from the queue when </a:t>
+            </a:r>
+            <a:r>
+              <a:rPr lang="en-US" dirty="0" smtClean="0"/>
+              <a:t>complete.</a:t>
+            </a:r>
+            <a:endParaRPr lang="en-US" dirty="0" smtClean="0"/>
           </a:p>
         </p:txBody>
       </p:sp>
@@ -5741,7 +5798,7 @@
 </p:sld>
 </file>
 
-<file path=ppt/slides/slide22.xml><?xml version="1.0" encoding="utf-8"?>
+<file path=ppt/slides/slide21.xml><?xml version="1.0" encoding="utf-8"?>
 <p:sld xmlns:a="http://schemas.openxmlformats.org/drawingml/2006/main" xmlns:r="http://schemas.openxmlformats.org/officeDocument/2006/relationships" xmlns:p="http://schemas.openxmlformats.org/presentationml/2006/main">
   <p:cSld>
     <p:spTree>
@@ -5795,7 +5852,7 @@
 </p:sld>
 </file>
 
-<file path=ppt/slides/slide23.xml><?xml version="1.0" encoding="utf-8"?>
+<file path=ppt/slides/slide22.xml><?xml version="1.0" encoding="utf-8"?>
 <p:sld xmlns:a="http://schemas.openxmlformats.org/drawingml/2006/main" xmlns:r="http://schemas.openxmlformats.org/officeDocument/2006/relationships" xmlns:p="http://schemas.openxmlformats.org/presentationml/2006/main">
   <p:cSld>
     <p:spTree>
@@ -5877,18 +5934,28 @@
             </a:r>
             <a:r>
               <a:rPr lang="en-US" dirty="0" smtClean="0"/>
-              <a:t> (repeat action multiple times with same result)</a:t>
-            </a:r>
-          </a:p>
-          <a:p>
-            <a:pPr lvl="1"/>
-            <a:endParaRPr lang="en-US" dirty="0" smtClean="0"/>
-          </a:p>
-          <a:p>
-            <a:r>
-              <a:rPr lang="en-US" dirty="0" smtClean="0"/>
-              <a:t>Because messages are pulled, requests must be made every few seconds to see if anything in the queue</a:t>
-            </a:r>
+              <a:t> (repeat action multiple times with same result</a:t>
+            </a:r>
+            <a:r>
+              <a:rPr lang="en-US" dirty="0" smtClean="0"/>
+              <a:t>).</a:t>
+            </a:r>
+            <a:endParaRPr lang="en-US" dirty="0" smtClean="0"/>
+          </a:p>
+          <a:p>
+            <a:pPr lvl="1"/>
+            <a:endParaRPr lang="en-US" dirty="0" smtClean="0"/>
+          </a:p>
+          <a:p>
+            <a:r>
+              <a:rPr lang="en-US" dirty="0" smtClean="0"/>
+              <a:t>Because messages are pulled, requests must be made every few seconds to see if anything in the </a:t>
+            </a:r>
+            <a:r>
+              <a:rPr lang="en-US" dirty="0" smtClean="0"/>
+              <a:t>queue.</a:t>
+            </a:r>
+            <a:endParaRPr lang="en-US" dirty="0" smtClean="0"/>
           </a:p>
           <a:p>
             <a:pPr lvl="1"/>
@@ -5918,7 +5985,15 @@
             <a:pPr lvl="1"/>
             <a:r>
               <a:rPr lang="en-US" dirty="0" smtClean="0"/>
-              <a:t>Wasteful if queue is empty at times</a:t>
+              <a:t>Wasteful </a:t>
+            </a:r>
+            <a:r>
+              <a:rPr lang="en-US" dirty="0" smtClean="0"/>
+              <a:t>requests if </a:t>
+            </a:r>
+            <a:r>
+              <a:rPr lang="en-US" dirty="0" smtClean="0"/>
+              <a:t>queue is empty at times</a:t>
             </a:r>
           </a:p>
           <a:p>
@@ -5932,7 +6007,11 @@
             </a:r>
             <a:r>
               <a:rPr lang="en-US" dirty="0" smtClean="0"/>
-              <a:t>: keep message pull call open for up to 20 seconds, streaming in new messages as they arrive</a:t>
+              <a:t>: keep message pull call open for up to 20 seconds, streaming in new messages as they </a:t>
+            </a:r>
+            <a:r>
+              <a:rPr lang="en-US" dirty="0" smtClean="0"/>
+              <a:t>arrive.</a:t>
             </a:r>
             <a:endParaRPr lang="en-US" dirty="0"/>
           </a:p>
@@ -5951,7 +6030,7 @@
 </p:sld>
 </file>
 
-<file path=ppt/slides/slide24.xml><?xml version="1.0" encoding="utf-8"?>
+<file path=ppt/slides/slide23.xml><?xml version="1.0" encoding="utf-8"?>
 <p:sld xmlns:a="http://schemas.openxmlformats.org/drawingml/2006/main" xmlns:r="http://schemas.openxmlformats.org/officeDocument/2006/relationships" xmlns:p="http://schemas.openxmlformats.org/presentationml/2006/main">
   <p:cSld>
     <p:spTree>
@@ -6058,7 +6137,7 @@
 </p:sld>
 </file>
 
-<file path=ppt/slides/slide25.xml><?xml version="1.0" encoding="utf-8"?>
+<file path=ppt/slides/slide24.xml><?xml version="1.0" encoding="utf-8"?>
 <p:sld xmlns:a="http://schemas.openxmlformats.org/drawingml/2006/main" xmlns:r="http://schemas.openxmlformats.org/officeDocument/2006/relationships" xmlns:p="http://schemas.openxmlformats.org/presentationml/2006/main">
   <p:cSld>
     <p:spTree>
@@ -6135,7 +6214,7 @@
 </p:sld>
 </file>
 
-<file path=ppt/slides/slide26.xml><?xml version="1.0" encoding="utf-8"?>
+<file path=ppt/slides/slide25.xml><?xml version="1.0" encoding="utf-8"?>
 <p:sld xmlns:a="http://schemas.openxmlformats.org/drawingml/2006/main" xmlns:r="http://schemas.openxmlformats.org/officeDocument/2006/relationships" xmlns:p="http://schemas.openxmlformats.org/presentationml/2006/main">
   <p:cSld>
     <p:spTree>
@@ -6194,17 +6273,27 @@
           <a:p>
             <a:r>
               <a:rPr lang="en-US" dirty="0" smtClean="0"/>
-              <a:t>SES is a scalable email service to support sending and receiving email from AWS</a:t>
-            </a:r>
-          </a:p>
-          <a:p>
-            <a:endParaRPr lang="en-US" dirty="0" smtClean="0"/>
-          </a:p>
-          <a:p>
-            <a:r>
-              <a:rPr lang="en-US" dirty="0" smtClean="0"/>
-              <a:t>Building and maintaining a scalable email platform is challenging and expensive (personal experience)</a:t>
-            </a:r>
+              <a:t>SES is a scalable email service to support sending and receiving email from </a:t>
+            </a:r>
+            <a:r>
+              <a:rPr lang="en-US" dirty="0" smtClean="0"/>
+              <a:t>AWS.</a:t>
+            </a:r>
+            <a:endParaRPr lang="en-US" dirty="0" smtClean="0"/>
+          </a:p>
+          <a:p>
+            <a:endParaRPr lang="en-US" dirty="0" smtClean="0"/>
+          </a:p>
+          <a:p>
+            <a:r>
+              <a:rPr lang="en-US" dirty="0" smtClean="0"/>
+              <a:t>Building and maintaining a scalable email platform is challenging and expensive (personal experience</a:t>
+            </a:r>
+            <a:r>
+              <a:rPr lang="en-US" dirty="0" smtClean="0"/>
+              <a:t>).</a:t>
+            </a:r>
+            <a:endParaRPr lang="en-US" dirty="0" smtClean="0"/>
           </a:p>
           <a:p>
             <a:pPr lvl="1"/>
@@ -6235,8 +6324,13 @@
             </a:r>
             <a:r>
               <a:rPr lang="en-US" dirty="0" smtClean="0"/>
-              <a:t>) on EC2 instances</a:t>
-            </a:r>
+              <a:t>) on EC2 </a:t>
+            </a:r>
+            <a:r>
+              <a:rPr lang="en-US" dirty="0" smtClean="0"/>
+              <a:t>instances.</a:t>
+            </a:r>
+            <a:endParaRPr lang="en-US" dirty="0" smtClean="0"/>
           </a:p>
           <a:p>
             <a:pPr lvl="1"/>
@@ -6301,6 +6395,156 @@
 </p:sld>
 </file>
 
+<file path=ppt/slides/slide26.xml><?xml version="1.0" encoding="utf-8"?>
+<p:sld xmlns:a="http://schemas.openxmlformats.org/drawingml/2006/main" xmlns:r="http://schemas.openxmlformats.org/officeDocument/2006/relationships" xmlns:p="http://schemas.openxmlformats.org/presentationml/2006/main">
+  <p:cSld>
+    <p:spTree>
+      <p:nvGrpSpPr>
+        <p:cNvPr id="1" name=""/>
+        <p:cNvGrpSpPr/>
+        <p:nvPr/>
+      </p:nvGrpSpPr>
+      <p:grpSpPr>
+        <a:xfrm>
+          <a:off x="0" y="0"/>
+          <a:ext cx="0" cy="0"/>
+          <a:chOff x="0" y="0"/>
+          <a:chExt cx="0" cy="0"/>
+        </a:xfrm>
+      </p:grpSpPr>
+      <p:sp>
+        <p:nvSpPr>
+          <p:cNvPr id="2" name="Title 1"/>
+          <p:cNvSpPr>
+            <a:spLocks noGrp="1"/>
+          </p:cNvSpPr>
+          <p:nvPr>
+            <p:ph type="title"/>
+          </p:nvPr>
+        </p:nvSpPr>
+        <p:spPr/>
+        <p:txBody>
+          <a:bodyPr/>
+          <a:lstStyle/>
+          <a:p>
+            <a:r>
+              <a:rPr lang="en-US" dirty="0" smtClean="0"/>
+              <a:t>Simple Email Service (SES)</a:t>
+            </a:r>
+            <a:endParaRPr lang="en-US" dirty="0"/>
+          </a:p>
+        </p:txBody>
+      </p:sp>
+      <p:sp>
+        <p:nvSpPr>
+          <p:cNvPr id="3" name="Content Placeholder 2"/>
+          <p:cNvSpPr>
+            <a:spLocks noGrp="1"/>
+          </p:cNvSpPr>
+          <p:nvPr>
+            <p:ph idx="1"/>
+          </p:nvPr>
+        </p:nvSpPr>
+        <p:spPr>
+          <a:xfrm>
+            <a:off x="457200" y="1600200"/>
+            <a:ext cx="8229600" cy="4996516"/>
+          </a:xfrm>
+        </p:spPr>
+        <p:txBody>
+          <a:bodyPr>
+            <a:normAutofit fontScale="70000" lnSpcReduction="20000"/>
+          </a:bodyPr>
+          <a:lstStyle/>
+          <a:p>
+            <a:r>
+              <a:rPr lang="en-US" dirty="0" smtClean="0"/>
+              <a:t>Messages sent via standard SMTP, received messages are stored in </a:t>
+            </a:r>
+            <a:r>
+              <a:rPr lang="en-US" dirty="0" smtClean="0"/>
+              <a:t>S3.</a:t>
+            </a:r>
+            <a:endParaRPr lang="en-US" dirty="0" smtClean="0"/>
+          </a:p>
+          <a:p>
+            <a:endParaRPr lang="en-US" dirty="0" smtClean="0"/>
+          </a:p>
+          <a:p>
+            <a:r>
+              <a:rPr lang="en-US" dirty="0" smtClean="0"/>
+              <a:t>SES provides greater message delivery assurance by supporting authentication mechanisms:</a:t>
+            </a:r>
+          </a:p>
+          <a:p>
+            <a:pPr lvl="1"/>
+            <a:r>
+              <a:rPr lang="en-US" dirty="0" smtClean="0"/>
+              <a:t>Sender Policy Framework (SPF)</a:t>
+            </a:r>
+          </a:p>
+          <a:p>
+            <a:pPr lvl="1"/>
+            <a:r>
+              <a:rPr lang="en-US" dirty="0" err="1" smtClean="0"/>
+              <a:t>DomainKeys</a:t>
+            </a:r>
+            <a:r>
+              <a:rPr lang="en-US" dirty="0" smtClean="0"/>
+              <a:t> Identified Mail (DKIM)</a:t>
+            </a:r>
+          </a:p>
+          <a:p>
+            <a:pPr lvl="1"/>
+            <a:r>
+              <a:rPr lang="en-US" dirty="0" smtClean="0"/>
+              <a:t>Both use DNS records to verify that SES is allowed to send email on behalf of the domain </a:t>
+            </a:r>
+            <a:r>
+              <a:rPr lang="en-US" dirty="0" smtClean="0"/>
+              <a:t>owner.</a:t>
+            </a:r>
+            <a:endParaRPr lang="en-US" dirty="0" smtClean="0"/>
+          </a:p>
+          <a:p>
+            <a:pPr lvl="1"/>
+            <a:endParaRPr lang="en-US" dirty="0" smtClean="0"/>
+          </a:p>
+          <a:p>
+            <a:r>
+              <a:rPr lang="en-US" dirty="0" smtClean="0"/>
+              <a:t>Billing is based on number of messages sent and received per month (first 62k sent free</a:t>
+            </a:r>
+            <a:r>
+              <a:rPr lang="en-US" dirty="0" smtClean="0"/>
+              <a:t>).</a:t>
+            </a:r>
+          </a:p>
+          <a:p>
+            <a:endParaRPr lang="en-US" dirty="0" smtClean="0"/>
+          </a:p>
+          <a:p>
+            <a:r>
+              <a:rPr lang="en-US" dirty="0" smtClean="0"/>
+              <a:t>AWS places a limit on number of messages sent/day, but you can request an increase.</a:t>
+            </a:r>
+            <a:endParaRPr lang="en-US" dirty="0"/>
+          </a:p>
+        </p:txBody>
+      </p:sp>
+    </p:spTree>
+    <p:extLst>
+      <p:ext uri="{BB962C8B-B14F-4D97-AF65-F5344CB8AC3E}">
+        <p14:creationId xmlns:p14="http://schemas.microsoft.com/office/powerpoint/2010/main" val="951230433"/>
+      </p:ext>
+    </p:extLst>
+  </p:cSld>
+  <p:clrMapOvr>
+    <a:masterClrMapping/>
+  </p:clrMapOvr>
+</p:sld>
+</file>
+
 <file path=ppt/slides/slide27.xml><?xml version="1.0" encoding="utf-8"?>
 <p:sld xmlns:a="http://schemas.openxmlformats.org/drawingml/2006/main" xmlns:r="http://schemas.openxmlformats.org/officeDocument/2006/relationships" xmlns:p="http://schemas.openxmlformats.org/presentationml/2006/main">
   <p:cSld>
@@ -6335,7 +6579,7 @@
           <a:p>
             <a:r>
               <a:rPr lang="en-US" dirty="0" smtClean="0"/>
-              <a:t>Simple Email Service (SES)</a:t>
+              <a:t>Route 53</a:t>
             </a:r>
             <a:endParaRPr lang="en-US" dirty="0"/>
           </a:p>
@@ -6351,148 +6595,49 @@
             <p:ph idx="1"/>
           </p:nvPr>
         </p:nvSpPr>
-        <p:spPr/>
+        <p:spPr>
+          <a:xfrm>
+            <a:off x="457200" y="1600200"/>
+            <a:ext cx="8229600" cy="5018992"/>
+          </a:xfrm>
+        </p:spPr>
         <p:txBody>
           <a:bodyPr>
-            <a:normAutofit fontScale="85000" lnSpcReduction="20000"/>
+            <a:normAutofit fontScale="85000" lnSpcReduction="10000"/>
           </a:bodyPr>
           <a:lstStyle/>
           <a:p>
             <a:r>
               <a:rPr lang="en-US" dirty="0" smtClean="0"/>
-              <a:t>Messages sent via standard SMTP, received messages are stored in S3</a:t>
-            </a:r>
-          </a:p>
-          <a:p>
-            <a:endParaRPr lang="en-US" dirty="0" smtClean="0"/>
-          </a:p>
-          <a:p>
-            <a:r>
-              <a:rPr lang="en-US" dirty="0" smtClean="0"/>
-              <a:t>SES provides greater message delivery assurance by supporting authentication mechanisms:</a:t>
-            </a:r>
-          </a:p>
-          <a:p>
-            <a:pPr lvl="1"/>
-            <a:r>
-              <a:rPr lang="en-US" dirty="0" smtClean="0"/>
-              <a:t>Sender Policy Framework (SPF)</a:t>
-            </a:r>
-          </a:p>
-          <a:p>
-            <a:pPr lvl="1"/>
-            <a:r>
-              <a:rPr lang="en-US" dirty="0" err="1" smtClean="0"/>
-              <a:t>DomainKeys</a:t>
-            </a:r>
-            <a:r>
-              <a:rPr lang="en-US" dirty="0" smtClean="0"/>
-              <a:t> Identified Mail (DKIM)</a:t>
-            </a:r>
-          </a:p>
-          <a:p>
-            <a:pPr lvl="1"/>
-            <a:r>
-              <a:rPr lang="en-US" dirty="0" smtClean="0"/>
-              <a:t>Both use DNS records to verify that SES is allowed to send email on behalf of the domain owner</a:t>
-            </a:r>
-          </a:p>
-          <a:p>
-            <a:pPr lvl="1"/>
-            <a:endParaRPr lang="en-US" dirty="0" smtClean="0"/>
-          </a:p>
-          <a:p>
-            <a:r>
-              <a:rPr lang="en-US" dirty="0" smtClean="0"/>
-              <a:t>Billing is based on number of messages sent and received per month (first 62k sent free)</a:t>
-            </a:r>
-            <a:endParaRPr lang="en-US" dirty="0"/>
-          </a:p>
-        </p:txBody>
-      </p:sp>
-    </p:spTree>
-    <p:extLst>
-      <p:ext uri="{BB962C8B-B14F-4D97-AF65-F5344CB8AC3E}">
-        <p14:creationId xmlns:p14="http://schemas.microsoft.com/office/powerpoint/2010/main" val="951230433"/>
-      </p:ext>
-    </p:extLst>
-  </p:cSld>
-  <p:clrMapOvr>
-    <a:masterClrMapping/>
-  </p:clrMapOvr>
-</p:sld>
-</file>
-
-<file path=ppt/slides/slide28.xml><?xml version="1.0" encoding="utf-8"?>
-<p:sld xmlns:a="http://schemas.openxmlformats.org/drawingml/2006/main" xmlns:r="http://schemas.openxmlformats.org/officeDocument/2006/relationships" xmlns:p="http://schemas.openxmlformats.org/presentationml/2006/main">
-  <p:cSld>
-    <p:spTree>
-      <p:nvGrpSpPr>
-        <p:cNvPr id="1" name=""/>
-        <p:cNvGrpSpPr/>
-        <p:nvPr/>
-      </p:nvGrpSpPr>
-      <p:grpSpPr>
-        <a:xfrm>
-          <a:off x="0" y="0"/>
-          <a:ext cx="0" cy="0"/>
-          <a:chOff x="0" y="0"/>
-          <a:chExt cx="0" cy="0"/>
-        </a:xfrm>
-      </p:grpSpPr>
-      <p:sp>
-        <p:nvSpPr>
-          <p:cNvPr id="2" name="Title 1"/>
-          <p:cNvSpPr>
-            <a:spLocks noGrp="1"/>
-          </p:cNvSpPr>
-          <p:nvPr>
-            <p:ph type="title"/>
-          </p:nvPr>
-        </p:nvSpPr>
-        <p:spPr/>
-        <p:txBody>
-          <a:bodyPr/>
-          <a:lstStyle/>
-          <a:p>
-            <a:r>
-              <a:rPr lang="en-US" dirty="0" smtClean="0"/>
-              <a:t>Route 53</a:t>
-            </a:r>
-            <a:endParaRPr lang="en-US" dirty="0"/>
-          </a:p>
-        </p:txBody>
-      </p:sp>
-      <p:sp>
-        <p:nvSpPr>
-          <p:cNvPr id="3" name="Content Placeholder 2"/>
-          <p:cNvSpPr>
-            <a:spLocks noGrp="1"/>
-          </p:cNvSpPr>
-          <p:nvPr>
-            <p:ph idx="1"/>
-          </p:nvPr>
-        </p:nvSpPr>
-        <p:spPr/>
-        <p:txBody>
-          <a:bodyPr>
-            <a:normAutofit fontScale="85000" lnSpcReduction="20000"/>
-          </a:bodyPr>
-          <a:lstStyle/>
-          <a:p>
-            <a:r>
-              <a:rPr lang="en-US" dirty="0" smtClean="0"/>
-              <a:t>Scalable domain name hosting and registration service</a:t>
-            </a:r>
-          </a:p>
-          <a:p>
-            <a:endParaRPr lang="en-US" dirty="0" smtClean="0"/>
-          </a:p>
-          <a:p>
-            <a:r>
-              <a:rPr lang="en-US" dirty="0" smtClean="0"/>
-              <a:t>Route 53 name based on famous Route 66 highway across America, 53 is DNS port number</a:t>
-            </a:r>
+              <a:t>Scalable domain name hosting and registration </a:t>
+            </a:r>
+            <a:r>
+              <a:rPr lang="en-US" dirty="0" smtClean="0"/>
+              <a:t>service.</a:t>
+            </a:r>
+            <a:endParaRPr lang="en-US" dirty="0" smtClean="0"/>
+          </a:p>
+          <a:p>
+            <a:endParaRPr lang="en-US" dirty="0" smtClean="0"/>
+          </a:p>
+          <a:p>
+            <a:r>
+              <a:rPr lang="en-US" dirty="0" smtClean="0"/>
+              <a:t>Route 53 name </a:t>
+            </a:r>
+            <a:r>
+              <a:rPr lang="en-US" dirty="0" smtClean="0"/>
+              <a:t>is based </a:t>
+            </a:r>
+            <a:r>
+              <a:rPr lang="en-US" dirty="0" smtClean="0"/>
+              <a:t>on famous Route 66 highway across America, 53 is DNS port </a:t>
+            </a:r>
+            <a:r>
+              <a:rPr lang="en-US" dirty="0" smtClean="0"/>
+              <a:t>number.</a:t>
+            </a:r>
+            <a:endParaRPr lang="en-US" dirty="0" smtClean="0"/>
           </a:p>
           <a:p>
             <a:endParaRPr lang="en-US" dirty="0" smtClean="0"/>
@@ -6515,21 +6660,35 @@
             </a:r>
             <a:r>
               <a:rPr lang="en-US" dirty="0" smtClean="0"/>
-              <a:t>) into IP addresses</a:t>
-            </a:r>
-          </a:p>
-          <a:p>
-            <a:pPr lvl="1"/>
-            <a:r>
-              <a:rPr lang="en-US" dirty="0" smtClean="0"/>
-              <a:t>Availability of DNS services directly impacts service availability</a:t>
-            </a:r>
+              <a:t>) into IP </a:t>
+            </a:r>
+            <a:r>
+              <a:rPr lang="en-US" dirty="0" smtClean="0"/>
+              <a:t>addresses.</a:t>
+            </a:r>
+            <a:endParaRPr lang="en-US" dirty="0" smtClean="0"/>
+          </a:p>
+          <a:p>
+            <a:pPr lvl="1"/>
+            <a:r>
+              <a:rPr lang="en-US" dirty="0" smtClean="0"/>
+              <a:t>Availability of DNS services directly impacts service </a:t>
+            </a:r>
+            <a:r>
+              <a:rPr lang="en-US" dirty="0" smtClean="0"/>
+              <a:t>availability.</a:t>
+            </a:r>
+            <a:endParaRPr lang="en-US" dirty="0" smtClean="0"/>
           </a:p>
           <a:p>
             <a:pPr lvl="2"/>
             <a:r>
               <a:rPr lang="en-US" dirty="0" smtClean="0"/>
-              <a:t>Service isn’t really “up” if nobody can find it</a:t>
+              <a:t>Service isn’t really “up” if nobody can find </a:t>
+            </a:r>
+            <a:r>
+              <a:rPr lang="en-US" dirty="0" smtClean="0"/>
+              <a:t>it.</a:t>
             </a:r>
             <a:endParaRPr lang="en-US" dirty="0"/>
           </a:p>
@@ -6578,7 +6737,7 @@
 </p:sld>
 </file>
 
-<file path=ppt/slides/slide29.xml><?xml version="1.0" encoding="utf-8"?>
+<file path=ppt/slides/slide28.xml><?xml version="1.0" encoding="utf-8"?>
 <p:sld xmlns:a="http://schemas.openxmlformats.org/drawingml/2006/main" xmlns:r="http://schemas.openxmlformats.org/officeDocument/2006/relationships" xmlns:p="http://schemas.openxmlformats.org/presentationml/2006/main">
   <p:cSld>
     <p:spTree>
@@ -6688,6 +6847,185 @@
     <p:extLst>
       <p:ext uri="{BB962C8B-B14F-4D97-AF65-F5344CB8AC3E}">
         <p14:creationId xmlns:p14="http://schemas.microsoft.com/office/powerpoint/2010/main" val="3672327822"/>
+      </p:ext>
+    </p:extLst>
+  </p:cSld>
+  <p:clrMapOvr>
+    <a:masterClrMapping/>
+  </p:clrMapOvr>
+</p:sld>
+</file>
+
+<file path=ppt/slides/slide29.xml><?xml version="1.0" encoding="utf-8"?>
+<p:sld xmlns:a="http://schemas.openxmlformats.org/drawingml/2006/main" xmlns:r="http://schemas.openxmlformats.org/officeDocument/2006/relationships" xmlns:p="http://schemas.openxmlformats.org/presentationml/2006/main">
+  <p:cSld>
+    <p:spTree>
+      <p:nvGrpSpPr>
+        <p:cNvPr id="1" name=""/>
+        <p:cNvGrpSpPr/>
+        <p:nvPr/>
+      </p:nvGrpSpPr>
+      <p:grpSpPr>
+        <a:xfrm>
+          <a:off x="0" y="0"/>
+          <a:ext cx="0" cy="0"/>
+          <a:chOff x="0" y="0"/>
+          <a:chExt cx="0" cy="0"/>
+        </a:xfrm>
+      </p:grpSpPr>
+      <p:sp>
+        <p:nvSpPr>
+          <p:cNvPr id="2" name="Title 1"/>
+          <p:cNvSpPr>
+            <a:spLocks noGrp="1"/>
+          </p:cNvSpPr>
+          <p:nvPr>
+            <p:ph type="title"/>
+          </p:nvPr>
+        </p:nvSpPr>
+        <p:spPr/>
+        <p:txBody>
+          <a:bodyPr/>
+          <a:lstStyle/>
+          <a:p>
+            <a:r>
+              <a:rPr lang="en-US" dirty="0" smtClean="0"/>
+              <a:t>Route 53</a:t>
+            </a:r>
+            <a:endParaRPr lang="en-US" dirty="0"/>
+          </a:p>
+        </p:txBody>
+      </p:sp>
+      <p:sp>
+        <p:nvSpPr>
+          <p:cNvPr id="3" name="Content Placeholder 2"/>
+          <p:cNvSpPr>
+            <a:spLocks noGrp="1"/>
+          </p:cNvSpPr>
+          <p:nvPr>
+            <p:ph idx="1"/>
+          </p:nvPr>
+        </p:nvSpPr>
+        <p:spPr/>
+        <p:txBody>
+          <a:bodyPr>
+            <a:normAutofit fontScale="70000" lnSpcReduction="20000"/>
+          </a:bodyPr>
+          <a:lstStyle/>
+          <a:p>
+            <a:r>
+              <a:rPr lang="en-US" dirty="0" smtClean="0"/>
+              <a:t>AWS can serve as a domain registrar and name </a:t>
+            </a:r>
+            <a:r>
+              <a:rPr lang="en-US" dirty="0" smtClean="0"/>
+              <a:t>server.</a:t>
+            </a:r>
+            <a:endParaRPr lang="en-US" dirty="0" smtClean="0"/>
+          </a:p>
+          <a:p>
+            <a:endParaRPr lang="en-US" dirty="0" smtClean="0"/>
+          </a:p>
+          <a:p>
+            <a:r>
+              <a:rPr lang="en-US" dirty="0" smtClean="0"/>
+              <a:t>A </a:t>
+            </a:r>
+            <a:r>
+              <a:rPr lang="en-US" b="1" dirty="0" smtClean="0"/>
+              <a:t>name server </a:t>
+            </a:r>
+            <a:r>
+              <a:rPr lang="en-US" dirty="0" smtClean="0"/>
+              <a:t>provides all authoritative records for a domain </a:t>
+            </a:r>
+            <a:r>
+              <a:rPr lang="en-US" dirty="0" smtClean="0"/>
+              <a:t>name.</a:t>
+            </a:r>
+            <a:endParaRPr lang="en-US" dirty="0" smtClean="0"/>
+          </a:p>
+          <a:p>
+            <a:endParaRPr lang="en-US" dirty="0" smtClean="0"/>
+          </a:p>
+          <a:p>
+            <a:r>
+              <a:rPr lang="en-US" dirty="0" smtClean="0"/>
+              <a:t>Record types:</a:t>
+            </a:r>
+          </a:p>
+          <a:p>
+            <a:pPr lvl="1"/>
+            <a:r>
+              <a:rPr lang="en-US" b="1" dirty="0" smtClean="0"/>
+              <a:t>Start of authority </a:t>
+            </a:r>
+            <a:r>
+              <a:rPr lang="en-US" dirty="0" smtClean="0"/>
+              <a:t>(SOA):  administrator name, version, and TTL information</a:t>
+            </a:r>
+          </a:p>
+          <a:p>
+            <a:pPr lvl="1"/>
+            <a:r>
+              <a:rPr lang="en-US" b="1" dirty="0" smtClean="0"/>
+              <a:t>Name Server </a:t>
+            </a:r>
+            <a:r>
+              <a:rPr lang="en-US" dirty="0" smtClean="0"/>
+              <a:t>(NS): used by top level servers to locate authoritative name server</a:t>
+            </a:r>
+          </a:p>
+          <a:p>
+            <a:pPr lvl="1"/>
+            <a:r>
+              <a:rPr lang="en-US" b="1" dirty="0" smtClean="0"/>
+              <a:t>Address</a:t>
+            </a:r>
+            <a:r>
+              <a:rPr lang="en-US" dirty="0" smtClean="0"/>
+              <a:t> (A): maps a hostname to an IP address</a:t>
+            </a:r>
+          </a:p>
+          <a:p>
+            <a:pPr lvl="1"/>
+            <a:r>
+              <a:rPr lang="en-US" b="1" dirty="0" smtClean="0"/>
+              <a:t>CNAME</a:t>
+            </a:r>
+            <a:r>
+              <a:rPr lang="en-US" dirty="0" smtClean="0"/>
+              <a:t>: maps a hostname to a fully qualified domain name</a:t>
+            </a:r>
+          </a:p>
+          <a:p>
+            <a:pPr lvl="1"/>
+            <a:r>
+              <a:rPr lang="en-US" b="1" dirty="0" smtClean="0"/>
+              <a:t>Alias</a:t>
+            </a:r>
+            <a:r>
+              <a:rPr lang="en-US" dirty="0" smtClean="0"/>
+              <a:t>: like a CNAME, but can use dynamic AWS targets</a:t>
+            </a:r>
+          </a:p>
+          <a:p>
+            <a:pPr lvl="2"/>
+            <a:r>
+              <a:rPr lang="en-US" dirty="0" smtClean="0"/>
+              <a:t>Example: Elastic load balancers use a dynamic endpoint, not an IP address</a:t>
+            </a:r>
+          </a:p>
+          <a:p>
+            <a:pPr lvl="1"/>
+            <a:endParaRPr lang="en-US" dirty="0" smtClean="0"/>
+          </a:p>
+        </p:txBody>
+      </p:sp>
+    </p:spTree>
+    <p:extLst>
+      <p:ext uri="{BB962C8B-B14F-4D97-AF65-F5344CB8AC3E}">
+        <p14:creationId xmlns:p14="http://schemas.microsoft.com/office/powerpoint/2010/main" val="97698365"/>
       </p:ext>
     </p:extLst>
   </p:cSld>
@@ -6730,8 +7068,8 @@
           <a:lstStyle/>
           <a:p>
             <a:r>
-              <a:rPr lang="en-US" dirty="0" smtClean="0"/>
-              <a:t>Readings</a:t>
+              <a:rPr lang="en-US" dirty="0" err="1" smtClean="0"/>
+              <a:t>CloudWatch</a:t>
             </a:r>
             <a:endParaRPr lang="en-US" dirty="0"/>
           </a:p>
@@ -6750,85 +7088,81 @@
         <p:spPr/>
         <p:txBody>
           <a:bodyPr>
-            <a:normAutofit fontScale="92500" lnSpcReduction="10000"/>
+            <a:normAutofit fontScale="85000" lnSpcReduction="20000"/>
           </a:bodyPr>
           <a:lstStyle/>
           <a:p>
             <a:r>
-              <a:rPr lang="en-US" dirty="0" smtClean="0"/>
-              <a:t>Web Operations Chapter 1: The Career</a:t>
+              <a:rPr lang="en-US" b="1" dirty="0" err="1" smtClean="0"/>
+              <a:t>CloudWatch</a:t>
+            </a:r>
+            <a:r>
+              <a:rPr lang="en-US" dirty="0" smtClean="0"/>
+              <a:t> is a monitoring service for AWS resources and applications</a:t>
+            </a:r>
+          </a:p>
+          <a:p>
+            <a:pPr lvl="1"/>
+            <a:r>
+              <a:rPr lang="en-US" dirty="0" smtClean="0"/>
+              <a:t>Track performance metrics</a:t>
+            </a:r>
+          </a:p>
+          <a:p>
+            <a:pPr lvl="1"/>
+            <a:r>
+              <a:rPr lang="en-US" dirty="0" smtClean="0"/>
+              <a:t>Collect and monitor log files</a:t>
+            </a:r>
+          </a:p>
+          <a:p>
+            <a:pPr lvl="1"/>
+            <a:r>
+              <a:rPr lang="en-US" dirty="0" smtClean="0"/>
+              <a:t>Set alarms based on predefined thresholds</a:t>
+            </a:r>
+          </a:p>
+          <a:p>
+            <a:pPr lvl="1"/>
+            <a:endParaRPr lang="en-US" dirty="0" smtClean="0"/>
+          </a:p>
+          <a:p>
+            <a:r>
+              <a:rPr lang="en-US" dirty="0" smtClean="0"/>
+              <a:t>Supports EC2, RDS, </a:t>
+            </a:r>
+            <a:r>
+              <a:rPr lang="en-US" dirty="0" err="1" smtClean="0"/>
+              <a:t>DynamoDB</a:t>
+            </a:r>
+            <a:r>
+              <a:rPr lang="en-US" dirty="0" smtClean="0"/>
+              <a:t>, and other services</a:t>
+            </a:r>
+          </a:p>
+          <a:p>
+            <a:endParaRPr lang="en-US" dirty="0" smtClean="0"/>
+          </a:p>
+          <a:p>
+            <a:r>
+              <a:rPr lang="en-US" dirty="0" smtClean="0"/>
+              <a:t>Basic monitoring is free, detailed costs extra</a:t>
+            </a:r>
+          </a:p>
+          <a:p>
+            <a:pPr lvl="1"/>
+            <a:r>
+              <a:rPr lang="en-US" dirty="0" smtClean="0"/>
+              <a:t>Increased interval from 5 min to 1 min</a:t>
+            </a:r>
+          </a:p>
+          <a:p>
+            <a:pPr lvl="1"/>
+            <a:r>
+              <a:rPr lang="en-US" dirty="0" smtClean="0"/>
+              <a:t>Monitor custom app metrics using an API</a:t>
             </a:r>
             <a:endParaRPr lang="en-US" dirty="0"/>
-          </a:p>
-          <a:p>
-            <a:pPr lvl="1"/>
-            <a:r>
-              <a:rPr lang="en-US" dirty="0" smtClean="0"/>
-              <a:t>Web Operations/ </a:t>
-            </a:r>
-            <a:r>
-              <a:rPr lang="en-US" b="1" dirty="0" smtClean="0"/>
-              <a:t>Site Reliability Engineer </a:t>
-            </a:r>
-            <a:r>
-              <a:rPr lang="en-US" dirty="0" smtClean="0"/>
-              <a:t>(SRE)</a:t>
-            </a:r>
-          </a:p>
-          <a:p>
-            <a:pPr lvl="2"/>
-            <a:r>
-              <a:rPr lang="en-US" dirty="0" smtClean="0"/>
-              <a:t>Modern-day system architect/admin/engineer</a:t>
-            </a:r>
-            <a:endParaRPr lang="en-US" dirty="0"/>
-          </a:p>
-          <a:p>
-            <a:pPr lvl="2"/>
-            <a:r>
-              <a:rPr lang="en-US" dirty="0" smtClean="0"/>
-              <a:t>Requires multi-disciplinary technology background</a:t>
-            </a:r>
-          </a:p>
-          <a:p>
-            <a:pPr lvl="2"/>
-            <a:r>
-              <a:rPr lang="en-US" dirty="0" smtClean="0"/>
-              <a:t>Broad knowledge vs. deep</a:t>
-            </a:r>
-          </a:p>
-          <a:p>
-            <a:pPr lvl="2"/>
-            <a:endParaRPr lang="en-US" dirty="0" smtClean="0"/>
-          </a:p>
-          <a:p>
-            <a:pPr lvl="1"/>
-            <a:r>
-              <a:rPr lang="en-US" dirty="0" smtClean="0"/>
-              <a:t>Knowledge vs. experience</a:t>
-            </a:r>
-          </a:p>
-          <a:p>
-            <a:pPr lvl="2"/>
-            <a:r>
-              <a:rPr lang="en-US" b="1" dirty="0" smtClean="0"/>
-              <a:t>Knowledge</a:t>
-            </a:r>
-            <a:r>
-              <a:rPr lang="en-US" dirty="0" smtClean="0"/>
-              <a:t> = studying of experiences of others (like this class!)</a:t>
-            </a:r>
-          </a:p>
-          <a:p>
-            <a:pPr lvl="2"/>
-            <a:r>
-              <a:rPr lang="en-US" b="1" dirty="0" smtClean="0"/>
-              <a:t>Experience</a:t>
-            </a:r>
-            <a:r>
-              <a:rPr lang="en-US" dirty="0" smtClean="0"/>
-              <a:t> = the process of making and surviving bad judgments</a:t>
-            </a:r>
           </a:p>
         </p:txBody>
       </p:sp>
@@ -6848,8 +7182,8 @@
         </p:blipFill>
         <p:spPr>
           <a:xfrm>
-            <a:off x="7333612" y="274638"/>
-            <a:ext cx="1012102" cy="1325562"/>
+            <a:off x="7370618" y="274638"/>
+            <a:ext cx="1316182" cy="1316182"/>
           </a:xfrm>
           <a:prstGeom prst="rect">
             <a:avLst/>
@@ -6859,7 +7193,7 @@
     </p:spTree>
     <p:extLst>
       <p:ext uri="{BB962C8B-B14F-4D97-AF65-F5344CB8AC3E}">
-        <p14:creationId xmlns:p14="http://schemas.microsoft.com/office/powerpoint/2010/main" val="2342229429"/>
+        <p14:creationId xmlns:p14="http://schemas.microsoft.com/office/powerpoint/2010/main" val="843961752"/>
       </p:ext>
     </p:extLst>
   </p:cSld>
@@ -6903,7 +7237,7 @@
           <a:p>
             <a:r>
               <a:rPr lang="en-US" dirty="0" smtClean="0"/>
-              <a:t>Route 53</a:t>
+              <a:t>Route 53 Routing Policies</a:t>
             </a:r>
             <a:endParaRPr lang="en-US" dirty="0"/>
           </a:p>
@@ -6922,113 +7256,93 @@
         <p:spPr/>
         <p:txBody>
           <a:bodyPr>
-            <a:normAutofit fontScale="70000" lnSpcReduction="20000"/>
+            <a:normAutofit fontScale="92500" lnSpcReduction="20000"/>
           </a:bodyPr>
           <a:lstStyle/>
           <a:p>
             <a:r>
               <a:rPr lang="en-US" dirty="0" smtClean="0"/>
-              <a:t>AWS can serve as a domain registrar and name server</a:t>
-            </a:r>
-          </a:p>
-          <a:p>
-            <a:endParaRPr lang="en-US" dirty="0" smtClean="0"/>
-          </a:p>
-          <a:p>
-            <a:r>
-              <a:rPr lang="en-US" dirty="0" smtClean="0"/>
-              <a:t>A </a:t>
-            </a:r>
+              <a:t>Routing policies are used to </a:t>
+            </a:r>
+            <a:r>
+              <a:rPr lang="is-IS" dirty="0" smtClean="0"/>
+              <a:t>distribute traffic over multiple regions using dynamic DNS </a:t>
+            </a:r>
+            <a:r>
+              <a:rPr lang="is-IS" dirty="0" smtClean="0"/>
+              <a:t>responses.</a:t>
+            </a:r>
+            <a:endParaRPr lang="is-IS" dirty="0" smtClean="0"/>
+          </a:p>
+          <a:p>
+            <a:endParaRPr lang="is-IS" dirty="0" smtClean="0"/>
+          </a:p>
+          <a:p>
+            <a:r>
+              <a:rPr lang="is-IS" b="1" dirty="0" smtClean="0"/>
+              <a:t>Simple</a:t>
+            </a:r>
+            <a:r>
+              <a:rPr lang="is-IS" dirty="0" smtClean="0"/>
+              <a:t>: default policy which maps a DNS response to a single region </a:t>
+            </a:r>
+            <a:r>
+              <a:rPr lang="is-IS" dirty="0" smtClean="0"/>
+              <a:t>.</a:t>
+            </a:r>
+            <a:endParaRPr lang="is-IS" dirty="0" smtClean="0"/>
+          </a:p>
+          <a:p>
+            <a:endParaRPr lang="is-IS" dirty="0" smtClean="0"/>
+          </a:p>
+          <a:p>
             <a:r>
               <a:rPr lang="en-US" b="1" dirty="0" smtClean="0"/>
-              <a:t>name server </a:t>
-            </a:r>
-            <a:r>
-              <a:rPr lang="en-US" dirty="0" smtClean="0"/>
-              <a:t>provides all authoritative records for a domain name</a:t>
-            </a:r>
-          </a:p>
-          <a:p>
-            <a:endParaRPr lang="en-US" dirty="0" smtClean="0"/>
-          </a:p>
-          <a:p>
-            <a:r>
-              <a:rPr lang="en-US" dirty="0" smtClean="0"/>
-              <a:t>Record types:</a:t>
-            </a:r>
-          </a:p>
-          <a:p>
-            <a:pPr lvl="1"/>
-            <a:r>
-              <a:rPr lang="en-US" b="1" dirty="0" smtClean="0"/>
-              <a:t>Start of authority </a:t>
-            </a:r>
-            <a:r>
-              <a:rPr lang="en-US" dirty="0" smtClean="0"/>
-              <a:t>(SOA):  administrator name, version, and TTL information</a:t>
-            </a:r>
-          </a:p>
-          <a:p>
-            <a:pPr lvl="1"/>
-            <a:r>
-              <a:rPr lang="en-US" b="1" dirty="0" smtClean="0"/>
-              <a:t>Name Server </a:t>
-            </a:r>
-            <a:r>
-              <a:rPr lang="en-US" dirty="0" smtClean="0"/>
-              <a:t>(NS): used by top level servers to locate authoritative name server</a:t>
-            </a:r>
-          </a:p>
-          <a:p>
-            <a:pPr lvl="1"/>
-            <a:r>
-              <a:rPr lang="en-US" b="1" dirty="0" smtClean="0"/>
-              <a:t>Address</a:t>
-            </a:r>
-            <a:r>
-              <a:rPr lang="en-US" dirty="0" smtClean="0"/>
-              <a:t> (A): maps a hostname to an IP address</a:t>
-            </a:r>
-          </a:p>
-          <a:p>
-            <a:pPr lvl="1"/>
-            <a:r>
-              <a:rPr lang="en-US" b="1" dirty="0" smtClean="0"/>
-              <a:t>CNAME</a:t>
-            </a:r>
-            <a:r>
-              <a:rPr lang="en-US" dirty="0" smtClean="0"/>
-              <a:t>: maps a hostname to a fully qualified domain name</a:t>
-            </a:r>
-          </a:p>
-          <a:p>
-            <a:pPr lvl="1"/>
-            <a:r>
-              <a:rPr lang="en-US" b="1" dirty="0" smtClean="0"/>
-              <a:t>Alias</a:t>
-            </a:r>
-            <a:r>
-              <a:rPr lang="en-US" dirty="0" smtClean="0"/>
-              <a:t>: like a CNAME, but can use dynamic AWS targets</a:t>
-            </a:r>
-          </a:p>
-          <a:p>
-            <a:pPr lvl="2"/>
-            <a:r>
-              <a:rPr lang="en-US" dirty="0" smtClean="0"/>
-              <a:t>Example: Elastic load balancers use a dynamic endpoint, not an IP address</a:t>
-            </a:r>
-          </a:p>
-          <a:p>
-            <a:pPr lvl="1"/>
-            <a:endParaRPr lang="en-US" dirty="0" smtClean="0"/>
+              <a:t>Weighted</a:t>
+            </a:r>
+            <a:r>
+              <a:rPr lang="en-US" dirty="0" smtClean="0"/>
+              <a:t>: distribute traffic over multiple regions based on the weighting assigned to each </a:t>
+            </a:r>
+            <a:r>
+              <a:rPr lang="en-US" dirty="0" smtClean="0"/>
+              <a:t>region. </a:t>
+            </a:r>
+            <a:endParaRPr lang="en-US" dirty="0" smtClean="0"/>
+          </a:p>
+          <a:p>
+            <a:pPr lvl="1"/>
+            <a:r>
+              <a:rPr lang="en-US" dirty="0"/>
+              <a:t>E</a:t>
+            </a:r>
+            <a:r>
+              <a:rPr lang="en-US" dirty="0" smtClean="0"/>
+              <a:t>xample: 85% us-east, 15% us-west)</a:t>
+            </a:r>
+          </a:p>
+          <a:p>
+            <a:pPr lvl="1"/>
+            <a:r>
+              <a:rPr lang="en-US" dirty="0" smtClean="0"/>
+              <a:t>May be useful for A/B testing </a:t>
+            </a:r>
+          </a:p>
+          <a:p>
+            <a:endParaRPr lang="en-US" dirty="0" smtClean="0"/>
+          </a:p>
+          <a:p>
+            <a:endParaRPr lang="en-US" dirty="0" smtClean="0"/>
+          </a:p>
+          <a:p>
+            <a:endParaRPr lang="en-US" dirty="0"/>
           </a:p>
         </p:txBody>
       </p:sp>
     </p:spTree>
     <p:extLst>
       <p:ext uri="{BB962C8B-B14F-4D97-AF65-F5344CB8AC3E}">
-        <p14:creationId xmlns:p14="http://schemas.microsoft.com/office/powerpoint/2010/main" val="97698365"/>
+        <p14:creationId xmlns:p14="http://schemas.microsoft.com/office/powerpoint/2010/main" val="4222650068"/>
       </p:ext>
     </p:extLst>
   </p:cSld>
@@ -7091,70 +7405,112 @@
         <p:spPr/>
         <p:txBody>
           <a:bodyPr>
-            <a:normAutofit fontScale="92500" lnSpcReduction="20000"/>
+            <a:normAutofit fontScale="70000" lnSpcReduction="20000"/>
           </a:bodyPr>
           <a:lstStyle/>
           <a:p>
             <a:r>
-              <a:rPr lang="en-US" dirty="0" smtClean="0"/>
-              <a:t>Routing policies are used to </a:t>
-            </a:r>
-            <a:r>
-              <a:rPr lang="is-IS" dirty="0" smtClean="0"/>
-              <a:t>distribute traffic over multiple regions using dynamic DNS responses</a:t>
-            </a:r>
-          </a:p>
-          <a:p>
-            <a:endParaRPr lang="is-IS" dirty="0" smtClean="0"/>
-          </a:p>
-          <a:p>
-            <a:r>
-              <a:rPr lang="is-IS" b="1" dirty="0" smtClean="0"/>
-              <a:t>Simple</a:t>
-            </a:r>
-            <a:r>
-              <a:rPr lang="is-IS" dirty="0" smtClean="0"/>
-              <a:t>: default policy which maps a DNS response to a single region </a:t>
-            </a:r>
-          </a:p>
-          <a:p>
-            <a:endParaRPr lang="is-IS" dirty="0" smtClean="0"/>
-          </a:p>
-          <a:p>
-            <a:r>
               <a:rPr lang="en-US" b="1" dirty="0" smtClean="0"/>
-              <a:t>Weighted</a:t>
-            </a:r>
-            <a:r>
-              <a:rPr lang="en-US" dirty="0" smtClean="0"/>
-              <a:t>: distribute traffic over multiple regions based on the weighting assigned to each region </a:t>
-            </a:r>
-          </a:p>
-          <a:p>
-            <a:pPr lvl="1"/>
-            <a:r>
-              <a:rPr lang="en-US" dirty="0"/>
-              <a:t>E</a:t>
-            </a:r>
-            <a:r>
-              <a:rPr lang="en-US" dirty="0" smtClean="0"/>
-              <a:t>xample: 85% us-east, 15% us-west)</a:t>
-            </a:r>
-          </a:p>
-          <a:p>
-            <a:pPr lvl="1"/>
-            <a:r>
-              <a:rPr lang="en-US" dirty="0" smtClean="0"/>
-              <a:t>May be useful for A/B testing </a:t>
-            </a:r>
-          </a:p>
-          <a:p>
-            <a:endParaRPr lang="en-US" dirty="0" smtClean="0"/>
-          </a:p>
-          <a:p>
-            <a:endParaRPr lang="en-US" dirty="0" smtClean="0"/>
-          </a:p>
-          <a:p>
+              <a:t>Latency</a:t>
+            </a:r>
+            <a:r>
+              <a:rPr lang="en-US" dirty="0" smtClean="0"/>
+              <a:t>: distribute traffic by directing user to the lowest latency </a:t>
+            </a:r>
+            <a:r>
+              <a:rPr lang="en-US" dirty="0" smtClean="0"/>
+              <a:t>region.</a:t>
+            </a:r>
+            <a:endParaRPr lang="en-US" dirty="0" smtClean="0"/>
+          </a:p>
+          <a:p>
+            <a:pPr lvl="1"/>
+            <a:r>
+              <a:rPr lang="en-US" dirty="0" smtClean="0"/>
+              <a:t>Example: US customers directed to us-east and European customers direct to </a:t>
+            </a:r>
+            <a:r>
+              <a:rPr lang="en-US" dirty="0" err="1" smtClean="0"/>
+              <a:t>eu</a:t>
+            </a:r>
+            <a:r>
+              <a:rPr lang="en-US" dirty="0" smtClean="0"/>
+              <a:t>-west</a:t>
+            </a:r>
+          </a:p>
+          <a:p>
+            <a:pPr lvl="1"/>
+            <a:endParaRPr lang="en-US" dirty="0" smtClean="0"/>
+          </a:p>
+          <a:p>
+            <a:r>
+              <a:rPr lang="en-US" b="1" dirty="0" smtClean="0"/>
+              <a:t>Failover</a:t>
+            </a:r>
+            <a:r>
+              <a:rPr lang="en-US" dirty="0" smtClean="0"/>
+              <a:t>: monitor health of services and fail over to a secondary region if health check </a:t>
+            </a:r>
+            <a:r>
+              <a:rPr lang="en-US" dirty="0" smtClean="0"/>
+              <a:t>fails.</a:t>
+            </a:r>
+            <a:endParaRPr lang="en-US" dirty="0" smtClean="0"/>
+          </a:p>
+          <a:p>
+            <a:pPr lvl="1"/>
+            <a:r>
+              <a:rPr lang="en-US" dirty="0" smtClean="0"/>
+              <a:t>Example: us-east is primary, us-west is secondary</a:t>
+            </a:r>
+          </a:p>
+          <a:p>
+            <a:pPr lvl="1"/>
+            <a:r>
+              <a:rPr lang="en-US" dirty="0" smtClean="0"/>
+              <a:t>Primarily used for disaster recovery purposes, protect against failure of an entire region</a:t>
+            </a:r>
+          </a:p>
+          <a:p>
+            <a:pPr lvl="1"/>
+            <a:endParaRPr lang="en-US" dirty="0" smtClean="0"/>
+          </a:p>
+          <a:p>
+            <a:r>
+              <a:rPr lang="en-US" b="1" dirty="0" err="1" smtClean="0"/>
+              <a:t>Geolocation</a:t>
+            </a:r>
+            <a:r>
+              <a:rPr lang="en-US" dirty="0" smtClean="0"/>
+              <a:t>: distribute traffic to a specific region based on physical location of </a:t>
+            </a:r>
+            <a:r>
+              <a:rPr lang="en-US" dirty="0" smtClean="0"/>
+              <a:t>user.</a:t>
+            </a:r>
+            <a:endParaRPr lang="en-US" dirty="0" smtClean="0"/>
+          </a:p>
+          <a:p>
+            <a:pPr lvl="1"/>
+            <a:r>
+              <a:rPr lang="en-US" dirty="0" smtClean="0"/>
+              <a:t>Example: All queries from European users go to </a:t>
+            </a:r>
+            <a:r>
+              <a:rPr lang="en-US" dirty="0" err="1" smtClean="0"/>
+              <a:t>eu</a:t>
+            </a:r>
+            <a:r>
+              <a:rPr lang="en-US" dirty="0" smtClean="0"/>
+              <a:t>-west</a:t>
+            </a:r>
+          </a:p>
+          <a:p>
+            <a:pPr lvl="1"/>
+            <a:r>
+              <a:rPr lang="en-US" dirty="0" smtClean="0"/>
+              <a:t>Primarily used to meet regulatory and data privacy requirements </a:t>
+            </a:r>
             <a:endParaRPr lang="en-US" dirty="0"/>
           </a:p>
         </p:txBody>
@@ -7162,7 +7518,7 @@
     </p:spTree>
     <p:extLst>
       <p:ext uri="{BB962C8B-B14F-4D97-AF65-F5344CB8AC3E}">
-        <p14:creationId xmlns:p14="http://schemas.microsoft.com/office/powerpoint/2010/main" val="4222650068"/>
+        <p14:creationId xmlns:p14="http://schemas.microsoft.com/office/powerpoint/2010/main" val="581695462"/>
       </p:ext>
     </p:extLst>
   </p:cSld>
@@ -7201,129 +7557,47 @@
         </p:nvSpPr>
         <p:spPr/>
         <p:txBody>
-          <a:bodyPr/>
-          <a:lstStyle/>
-          <a:p>
-            <a:r>
-              <a:rPr lang="en-US" dirty="0" smtClean="0"/>
-              <a:t>Route 53 Routing Policies</a:t>
+          <a:bodyPr>
+            <a:normAutofit/>
+          </a:bodyPr>
+          <a:lstStyle/>
+          <a:p>
+            <a:r>
+              <a:rPr lang="en-US" dirty="0" smtClean="0"/>
+              <a:t>DR Architecture Using Route 53</a:t>
             </a:r>
             <a:endParaRPr lang="en-US" dirty="0"/>
           </a:p>
         </p:txBody>
       </p:sp>
-      <p:sp>
-        <p:nvSpPr>
-          <p:cNvPr id="3" name="Content Placeholder 2"/>
-          <p:cNvSpPr>
-            <a:spLocks noGrp="1"/>
-          </p:cNvSpPr>
-          <p:nvPr>
-            <p:ph idx="1"/>
-          </p:nvPr>
-        </p:nvSpPr>
-        <p:spPr/>
-        <p:txBody>
-          <a:bodyPr>
-            <a:normAutofit fontScale="70000" lnSpcReduction="20000"/>
-          </a:bodyPr>
-          <a:lstStyle/>
-          <a:p>
-            <a:r>
-              <a:rPr lang="en-US" b="1" dirty="0" smtClean="0"/>
-              <a:t>Latency</a:t>
-            </a:r>
-            <a:r>
-              <a:rPr lang="en-US" dirty="0" smtClean="0"/>
-              <a:t>: distribute traffic by directing user to the lowest latency region</a:t>
-            </a:r>
-          </a:p>
-          <a:p>
-            <a:pPr lvl="1"/>
-            <a:r>
-              <a:rPr lang="en-US" dirty="0" smtClean="0"/>
-              <a:t>Example: US customers directed to us-east and European customers direct to </a:t>
-            </a:r>
-            <a:r>
-              <a:rPr lang="en-US" dirty="0" err="1" smtClean="0"/>
-              <a:t>eu</a:t>
-            </a:r>
-            <a:r>
-              <a:rPr lang="en-US" dirty="0" smtClean="0"/>
-              <a:t>-west</a:t>
-            </a:r>
-          </a:p>
-          <a:p>
-            <a:pPr lvl="1"/>
-            <a:endParaRPr lang="en-US" dirty="0" smtClean="0"/>
-          </a:p>
-          <a:p>
-            <a:r>
-              <a:rPr lang="en-US" b="1" dirty="0" smtClean="0"/>
-              <a:t>Failover</a:t>
-            </a:r>
-            <a:r>
-              <a:rPr lang="en-US" dirty="0" smtClean="0"/>
-              <a:t>: monitor health of services and fail over to a secondary region if health check fails</a:t>
-            </a:r>
-          </a:p>
-          <a:p>
-            <a:pPr lvl="1"/>
-            <a:r>
-              <a:rPr lang="en-US" dirty="0" smtClean="0"/>
-              <a:t>Example: us-east is primary, us-west is secondary</a:t>
-            </a:r>
-          </a:p>
-          <a:p>
-            <a:pPr lvl="1"/>
-            <a:r>
-              <a:rPr lang="en-US" dirty="0" smtClean="0"/>
-              <a:t>Primarily used for disaster recovery purposes, protect against failure of an entire region</a:t>
-            </a:r>
-          </a:p>
-          <a:p>
-            <a:pPr lvl="1"/>
-            <a:endParaRPr lang="en-US" dirty="0" smtClean="0"/>
-          </a:p>
-          <a:p>
-            <a:r>
-              <a:rPr lang="en-US" b="1" dirty="0" err="1" smtClean="0"/>
-              <a:t>Geolocation</a:t>
-            </a:r>
-            <a:r>
-              <a:rPr lang="en-US" dirty="0" smtClean="0"/>
-              <a:t>: distribute traffic to a specific region based on physical location of user</a:t>
-            </a:r>
-          </a:p>
-          <a:p>
-            <a:pPr lvl="1"/>
-            <a:r>
-              <a:rPr lang="en-US" dirty="0" smtClean="0"/>
-              <a:t>Example: All queries from European users go to </a:t>
-            </a:r>
-            <a:r>
-              <a:rPr lang="en-US" dirty="0" err="1" smtClean="0"/>
-              <a:t>eu</a:t>
-            </a:r>
-            <a:r>
-              <a:rPr lang="en-US" dirty="0" smtClean="0"/>
-              <a:t>-west</a:t>
-            </a:r>
-          </a:p>
-          <a:p>
-            <a:pPr lvl="1"/>
-            <a:r>
-              <a:rPr lang="en-US" dirty="0" smtClean="0"/>
-              <a:t>Primarily used to meet regulatory and data privacy requirements </a:t>
-            </a:r>
-            <a:endParaRPr lang="en-US" dirty="0"/>
-          </a:p>
-        </p:txBody>
-      </p:sp>
+      <p:pic>
+        <p:nvPicPr>
+          <p:cNvPr id="4" name="Picture 3"/>
+          <p:cNvPicPr>
+            <a:picLocks noChangeAspect="1"/>
+          </p:cNvPicPr>
+          <p:nvPr/>
+        </p:nvPicPr>
+        <p:blipFill>
+          <a:blip r:embed="rId2"/>
+          <a:stretch>
+            <a:fillRect/>
+          </a:stretch>
+        </p:blipFill>
+        <p:spPr>
+          <a:xfrm>
+            <a:off x="217805" y="1657099"/>
+            <a:ext cx="8926195" cy="5022733"/>
+          </a:xfrm>
+          <a:prstGeom prst="rect">
+            <a:avLst/>
+          </a:prstGeom>
+        </p:spPr>
+      </p:pic>
     </p:spTree>
     <p:extLst>
       <p:ext uri="{BB962C8B-B14F-4D97-AF65-F5344CB8AC3E}">
-        <p14:creationId xmlns:p14="http://schemas.microsoft.com/office/powerpoint/2010/main" val="581695462"/>
+        <p14:creationId xmlns:p14="http://schemas.microsoft.com/office/powerpoint/2010/main" val="3863840098"/>
       </p:ext>
     </p:extLst>
   </p:cSld>
@@ -7362,85 +7636,6 @@
         </p:nvSpPr>
         <p:spPr/>
         <p:txBody>
-          <a:bodyPr>
-            <a:normAutofit/>
-          </a:bodyPr>
-          <a:lstStyle/>
-          <a:p>
-            <a:r>
-              <a:rPr lang="en-US" dirty="0" smtClean="0"/>
-              <a:t>DR Architecture Using Route 53</a:t>
-            </a:r>
-            <a:endParaRPr lang="en-US" dirty="0"/>
-          </a:p>
-        </p:txBody>
-      </p:sp>
-      <p:pic>
-        <p:nvPicPr>
-          <p:cNvPr id="4" name="Picture 3"/>
-          <p:cNvPicPr>
-            <a:picLocks noChangeAspect="1"/>
-          </p:cNvPicPr>
-          <p:nvPr/>
-        </p:nvPicPr>
-        <p:blipFill>
-          <a:blip r:embed="rId2"/>
-          <a:stretch>
-            <a:fillRect/>
-          </a:stretch>
-        </p:blipFill>
-        <p:spPr>
-          <a:xfrm>
-            <a:off x="897684" y="2032000"/>
-            <a:ext cx="7468592" cy="4202546"/>
-          </a:xfrm>
-          <a:prstGeom prst="rect">
-            <a:avLst/>
-          </a:prstGeom>
-        </p:spPr>
-      </p:pic>
-    </p:spTree>
-    <p:extLst>
-      <p:ext uri="{BB962C8B-B14F-4D97-AF65-F5344CB8AC3E}">
-        <p14:creationId xmlns:p14="http://schemas.microsoft.com/office/powerpoint/2010/main" val="3863840098"/>
-      </p:ext>
-    </p:extLst>
-  </p:cSld>
-  <p:clrMapOvr>
-    <a:masterClrMapping/>
-  </p:clrMapOvr>
-</p:sld>
-</file>
-
-<file path=ppt/slides/slide34.xml><?xml version="1.0" encoding="utf-8"?>
-<p:sld xmlns:a="http://schemas.openxmlformats.org/drawingml/2006/main" xmlns:r="http://schemas.openxmlformats.org/officeDocument/2006/relationships" xmlns:p="http://schemas.openxmlformats.org/presentationml/2006/main">
-  <p:cSld>
-    <p:spTree>
-      <p:nvGrpSpPr>
-        <p:cNvPr id="1" name=""/>
-        <p:cNvGrpSpPr/>
-        <p:nvPr/>
-      </p:nvGrpSpPr>
-      <p:grpSpPr>
-        <a:xfrm>
-          <a:off x="0" y="0"/>
-          <a:ext cx="0" cy="0"/>
-          <a:chOff x="0" y="0"/>
-          <a:chExt cx="0" cy="0"/>
-        </a:xfrm>
-      </p:grpSpPr>
-      <p:sp>
-        <p:nvSpPr>
-          <p:cNvPr id="2" name="Title 1"/>
-          <p:cNvSpPr>
-            <a:spLocks noGrp="1"/>
-          </p:cNvSpPr>
-          <p:nvPr>
-            <p:ph type="title"/>
-          </p:nvPr>
-        </p:nvSpPr>
-        <p:spPr/>
-        <p:txBody>
           <a:bodyPr/>
           <a:lstStyle/>
           <a:p>
@@ -7475,38 +7670,62 @@
             </a:r>
             <a:r>
               <a:rPr lang="en-US" dirty="0" smtClean="0"/>
-              <a:t> which automates the configuration and deployment of application stacks</a:t>
-            </a:r>
-          </a:p>
-          <a:p>
-            <a:pPr lvl="1"/>
-            <a:r>
-              <a:rPr lang="en-US" dirty="0" smtClean="0"/>
-              <a:t>Automatically provisions and scales EC2, load balancing, networking, storage, and RDS</a:t>
-            </a:r>
-          </a:p>
-          <a:p>
-            <a:pPr lvl="1"/>
-            <a:r>
-              <a:rPr lang="en-US" dirty="0" smtClean="0"/>
-              <a:t>Installs and manages application servers and frameworks</a:t>
-            </a:r>
-          </a:p>
-          <a:p>
-            <a:pPr lvl="1"/>
-            <a:r>
-              <a:rPr lang="en-US" dirty="0" smtClean="0"/>
-              <a:t>AWS user just focuses on loading custom application</a:t>
-            </a:r>
-          </a:p>
-          <a:p>
-            <a:pPr lvl="1"/>
-            <a:endParaRPr lang="en-US" dirty="0" smtClean="0"/>
-          </a:p>
-          <a:p>
-            <a:r>
-              <a:rPr lang="en-US" dirty="0" smtClean="0"/>
-              <a:t>Benefit: designed primarily for application developers that don’t want to deal with infrastructure</a:t>
+              <a:t> which automates the configuration and deployment of application </a:t>
+            </a:r>
+            <a:r>
+              <a:rPr lang="en-US" dirty="0" smtClean="0"/>
+              <a:t>stacks.</a:t>
+            </a:r>
+            <a:endParaRPr lang="en-US" dirty="0" smtClean="0"/>
+          </a:p>
+          <a:p>
+            <a:pPr lvl="1"/>
+            <a:r>
+              <a:rPr lang="en-US" dirty="0" smtClean="0"/>
+              <a:t>Automatically provisions and scales EC2, load balancing, networking, storage, and </a:t>
+            </a:r>
+            <a:r>
+              <a:rPr lang="en-US" dirty="0" smtClean="0"/>
+              <a:t>RDS.</a:t>
+            </a:r>
+            <a:endParaRPr lang="en-US" dirty="0" smtClean="0"/>
+          </a:p>
+          <a:p>
+            <a:pPr lvl="1"/>
+            <a:r>
+              <a:rPr lang="en-US" dirty="0" smtClean="0"/>
+              <a:t>Installs and manages application servers and </a:t>
+            </a:r>
+            <a:r>
+              <a:rPr lang="en-US" dirty="0" smtClean="0"/>
+              <a:t>frameworks.</a:t>
+            </a:r>
+            <a:endParaRPr lang="en-US" dirty="0" smtClean="0"/>
+          </a:p>
+          <a:p>
+            <a:pPr lvl="1"/>
+            <a:r>
+              <a:rPr lang="en-US" dirty="0" smtClean="0"/>
+              <a:t>AWS user just focuses on loading custom </a:t>
+            </a:r>
+            <a:r>
+              <a:rPr lang="en-US" dirty="0" smtClean="0"/>
+              <a:t>application.</a:t>
+            </a:r>
+            <a:endParaRPr lang="en-US" dirty="0" smtClean="0"/>
+          </a:p>
+          <a:p>
+            <a:pPr lvl="1"/>
+            <a:endParaRPr lang="en-US" dirty="0" smtClean="0"/>
+          </a:p>
+          <a:p>
+            <a:r>
+              <a:rPr lang="en-US" dirty="0" smtClean="0"/>
+              <a:t>Benefit: designed primarily for application developers that don’t want to deal with </a:t>
+            </a:r>
+            <a:r>
+              <a:rPr lang="en-US" dirty="0" smtClean="0"/>
+              <a:t>infrastructure.</a:t>
             </a:r>
             <a:endParaRPr lang="en-US" dirty="0"/>
           </a:p>
@@ -7555,6 +7774,155 @@
 </p:sld>
 </file>
 
+<file path=ppt/slides/slide34.xml><?xml version="1.0" encoding="utf-8"?>
+<p:sld xmlns:a="http://schemas.openxmlformats.org/drawingml/2006/main" xmlns:r="http://schemas.openxmlformats.org/officeDocument/2006/relationships" xmlns:p="http://schemas.openxmlformats.org/presentationml/2006/main">
+  <p:cSld>
+    <p:spTree>
+      <p:nvGrpSpPr>
+        <p:cNvPr id="1" name=""/>
+        <p:cNvGrpSpPr/>
+        <p:nvPr/>
+      </p:nvGrpSpPr>
+      <p:grpSpPr>
+        <a:xfrm>
+          <a:off x="0" y="0"/>
+          <a:ext cx="0" cy="0"/>
+          <a:chOff x="0" y="0"/>
+          <a:chExt cx="0" cy="0"/>
+        </a:xfrm>
+      </p:grpSpPr>
+      <p:sp>
+        <p:nvSpPr>
+          <p:cNvPr id="2" name="Title 1"/>
+          <p:cNvSpPr>
+            <a:spLocks noGrp="1"/>
+          </p:cNvSpPr>
+          <p:nvPr>
+            <p:ph type="title"/>
+          </p:nvPr>
+        </p:nvSpPr>
+        <p:spPr/>
+        <p:txBody>
+          <a:bodyPr/>
+          <a:lstStyle/>
+          <a:p>
+            <a:r>
+              <a:rPr lang="en-US" dirty="0" smtClean="0"/>
+              <a:t>Elastic Beanstalk</a:t>
+            </a:r>
+            <a:endParaRPr lang="en-US" dirty="0"/>
+          </a:p>
+        </p:txBody>
+      </p:sp>
+      <p:sp>
+        <p:nvSpPr>
+          <p:cNvPr id="3" name="Content Placeholder 2"/>
+          <p:cNvSpPr>
+            <a:spLocks noGrp="1"/>
+          </p:cNvSpPr>
+          <p:nvPr>
+            <p:ph idx="1"/>
+          </p:nvPr>
+        </p:nvSpPr>
+        <p:spPr/>
+        <p:txBody>
+          <a:bodyPr>
+            <a:normAutofit fontScale="92500" lnSpcReduction="20000"/>
+          </a:bodyPr>
+          <a:lstStyle/>
+          <a:p>
+            <a:r>
+              <a:rPr lang="en-US" dirty="0" smtClean="0"/>
+              <a:t>Application support:</a:t>
+            </a:r>
+          </a:p>
+          <a:p>
+            <a:pPr lvl="1"/>
+            <a:r>
+              <a:rPr lang="en-US" dirty="0" smtClean="0"/>
+              <a:t>Java</a:t>
+            </a:r>
+          </a:p>
+          <a:p>
+            <a:pPr lvl="1"/>
+            <a:r>
+              <a:rPr lang="en-US" dirty="0" smtClean="0"/>
+              <a:t>PHP</a:t>
+            </a:r>
+          </a:p>
+          <a:p>
+            <a:pPr lvl="1"/>
+            <a:r>
+              <a:rPr lang="en-US" dirty="0" smtClean="0"/>
+              <a:t>Python</a:t>
+            </a:r>
+          </a:p>
+          <a:p>
+            <a:pPr lvl="1"/>
+            <a:r>
+              <a:rPr lang="en-US" dirty="0" smtClean="0"/>
+              <a:t>Ruby</a:t>
+            </a:r>
+          </a:p>
+          <a:p>
+            <a:pPr lvl="1"/>
+            <a:r>
+              <a:rPr lang="en-US" dirty="0" smtClean="0"/>
+              <a:t>IIS/.NET</a:t>
+            </a:r>
+          </a:p>
+          <a:p>
+            <a:pPr lvl="1"/>
+            <a:r>
+              <a:rPr lang="en-US" dirty="0" err="1" smtClean="0"/>
+              <a:t>Node.js</a:t>
+            </a:r>
+            <a:endParaRPr lang="en-US" dirty="0" smtClean="0"/>
+          </a:p>
+          <a:p>
+            <a:pPr lvl="1"/>
+            <a:r>
+              <a:rPr lang="en-US" dirty="0" err="1" smtClean="0"/>
+              <a:t>Docker</a:t>
+            </a:r>
+            <a:endParaRPr lang="en-US" dirty="0" smtClean="0"/>
+          </a:p>
+          <a:p>
+            <a:pPr lvl="1"/>
+            <a:endParaRPr lang="en-US" dirty="0" smtClean="0"/>
+          </a:p>
+          <a:p>
+            <a:r>
+              <a:rPr lang="en-US" dirty="0" smtClean="0"/>
+              <a:t>EB controls capacity of resources, but you can still access </a:t>
+            </a:r>
+            <a:r>
+              <a:rPr lang="en-US" dirty="0" smtClean="0"/>
+              <a:t>infrastructure.</a:t>
+            </a:r>
+            <a:endParaRPr lang="en-US" dirty="0" smtClean="0"/>
+          </a:p>
+          <a:p>
+            <a:endParaRPr lang="en-US" dirty="0" smtClean="0"/>
+          </a:p>
+          <a:p>
+            <a:endParaRPr lang="en-US" dirty="0"/>
+          </a:p>
+        </p:txBody>
+      </p:sp>
+    </p:spTree>
+    <p:extLst>
+      <p:ext uri="{BB962C8B-B14F-4D97-AF65-F5344CB8AC3E}">
+        <p14:creationId xmlns:p14="http://schemas.microsoft.com/office/powerpoint/2010/main" val="402783495"/>
+      </p:ext>
+    </p:extLst>
+  </p:cSld>
+  <p:clrMapOvr>
+    <a:masterClrMapping/>
+  </p:clrMapOvr>
+</p:sld>
+</file>
+
 <file path=ppt/slides/slide35.xml><?xml version="1.0" encoding="utf-8"?>
 <p:sld xmlns:a="http://schemas.openxmlformats.org/drawingml/2006/main" xmlns:r="http://schemas.openxmlformats.org/officeDocument/2006/relationships" xmlns:p="http://schemas.openxmlformats.org/presentationml/2006/main">
   <p:cSld>
@@ -7584,12 +7952,14 @@
         </p:nvSpPr>
         <p:spPr/>
         <p:txBody>
-          <a:bodyPr/>
-          <a:lstStyle/>
-          <a:p>
-            <a:r>
-              <a:rPr lang="en-US" dirty="0" smtClean="0"/>
-              <a:t>Elastic Beanstalk</a:t>
+          <a:bodyPr>
+            <a:normAutofit fontScale="90000"/>
+          </a:bodyPr>
+          <a:lstStyle/>
+          <a:p>
+            <a:r>
+              <a:rPr lang="en-US" dirty="0" smtClean="0"/>
+              <a:t>Elastic Beanstalk Deployment Policies</a:t>
             </a:r>
             <a:endParaRPr lang="en-US" dirty="0"/>
           </a:p>
@@ -7608,88 +7978,102 @@
         <p:spPr/>
         <p:txBody>
           <a:bodyPr>
-            <a:normAutofit fontScale="92500" lnSpcReduction="20000"/>
+            <a:normAutofit fontScale="77500" lnSpcReduction="20000"/>
           </a:bodyPr>
           <a:lstStyle/>
           <a:p>
             <a:r>
               <a:rPr lang="en-US" dirty="0" smtClean="0"/>
-              <a:t>Application support:</a:t>
-            </a:r>
-          </a:p>
-          <a:p>
-            <a:pPr lvl="1"/>
-            <a:r>
-              <a:rPr lang="en-US" dirty="0" smtClean="0"/>
-              <a:t>Java</a:t>
-            </a:r>
-          </a:p>
-          <a:p>
-            <a:pPr lvl="1"/>
-            <a:r>
-              <a:rPr lang="en-US" dirty="0" smtClean="0"/>
-              <a:t>PHP</a:t>
-            </a:r>
-          </a:p>
-          <a:p>
-            <a:pPr lvl="1"/>
-            <a:r>
-              <a:rPr lang="en-US" dirty="0" smtClean="0"/>
-              <a:t>Python</a:t>
-            </a:r>
-          </a:p>
-          <a:p>
-            <a:pPr lvl="1"/>
-            <a:r>
-              <a:rPr lang="en-US" dirty="0" smtClean="0"/>
-              <a:t>Ruby</a:t>
-            </a:r>
-          </a:p>
-          <a:p>
-            <a:pPr lvl="1"/>
-            <a:r>
-              <a:rPr lang="en-US" dirty="0" smtClean="0"/>
-              <a:t>IIS/.NET</a:t>
-            </a:r>
-          </a:p>
-          <a:p>
-            <a:pPr lvl="1"/>
-            <a:r>
-              <a:rPr lang="en-US" dirty="0" err="1" smtClean="0"/>
-              <a:t>Node.js</a:t>
-            </a:r>
-            <a:endParaRPr lang="en-US" dirty="0" smtClean="0"/>
-          </a:p>
-          <a:p>
-            <a:pPr lvl="1"/>
-            <a:r>
-              <a:rPr lang="en-US" dirty="0" err="1" smtClean="0"/>
-              <a:t>Docker</a:t>
-            </a:r>
-            <a:endParaRPr lang="en-US" dirty="0" smtClean="0"/>
-          </a:p>
-          <a:p>
-            <a:pPr lvl="1"/>
-            <a:endParaRPr lang="en-US" dirty="0" smtClean="0"/>
-          </a:p>
-          <a:p>
-            <a:r>
-              <a:rPr lang="en-US" dirty="0" smtClean="0"/>
-              <a:t>EB controls capacity of resources, but you can still access infrastructure</a:t>
-            </a:r>
-          </a:p>
-          <a:p>
-            <a:endParaRPr lang="en-US" dirty="0" smtClean="0"/>
-          </a:p>
-          <a:p>
-            <a:endParaRPr lang="en-US" dirty="0"/>
+              <a:t>Deployment policies control how EB updates deployed </a:t>
+            </a:r>
+            <a:r>
+              <a:rPr lang="en-US" dirty="0" smtClean="0"/>
+              <a:t>application:</a:t>
+            </a:r>
+            <a:endParaRPr lang="en-US" dirty="0" smtClean="0"/>
+          </a:p>
+          <a:p>
+            <a:pPr lvl="1"/>
+            <a:r>
+              <a:rPr lang="en-US" b="1" dirty="0" smtClean="0"/>
+              <a:t>All at once</a:t>
+            </a:r>
+            <a:r>
+              <a:rPr lang="en-US" dirty="0" smtClean="0"/>
+              <a:t>: deploy application to all instances simultaneously (short service disruption</a:t>
+            </a:r>
+            <a:r>
+              <a:rPr lang="en-US" dirty="0" smtClean="0"/>
+              <a:t>).</a:t>
+            </a:r>
+            <a:endParaRPr lang="en-US" dirty="0" smtClean="0"/>
+          </a:p>
+          <a:p>
+            <a:pPr lvl="1"/>
+            <a:endParaRPr lang="en-US" dirty="0" smtClean="0"/>
+          </a:p>
+          <a:p>
+            <a:pPr lvl="1"/>
+            <a:r>
+              <a:rPr lang="en-US" b="1" dirty="0" smtClean="0"/>
+              <a:t>Rolling</a:t>
+            </a:r>
+            <a:r>
+              <a:rPr lang="en-US" dirty="0" smtClean="0"/>
+              <a:t>: deploy new app in batches, reducing service capacity but causing no </a:t>
+            </a:r>
+            <a:r>
+              <a:rPr lang="en-US" dirty="0" smtClean="0"/>
+              <a:t>disruption.</a:t>
+            </a:r>
+            <a:endParaRPr lang="en-US" dirty="0" smtClean="0"/>
+          </a:p>
+          <a:p>
+            <a:pPr lvl="1"/>
+            <a:endParaRPr lang="en-US" dirty="0" smtClean="0"/>
+          </a:p>
+          <a:p>
+            <a:pPr lvl="1"/>
+            <a:r>
+              <a:rPr lang="en-US" b="1" dirty="0" smtClean="0"/>
+              <a:t>Rolling with additional batch</a:t>
+            </a:r>
+            <a:r>
+              <a:rPr lang="en-US" dirty="0" smtClean="0"/>
+              <a:t>: launch new resources before batch updates so that service capacity isn’t </a:t>
+            </a:r>
+            <a:r>
+              <a:rPr lang="en-US" dirty="0" smtClean="0"/>
+              <a:t>reduced.</a:t>
+            </a:r>
+            <a:endParaRPr lang="en-US" dirty="0" smtClean="0"/>
+          </a:p>
+          <a:p>
+            <a:pPr lvl="1"/>
+            <a:endParaRPr lang="en-US" dirty="0" smtClean="0"/>
+          </a:p>
+          <a:p>
+            <a:pPr lvl="1"/>
+            <a:r>
+              <a:rPr lang="en-US" b="1" dirty="0" smtClean="0"/>
+              <a:t>Immutable</a:t>
+            </a:r>
+            <a:r>
+              <a:rPr lang="en-US" dirty="0" smtClean="0"/>
+              <a:t>: deploy new application to a fresh group of instances (blue-green deployment</a:t>
+            </a:r>
+            <a:r>
+              <a:rPr lang="en-US" dirty="0" smtClean="0"/>
+              <a:t>).</a:t>
+            </a:r>
+            <a:endParaRPr lang="en-US" dirty="0" smtClean="0"/>
           </a:p>
         </p:txBody>
       </p:sp>
     </p:spTree>
     <p:extLst>
       <p:ext uri="{BB962C8B-B14F-4D97-AF65-F5344CB8AC3E}">
-        <p14:creationId xmlns:p14="http://schemas.microsoft.com/office/powerpoint/2010/main" val="402783495"/>
+        <p14:creationId xmlns:p14="http://schemas.microsoft.com/office/powerpoint/2010/main" val="2001788993"/>
       </p:ext>
     </p:extLst>
   </p:cSld>
@@ -7728,14 +8112,12 @@
         </p:nvSpPr>
         <p:spPr/>
         <p:txBody>
-          <a:bodyPr>
-            <a:normAutofit fontScale="90000"/>
-          </a:bodyPr>
-          <a:lstStyle/>
-          <a:p>
-            <a:r>
-              <a:rPr lang="en-US" dirty="0" smtClean="0"/>
-              <a:t>Elastic Beanstalk Deployment Policies</a:t>
+          <a:bodyPr/>
+          <a:lstStyle/>
+          <a:p>
+            <a:r>
+              <a:rPr lang="en-US" dirty="0" smtClean="0"/>
+              <a:t>Elastic Beanstalk Hands On</a:t>
             </a:r>
             <a:endParaRPr lang="en-US" dirty="0"/>
           </a:p>
@@ -7753,145 +8135,16 @@
         </p:nvSpPr>
         <p:spPr/>
         <p:txBody>
-          <a:bodyPr>
-            <a:normAutofit fontScale="85000" lnSpcReduction="20000"/>
-          </a:bodyPr>
-          <a:lstStyle/>
-          <a:p>
-            <a:r>
-              <a:rPr lang="en-US" dirty="0" smtClean="0"/>
-              <a:t>Deployment policies control how EB updates deployed application</a:t>
-            </a:r>
-          </a:p>
-          <a:p>
-            <a:pPr lvl="1"/>
-            <a:r>
-              <a:rPr lang="en-US" b="1" dirty="0" smtClean="0"/>
-              <a:t>All at once</a:t>
-            </a:r>
-            <a:r>
-              <a:rPr lang="en-US" dirty="0" smtClean="0"/>
-              <a:t>: deploy application to all instances simultaneously (short service disruption)</a:t>
-            </a:r>
-          </a:p>
-          <a:p>
-            <a:pPr lvl="1"/>
-            <a:endParaRPr lang="en-US" dirty="0" smtClean="0"/>
-          </a:p>
-          <a:p>
-            <a:pPr lvl="1"/>
-            <a:r>
-              <a:rPr lang="en-US" b="1" dirty="0" smtClean="0"/>
-              <a:t>Rolling</a:t>
-            </a:r>
-            <a:r>
-              <a:rPr lang="en-US" dirty="0" smtClean="0"/>
-              <a:t>: deploy new app in batches, reducing service capacity but causing no disruption</a:t>
-            </a:r>
-          </a:p>
-          <a:p>
-            <a:pPr lvl="1"/>
-            <a:endParaRPr lang="en-US" dirty="0" smtClean="0"/>
-          </a:p>
-          <a:p>
-            <a:pPr lvl="1"/>
-            <a:r>
-              <a:rPr lang="en-US" b="1" dirty="0" smtClean="0"/>
-              <a:t>Rolling with additional batch</a:t>
-            </a:r>
-            <a:r>
-              <a:rPr lang="en-US" dirty="0" smtClean="0"/>
-              <a:t>: launch new resources before batch updates so that service capacity isn’t reduced</a:t>
-            </a:r>
-          </a:p>
-          <a:p>
-            <a:pPr lvl="1"/>
-            <a:endParaRPr lang="en-US" dirty="0" smtClean="0"/>
-          </a:p>
-          <a:p>
-            <a:pPr lvl="1"/>
-            <a:r>
-              <a:rPr lang="en-US" b="1" dirty="0" smtClean="0"/>
-              <a:t>Immutable</a:t>
-            </a:r>
-            <a:r>
-              <a:rPr lang="en-US" dirty="0" smtClean="0"/>
-              <a:t>: deploy new application to a fresh group of instances (blue-green deployment)</a:t>
-            </a:r>
-          </a:p>
-        </p:txBody>
-      </p:sp>
-    </p:spTree>
-    <p:extLst>
-      <p:ext uri="{BB962C8B-B14F-4D97-AF65-F5344CB8AC3E}">
-        <p14:creationId xmlns:p14="http://schemas.microsoft.com/office/powerpoint/2010/main" val="2001788993"/>
-      </p:ext>
-    </p:extLst>
-  </p:cSld>
-  <p:clrMapOvr>
-    <a:masterClrMapping/>
-  </p:clrMapOvr>
-</p:sld>
-</file>
-
-<file path=ppt/slides/slide37.xml><?xml version="1.0" encoding="utf-8"?>
-<p:sld xmlns:a="http://schemas.openxmlformats.org/drawingml/2006/main" xmlns:r="http://schemas.openxmlformats.org/officeDocument/2006/relationships" xmlns:p="http://schemas.openxmlformats.org/presentationml/2006/main">
-  <p:cSld>
-    <p:spTree>
-      <p:nvGrpSpPr>
-        <p:cNvPr id="1" name=""/>
-        <p:cNvGrpSpPr/>
-        <p:nvPr/>
-      </p:nvGrpSpPr>
-      <p:grpSpPr>
-        <a:xfrm>
-          <a:off x="0" y="0"/>
-          <a:ext cx="0" cy="0"/>
-          <a:chOff x="0" y="0"/>
-          <a:chExt cx="0" cy="0"/>
-        </a:xfrm>
-      </p:grpSpPr>
-      <p:sp>
-        <p:nvSpPr>
-          <p:cNvPr id="2" name="Title 1"/>
-          <p:cNvSpPr>
-            <a:spLocks noGrp="1"/>
-          </p:cNvSpPr>
-          <p:nvPr>
-            <p:ph type="title"/>
-          </p:nvPr>
-        </p:nvSpPr>
-        <p:spPr/>
-        <p:txBody>
           <a:bodyPr/>
           <a:lstStyle/>
           <a:p>
             <a:r>
               <a:rPr lang="en-US" dirty="0" smtClean="0"/>
-              <a:t>Elastic Beanstalk Hands On</a:t>
-            </a:r>
-            <a:endParaRPr lang="en-US" dirty="0"/>
-          </a:p>
-        </p:txBody>
-      </p:sp>
-      <p:sp>
-        <p:nvSpPr>
-          <p:cNvPr id="3" name="Content Placeholder 2"/>
-          <p:cNvSpPr>
-            <a:spLocks noGrp="1"/>
-          </p:cNvSpPr>
-          <p:nvPr>
-            <p:ph idx="1"/>
-          </p:nvPr>
-        </p:nvSpPr>
-        <p:spPr/>
-        <p:txBody>
-          <a:bodyPr/>
-          <a:lstStyle/>
-          <a:p>
-            <a:r>
-              <a:rPr lang="en-US" dirty="0" smtClean="0"/>
-              <a:t>Deploy auto-scaling PHP platform using sample application</a:t>
+              <a:t>Deploy auto-scaling PHP platform using sample </a:t>
+            </a:r>
+            <a:r>
+              <a:rPr lang="en-US" dirty="0" smtClean="0"/>
+              <a:t>application.</a:t>
             </a:r>
             <a:endParaRPr lang="en-US" dirty="0"/>
           </a:p>
@@ -7913,7 +8166,7 @@
         </p:blipFill>
         <p:spPr>
           <a:xfrm>
-            <a:off x="7891174" y="403586"/>
+            <a:off x="7891174" y="392348"/>
             <a:ext cx="1014052" cy="1014052"/>
           </a:xfrm>
           <a:prstGeom prst="rect">
@@ -7934,7 +8187,7 @@
 </p:sld>
 </file>
 
-<file path=ppt/slides/slide38.xml><?xml version="1.0" encoding="utf-8"?>
+<file path=ppt/slides/slide37.xml><?xml version="1.0" encoding="utf-8"?>
 <p:sld xmlns:a="http://schemas.openxmlformats.org/drawingml/2006/main" xmlns:r="http://schemas.openxmlformats.org/officeDocument/2006/relationships" xmlns:p="http://schemas.openxmlformats.org/presentationml/2006/main">
   <p:cSld>
     <p:spTree>
@@ -8011,6 +8264,119 @@
 </p:sld>
 </file>
 
+<file path=ppt/slides/slide38.xml><?xml version="1.0" encoding="utf-8"?>
+<p:sld xmlns:a="http://schemas.openxmlformats.org/drawingml/2006/main" xmlns:r="http://schemas.openxmlformats.org/officeDocument/2006/relationships" xmlns:p="http://schemas.openxmlformats.org/presentationml/2006/main">
+  <p:cSld>
+    <p:spTree>
+      <p:nvGrpSpPr>
+        <p:cNvPr id="1" name=""/>
+        <p:cNvGrpSpPr/>
+        <p:nvPr/>
+      </p:nvGrpSpPr>
+      <p:grpSpPr>
+        <a:xfrm>
+          <a:off x="0" y="0"/>
+          <a:ext cx="0" cy="0"/>
+          <a:chOff x="0" y="0"/>
+          <a:chExt cx="0" cy="0"/>
+        </a:xfrm>
+      </p:grpSpPr>
+      <p:sp>
+        <p:nvSpPr>
+          <p:cNvPr id="2" name="Title 1"/>
+          <p:cNvSpPr>
+            <a:spLocks noGrp="1"/>
+          </p:cNvSpPr>
+          <p:nvPr>
+            <p:ph type="title"/>
+          </p:nvPr>
+        </p:nvSpPr>
+        <p:spPr/>
+        <p:txBody>
+          <a:bodyPr/>
+          <a:lstStyle/>
+          <a:p>
+            <a:r>
+              <a:rPr lang="en-US" dirty="0" smtClean="0"/>
+              <a:t>AWS Network Security</a:t>
+            </a:r>
+            <a:endParaRPr lang="en-US" dirty="0"/>
+          </a:p>
+        </p:txBody>
+      </p:sp>
+      <p:sp>
+        <p:nvSpPr>
+          <p:cNvPr id="3" name="Content Placeholder 2"/>
+          <p:cNvSpPr>
+            <a:spLocks noGrp="1"/>
+          </p:cNvSpPr>
+          <p:nvPr>
+            <p:ph idx="1"/>
+          </p:nvPr>
+        </p:nvSpPr>
+        <p:spPr/>
+        <p:txBody>
+          <a:bodyPr>
+            <a:normAutofit fontScale="92500" lnSpcReduction="10000"/>
+          </a:bodyPr>
+          <a:lstStyle/>
+          <a:p>
+            <a:r>
+              <a:rPr lang="en-US" dirty="0" smtClean="0"/>
+              <a:t>AWS network and Amazon network use similar infrastructure, but are logically separated from one </a:t>
+            </a:r>
+            <a:r>
+              <a:rPr lang="en-US" dirty="0" smtClean="0"/>
+              <a:t>another.</a:t>
+            </a:r>
+            <a:endParaRPr lang="en-US" dirty="0" smtClean="0"/>
+          </a:p>
+          <a:p>
+            <a:endParaRPr lang="en-US" dirty="0" smtClean="0"/>
+          </a:p>
+          <a:p>
+            <a:r>
+              <a:rPr lang="en-US" dirty="0" smtClean="0"/>
+              <a:t>AWS prevents IP spoofing: instance sending data with an IP or MAC address that’s not it’s </a:t>
+            </a:r>
+            <a:r>
+              <a:rPr lang="en-US" dirty="0" smtClean="0"/>
+              <a:t>own.</a:t>
+            </a:r>
+            <a:endParaRPr lang="en-US" dirty="0" smtClean="0"/>
+          </a:p>
+          <a:p>
+            <a:endParaRPr lang="en-US" dirty="0" smtClean="0"/>
+          </a:p>
+          <a:p>
+            <a:r>
+              <a:rPr lang="en-US" dirty="0" smtClean="0"/>
+              <a:t>Network port scans must be approved by AWS in </a:t>
+            </a:r>
+            <a:r>
+              <a:rPr lang="en-US" dirty="0" smtClean="0"/>
+              <a:t>advance.</a:t>
+            </a:r>
+            <a:endParaRPr lang="en-US" dirty="0" smtClean="0"/>
+          </a:p>
+          <a:p>
+            <a:endParaRPr lang="en-US" dirty="0"/>
+          </a:p>
+        </p:txBody>
+      </p:sp>
+    </p:spTree>
+    <p:extLst>
+      <p:ext uri="{BB962C8B-B14F-4D97-AF65-F5344CB8AC3E}">
+        <p14:creationId xmlns:p14="http://schemas.microsoft.com/office/powerpoint/2010/main" val="1300806929"/>
+      </p:ext>
+    </p:extLst>
+  </p:cSld>
+  <p:clrMapOvr>
+    <a:masterClrMapping/>
+  </p:clrMapOvr>
+</p:sld>
+</file>
+
 <file path=ppt/slides/slide39.xml><?xml version="1.0" encoding="utf-8"?>
 <p:sld xmlns:a="http://schemas.openxmlformats.org/drawingml/2006/main" xmlns:r="http://schemas.openxmlformats.org/officeDocument/2006/relationships" xmlns:p="http://schemas.openxmlformats.org/presentationml/2006/main">
   <p:cSld>
@@ -8045,267 +8411,6 @@
           <a:p>
             <a:r>
               <a:rPr lang="en-US" dirty="0" smtClean="0"/>
-              <a:t>AWS Network Security</a:t>
-            </a:r>
-            <a:endParaRPr lang="en-US" dirty="0"/>
-          </a:p>
-        </p:txBody>
-      </p:sp>
-      <p:sp>
-        <p:nvSpPr>
-          <p:cNvPr id="3" name="Content Placeholder 2"/>
-          <p:cNvSpPr>
-            <a:spLocks noGrp="1"/>
-          </p:cNvSpPr>
-          <p:nvPr>
-            <p:ph idx="1"/>
-          </p:nvPr>
-        </p:nvSpPr>
-        <p:spPr/>
-        <p:txBody>
-          <a:bodyPr>
-            <a:normAutofit fontScale="92500" lnSpcReduction="10000"/>
-          </a:bodyPr>
-          <a:lstStyle/>
-          <a:p>
-            <a:r>
-              <a:rPr lang="en-US" dirty="0" smtClean="0"/>
-              <a:t>AWS network and Amazon network use similar infrastructure, but are logically separated from one another</a:t>
-            </a:r>
-          </a:p>
-          <a:p>
-            <a:endParaRPr lang="en-US" dirty="0" smtClean="0"/>
-          </a:p>
-          <a:p>
-            <a:r>
-              <a:rPr lang="en-US" dirty="0" smtClean="0"/>
-              <a:t>AWS prevents IP spoofing: instance sending data with an IP or MAC address that’s not it’s own</a:t>
-            </a:r>
-          </a:p>
-          <a:p>
-            <a:endParaRPr lang="en-US" dirty="0" smtClean="0"/>
-          </a:p>
-          <a:p>
-            <a:r>
-              <a:rPr lang="en-US" dirty="0" smtClean="0"/>
-              <a:t>Network port scans must be approved by AWS in advance</a:t>
-            </a:r>
-          </a:p>
-          <a:p>
-            <a:endParaRPr lang="en-US" dirty="0"/>
-          </a:p>
-        </p:txBody>
-      </p:sp>
-    </p:spTree>
-    <p:extLst>
-      <p:ext uri="{BB962C8B-B14F-4D97-AF65-F5344CB8AC3E}">
-        <p14:creationId xmlns:p14="http://schemas.microsoft.com/office/powerpoint/2010/main" val="1300806929"/>
-      </p:ext>
-    </p:extLst>
-  </p:cSld>
-  <p:clrMapOvr>
-    <a:masterClrMapping/>
-  </p:clrMapOvr>
-</p:sld>
-</file>
-
-<file path=ppt/slides/slide4.xml><?xml version="1.0" encoding="utf-8"?>
-<p:sld xmlns:a="http://schemas.openxmlformats.org/drawingml/2006/main" xmlns:r="http://schemas.openxmlformats.org/officeDocument/2006/relationships" xmlns:p="http://schemas.openxmlformats.org/presentationml/2006/main">
-  <p:cSld>
-    <p:spTree>
-      <p:nvGrpSpPr>
-        <p:cNvPr id="1" name=""/>
-        <p:cNvGrpSpPr/>
-        <p:nvPr/>
-      </p:nvGrpSpPr>
-      <p:grpSpPr>
-        <a:xfrm>
-          <a:off x="0" y="0"/>
-          <a:ext cx="0" cy="0"/>
-          <a:chOff x="0" y="0"/>
-          <a:chExt cx="0" cy="0"/>
-        </a:xfrm>
-      </p:grpSpPr>
-      <p:sp>
-        <p:nvSpPr>
-          <p:cNvPr id="2" name="Title 1"/>
-          <p:cNvSpPr>
-            <a:spLocks noGrp="1"/>
-          </p:cNvSpPr>
-          <p:nvPr>
-            <p:ph type="title"/>
-          </p:nvPr>
-        </p:nvSpPr>
-        <p:spPr/>
-        <p:txBody>
-          <a:bodyPr/>
-          <a:lstStyle/>
-          <a:p>
-            <a:r>
-              <a:rPr lang="en-US" dirty="0" smtClean="0"/>
-              <a:t>Readings</a:t>
-            </a:r>
-            <a:endParaRPr lang="en-US" dirty="0"/>
-          </a:p>
-        </p:txBody>
-      </p:sp>
-      <p:sp>
-        <p:nvSpPr>
-          <p:cNvPr id="3" name="Content Placeholder 2"/>
-          <p:cNvSpPr>
-            <a:spLocks noGrp="1"/>
-          </p:cNvSpPr>
-          <p:nvPr>
-            <p:ph idx="1"/>
-          </p:nvPr>
-        </p:nvSpPr>
-        <p:spPr/>
-        <p:txBody>
-          <a:bodyPr>
-            <a:normAutofit fontScale="92500" lnSpcReduction="10000"/>
-          </a:bodyPr>
-          <a:lstStyle/>
-          <a:p>
-            <a:r>
-              <a:rPr lang="en-US" dirty="0" smtClean="0"/>
-              <a:t>Web Operations Chapter 2: Lessons Learned</a:t>
-            </a:r>
-            <a:endParaRPr lang="en-US" dirty="0"/>
-          </a:p>
-          <a:p>
-            <a:pPr lvl="1"/>
-            <a:r>
-              <a:rPr lang="en-US" dirty="0" smtClean="0"/>
-              <a:t>Provides an example of </a:t>
-            </a:r>
-            <a:r>
-              <a:rPr lang="en-US" dirty="0" err="1" smtClean="0"/>
-              <a:t>Piknik’s</a:t>
-            </a:r>
-            <a:r>
-              <a:rPr lang="en-US" dirty="0" smtClean="0"/>
-              <a:t> journey with AWS</a:t>
-            </a:r>
-          </a:p>
-          <a:p>
-            <a:pPr lvl="1"/>
-            <a:r>
-              <a:rPr lang="en-US" dirty="0" smtClean="0"/>
-              <a:t>Note that this story is 5+ years old</a:t>
-            </a:r>
-          </a:p>
-          <a:p>
-            <a:pPr lvl="2"/>
-            <a:r>
-              <a:rPr lang="en-US" dirty="0" smtClean="0"/>
-              <a:t>AWS reliability is better</a:t>
-            </a:r>
-          </a:p>
-          <a:p>
-            <a:pPr lvl="2"/>
-            <a:r>
-              <a:rPr lang="en-US" dirty="0" smtClean="0"/>
-              <a:t>Very high-end storage I/O options are now available (I2) as well as EFS (replacing NAS)</a:t>
-            </a:r>
-          </a:p>
-          <a:p>
-            <a:pPr lvl="2"/>
-            <a:endParaRPr lang="en-US" dirty="0" smtClean="0"/>
-          </a:p>
-          <a:p>
-            <a:pPr lvl="1"/>
-            <a:r>
-              <a:rPr lang="en-US" dirty="0" smtClean="0"/>
-              <a:t>Lessons:</a:t>
-            </a:r>
-          </a:p>
-          <a:p>
-            <a:pPr lvl="2"/>
-            <a:r>
-              <a:rPr lang="en-US" dirty="0" smtClean="0"/>
-              <a:t>Danger of “infinite” storage is that it’s easy to waste it</a:t>
-            </a:r>
-          </a:p>
-          <a:p>
-            <a:pPr lvl="2"/>
-            <a:r>
-              <a:rPr lang="en-US" dirty="0" smtClean="0"/>
-              <a:t>I/O (network and/or disk) are typically the biggest performance constraints</a:t>
-            </a:r>
-          </a:p>
-        </p:txBody>
-      </p:sp>
-      <p:pic>
-        <p:nvPicPr>
-          <p:cNvPr id="4" name="Picture 3"/>
-          <p:cNvPicPr>
-            <a:picLocks noChangeAspect="1"/>
-          </p:cNvPicPr>
-          <p:nvPr/>
-        </p:nvPicPr>
-        <p:blipFill>
-          <a:blip r:embed="rId2"/>
-          <a:stretch>
-            <a:fillRect/>
-          </a:stretch>
-        </p:blipFill>
-        <p:spPr>
-          <a:xfrm>
-            <a:off x="7333612" y="274638"/>
-            <a:ext cx="1012102" cy="1325562"/>
-          </a:xfrm>
-          <a:prstGeom prst="rect">
-            <a:avLst/>
-          </a:prstGeom>
-        </p:spPr>
-      </p:pic>
-    </p:spTree>
-    <p:extLst>
-      <p:ext uri="{BB962C8B-B14F-4D97-AF65-F5344CB8AC3E}">
-        <p14:creationId xmlns:p14="http://schemas.microsoft.com/office/powerpoint/2010/main" val="3875521531"/>
-      </p:ext>
-    </p:extLst>
-  </p:cSld>
-  <p:clrMapOvr>
-    <a:masterClrMapping/>
-  </p:clrMapOvr>
-</p:sld>
-</file>
-
-<file path=ppt/slides/slide40.xml><?xml version="1.0" encoding="utf-8"?>
-<p:sld xmlns:a="http://schemas.openxmlformats.org/drawingml/2006/main" xmlns:r="http://schemas.openxmlformats.org/officeDocument/2006/relationships" xmlns:p="http://schemas.openxmlformats.org/presentationml/2006/main">
-  <p:cSld>
-    <p:spTree>
-      <p:nvGrpSpPr>
-        <p:cNvPr id="1" name=""/>
-        <p:cNvGrpSpPr/>
-        <p:nvPr/>
-      </p:nvGrpSpPr>
-      <p:grpSpPr>
-        <a:xfrm>
-          <a:off x="0" y="0"/>
-          <a:ext cx="0" cy="0"/>
-          <a:chOff x="0" y="0"/>
-          <a:chExt cx="0" cy="0"/>
-        </a:xfrm>
-      </p:grpSpPr>
-      <p:sp>
-        <p:nvSpPr>
-          <p:cNvPr id="2" name="Title 1"/>
-          <p:cNvSpPr>
-            <a:spLocks noGrp="1"/>
-          </p:cNvSpPr>
-          <p:nvPr>
-            <p:ph type="title"/>
-          </p:nvPr>
-        </p:nvSpPr>
-        <p:spPr/>
-        <p:txBody>
-          <a:bodyPr/>
-          <a:lstStyle/>
-          <a:p>
-            <a:r>
-              <a:rPr lang="en-US" dirty="0" smtClean="0"/>
               <a:t>AWS Trusted Advisor</a:t>
             </a:r>
             <a:endParaRPr lang="en-US" dirty="0"/>
@@ -8331,8 +8436,13 @@
           <a:p>
             <a:r>
               <a:rPr lang="en-US" dirty="0" smtClean="0"/>
-              <a:t>Originally an internal tool used by AWS consultants to audit customer service configuration</a:t>
-            </a:r>
+              <a:t>Originally an internal tool used by AWS consultants to audit customer service </a:t>
+            </a:r>
+            <a:r>
+              <a:rPr lang="en-US" dirty="0" smtClean="0"/>
+              <a:t>configuration.</a:t>
+            </a:r>
+            <a:endParaRPr lang="en-US" dirty="0" smtClean="0"/>
           </a:p>
           <a:p>
             <a:endParaRPr lang="en-US" dirty="0" smtClean="0"/>
@@ -8378,7 +8488,11 @@
           <a:p>
             <a:r>
               <a:rPr lang="en-US" dirty="0" smtClean="0"/>
-              <a:t>Basic review available for free, advanced reports require a support plan</a:t>
+              <a:t>Basic review available for free, advanced reports require a support </a:t>
+            </a:r>
+            <a:r>
+              <a:rPr lang="en-US" dirty="0" smtClean="0"/>
+              <a:t>plan.</a:t>
             </a:r>
             <a:endParaRPr lang="en-US" dirty="0"/>
           </a:p>
@@ -8427,419 +8541,7 @@
 </p:sld>
 </file>
 
-<file path=ppt/slides/slide41.xml><?xml version="1.0" encoding="utf-8"?>
-<p:sld xmlns:a="http://schemas.openxmlformats.org/drawingml/2006/main" xmlns:r="http://schemas.openxmlformats.org/officeDocument/2006/relationships" xmlns:p="http://schemas.openxmlformats.org/presentationml/2006/main">
-  <p:cSld>
-    <p:spTree>
-      <p:nvGrpSpPr>
-        <p:cNvPr id="1" name=""/>
-        <p:cNvGrpSpPr/>
-        <p:nvPr/>
-      </p:nvGrpSpPr>
-      <p:grpSpPr>
-        <a:xfrm>
-          <a:off x="0" y="0"/>
-          <a:ext cx="0" cy="0"/>
-          <a:chOff x="0" y="0"/>
-          <a:chExt cx="0" cy="0"/>
-        </a:xfrm>
-      </p:grpSpPr>
-      <p:sp>
-        <p:nvSpPr>
-          <p:cNvPr id="2" name="Title 1"/>
-          <p:cNvSpPr>
-            <a:spLocks noGrp="1"/>
-          </p:cNvSpPr>
-          <p:nvPr>
-            <p:ph type="title"/>
-          </p:nvPr>
-        </p:nvSpPr>
-        <p:spPr/>
-        <p:txBody>
-          <a:bodyPr/>
-          <a:lstStyle/>
-          <a:p>
-            <a:r>
-              <a:rPr lang="en-US" dirty="0" smtClean="0"/>
-              <a:t>Resource Groups</a:t>
-            </a:r>
-            <a:endParaRPr lang="en-US" dirty="0"/>
-          </a:p>
-        </p:txBody>
-      </p:sp>
-      <p:sp>
-        <p:nvSpPr>
-          <p:cNvPr id="3" name="Content Placeholder 2"/>
-          <p:cNvSpPr>
-            <a:spLocks noGrp="1"/>
-          </p:cNvSpPr>
-          <p:nvPr>
-            <p:ph idx="1"/>
-          </p:nvPr>
-        </p:nvSpPr>
-        <p:spPr/>
-        <p:txBody>
-          <a:bodyPr>
-            <a:normAutofit fontScale="92500"/>
-          </a:bodyPr>
-          <a:lstStyle/>
-          <a:p>
-            <a:r>
-              <a:rPr lang="en-US" dirty="0" smtClean="0"/>
-              <a:t>Resource Groups are collections of AWS resources that share tags</a:t>
-            </a:r>
-          </a:p>
-          <a:p>
-            <a:pPr lvl="1"/>
-            <a:r>
-              <a:rPr lang="en-US" dirty="0" smtClean="0"/>
-              <a:t>Tags are user-definable metadata for resources</a:t>
-            </a:r>
-          </a:p>
-          <a:p>
-            <a:pPr lvl="1"/>
-            <a:r>
-              <a:rPr lang="en-US" dirty="0" smtClean="0"/>
-              <a:t>One or more tags may be used in a resource group</a:t>
-            </a:r>
-          </a:p>
-          <a:p>
-            <a:pPr marL="457200" lvl="1" indent="0">
-              <a:buNone/>
-            </a:pPr>
-            <a:endParaRPr lang="en-US" dirty="0" smtClean="0"/>
-          </a:p>
-          <a:p>
-            <a:r>
-              <a:rPr lang="en-US" dirty="0" smtClean="0"/>
-              <a:t>Benefit: easily view associated resources across the entire AWS platform</a:t>
-            </a:r>
-          </a:p>
-          <a:p>
-            <a:pPr lvl="1"/>
-            <a:r>
-              <a:rPr lang="en-US" dirty="0" smtClean="0"/>
-              <a:t>Tag and group resources by organization or project</a:t>
-            </a:r>
-          </a:p>
-          <a:p>
-            <a:pPr lvl="1"/>
-            <a:r>
-              <a:rPr lang="en-US" dirty="0" smtClean="0"/>
-              <a:t>Group resources by owner</a:t>
-            </a:r>
-          </a:p>
-          <a:p>
-            <a:endParaRPr lang="en-US" dirty="0"/>
-          </a:p>
-        </p:txBody>
-      </p:sp>
-    </p:spTree>
-    <p:extLst>
-      <p:ext uri="{BB962C8B-B14F-4D97-AF65-F5344CB8AC3E}">
-        <p14:creationId xmlns:p14="http://schemas.microsoft.com/office/powerpoint/2010/main" val="2290194258"/>
-      </p:ext>
-    </p:extLst>
-  </p:cSld>
-  <p:clrMapOvr>
-    <a:masterClrMapping/>
-  </p:clrMapOvr>
-</p:sld>
-</file>
-
-<file path=ppt/slides/slide42.xml><?xml version="1.0" encoding="utf-8"?>
-<p:sld xmlns:a="http://schemas.openxmlformats.org/drawingml/2006/main" xmlns:r="http://schemas.openxmlformats.org/officeDocument/2006/relationships" xmlns:p="http://schemas.openxmlformats.org/presentationml/2006/main">
-  <p:cSld>
-    <p:spTree>
-      <p:nvGrpSpPr>
-        <p:cNvPr id="1" name=""/>
-        <p:cNvGrpSpPr/>
-        <p:nvPr/>
-      </p:nvGrpSpPr>
-      <p:grpSpPr>
-        <a:xfrm>
-          <a:off x="0" y="0"/>
-          <a:ext cx="0" cy="0"/>
-          <a:chOff x="0" y="0"/>
-          <a:chExt cx="0" cy="0"/>
-        </a:xfrm>
-      </p:grpSpPr>
-      <p:sp>
-        <p:nvSpPr>
-          <p:cNvPr id="2" name="Title 1"/>
-          <p:cNvSpPr>
-            <a:spLocks noGrp="1"/>
-          </p:cNvSpPr>
-          <p:nvPr>
-            <p:ph type="title"/>
-          </p:nvPr>
-        </p:nvSpPr>
-        <p:spPr/>
-        <p:txBody>
-          <a:bodyPr/>
-          <a:lstStyle/>
-          <a:p>
-            <a:r>
-              <a:rPr lang="en-US" dirty="0" smtClean="0"/>
-              <a:t>Homework</a:t>
-            </a:r>
-            <a:endParaRPr lang="en-US" dirty="0"/>
-          </a:p>
-        </p:txBody>
-      </p:sp>
-      <p:sp>
-        <p:nvSpPr>
-          <p:cNvPr id="3" name="Content Placeholder 2"/>
-          <p:cNvSpPr>
-            <a:spLocks noGrp="1"/>
-          </p:cNvSpPr>
-          <p:nvPr>
-            <p:ph idx="1"/>
-          </p:nvPr>
-        </p:nvSpPr>
-        <p:spPr/>
-        <p:txBody>
-          <a:bodyPr/>
-          <a:lstStyle/>
-          <a:p>
-            <a:r>
-              <a:rPr lang="en-US" sz="2800" dirty="0" smtClean="0"/>
-              <a:t>Study for Midterm </a:t>
-            </a:r>
-            <a:r>
-              <a:rPr lang="en-US" sz="2800" dirty="0" smtClean="0"/>
-              <a:t>Exam – Good Luck!</a:t>
-            </a:r>
-            <a:endParaRPr lang="en-US" sz="2800" dirty="0" smtClean="0"/>
-          </a:p>
-          <a:p>
-            <a:endParaRPr lang="en-US" sz="2800" dirty="0" smtClean="0"/>
-          </a:p>
-          <a:p>
-            <a:r>
-              <a:rPr lang="en-US" sz="2800" dirty="0" smtClean="0"/>
-              <a:t>Due in Week 8 class:</a:t>
-            </a:r>
-          </a:p>
-          <a:p>
-            <a:pPr lvl="1"/>
-            <a:r>
-              <a:rPr lang="en-US" sz="2400" dirty="0" smtClean="0"/>
-              <a:t>Assignment 6</a:t>
-            </a:r>
-          </a:p>
-          <a:p>
-            <a:pPr lvl="1"/>
-            <a:r>
-              <a:rPr lang="en-US" sz="2400" dirty="0" smtClean="0"/>
-              <a:t>Read </a:t>
-            </a:r>
-            <a:r>
-              <a:rPr lang="en-US" sz="2400" i="1" dirty="0" smtClean="0"/>
-              <a:t>Practice of Cloud Systems Administration </a:t>
-            </a:r>
-            <a:r>
-              <a:rPr lang="en-US" sz="2400" smtClean="0"/>
-              <a:t>Chapters </a:t>
-            </a:r>
-            <a:r>
-              <a:rPr lang="en-US" sz="2400" smtClean="0"/>
-              <a:t>4 </a:t>
-            </a:r>
-            <a:r>
-              <a:rPr lang="en-US" sz="2400" smtClean="0"/>
-              <a:t>&amp; </a:t>
-            </a:r>
-            <a:r>
-              <a:rPr lang="en-US" sz="2400" smtClean="0"/>
-              <a:t>5</a:t>
-            </a:r>
-            <a:endParaRPr lang="en-US" sz="2400" dirty="0"/>
-          </a:p>
-        </p:txBody>
-      </p:sp>
-    </p:spTree>
-    <p:extLst>
-      <p:ext uri="{BB962C8B-B14F-4D97-AF65-F5344CB8AC3E}">
-        <p14:creationId xmlns:p14="http://schemas.microsoft.com/office/powerpoint/2010/main" val="168230186"/>
-      </p:ext>
-    </p:extLst>
-  </p:cSld>
-  <p:clrMapOvr>
-    <a:masterClrMapping/>
-  </p:clrMapOvr>
-</p:sld>
-</file>
-
-<file path=ppt/slides/slide5.xml><?xml version="1.0" encoding="utf-8"?>
-<p:sld xmlns:a="http://schemas.openxmlformats.org/drawingml/2006/main" xmlns:r="http://schemas.openxmlformats.org/officeDocument/2006/relationships" xmlns:p="http://schemas.openxmlformats.org/presentationml/2006/main">
-  <p:cSld>
-    <p:spTree>
-      <p:nvGrpSpPr>
-        <p:cNvPr id="1" name=""/>
-        <p:cNvGrpSpPr/>
-        <p:nvPr/>
-      </p:nvGrpSpPr>
-      <p:grpSpPr>
-        <a:xfrm>
-          <a:off x="0" y="0"/>
-          <a:ext cx="0" cy="0"/>
-          <a:chOff x="0" y="0"/>
-          <a:chExt cx="0" cy="0"/>
-        </a:xfrm>
-      </p:grpSpPr>
-      <p:sp>
-        <p:nvSpPr>
-          <p:cNvPr id="2" name="Title 1"/>
-          <p:cNvSpPr>
-            <a:spLocks noGrp="1"/>
-          </p:cNvSpPr>
-          <p:nvPr>
-            <p:ph type="title"/>
-          </p:nvPr>
-        </p:nvSpPr>
-        <p:spPr/>
-        <p:txBody>
-          <a:bodyPr/>
-          <a:lstStyle/>
-          <a:p>
-            <a:r>
-              <a:rPr lang="en-US" dirty="0" err="1" smtClean="0"/>
-              <a:t>CloudWatch</a:t>
-            </a:r>
-            <a:endParaRPr lang="en-US" dirty="0"/>
-          </a:p>
-        </p:txBody>
-      </p:sp>
-      <p:sp>
-        <p:nvSpPr>
-          <p:cNvPr id="3" name="Content Placeholder 2"/>
-          <p:cNvSpPr>
-            <a:spLocks noGrp="1"/>
-          </p:cNvSpPr>
-          <p:nvPr>
-            <p:ph idx="1"/>
-          </p:nvPr>
-        </p:nvSpPr>
-        <p:spPr/>
-        <p:txBody>
-          <a:bodyPr>
-            <a:normAutofit fontScale="85000" lnSpcReduction="20000"/>
-          </a:bodyPr>
-          <a:lstStyle/>
-          <a:p>
-            <a:r>
-              <a:rPr lang="en-US" b="1" dirty="0" err="1" smtClean="0"/>
-              <a:t>CloudWatch</a:t>
-            </a:r>
-            <a:r>
-              <a:rPr lang="en-US" dirty="0" smtClean="0"/>
-              <a:t> is a monitoring service for AWS resources and applications</a:t>
-            </a:r>
-          </a:p>
-          <a:p>
-            <a:pPr lvl="1"/>
-            <a:r>
-              <a:rPr lang="en-US" dirty="0" smtClean="0"/>
-              <a:t>Track performance metrics</a:t>
-            </a:r>
-          </a:p>
-          <a:p>
-            <a:pPr lvl="1"/>
-            <a:r>
-              <a:rPr lang="en-US" dirty="0" smtClean="0"/>
-              <a:t>Collect and monitor log files</a:t>
-            </a:r>
-          </a:p>
-          <a:p>
-            <a:pPr lvl="1"/>
-            <a:r>
-              <a:rPr lang="en-US" dirty="0" smtClean="0"/>
-              <a:t>Set alarms based on predefined thresholds</a:t>
-            </a:r>
-          </a:p>
-          <a:p>
-            <a:pPr lvl="1"/>
-            <a:endParaRPr lang="en-US" dirty="0" smtClean="0"/>
-          </a:p>
-          <a:p>
-            <a:r>
-              <a:rPr lang="en-US" dirty="0" smtClean="0"/>
-              <a:t>Supports EC2, RDS, </a:t>
-            </a:r>
-            <a:r>
-              <a:rPr lang="en-US" dirty="0" err="1" smtClean="0"/>
-              <a:t>DynamoDB</a:t>
-            </a:r>
-            <a:r>
-              <a:rPr lang="en-US" dirty="0" smtClean="0"/>
-              <a:t>, and other services</a:t>
-            </a:r>
-          </a:p>
-          <a:p>
-            <a:endParaRPr lang="en-US" dirty="0" smtClean="0"/>
-          </a:p>
-          <a:p>
-            <a:r>
-              <a:rPr lang="en-US" dirty="0" smtClean="0"/>
-              <a:t>Basic monitoring is free, detailed costs extra</a:t>
-            </a:r>
-          </a:p>
-          <a:p>
-            <a:pPr lvl="1"/>
-            <a:r>
-              <a:rPr lang="en-US" dirty="0" smtClean="0"/>
-              <a:t>Increased interval from 5 min to 1 min</a:t>
-            </a:r>
-          </a:p>
-          <a:p>
-            <a:pPr lvl="1"/>
-            <a:r>
-              <a:rPr lang="en-US" dirty="0" smtClean="0"/>
-              <a:t>Monitor custom app metrics using an API</a:t>
-            </a:r>
-            <a:endParaRPr lang="en-US" dirty="0"/>
-          </a:p>
-        </p:txBody>
-      </p:sp>
-      <p:pic>
-        <p:nvPicPr>
-          <p:cNvPr id="4" name="Picture 3"/>
-          <p:cNvPicPr>
-            <a:picLocks noChangeAspect="1"/>
-          </p:cNvPicPr>
-          <p:nvPr/>
-        </p:nvPicPr>
-        <p:blipFill>
-          <a:blip r:embed="rId2"/>
-          <a:stretch>
-            <a:fillRect/>
-          </a:stretch>
-        </p:blipFill>
-        <p:spPr>
-          <a:xfrm>
-            <a:off x="7370618" y="274638"/>
-            <a:ext cx="1316182" cy="1316182"/>
-          </a:xfrm>
-          <a:prstGeom prst="rect">
-            <a:avLst/>
-          </a:prstGeom>
-        </p:spPr>
-      </p:pic>
-    </p:spTree>
-    <p:extLst>
-      <p:ext uri="{BB962C8B-B14F-4D97-AF65-F5344CB8AC3E}">
-        <p14:creationId xmlns:p14="http://schemas.microsoft.com/office/powerpoint/2010/main" val="843961752"/>
-      </p:ext>
-    </p:extLst>
-  </p:cSld>
-  <p:clrMapOvr>
-    <a:masterClrMapping/>
-  </p:clrMapOvr>
-</p:sld>
-</file>
-
-<file path=ppt/slides/slide6.xml><?xml version="1.0" encoding="utf-8"?>
+<file path=ppt/slides/slide4.xml><?xml version="1.0" encoding="utf-8"?>
 <p:sld xmlns:a="http://schemas.openxmlformats.org/drawingml/2006/main" xmlns:r="http://schemas.openxmlformats.org/officeDocument/2006/relationships" xmlns:p="http://schemas.openxmlformats.org/presentationml/2006/main">
   <p:cSld>
     <p:spTree>
@@ -8920,7 +8622,260 @@
 </p:sld>
 </file>
 
-<file path=ppt/slides/slide7.xml><?xml version="1.0" encoding="utf-8"?>
+<file path=ppt/slides/slide40.xml><?xml version="1.0" encoding="utf-8"?>
+<p:sld xmlns:a="http://schemas.openxmlformats.org/drawingml/2006/main" xmlns:r="http://schemas.openxmlformats.org/officeDocument/2006/relationships" xmlns:p="http://schemas.openxmlformats.org/presentationml/2006/main">
+  <p:cSld>
+    <p:spTree>
+      <p:nvGrpSpPr>
+        <p:cNvPr id="1" name=""/>
+        <p:cNvGrpSpPr/>
+        <p:nvPr/>
+      </p:nvGrpSpPr>
+      <p:grpSpPr>
+        <a:xfrm>
+          <a:off x="0" y="0"/>
+          <a:ext cx="0" cy="0"/>
+          <a:chOff x="0" y="0"/>
+          <a:chExt cx="0" cy="0"/>
+        </a:xfrm>
+      </p:grpSpPr>
+      <p:sp>
+        <p:nvSpPr>
+          <p:cNvPr id="2" name="Title 1"/>
+          <p:cNvSpPr>
+            <a:spLocks noGrp="1"/>
+          </p:cNvSpPr>
+          <p:nvPr>
+            <p:ph type="title"/>
+          </p:nvPr>
+        </p:nvSpPr>
+        <p:spPr/>
+        <p:txBody>
+          <a:bodyPr/>
+          <a:lstStyle/>
+          <a:p>
+            <a:r>
+              <a:rPr lang="en-US" dirty="0" smtClean="0"/>
+              <a:t>Resource Groups</a:t>
+            </a:r>
+            <a:endParaRPr lang="en-US" dirty="0"/>
+          </a:p>
+        </p:txBody>
+      </p:sp>
+      <p:sp>
+        <p:nvSpPr>
+          <p:cNvPr id="3" name="Content Placeholder 2"/>
+          <p:cNvSpPr>
+            <a:spLocks noGrp="1"/>
+          </p:cNvSpPr>
+          <p:nvPr>
+            <p:ph idx="1"/>
+          </p:nvPr>
+        </p:nvSpPr>
+        <p:spPr/>
+        <p:txBody>
+          <a:bodyPr>
+            <a:normAutofit fontScale="92500"/>
+          </a:bodyPr>
+          <a:lstStyle/>
+          <a:p>
+            <a:r>
+              <a:rPr lang="en-US" dirty="0" smtClean="0"/>
+              <a:t>Resource Groups are collections of AWS resources that share </a:t>
+            </a:r>
+            <a:r>
+              <a:rPr lang="en-US" dirty="0" smtClean="0"/>
+              <a:t>tags.</a:t>
+            </a:r>
+            <a:endParaRPr lang="en-US" dirty="0" smtClean="0"/>
+          </a:p>
+          <a:p>
+            <a:pPr lvl="1"/>
+            <a:r>
+              <a:rPr lang="en-US" dirty="0" smtClean="0"/>
+              <a:t>Tags are user-definable metadata for resources</a:t>
+            </a:r>
+          </a:p>
+          <a:p>
+            <a:pPr lvl="1"/>
+            <a:r>
+              <a:rPr lang="en-US" dirty="0" smtClean="0"/>
+              <a:t>One or more tags may be used in a resource group</a:t>
+            </a:r>
+          </a:p>
+          <a:p>
+            <a:pPr marL="457200" lvl="1" indent="0">
+              <a:buNone/>
+            </a:pPr>
+            <a:endParaRPr lang="en-US" dirty="0" smtClean="0"/>
+          </a:p>
+          <a:p>
+            <a:r>
+              <a:rPr lang="en-US" dirty="0" smtClean="0"/>
+              <a:t>Benefit: easily view associated resources across the entire AWS </a:t>
+            </a:r>
+            <a:r>
+              <a:rPr lang="en-US" dirty="0" smtClean="0"/>
+              <a:t>platform.</a:t>
+            </a:r>
+            <a:endParaRPr lang="en-US" dirty="0" smtClean="0"/>
+          </a:p>
+          <a:p>
+            <a:pPr lvl="1"/>
+            <a:r>
+              <a:rPr lang="en-US" dirty="0" smtClean="0"/>
+              <a:t>Tag and group resources by organization or project</a:t>
+            </a:r>
+          </a:p>
+          <a:p>
+            <a:pPr lvl="1"/>
+            <a:r>
+              <a:rPr lang="en-US" dirty="0" smtClean="0"/>
+              <a:t>Group resources by owner</a:t>
+            </a:r>
+          </a:p>
+          <a:p>
+            <a:endParaRPr lang="en-US" dirty="0"/>
+          </a:p>
+        </p:txBody>
+      </p:sp>
+    </p:spTree>
+    <p:extLst>
+      <p:ext uri="{BB962C8B-B14F-4D97-AF65-F5344CB8AC3E}">
+        <p14:creationId xmlns:p14="http://schemas.microsoft.com/office/powerpoint/2010/main" val="2290194258"/>
+      </p:ext>
+    </p:extLst>
+  </p:cSld>
+  <p:clrMapOvr>
+    <a:masterClrMapping/>
+  </p:clrMapOvr>
+</p:sld>
+</file>
+
+<file path=ppt/slides/slide41.xml><?xml version="1.0" encoding="utf-8"?>
+<p:sld xmlns:a="http://schemas.openxmlformats.org/drawingml/2006/main" xmlns:r="http://schemas.openxmlformats.org/officeDocument/2006/relationships" xmlns:p="http://schemas.openxmlformats.org/presentationml/2006/main">
+  <p:cSld>
+    <p:spTree>
+      <p:nvGrpSpPr>
+        <p:cNvPr id="1" name=""/>
+        <p:cNvGrpSpPr/>
+        <p:nvPr/>
+      </p:nvGrpSpPr>
+      <p:grpSpPr>
+        <a:xfrm>
+          <a:off x="0" y="0"/>
+          <a:ext cx="0" cy="0"/>
+          <a:chOff x="0" y="0"/>
+          <a:chExt cx="0" cy="0"/>
+        </a:xfrm>
+      </p:grpSpPr>
+      <p:sp>
+        <p:nvSpPr>
+          <p:cNvPr id="2" name="Title 1"/>
+          <p:cNvSpPr>
+            <a:spLocks noGrp="1"/>
+          </p:cNvSpPr>
+          <p:nvPr>
+            <p:ph type="title"/>
+          </p:nvPr>
+        </p:nvSpPr>
+        <p:spPr/>
+        <p:txBody>
+          <a:bodyPr/>
+          <a:lstStyle/>
+          <a:p>
+            <a:r>
+              <a:rPr lang="en-US" dirty="0" smtClean="0"/>
+              <a:t>Homework</a:t>
+            </a:r>
+            <a:endParaRPr lang="en-US" dirty="0"/>
+          </a:p>
+        </p:txBody>
+      </p:sp>
+      <p:sp>
+        <p:nvSpPr>
+          <p:cNvPr id="3" name="Content Placeholder 2"/>
+          <p:cNvSpPr>
+            <a:spLocks noGrp="1"/>
+          </p:cNvSpPr>
+          <p:nvPr>
+            <p:ph idx="1"/>
+          </p:nvPr>
+        </p:nvSpPr>
+        <p:spPr/>
+        <p:txBody>
+          <a:bodyPr/>
+          <a:lstStyle/>
+          <a:p>
+            <a:r>
+              <a:rPr lang="en-US" sz="2800" dirty="0" smtClean="0"/>
+              <a:t>Study for Midterm Exam – Good Luck!</a:t>
+            </a:r>
+          </a:p>
+          <a:p>
+            <a:endParaRPr lang="en-US" sz="2800" dirty="0" smtClean="0"/>
+          </a:p>
+          <a:p>
+            <a:r>
+              <a:rPr lang="en-US" sz="2800" dirty="0" smtClean="0"/>
+              <a:t>Due </a:t>
+            </a:r>
+            <a:r>
+              <a:rPr lang="en-US" sz="2800" dirty="0" smtClean="0"/>
+              <a:t>after Midterm </a:t>
+            </a:r>
+            <a:r>
+              <a:rPr lang="en-US" sz="2800" smtClean="0"/>
+              <a:t>Exam and by </a:t>
+            </a:r>
+            <a:r>
+              <a:rPr lang="en-US" sz="2800" dirty="0" smtClean="0"/>
+              <a:t>Week </a:t>
+            </a:r>
+            <a:r>
+              <a:rPr lang="en-US" sz="2800" dirty="0" smtClean="0"/>
+              <a:t>8 class:</a:t>
+            </a:r>
+          </a:p>
+          <a:p>
+            <a:pPr lvl="1"/>
+            <a:r>
+              <a:rPr lang="en-US" sz="2400" dirty="0" smtClean="0"/>
+              <a:t>Assignment 6</a:t>
+            </a:r>
+          </a:p>
+          <a:p>
+            <a:pPr lvl="1"/>
+            <a:r>
+              <a:rPr lang="en-US" sz="2400" dirty="0" smtClean="0"/>
+              <a:t>Read </a:t>
+            </a:r>
+            <a:r>
+              <a:rPr lang="en-US" sz="2400" i="1" dirty="0" smtClean="0"/>
+              <a:t>Practice of Cloud Systems Administration </a:t>
+            </a:r>
+            <a:r>
+              <a:rPr lang="en-US" sz="2400" dirty="0" smtClean="0"/>
+              <a:t>Chapters 4 &amp; 5</a:t>
+            </a:r>
+            <a:endParaRPr lang="en-US" sz="2400" dirty="0"/>
+          </a:p>
+        </p:txBody>
+      </p:sp>
+    </p:spTree>
+    <p:extLst>
+      <p:ext uri="{BB962C8B-B14F-4D97-AF65-F5344CB8AC3E}">
+        <p14:creationId xmlns:p14="http://schemas.microsoft.com/office/powerpoint/2010/main" val="168230186"/>
+      </p:ext>
+    </p:extLst>
+  </p:cSld>
+  <p:clrMapOvr>
+    <a:masterClrMapping/>
+  </p:clrMapOvr>
+</p:sld>
+</file>
+
+<file path=ppt/slides/slide5.xml><?xml version="1.0" encoding="utf-8"?>
 <p:sld xmlns:a="http://schemas.openxmlformats.org/drawingml/2006/main" xmlns:r="http://schemas.openxmlformats.org/officeDocument/2006/relationships" xmlns:p="http://schemas.openxmlformats.org/presentationml/2006/main">
   <p:cSld>
     <p:spTree>
@@ -9054,7 +9009,7 @@
 </p:sld>
 </file>
 
-<file path=ppt/slides/slide8.xml><?xml version="1.0" encoding="utf-8"?>
+<file path=ppt/slides/slide6.xml><?xml version="1.0" encoding="utf-8"?>
 <p:sld xmlns:a="http://schemas.openxmlformats.org/drawingml/2006/main" xmlns:r="http://schemas.openxmlformats.org/officeDocument/2006/relationships" xmlns:p="http://schemas.openxmlformats.org/presentationml/2006/main">
   <p:cSld>
     <p:spTree>
@@ -9104,10 +9059,15 @@
             <p:ph idx="1"/>
           </p:nvPr>
         </p:nvSpPr>
-        <p:spPr/>
+        <p:spPr>
+          <a:xfrm>
+            <a:off x="457200" y="1600200"/>
+            <a:ext cx="8229600" cy="4951564"/>
+          </a:xfrm>
+        </p:spPr>
         <p:txBody>
           <a:bodyPr>
-            <a:normAutofit fontScale="85000" lnSpcReduction="10000"/>
+            <a:normAutofit fontScale="85000" lnSpcReduction="20000"/>
           </a:bodyPr>
           <a:lstStyle/>
           <a:p>
@@ -9117,8 +9077,13 @@
             </a:r>
             <a:r>
               <a:rPr lang="en-US" dirty="0" smtClean="0"/>
-              <a:t>is a set of shell script commands automatically executed by the instance during the initial launch</a:t>
-            </a:r>
+              <a:t>is a set of shell script commands automatically executed by the instance during the initial </a:t>
+            </a:r>
+            <a:r>
+              <a:rPr lang="en-US" dirty="0" smtClean="0"/>
+              <a:t>launch.</a:t>
+            </a:r>
+            <a:endParaRPr lang="en-US" dirty="0" smtClean="0"/>
           </a:p>
           <a:p>
             <a:endParaRPr lang="en-US" dirty="0" smtClean="0"/>
@@ -9127,38 +9092,56 @@
             <a:r>
               <a:rPr lang="en-US" dirty="0" smtClean="0"/>
               <a:t>Commands are executed as root, so </a:t>
-            </a:r>
-            <a:r>
-              <a:rPr lang="en-US" u="sng" dirty="0" smtClean="0"/>
-              <a:t>do not</a:t>
-            </a:r>
-            <a:r>
-              <a:rPr lang="en-US" dirty="0" smtClean="0"/>
-              <a:t> need </a:t>
             </a:r>
             <a:r>
               <a:rPr lang="en-US" dirty="0" err="1" smtClean="0"/>
               <a:t>sudo</a:t>
             </a:r>
-            <a:endParaRPr lang="en-US" dirty="0" smtClean="0"/>
-          </a:p>
-          <a:p>
-            <a:endParaRPr lang="en-US" dirty="0" smtClean="0"/>
-          </a:p>
-          <a:p>
-            <a:r>
-              <a:rPr lang="en-US" dirty="0" smtClean="0"/>
-              <a:t>Commands supplied via text entry or stored in a file</a:t>
-            </a:r>
-          </a:p>
-          <a:p>
-            <a:endParaRPr lang="en-US" dirty="0" smtClean="0"/>
-          </a:p>
-          <a:p>
-            <a:r>
-              <a:rPr lang="en-US" dirty="0" smtClean="0"/>
-              <a:t>Benefit: automate installation and configuration of instance</a:t>
-            </a:r>
+            <a:r>
+              <a:rPr lang="en-US" dirty="0" smtClean="0"/>
+              <a:t> is </a:t>
+            </a:r>
+            <a:r>
+              <a:rPr lang="en-US" u="sng" dirty="0" smtClean="0"/>
+              <a:t>not</a:t>
+            </a:r>
+            <a:r>
+              <a:rPr lang="en-US" dirty="0" smtClean="0"/>
+              <a:t> needed.</a:t>
+            </a:r>
+            <a:endParaRPr lang="en-US" dirty="0" smtClean="0"/>
+          </a:p>
+          <a:p>
+            <a:endParaRPr lang="en-US" dirty="0" smtClean="0"/>
+          </a:p>
+          <a:p>
+            <a:r>
+              <a:rPr lang="en-US" dirty="0" smtClean="0"/>
+              <a:t>Commands are </a:t>
+            </a:r>
+            <a:r>
+              <a:rPr lang="en-US" dirty="0" smtClean="0"/>
+              <a:t>supplied via text entry or stored in a </a:t>
+            </a:r>
+            <a:r>
+              <a:rPr lang="en-US" dirty="0" smtClean="0"/>
+              <a:t>file.</a:t>
+            </a:r>
+            <a:endParaRPr lang="en-US" dirty="0" smtClean="0"/>
+          </a:p>
+          <a:p>
+            <a:endParaRPr lang="en-US" dirty="0" smtClean="0"/>
+          </a:p>
+          <a:p>
+            <a:r>
+              <a:rPr lang="en-US" dirty="0" smtClean="0"/>
+              <a:t>Benefit: automate installation and configuration of </a:t>
+            </a:r>
+            <a:r>
+              <a:rPr lang="en-US" dirty="0" smtClean="0"/>
+              <a:t>instance.</a:t>
+            </a:r>
+            <a:endParaRPr lang="en-US" dirty="0" smtClean="0"/>
           </a:p>
           <a:p>
             <a:endParaRPr lang="en-US" dirty="0"/>
@@ -9178,7 +9161,7 @@
 </p:sld>
 </file>
 
-<file path=ppt/slides/slide9.xml><?xml version="1.0" encoding="utf-8"?>
+<file path=ppt/slides/slide7.xml><?xml version="1.0" encoding="utf-8"?>
 <p:sld xmlns:a="http://schemas.openxmlformats.org/drawingml/2006/main" xmlns:r="http://schemas.openxmlformats.org/officeDocument/2006/relationships" xmlns:p="http://schemas.openxmlformats.org/presentationml/2006/main">
   <p:cSld>
     <p:spTree>
@@ -9246,6 +9229,264 @@
     <p:extLst>
       <p:ext uri="{BB962C8B-B14F-4D97-AF65-F5344CB8AC3E}">
         <p14:creationId xmlns:p14="http://schemas.microsoft.com/office/powerpoint/2010/main" val="2237291935"/>
+      </p:ext>
+    </p:extLst>
+  </p:cSld>
+  <p:clrMapOvr>
+    <a:masterClrMapping/>
+  </p:clrMapOvr>
+</p:sld>
+</file>
+
+<file path=ppt/slides/slide8.xml><?xml version="1.0" encoding="utf-8"?>
+<p:sld xmlns:a="http://schemas.openxmlformats.org/drawingml/2006/main" xmlns:r="http://schemas.openxmlformats.org/officeDocument/2006/relationships" xmlns:p="http://schemas.openxmlformats.org/presentationml/2006/main">
+  <p:cSld>
+    <p:spTree>
+      <p:nvGrpSpPr>
+        <p:cNvPr id="1" name=""/>
+        <p:cNvGrpSpPr/>
+        <p:nvPr/>
+      </p:nvGrpSpPr>
+      <p:grpSpPr>
+        <a:xfrm>
+          <a:off x="0" y="0"/>
+          <a:ext cx="0" cy="0"/>
+          <a:chOff x="0" y="0"/>
+          <a:chExt cx="0" cy="0"/>
+        </a:xfrm>
+      </p:grpSpPr>
+      <p:sp>
+        <p:nvSpPr>
+          <p:cNvPr id="2" name="Title 1"/>
+          <p:cNvSpPr>
+            <a:spLocks noGrp="1"/>
+          </p:cNvSpPr>
+          <p:nvPr>
+            <p:ph type="title"/>
+          </p:nvPr>
+        </p:nvSpPr>
+        <p:spPr/>
+        <p:txBody>
+          <a:bodyPr/>
+          <a:lstStyle/>
+          <a:p>
+            <a:r>
+              <a:rPr lang="en-US" dirty="0" smtClean="0"/>
+              <a:t>EC2 Auto Scaling</a:t>
+            </a:r>
+            <a:endParaRPr lang="en-US" dirty="0"/>
+          </a:p>
+        </p:txBody>
+      </p:sp>
+      <p:sp>
+        <p:nvSpPr>
+          <p:cNvPr id="3" name="Content Placeholder 2"/>
+          <p:cNvSpPr>
+            <a:spLocks noGrp="1"/>
+          </p:cNvSpPr>
+          <p:nvPr>
+            <p:ph idx="1"/>
+          </p:nvPr>
+        </p:nvSpPr>
+        <p:spPr/>
+        <p:txBody>
+          <a:bodyPr>
+            <a:normAutofit lnSpcReduction="10000"/>
+          </a:bodyPr>
+          <a:lstStyle/>
+          <a:p>
+            <a:r>
+              <a:rPr lang="en-US" b="1" dirty="0" smtClean="0"/>
+              <a:t>Auto scaling </a:t>
+            </a:r>
+            <a:r>
+              <a:rPr lang="en-US" dirty="0" smtClean="0"/>
+              <a:t>allows you to scale EC2 capacity up or down based on defined </a:t>
+            </a:r>
+            <a:r>
+              <a:rPr lang="en-US" dirty="0" smtClean="0"/>
+              <a:t>conditions.</a:t>
+            </a:r>
+            <a:endParaRPr lang="en-US" dirty="0" smtClean="0"/>
+          </a:p>
+          <a:p>
+            <a:pPr lvl="1"/>
+            <a:r>
+              <a:rPr lang="en-US" dirty="0" smtClean="0"/>
+              <a:t>Ensure a certain number of instances are always </a:t>
+            </a:r>
+            <a:r>
+              <a:rPr lang="en-US" dirty="0" smtClean="0"/>
+              <a:t>running.</a:t>
+            </a:r>
+            <a:endParaRPr lang="en-US" dirty="0" smtClean="0"/>
+          </a:p>
+          <a:p>
+            <a:pPr lvl="1"/>
+            <a:r>
+              <a:rPr lang="en-US" dirty="0" smtClean="0"/>
+              <a:t>Increase or decrease number of instances to support current demand and save </a:t>
+            </a:r>
+            <a:r>
+              <a:rPr lang="en-US" dirty="0" smtClean="0"/>
+              <a:t>costs.</a:t>
+            </a:r>
+            <a:endParaRPr lang="en-US" dirty="0" smtClean="0"/>
+          </a:p>
+          <a:p>
+            <a:pPr lvl="1"/>
+            <a:endParaRPr lang="en-US" dirty="0" smtClean="0"/>
+          </a:p>
+          <a:p>
+            <a:r>
+              <a:rPr lang="en-US" dirty="0" smtClean="0"/>
+              <a:t>Only billed for instances created by Auto Scaling, </a:t>
+            </a:r>
+            <a:r>
+              <a:rPr lang="en-US" u="sng" dirty="0" smtClean="0"/>
+              <a:t>not</a:t>
+            </a:r>
+            <a:r>
+              <a:rPr lang="en-US" dirty="0" smtClean="0"/>
+              <a:t> the service </a:t>
+            </a:r>
+            <a:r>
+              <a:rPr lang="en-US" dirty="0" smtClean="0"/>
+              <a:t>itself.</a:t>
+            </a:r>
+            <a:endParaRPr lang="en-US" dirty="0"/>
+          </a:p>
+        </p:txBody>
+      </p:sp>
+    </p:spTree>
+    <p:extLst>
+      <p:ext uri="{BB962C8B-B14F-4D97-AF65-F5344CB8AC3E}">
+        <p14:creationId xmlns:p14="http://schemas.microsoft.com/office/powerpoint/2010/main" val="2568075336"/>
+      </p:ext>
+    </p:extLst>
+  </p:cSld>
+  <p:clrMapOvr>
+    <a:masterClrMapping/>
+  </p:clrMapOvr>
+</p:sld>
+</file>
+
+<file path=ppt/slides/slide9.xml><?xml version="1.0" encoding="utf-8"?>
+<p:sld xmlns:a="http://schemas.openxmlformats.org/drawingml/2006/main" xmlns:r="http://schemas.openxmlformats.org/officeDocument/2006/relationships" xmlns:p="http://schemas.openxmlformats.org/presentationml/2006/main">
+  <p:cSld>
+    <p:spTree>
+      <p:nvGrpSpPr>
+        <p:cNvPr id="1" name=""/>
+        <p:cNvGrpSpPr/>
+        <p:nvPr/>
+      </p:nvGrpSpPr>
+      <p:grpSpPr>
+        <a:xfrm>
+          <a:off x="0" y="0"/>
+          <a:ext cx="0" cy="0"/>
+          <a:chOff x="0" y="0"/>
+          <a:chExt cx="0" cy="0"/>
+        </a:xfrm>
+      </p:grpSpPr>
+      <p:sp>
+        <p:nvSpPr>
+          <p:cNvPr id="2" name="Title 1"/>
+          <p:cNvSpPr>
+            <a:spLocks noGrp="1"/>
+          </p:cNvSpPr>
+          <p:nvPr>
+            <p:ph type="title"/>
+          </p:nvPr>
+        </p:nvSpPr>
+        <p:spPr/>
+        <p:txBody>
+          <a:bodyPr/>
+          <a:lstStyle/>
+          <a:p>
+            <a:r>
+              <a:rPr lang="en-US" dirty="0" smtClean="0"/>
+              <a:t>EC2 Auto Scaling</a:t>
+            </a:r>
+            <a:endParaRPr lang="en-US" dirty="0"/>
+          </a:p>
+        </p:txBody>
+      </p:sp>
+      <p:sp>
+        <p:nvSpPr>
+          <p:cNvPr id="3" name="Content Placeholder 2"/>
+          <p:cNvSpPr>
+            <a:spLocks noGrp="1"/>
+          </p:cNvSpPr>
+          <p:nvPr>
+            <p:ph idx="1"/>
+          </p:nvPr>
+        </p:nvSpPr>
+        <p:spPr/>
+        <p:txBody>
+          <a:bodyPr>
+            <a:normAutofit lnSpcReduction="10000"/>
+          </a:bodyPr>
+          <a:lstStyle/>
+          <a:p>
+            <a:r>
+              <a:rPr lang="en-US" dirty="0" smtClean="0"/>
+              <a:t>Two components of auto scaling configuration:</a:t>
+            </a:r>
+          </a:p>
+          <a:p>
+            <a:pPr lvl="1"/>
+            <a:r>
+              <a:rPr lang="en-US" b="1" dirty="0" smtClean="0"/>
+              <a:t>Launch Configuration</a:t>
+            </a:r>
+            <a:r>
+              <a:rPr lang="en-US" dirty="0" smtClean="0"/>
+              <a:t>: specifies the type of EC2 instance created during the auto scaling </a:t>
+            </a:r>
+            <a:r>
+              <a:rPr lang="en-US" dirty="0" smtClean="0"/>
+              <a:t>process.</a:t>
+            </a:r>
+            <a:endParaRPr lang="en-US" dirty="0" smtClean="0"/>
+          </a:p>
+          <a:p>
+            <a:pPr lvl="2"/>
+            <a:r>
+              <a:rPr lang="en-US" dirty="0" smtClean="0"/>
+              <a:t>Very similar to launching an EC2 instance, in this case just the configuration is </a:t>
+            </a:r>
+            <a:r>
+              <a:rPr lang="en-US" dirty="0" smtClean="0"/>
+              <a:t>created.</a:t>
+            </a:r>
+            <a:endParaRPr lang="en-US" dirty="0" smtClean="0"/>
+          </a:p>
+          <a:p>
+            <a:pPr lvl="2"/>
+            <a:endParaRPr lang="en-US" dirty="0" smtClean="0"/>
+          </a:p>
+          <a:p>
+            <a:pPr lvl="1"/>
+            <a:r>
+              <a:rPr lang="en-US" b="1" dirty="0" smtClean="0"/>
+              <a:t>Auto Scaling Group</a:t>
+            </a:r>
+            <a:r>
+              <a:rPr lang="en-US" dirty="0" smtClean="0"/>
+              <a:t>: defines a set of EC2 instances and the the conditions which determine the number of instances in the </a:t>
+            </a:r>
+            <a:r>
+              <a:rPr lang="en-US" dirty="0" smtClean="0"/>
+              <a:t>set.</a:t>
+            </a:r>
+            <a:endParaRPr lang="en-US" dirty="0"/>
+          </a:p>
+        </p:txBody>
+      </p:sp>
+    </p:spTree>
+    <p:extLst>
+      <p:ext uri="{BB962C8B-B14F-4D97-AF65-F5344CB8AC3E}">
+        <p14:creationId xmlns:p14="http://schemas.microsoft.com/office/powerpoint/2010/main" val="818472278"/>
       </p:ext>
     </p:extLst>
   </p:cSld>

--- a/infrastructure-week-6.pptx
+++ b/infrastructure-week-6.pptx
@@ -232,7 +232,7 @@
           <a:p>
             <a:fld id="{EF3E328F-0131-7F43-AC75-B1BE9FD38BFB}" type="datetimeFigureOut">
               <a:rPr lang="en-US" smtClean="0"/>
-              <a:t>8/14/16</a:t>
+              <a:t>8/15/16</a:t>
             </a:fld>
             <a:endParaRPr lang="en-US"/>
           </a:p>
@@ -849,7 +849,7 @@
           <a:p>
             <a:fld id="{00ED810F-92B1-F946-A788-203E54D97324}" type="datetimeFigureOut">
               <a:rPr lang="en-US" smtClean="0"/>
-              <a:t>8/14/16</a:t>
+              <a:t>8/15/16</a:t>
             </a:fld>
             <a:endParaRPr lang="en-US"/>
           </a:p>
@@ -1019,7 +1019,7 @@
           <a:p>
             <a:fld id="{00ED810F-92B1-F946-A788-203E54D97324}" type="datetimeFigureOut">
               <a:rPr lang="en-US" smtClean="0"/>
-              <a:t>8/14/16</a:t>
+              <a:t>8/15/16</a:t>
             </a:fld>
             <a:endParaRPr lang="en-US"/>
           </a:p>
@@ -1199,7 +1199,7 @@
           <a:p>
             <a:fld id="{00ED810F-92B1-F946-A788-203E54D97324}" type="datetimeFigureOut">
               <a:rPr lang="en-US" smtClean="0"/>
-              <a:t>8/14/16</a:t>
+              <a:t>8/15/16</a:t>
             </a:fld>
             <a:endParaRPr lang="en-US"/>
           </a:p>
@@ -1369,7 +1369,7 @@
           <a:p>
             <a:fld id="{00ED810F-92B1-F946-A788-203E54D97324}" type="datetimeFigureOut">
               <a:rPr lang="en-US" smtClean="0"/>
-              <a:t>8/14/16</a:t>
+              <a:t>8/15/16</a:t>
             </a:fld>
             <a:endParaRPr lang="en-US"/>
           </a:p>
@@ -1615,7 +1615,7 @@
           <a:p>
             <a:fld id="{00ED810F-92B1-F946-A788-203E54D97324}" type="datetimeFigureOut">
               <a:rPr lang="en-US" smtClean="0"/>
-              <a:t>8/14/16</a:t>
+              <a:t>8/15/16</a:t>
             </a:fld>
             <a:endParaRPr lang="en-US"/>
           </a:p>
@@ -1903,7 +1903,7 @@
           <a:p>
             <a:fld id="{00ED810F-92B1-F946-A788-203E54D97324}" type="datetimeFigureOut">
               <a:rPr lang="en-US" smtClean="0"/>
-              <a:t>8/14/16</a:t>
+              <a:t>8/15/16</a:t>
             </a:fld>
             <a:endParaRPr lang="en-US"/>
           </a:p>
@@ -2325,7 +2325,7 @@
           <a:p>
             <a:fld id="{00ED810F-92B1-F946-A788-203E54D97324}" type="datetimeFigureOut">
               <a:rPr lang="en-US" smtClean="0"/>
-              <a:t>8/14/16</a:t>
+              <a:t>8/15/16</a:t>
             </a:fld>
             <a:endParaRPr lang="en-US"/>
           </a:p>
@@ -2443,7 +2443,7 @@
           <a:p>
             <a:fld id="{00ED810F-92B1-F946-A788-203E54D97324}" type="datetimeFigureOut">
               <a:rPr lang="en-US" smtClean="0"/>
-              <a:t>8/14/16</a:t>
+              <a:t>8/15/16</a:t>
             </a:fld>
             <a:endParaRPr lang="en-US"/>
           </a:p>
@@ -2538,7 +2538,7 @@
           <a:p>
             <a:fld id="{00ED810F-92B1-F946-A788-203E54D97324}" type="datetimeFigureOut">
               <a:rPr lang="en-US" smtClean="0"/>
-              <a:t>8/14/16</a:t>
+              <a:t>8/15/16</a:t>
             </a:fld>
             <a:endParaRPr lang="en-US"/>
           </a:p>
@@ -2815,7 +2815,7 @@
           <a:p>
             <a:fld id="{00ED810F-92B1-F946-A788-203E54D97324}" type="datetimeFigureOut">
               <a:rPr lang="en-US" smtClean="0"/>
-              <a:t>8/14/16</a:t>
+              <a:t>8/15/16</a:t>
             </a:fld>
             <a:endParaRPr lang="en-US"/>
           </a:p>
@@ -3068,7 +3068,7 @@
           <a:p>
             <a:fld id="{00ED810F-92B1-F946-A788-203E54D97324}" type="datetimeFigureOut">
               <a:rPr lang="en-US" smtClean="0"/>
-              <a:t>8/14/16</a:t>
+              <a:t>8/15/16</a:t>
             </a:fld>
             <a:endParaRPr lang="en-US"/>
           </a:p>
@@ -3281,7 +3281,7 @@
           <a:p>
             <a:fld id="{00ED810F-92B1-F946-A788-203E54D97324}" type="datetimeFigureOut">
               <a:rPr lang="en-US" smtClean="0"/>
-              <a:t>8/14/16</a:t>
+              <a:t>8/15/16</a:t>
             </a:fld>
             <a:endParaRPr lang="en-US"/>
           </a:p>
@@ -3872,13 +3872,8 @@
             </a:r>
             <a:r>
               <a:rPr lang="en-US" dirty="0" smtClean="0"/>
-              <a:t>: automatically launches new instances if a current instance becomes </a:t>
-            </a:r>
-            <a:r>
-              <a:rPr lang="en-US" dirty="0" smtClean="0"/>
-              <a:t>unhealthy.</a:t>
-            </a:r>
-            <a:endParaRPr lang="en-US" dirty="0" smtClean="0"/>
+              <a:t>: automatically launches new instances if a current instance becomes unhealthy.</a:t>
+            </a:r>
           </a:p>
           <a:p>
             <a:pPr lvl="1"/>
@@ -3892,13 +3887,8 @@
             </a:r>
             <a:r>
               <a:rPr lang="en-US" dirty="0" smtClean="0"/>
-              <a:t>: user manually changes auto scaling group configuration and AWS adjust instance count to match new </a:t>
-            </a:r>
-            <a:r>
-              <a:rPr lang="en-US" dirty="0" smtClean="0"/>
-              <a:t>configuration.</a:t>
-            </a:r>
-            <a:endParaRPr lang="en-US" dirty="0" smtClean="0"/>
+              <a:t>: user manually changes auto scaling group configuration and AWS adjust instance count to match new configuration.</a:t>
+            </a:r>
           </a:p>
           <a:p>
             <a:pPr lvl="1"/>
@@ -3920,13 +3910,8 @@
             </a:r>
             <a:r>
               <a:rPr lang="en-US" dirty="0" smtClean="0"/>
-              <a:t> metrics and </a:t>
-            </a:r>
-            <a:r>
-              <a:rPr lang="en-US" dirty="0" smtClean="0"/>
-              <a:t>alarms.</a:t>
-            </a:r>
-            <a:endParaRPr lang="en-US" dirty="0" smtClean="0"/>
+              <a:t> metrics and alarms.</a:t>
+            </a:r>
           </a:p>
           <a:p>
             <a:pPr lvl="1"/>
@@ -4006,17 +3991,27 @@
           <a:p>
             <a:r>
               <a:rPr lang="en-US" dirty="0" smtClean="0"/>
-              <a:t>Create a launch group</a:t>
-            </a:r>
-          </a:p>
-          <a:p>
+              <a:t>Create a launch </a:t>
+            </a:r>
+            <a:r>
+              <a:rPr lang="en-US" dirty="0" smtClean="0"/>
+              <a:t>group.</a:t>
+            </a:r>
             <a:endParaRPr lang="en-US" dirty="0" smtClean="0"/>
           </a:p>
           <a:p>
-            <a:r>
-              <a:rPr lang="en-US" dirty="0" smtClean="0"/>
-              <a:t>Create an auto scaling group</a:t>
-            </a:r>
+            <a:endParaRPr lang="en-US" dirty="0" smtClean="0"/>
+          </a:p>
+          <a:p>
+            <a:r>
+              <a:rPr lang="en-US" dirty="0" smtClean="0"/>
+              <a:t>Create an auto scaling </a:t>
+            </a:r>
+            <a:r>
+              <a:rPr lang="en-US" dirty="0" smtClean="0"/>
+              <a:t>group.</a:t>
+            </a:r>
+            <a:endParaRPr lang="en-US" dirty="0" smtClean="0"/>
           </a:p>
           <a:p>
             <a:pPr lvl="1"/>
@@ -4039,17 +4034,27 @@
           <a:p>
             <a:r>
               <a:rPr lang="en-US" dirty="0" smtClean="0"/>
-              <a:t>Watch AWS automatically launch EC2 instances</a:t>
-            </a:r>
-          </a:p>
-          <a:p>
+              <a:t>Watch AWS automatically launch EC2 </a:t>
+            </a:r>
+            <a:r>
+              <a:rPr lang="en-US" dirty="0" smtClean="0"/>
+              <a:t>instances.</a:t>
+            </a:r>
             <a:endParaRPr lang="en-US" dirty="0" smtClean="0"/>
           </a:p>
           <a:p>
-            <a:r>
-              <a:rPr lang="en-US" dirty="0" smtClean="0"/>
-              <a:t>Manually fail one of the instances and watch automatic recovery</a:t>
-            </a:r>
+            <a:endParaRPr lang="en-US" dirty="0" smtClean="0"/>
+          </a:p>
+          <a:p>
+            <a:r>
+              <a:rPr lang="en-US" dirty="0" smtClean="0"/>
+              <a:t>Manually fail one of the instances and watch automatic </a:t>
+            </a:r>
+            <a:r>
+              <a:rPr lang="en-US" dirty="0" smtClean="0"/>
+              <a:t>recovery.</a:t>
+            </a:r>
+            <a:endParaRPr lang="en-US" dirty="0" smtClean="0"/>
           </a:p>
         </p:txBody>
       </p:sp>
@@ -4158,25 +4163,15 @@
             </a:r>
             <a:r>
               <a:rPr lang="en-US" dirty="0" smtClean="0"/>
-              <a:t> is a distributed in-memory caching </a:t>
-            </a:r>
-            <a:r>
-              <a:rPr lang="en-US" dirty="0" smtClean="0"/>
-              <a:t>system.</a:t>
-            </a:r>
-            <a:endParaRPr lang="en-US" dirty="0" smtClean="0"/>
-          </a:p>
-          <a:p>
-            <a:pPr lvl="1"/>
-            <a:r>
-              <a:rPr lang="en-US" dirty="0" smtClean="0"/>
-              <a:t>Huge performance improvement when reading from memory vs. </a:t>
-            </a:r>
-            <a:r>
-              <a:rPr lang="en-US" dirty="0" smtClean="0"/>
-              <a:t>disk.</a:t>
-            </a:r>
-            <a:endParaRPr lang="en-US" dirty="0" smtClean="0"/>
+              <a:t> is a distributed in-memory caching system.</a:t>
+            </a:r>
+          </a:p>
+          <a:p>
+            <a:pPr lvl="1"/>
+            <a:r>
+              <a:rPr lang="en-US" dirty="0" smtClean="0"/>
+              <a:t>Huge performance improvement when reading from memory vs. disk.</a:t>
+            </a:r>
           </a:p>
           <a:p>
             <a:pPr lvl="2"/>
@@ -4220,11 +4215,7 @@
             <a:pPr lvl="2"/>
             <a:r>
               <a:rPr lang="en-US" dirty="0" smtClean="0"/>
-              <a:t>Product </a:t>
-            </a:r>
-            <a:r>
-              <a:rPr lang="en-US" dirty="0" smtClean="0"/>
-              <a:t>listing</a:t>
+              <a:t>Product listing</a:t>
             </a:r>
           </a:p>
           <a:p>
@@ -4834,7 +4825,6 @@
               <a:rPr lang="en-US" sz="1800" dirty="0"/>
               <a:t>-cli</a:t>
             </a:r>
-            <a:endParaRPr lang="en-US" sz="1800" dirty="0"/>
           </a:p>
         </p:txBody>
       </p:sp>
@@ -4910,13 +4900,8 @@
           <a:p>
             <a:r>
               <a:rPr lang="en-US" dirty="0" smtClean="0"/>
-              <a:t>SNS makes it easy to publish messages from an application and deliver them to subscribers or other </a:t>
-            </a:r>
-            <a:r>
-              <a:rPr lang="en-US" dirty="0" smtClean="0"/>
-              <a:t>applications.</a:t>
-            </a:r>
-            <a:endParaRPr lang="en-US" dirty="0" smtClean="0"/>
+              <a:t>SNS makes it easy to publish messages from an application and deliver them to subscribers or other applications.</a:t>
+            </a:r>
           </a:p>
           <a:p>
             <a:endParaRPr lang="en-US" dirty="0" smtClean="0"/>
@@ -5077,49 +5062,34 @@
             </a:r>
             <a:r>
               <a:rPr lang="en-US" dirty="0" smtClean="0"/>
-              <a:t>is created as an access point to allow multiple recipients to receive a </a:t>
-            </a:r>
-            <a:r>
-              <a:rPr lang="en-US" dirty="0" smtClean="0"/>
-              <a:t>message.</a:t>
-            </a:r>
+              <a:t>is created as an access point to allow multiple recipients to receive a message.</a:t>
+            </a:r>
+          </a:p>
+          <a:p>
+            <a:pPr lvl="1"/>
+            <a:r>
+              <a:rPr lang="en-US" dirty="0" smtClean="0"/>
+              <a:t>A single topic can support multiple endpoint types</a:t>
+            </a:r>
+          </a:p>
+          <a:p>
+            <a:pPr lvl="1"/>
             <a:endParaRPr lang="en-US" dirty="0" smtClean="0"/>
           </a:p>
           <a:p>
-            <a:pPr lvl="1"/>
-            <a:r>
-              <a:rPr lang="en-US" dirty="0" smtClean="0"/>
-              <a:t>A single topic can support multiple endpoint types</a:t>
-            </a:r>
-          </a:p>
-          <a:p>
-            <a:pPr lvl="1"/>
+            <a:r>
+              <a:rPr lang="en-US" dirty="0" smtClean="0"/>
+              <a:t>Messages published to SNS are stored in multiple AZs for redundancy.</a:t>
+            </a:r>
+          </a:p>
+          <a:p>
             <a:endParaRPr lang="en-US" dirty="0" smtClean="0"/>
           </a:p>
           <a:p>
             <a:r>
               <a:rPr lang="en-US" dirty="0" smtClean="0"/>
-              <a:t>Messages published to SNS are stored in multiple AZs for </a:t>
-            </a:r>
-            <a:r>
-              <a:rPr lang="en-US" dirty="0" smtClean="0"/>
-              <a:t>redundancy.</a:t>
-            </a:r>
-            <a:endParaRPr lang="en-US" dirty="0" smtClean="0"/>
-          </a:p>
-          <a:p>
-            <a:endParaRPr lang="en-US" dirty="0" smtClean="0"/>
-          </a:p>
-          <a:p>
-            <a:r>
-              <a:rPr lang="en-US" dirty="0" smtClean="0"/>
-              <a:t>Recipients must subscribe to a topic in order to receive published </a:t>
-            </a:r>
-            <a:r>
-              <a:rPr lang="en-US" dirty="0" smtClean="0"/>
-              <a:t>messages.</a:t>
-            </a:r>
-            <a:endParaRPr lang="en-US" dirty="0" smtClean="0"/>
+              <a:t>Recipients must subscribe to a topic in order to receive published messages.</a:t>
+            </a:r>
           </a:p>
           <a:p>
             <a:endParaRPr lang="en-US" dirty="0" smtClean="0"/>
@@ -5135,13 +5105,8 @@
             </a:r>
             <a:r>
               <a:rPr lang="en-US" dirty="0" smtClean="0"/>
-              <a:t> to topic </a:t>
-            </a:r>
-            <a:r>
-              <a:rPr lang="en-US" dirty="0" smtClean="0"/>
-              <a:t>recipients.</a:t>
-            </a:r>
-            <a:endParaRPr lang="en-US" dirty="0" smtClean="0"/>
+              <a:t> to topic recipients.</a:t>
+            </a:r>
           </a:p>
           <a:p>
             <a:endParaRPr lang="en-US" dirty="0" smtClean="0"/>
@@ -5227,33 +5192,19 @@
           <a:p>
             <a:r>
               <a:rPr lang="en-US" dirty="0" smtClean="0"/>
-              <a:t>Create a new </a:t>
-            </a:r>
-            <a:r>
-              <a:rPr lang="en-US" dirty="0" smtClean="0"/>
-              <a:t>topic.</a:t>
-            </a:r>
-            <a:endParaRPr lang="en-US" dirty="0" smtClean="0"/>
-          </a:p>
-          <a:p>
-            <a:r>
-              <a:rPr lang="en-US" dirty="0" smtClean="0"/>
-              <a:t>Add a recipient to the </a:t>
-            </a:r>
-            <a:r>
-              <a:rPr lang="en-US" dirty="0" smtClean="0"/>
-              <a:t>topic.</a:t>
-            </a:r>
-            <a:endParaRPr lang="en-US" dirty="0" smtClean="0"/>
-          </a:p>
-          <a:p>
-            <a:r>
-              <a:rPr lang="en-US" dirty="0" smtClean="0"/>
-              <a:t>Publish a </a:t>
-            </a:r>
-            <a:r>
-              <a:rPr lang="en-US" dirty="0" smtClean="0"/>
-              <a:t>message.</a:t>
+              <a:t>Create a new topic.</a:t>
+            </a:r>
+          </a:p>
+          <a:p>
+            <a:r>
+              <a:rPr lang="en-US" dirty="0" smtClean="0"/>
+              <a:t>Add a recipient to the topic.</a:t>
+            </a:r>
+          </a:p>
+          <a:p>
+            <a:r>
+              <a:rPr lang="en-US" dirty="0" smtClean="0"/>
+              <a:t>Publish a message.</a:t>
             </a:r>
             <a:endParaRPr lang="en-US" dirty="0"/>
           </a:p>
@@ -5360,25 +5311,15 @@
           <a:p>
             <a:r>
               <a:rPr lang="en-US" dirty="0" smtClean="0"/>
-              <a:t>SQS is a distributed queue system that allows messages generated by one system component to be consumed by </a:t>
-            </a:r>
-            <a:r>
-              <a:rPr lang="en-US" dirty="0" smtClean="0"/>
-              <a:t>another.</a:t>
-            </a:r>
-            <a:endParaRPr lang="en-US" dirty="0" smtClean="0"/>
-          </a:p>
-          <a:p>
-            <a:pPr lvl="1"/>
-            <a:r>
-              <a:rPr lang="en-US" dirty="0" smtClean="0"/>
-              <a:t>First web service launched by Amazon in </a:t>
-            </a:r>
-            <a:r>
-              <a:rPr lang="en-US" dirty="0" smtClean="0"/>
-              <a:t>2005.</a:t>
-            </a:r>
-            <a:endParaRPr lang="en-US" dirty="0" smtClean="0"/>
+              <a:t>SQS is a distributed queue system that allows messages generated by one system component to be consumed by another.</a:t>
+            </a:r>
+          </a:p>
+          <a:p>
+            <a:pPr lvl="1"/>
+            <a:r>
+              <a:rPr lang="en-US" dirty="0" smtClean="0"/>
+              <a:t>First web service launched by Amazon in 2005.</a:t>
+            </a:r>
           </a:p>
           <a:p>
             <a:endParaRPr lang="en-US" dirty="0" smtClean="0"/>
@@ -5524,7 +5465,6 @@
               <a:rPr lang="en-US" dirty="0" smtClean="0"/>
               <a:t>AWS</a:t>
             </a:r>
-            <a:endParaRPr lang="en-US" dirty="0" smtClean="0"/>
           </a:p>
           <a:p>
             <a:pPr lvl="1"/>
@@ -5694,13 +5634,8 @@
             <a:pPr lvl="1"/>
             <a:r>
               <a:rPr lang="en-US" dirty="0" smtClean="0"/>
-              <a:t>Create thumbnails from user uploaded images or apply </a:t>
-            </a:r>
-            <a:r>
-              <a:rPr lang="en-US" dirty="0" smtClean="0"/>
-              <a:t>watermarks.</a:t>
-            </a:r>
-            <a:endParaRPr lang="en-US" dirty="0" smtClean="0"/>
+              <a:t>Create thumbnails from user uploaded images or apply watermarks.</a:t>
+            </a:r>
           </a:p>
           <a:p>
             <a:pPr lvl="1"/>
@@ -5713,13 +5648,8 @@
             <a:pPr lvl="1"/>
             <a:r>
               <a:rPr lang="en-US" dirty="0" smtClean="0"/>
-              <a:t>Support payment process workflow for </a:t>
-            </a:r>
-            <a:r>
-              <a:rPr lang="en-US" dirty="0" smtClean="0"/>
-              <a:t>orders.</a:t>
-            </a:r>
-            <a:endParaRPr lang="en-US" dirty="0" smtClean="0"/>
+              <a:t>Support payment process workflow for orders.</a:t>
+            </a:r>
           </a:p>
           <a:p>
             <a:pPr lvl="1"/>
@@ -5733,13 +5663,8 @@
             </a:r>
             <a:r>
               <a:rPr lang="en-US" dirty="0" smtClean="0"/>
-              <a:t> applications that are trying to balance data consumption with backend data </a:t>
-            </a:r>
-            <a:r>
-              <a:rPr lang="en-US" dirty="0" smtClean="0"/>
-              <a:t>processing.</a:t>
-            </a:r>
-            <a:endParaRPr lang="en-US" dirty="0" smtClean="0"/>
+              <a:t> applications that are trying to balance data consumption with backend data processing.</a:t>
+            </a:r>
           </a:p>
           <a:p>
             <a:pPr lvl="1"/>
@@ -5763,25 +5688,15 @@
             <a:pPr lvl="1"/>
             <a:r>
               <a:rPr lang="en-US" dirty="0" smtClean="0"/>
-              <a:t>Consumer app must process message within a certain amount of time called the visibility </a:t>
-            </a:r>
-            <a:r>
-              <a:rPr lang="en-US" dirty="0" smtClean="0"/>
-              <a:t>timeout.</a:t>
-            </a:r>
-            <a:endParaRPr lang="en-US" dirty="0" smtClean="0"/>
-          </a:p>
-          <a:p>
-            <a:pPr lvl="1"/>
-            <a:r>
-              <a:rPr lang="en-US" dirty="0" smtClean="0"/>
-              <a:t>Consumer app must delete the message from the queue when </a:t>
-            </a:r>
-            <a:r>
-              <a:rPr lang="en-US" dirty="0" smtClean="0"/>
-              <a:t>complete.</a:t>
-            </a:r>
-            <a:endParaRPr lang="en-US" dirty="0" smtClean="0"/>
+              <a:t>Consumer app must process message within a certain amount of time called the visibility timeout.</a:t>
+            </a:r>
+          </a:p>
+          <a:p>
+            <a:pPr lvl="1"/>
+            <a:r>
+              <a:rPr lang="en-US" dirty="0" smtClean="0"/>
+              <a:t>Consumer app must delete the message from the queue when complete.</a:t>
+            </a:r>
           </a:p>
         </p:txBody>
       </p:sp>
@@ -5934,28 +5849,18 @@
             </a:r>
             <a:r>
               <a:rPr lang="en-US" dirty="0" smtClean="0"/>
-              <a:t> (repeat action multiple times with same result</a:t>
-            </a:r>
-            <a:r>
-              <a:rPr lang="en-US" dirty="0" smtClean="0"/>
-              <a:t>).</a:t>
-            </a:r>
+              <a:t> (repeat action multiple times with same result).</a:t>
+            </a:r>
+          </a:p>
+          <a:p>
+            <a:pPr lvl="1"/>
             <a:endParaRPr lang="en-US" dirty="0" smtClean="0"/>
           </a:p>
           <a:p>
-            <a:pPr lvl="1"/>
-            <a:endParaRPr lang="en-US" dirty="0" smtClean="0"/>
-          </a:p>
-          <a:p>
-            <a:r>
-              <a:rPr lang="en-US" dirty="0" smtClean="0"/>
-              <a:t>Because messages are pulled, requests must be made every few seconds to see if anything in the </a:t>
-            </a:r>
-            <a:r>
-              <a:rPr lang="en-US" dirty="0" smtClean="0"/>
-              <a:t>queue.</a:t>
-            </a:r>
-            <a:endParaRPr lang="en-US" dirty="0" smtClean="0"/>
+            <a:r>
+              <a:rPr lang="en-US" dirty="0" smtClean="0"/>
+              <a:t>Because messages are pulled, requests must be made every few seconds to see if anything in the queue.</a:t>
+            </a:r>
           </a:p>
           <a:p>
             <a:pPr lvl="1"/>
@@ -5985,15 +5890,7 @@
             <a:pPr lvl="1"/>
             <a:r>
               <a:rPr lang="en-US" dirty="0" smtClean="0"/>
-              <a:t>Wasteful </a:t>
-            </a:r>
-            <a:r>
-              <a:rPr lang="en-US" dirty="0" smtClean="0"/>
-              <a:t>requests if </a:t>
-            </a:r>
-            <a:r>
-              <a:rPr lang="en-US" dirty="0" smtClean="0"/>
-              <a:t>queue is empty at times</a:t>
+              <a:t>Wasteful requests if queue is empty at times</a:t>
             </a:r>
           </a:p>
           <a:p>
@@ -6007,11 +5904,7 @@
             </a:r>
             <a:r>
               <a:rPr lang="en-US" dirty="0" smtClean="0"/>
-              <a:t>: keep message pull call open for up to 20 seconds, streaming in new messages as they </a:t>
-            </a:r>
-            <a:r>
-              <a:rPr lang="en-US" dirty="0" smtClean="0"/>
-              <a:t>arrive.</a:t>
+              <a:t>: keep message pull call open for up to 20 seconds, streaming in new messages as they arrive.</a:t>
             </a:r>
             <a:endParaRPr lang="en-US" dirty="0"/>
           </a:p>
@@ -6273,27 +6166,17 @@
           <a:p>
             <a:r>
               <a:rPr lang="en-US" dirty="0" smtClean="0"/>
-              <a:t>SES is a scalable email service to support sending and receiving email from </a:t>
-            </a:r>
-            <a:r>
-              <a:rPr lang="en-US" dirty="0" smtClean="0"/>
-              <a:t>AWS.</a:t>
-            </a:r>
+              <a:t>SES is a scalable email service to support sending and receiving email from AWS.</a:t>
+            </a:r>
+          </a:p>
+          <a:p>
             <a:endParaRPr lang="en-US" dirty="0" smtClean="0"/>
           </a:p>
           <a:p>
-            <a:endParaRPr lang="en-US" dirty="0" smtClean="0"/>
-          </a:p>
-          <a:p>
-            <a:r>
-              <a:rPr lang="en-US" dirty="0" smtClean="0"/>
-              <a:t>Building and maintaining a scalable email platform is challenging and expensive (personal experience</a:t>
-            </a:r>
-            <a:r>
-              <a:rPr lang="en-US" dirty="0" smtClean="0"/>
-              <a:t>).</a:t>
-            </a:r>
-            <a:endParaRPr lang="en-US" dirty="0" smtClean="0"/>
+            <a:r>
+              <a:rPr lang="en-US" dirty="0" smtClean="0"/>
+              <a:t>Building and maintaining a scalable email platform is challenging and expensive (personal experience).</a:t>
+            </a:r>
           </a:p>
           <a:p>
             <a:pPr lvl="1"/>
@@ -6324,13 +6207,8 @@
             </a:r>
             <a:r>
               <a:rPr lang="en-US" dirty="0" smtClean="0"/>
-              <a:t>) on EC2 </a:t>
-            </a:r>
-            <a:r>
-              <a:rPr lang="en-US" dirty="0" smtClean="0"/>
-              <a:t>instances.</a:t>
-            </a:r>
-            <a:endParaRPr lang="en-US" dirty="0" smtClean="0"/>
+              <a:t>) on EC2 instances.</a:t>
+            </a:r>
           </a:p>
           <a:p>
             <a:pPr lvl="1"/>
@@ -6459,13 +6337,8 @@
           <a:p>
             <a:r>
               <a:rPr lang="en-US" dirty="0" smtClean="0"/>
-              <a:t>Messages sent via standard SMTP, received messages are stored in </a:t>
-            </a:r>
-            <a:r>
-              <a:rPr lang="en-US" dirty="0" smtClean="0"/>
-              <a:t>S3.</a:t>
-            </a:r>
-            <a:endParaRPr lang="en-US" dirty="0" smtClean="0"/>
+              <a:t>Messages sent via standard SMTP, received messages are stored in S3.</a:t>
+            </a:r>
           </a:p>
           <a:p>
             <a:endParaRPr lang="en-US" dirty="0" smtClean="0"/>
@@ -6498,26 +6371,17 @@
             <a:pPr lvl="1"/>
             <a:r>
               <a:rPr lang="en-US" dirty="0" smtClean="0"/>
-              <a:t>Both use DNS records to verify that SES is allowed to send email on behalf of the domain </a:t>
-            </a:r>
-            <a:r>
-              <a:rPr lang="en-US" dirty="0" smtClean="0"/>
-              <a:t>owner.</a:t>
-            </a:r>
+              <a:t>Both use DNS records to verify that SES is allowed to send email on behalf of the domain owner.</a:t>
+            </a:r>
+          </a:p>
+          <a:p>
+            <a:pPr lvl="1"/>
             <a:endParaRPr lang="en-US" dirty="0" smtClean="0"/>
           </a:p>
           <a:p>
-            <a:pPr lvl="1"/>
-            <a:endParaRPr lang="en-US" dirty="0" smtClean="0"/>
-          </a:p>
-          <a:p>
-            <a:r>
-              <a:rPr lang="en-US" dirty="0" smtClean="0"/>
-              <a:t>Billing is based on number of messages sent and received per month (first 62k sent free</a:t>
-            </a:r>
-            <a:r>
-              <a:rPr lang="en-US" dirty="0" smtClean="0"/>
-              <a:t>).</a:t>
+            <a:r>
+              <a:rPr lang="en-US" dirty="0" smtClean="0"/>
+              <a:t>Billing is based on number of messages sent and received per month (first 62k sent free).</a:t>
             </a:r>
           </a:p>
           <a:p>
@@ -6609,35 +6473,17 @@
           <a:p>
             <a:r>
               <a:rPr lang="en-US" dirty="0" smtClean="0"/>
-              <a:t>Scalable domain name hosting and registration </a:t>
-            </a:r>
-            <a:r>
-              <a:rPr lang="en-US" dirty="0" smtClean="0"/>
-              <a:t>service.</a:t>
-            </a:r>
+              <a:t>Scalable domain name hosting and registration service.</a:t>
+            </a:r>
+          </a:p>
+          <a:p>
             <a:endParaRPr lang="en-US" dirty="0" smtClean="0"/>
           </a:p>
           <a:p>
-            <a:endParaRPr lang="en-US" dirty="0" smtClean="0"/>
-          </a:p>
-          <a:p>
-            <a:r>
-              <a:rPr lang="en-US" dirty="0" smtClean="0"/>
-              <a:t>Route 53 name </a:t>
-            </a:r>
-            <a:r>
-              <a:rPr lang="en-US" dirty="0" smtClean="0"/>
-              <a:t>is based </a:t>
-            </a:r>
-            <a:r>
-              <a:rPr lang="en-US" dirty="0" smtClean="0"/>
-              <a:t>on famous Route 66 highway across America, 53 is DNS port </a:t>
-            </a:r>
-            <a:r>
-              <a:rPr lang="en-US" dirty="0" smtClean="0"/>
-              <a:t>number.</a:t>
-            </a:r>
-            <a:endParaRPr lang="en-US" dirty="0" smtClean="0"/>
+            <a:r>
+              <a:rPr lang="en-US" dirty="0" smtClean="0"/>
+              <a:t>Route 53 name is based on famous Route 66 highway across America, 53 is DNS port number.</a:t>
+            </a:r>
           </a:p>
           <a:p>
             <a:endParaRPr lang="en-US" dirty="0" smtClean="0"/>
@@ -6660,35 +6506,21 @@
             </a:r>
             <a:r>
               <a:rPr lang="en-US" dirty="0" smtClean="0"/>
-              <a:t>) into IP </a:t>
-            </a:r>
-            <a:r>
-              <a:rPr lang="en-US" dirty="0" smtClean="0"/>
-              <a:t>addresses.</a:t>
-            </a:r>
-            <a:endParaRPr lang="en-US" dirty="0" smtClean="0"/>
-          </a:p>
-          <a:p>
-            <a:pPr lvl="1"/>
-            <a:r>
-              <a:rPr lang="en-US" dirty="0" smtClean="0"/>
-              <a:t>Availability of DNS services directly impacts service </a:t>
-            </a:r>
-            <a:r>
-              <a:rPr lang="en-US" dirty="0" smtClean="0"/>
-              <a:t>availability.</a:t>
-            </a:r>
-            <a:endParaRPr lang="en-US" dirty="0" smtClean="0"/>
+              <a:t>) into IP addresses.</a:t>
+            </a:r>
+          </a:p>
+          <a:p>
+            <a:pPr lvl="1"/>
+            <a:r>
+              <a:rPr lang="en-US" dirty="0" smtClean="0"/>
+              <a:t>Availability of DNS services directly impacts service availability.</a:t>
+            </a:r>
           </a:p>
           <a:p>
             <a:pPr lvl="2"/>
             <a:r>
               <a:rPr lang="en-US" dirty="0" smtClean="0"/>
-              <a:t>Service isn’t really “up” if nobody can find </a:t>
-            </a:r>
-            <a:r>
-              <a:rPr lang="en-US" dirty="0" smtClean="0"/>
-              <a:t>it.</a:t>
+              <a:t>Service isn’t really “up” if nobody can find it.</a:t>
             </a:r>
             <a:endParaRPr lang="en-US" dirty="0"/>
           </a:p>
@@ -6915,13 +6747,8 @@
           <a:p>
             <a:r>
               <a:rPr lang="en-US" dirty="0" smtClean="0"/>
-              <a:t>AWS can serve as a domain registrar and name </a:t>
-            </a:r>
-            <a:r>
-              <a:rPr lang="en-US" dirty="0" smtClean="0"/>
-              <a:t>server.</a:t>
-            </a:r>
-            <a:endParaRPr lang="en-US" dirty="0" smtClean="0"/>
+              <a:t>AWS can serve as a domain registrar and name server.</a:t>
+            </a:r>
           </a:p>
           <a:p>
             <a:endParaRPr lang="en-US" dirty="0" smtClean="0"/>
@@ -6937,13 +6764,8 @@
             </a:r>
             <a:r>
               <a:rPr lang="en-US" dirty="0" smtClean="0"/>
-              <a:t>provides all authoritative records for a domain </a:t>
-            </a:r>
-            <a:r>
-              <a:rPr lang="en-US" dirty="0" smtClean="0"/>
-              <a:t>name.</a:t>
-            </a:r>
-            <a:endParaRPr lang="en-US" dirty="0" smtClean="0"/>
+              <a:t>provides all authoritative records for a domain name.</a:t>
+            </a:r>
           </a:p>
           <a:p>
             <a:endParaRPr lang="en-US" dirty="0" smtClean="0"/>
@@ -7266,13 +7088,8 @@
             </a:r>
             <a:r>
               <a:rPr lang="is-IS" dirty="0" smtClean="0"/>
-              <a:t>distribute traffic over multiple regions using dynamic DNS </a:t>
-            </a:r>
-            <a:r>
-              <a:rPr lang="is-IS" dirty="0" smtClean="0"/>
-              <a:t>responses.</a:t>
-            </a:r>
-            <a:endParaRPr lang="is-IS" dirty="0" smtClean="0"/>
+              <a:t>distribute traffic over multiple regions using dynamic DNS responses.</a:t>
+            </a:r>
           </a:p>
           <a:p>
             <a:endParaRPr lang="is-IS" dirty="0" smtClean="0"/>
@@ -7284,13 +7101,8 @@
             </a:r>
             <a:r>
               <a:rPr lang="is-IS" dirty="0" smtClean="0"/>
-              <a:t>: default policy which maps a DNS response to a single region </a:t>
-            </a:r>
-            <a:r>
-              <a:rPr lang="is-IS" dirty="0" smtClean="0"/>
-              <a:t>.</a:t>
-            </a:r>
-            <a:endParaRPr lang="is-IS" dirty="0" smtClean="0"/>
+              <a:t>: default policy which maps a DNS response to a single region .</a:t>
+            </a:r>
           </a:p>
           <a:p>
             <a:endParaRPr lang="is-IS" dirty="0" smtClean="0"/>
@@ -7302,13 +7114,8 @@
             </a:r>
             <a:r>
               <a:rPr lang="en-US" dirty="0" smtClean="0"/>
-              <a:t>: distribute traffic over multiple regions based on the weighting assigned to each </a:t>
-            </a:r>
-            <a:r>
-              <a:rPr lang="en-US" dirty="0" smtClean="0"/>
-              <a:t>region. </a:t>
-            </a:r>
-            <a:endParaRPr lang="en-US" dirty="0" smtClean="0"/>
+              <a:t>: distribute traffic over multiple regions based on the weighting assigned to each region. </a:t>
+            </a:r>
           </a:p>
           <a:p>
             <a:pPr lvl="1"/>
@@ -7415,13 +7222,8 @@
             </a:r>
             <a:r>
               <a:rPr lang="en-US" dirty="0" smtClean="0"/>
-              <a:t>: distribute traffic by directing user to the lowest latency </a:t>
-            </a:r>
-            <a:r>
-              <a:rPr lang="en-US" dirty="0" smtClean="0"/>
-              <a:t>region.</a:t>
-            </a:r>
-            <a:endParaRPr lang="en-US" dirty="0" smtClean="0"/>
+              <a:t>: distribute traffic by directing user to the lowest latency region.</a:t>
+            </a:r>
           </a:p>
           <a:p>
             <a:pPr lvl="1"/>
@@ -7449,13 +7251,8 @@
             </a:r>
             <a:r>
               <a:rPr lang="en-US" dirty="0" smtClean="0"/>
-              <a:t>: monitor health of services and fail over to a secondary region if health check </a:t>
-            </a:r>
-            <a:r>
-              <a:rPr lang="en-US" dirty="0" smtClean="0"/>
-              <a:t>fails.</a:t>
-            </a:r>
-            <a:endParaRPr lang="en-US" dirty="0" smtClean="0"/>
+              <a:t>: monitor health of services and fail over to a secondary region if health check fails.</a:t>
+            </a:r>
           </a:p>
           <a:p>
             <a:pPr lvl="1"/>
@@ -7482,13 +7279,8 @@
             </a:r>
             <a:r>
               <a:rPr lang="en-US" dirty="0" smtClean="0"/>
-              <a:t>: distribute traffic to a specific region based on physical location of </a:t>
-            </a:r>
-            <a:r>
-              <a:rPr lang="en-US" dirty="0" smtClean="0"/>
-              <a:t>user.</a:t>
-            </a:r>
-            <a:endParaRPr lang="en-US" dirty="0" smtClean="0"/>
+              <a:t>: distribute traffic to a specific region based on physical location of user.</a:t>
+            </a:r>
           </a:p>
           <a:p>
             <a:pPr lvl="1"/>
@@ -7670,62 +7462,38 @@
             </a:r>
             <a:r>
               <a:rPr lang="en-US" dirty="0" smtClean="0"/>
-              <a:t> which automates the configuration and deployment of application </a:t>
-            </a:r>
-            <a:r>
-              <a:rPr lang="en-US" dirty="0" smtClean="0"/>
-              <a:t>stacks.</a:t>
-            </a:r>
+              <a:t> which automates the configuration and deployment of application stacks.</a:t>
+            </a:r>
+          </a:p>
+          <a:p>
+            <a:pPr lvl="1"/>
+            <a:r>
+              <a:rPr lang="en-US" dirty="0" smtClean="0"/>
+              <a:t>Automatically provisions and scales EC2, load balancing, networking, storage, and RDS.</a:t>
+            </a:r>
+          </a:p>
+          <a:p>
+            <a:pPr lvl="1"/>
+            <a:r>
+              <a:rPr lang="en-US" dirty="0" smtClean="0"/>
+              <a:t>Installs and manages application servers and frameworks.</a:t>
+            </a:r>
+          </a:p>
+          <a:p>
+            <a:pPr lvl="1"/>
+            <a:r>
+              <a:rPr lang="en-US" dirty="0" smtClean="0"/>
+              <a:t>AWS user just focuses on loading custom application.</a:t>
+            </a:r>
+          </a:p>
+          <a:p>
+            <a:pPr lvl="1"/>
             <a:endParaRPr lang="en-US" dirty="0" smtClean="0"/>
           </a:p>
           <a:p>
-            <a:pPr lvl="1"/>
-            <a:r>
-              <a:rPr lang="en-US" dirty="0" smtClean="0"/>
-              <a:t>Automatically provisions and scales EC2, load balancing, networking, storage, and </a:t>
-            </a:r>
-            <a:r>
-              <a:rPr lang="en-US" dirty="0" smtClean="0"/>
-              <a:t>RDS.</a:t>
-            </a:r>
-            <a:endParaRPr lang="en-US" dirty="0" smtClean="0"/>
-          </a:p>
-          <a:p>
-            <a:pPr lvl="1"/>
-            <a:r>
-              <a:rPr lang="en-US" dirty="0" smtClean="0"/>
-              <a:t>Installs and manages application servers and </a:t>
-            </a:r>
-            <a:r>
-              <a:rPr lang="en-US" dirty="0" smtClean="0"/>
-              <a:t>frameworks.</a:t>
-            </a:r>
-            <a:endParaRPr lang="en-US" dirty="0" smtClean="0"/>
-          </a:p>
-          <a:p>
-            <a:pPr lvl="1"/>
-            <a:r>
-              <a:rPr lang="en-US" dirty="0" smtClean="0"/>
-              <a:t>AWS user just focuses on loading custom </a:t>
-            </a:r>
-            <a:r>
-              <a:rPr lang="en-US" dirty="0" smtClean="0"/>
-              <a:t>application.</a:t>
-            </a:r>
-            <a:endParaRPr lang="en-US" dirty="0" smtClean="0"/>
-          </a:p>
-          <a:p>
-            <a:pPr lvl="1"/>
-            <a:endParaRPr lang="en-US" dirty="0" smtClean="0"/>
-          </a:p>
-          <a:p>
-            <a:r>
-              <a:rPr lang="en-US" dirty="0" smtClean="0"/>
-              <a:t>Benefit: designed primarily for application developers that don’t want to deal with </a:t>
-            </a:r>
-            <a:r>
-              <a:rPr lang="en-US" dirty="0" smtClean="0"/>
-              <a:t>infrastructure.</a:t>
+            <a:r>
+              <a:rPr lang="en-US" dirty="0" smtClean="0"/>
+              <a:t>Benefit: designed primarily for application developers that don’t want to deal with infrastructure.</a:t>
             </a:r>
             <a:endParaRPr lang="en-US" dirty="0"/>
           </a:p>
@@ -7894,13 +7662,8 @@
           <a:p>
             <a:r>
               <a:rPr lang="en-US" dirty="0" smtClean="0"/>
-              <a:t>EB controls capacity of resources, but you can still access </a:t>
-            </a:r>
-            <a:r>
-              <a:rPr lang="en-US" dirty="0" smtClean="0"/>
-              <a:t>infrastructure.</a:t>
-            </a:r>
-            <a:endParaRPr lang="en-US" dirty="0" smtClean="0"/>
+              <a:t>EB controls capacity of resources, but you can still access infrastructure.</a:t>
+            </a:r>
           </a:p>
           <a:p>
             <a:endParaRPr lang="en-US" dirty="0" smtClean="0"/>
@@ -7984,13 +7747,8 @@
           <a:p>
             <a:r>
               <a:rPr lang="en-US" dirty="0" smtClean="0"/>
-              <a:t>Deployment policies control how EB updates deployed </a:t>
-            </a:r>
-            <a:r>
-              <a:rPr lang="en-US" dirty="0" smtClean="0"/>
-              <a:t>application:</a:t>
-            </a:r>
-            <a:endParaRPr lang="en-US" dirty="0" smtClean="0"/>
+              <a:t>Deployment policies control how EB updates deployed application:</a:t>
+            </a:r>
           </a:p>
           <a:p>
             <a:pPr lvl="1"/>
@@ -8000,13 +7758,8 @@
             </a:r>
             <a:r>
               <a:rPr lang="en-US" dirty="0" smtClean="0"/>
-              <a:t>: deploy application to all instances simultaneously (short service disruption</a:t>
-            </a:r>
-            <a:r>
-              <a:rPr lang="en-US" dirty="0" smtClean="0"/>
-              <a:t>).</a:t>
-            </a:r>
-            <a:endParaRPr lang="en-US" dirty="0" smtClean="0"/>
+              <a:t>: deploy application to all instances simultaneously (short service disruption).</a:t>
+            </a:r>
           </a:p>
           <a:p>
             <a:pPr lvl="1"/>
@@ -8020,13 +7773,8 @@
             </a:r>
             <a:r>
               <a:rPr lang="en-US" dirty="0" smtClean="0"/>
-              <a:t>: deploy new app in batches, reducing service capacity but causing no </a:t>
-            </a:r>
-            <a:r>
-              <a:rPr lang="en-US" dirty="0" smtClean="0"/>
-              <a:t>disruption.</a:t>
-            </a:r>
-            <a:endParaRPr lang="en-US" dirty="0" smtClean="0"/>
+              <a:t>: deploy new app in batches, reducing service capacity but causing no disruption.</a:t>
+            </a:r>
           </a:p>
           <a:p>
             <a:pPr lvl="1"/>
@@ -8040,13 +7788,8 @@
             </a:r>
             <a:r>
               <a:rPr lang="en-US" dirty="0" smtClean="0"/>
-              <a:t>: launch new resources before batch updates so that service capacity isn’t </a:t>
-            </a:r>
-            <a:r>
-              <a:rPr lang="en-US" dirty="0" smtClean="0"/>
-              <a:t>reduced.</a:t>
-            </a:r>
-            <a:endParaRPr lang="en-US" dirty="0" smtClean="0"/>
+              <a:t>: launch new resources before batch updates so that service capacity isn’t reduced.</a:t>
+            </a:r>
           </a:p>
           <a:p>
             <a:pPr lvl="1"/>
@@ -8060,13 +7803,8 @@
             </a:r>
             <a:r>
               <a:rPr lang="en-US" dirty="0" smtClean="0"/>
-              <a:t>: deploy new application to a fresh group of instances (blue-green deployment</a:t>
-            </a:r>
-            <a:r>
-              <a:rPr lang="en-US" dirty="0" smtClean="0"/>
-              <a:t>).</a:t>
-            </a:r>
-            <a:endParaRPr lang="en-US" dirty="0" smtClean="0"/>
+              <a:t>: deploy new application to a fresh group of instances (blue-green deployment).</a:t>
+            </a:r>
           </a:p>
         </p:txBody>
       </p:sp>
@@ -8140,11 +7878,7 @@
           <a:p>
             <a:r>
               <a:rPr lang="en-US" dirty="0" smtClean="0"/>
-              <a:t>Deploy auto-scaling PHP platform using sample </a:t>
-            </a:r>
-            <a:r>
-              <a:rPr lang="en-US" dirty="0" smtClean="0"/>
-              <a:t>application.</a:t>
+              <a:t>Deploy auto-scaling PHP platform using sample application.</a:t>
             </a:r>
             <a:endParaRPr lang="en-US" dirty="0"/>
           </a:p>
@@ -8323,41 +8057,26 @@
           <a:p>
             <a:r>
               <a:rPr lang="en-US" dirty="0" smtClean="0"/>
-              <a:t>AWS network and Amazon network use similar infrastructure, but are logically separated from one </a:t>
-            </a:r>
-            <a:r>
-              <a:rPr lang="en-US" dirty="0" smtClean="0"/>
-              <a:t>another.</a:t>
-            </a:r>
+              <a:t>AWS network and Amazon network use similar infrastructure, but are logically separated from one another.</a:t>
+            </a:r>
+          </a:p>
+          <a:p>
             <a:endParaRPr lang="en-US" dirty="0" smtClean="0"/>
           </a:p>
           <a:p>
+            <a:r>
+              <a:rPr lang="en-US" dirty="0" smtClean="0"/>
+              <a:t>AWS prevents IP spoofing: instance sending data with an IP or MAC address that’s not it’s own.</a:t>
+            </a:r>
+          </a:p>
+          <a:p>
             <a:endParaRPr lang="en-US" dirty="0" smtClean="0"/>
           </a:p>
           <a:p>
             <a:r>
               <a:rPr lang="en-US" dirty="0" smtClean="0"/>
-              <a:t>AWS prevents IP spoofing: instance sending data with an IP or MAC address that’s not it’s </a:t>
-            </a:r>
-            <a:r>
-              <a:rPr lang="en-US" dirty="0" smtClean="0"/>
-              <a:t>own.</a:t>
-            </a:r>
-            <a:endParaRPr lang="en-US" dirty="0" smtClean="0"/>
-          </a:p>
-          <a:p>
-            <a:endParaRPr lang="en-US" dirty="0" smtClean="0"/>
-          </a:p>
-          <a:p>
-            <a:r>
-              <a:rPr lang="en-US" dirty="0" smtClean="0"/>
-              <a:t>Network port scans must be approved by AWS in </a:t>
-            </a:r>
-            <a:r>
-              <a:rPr lang="en-US" dirty="0" smtClean="0"/>
-              <a:t>advance.</a:t>
-            </a:r>
-            <a:endParaRPr lang="en-US" dirty="0" smtClean="0"/>
+              <a:t>Network port scans must be approved by AWS in advance.</a:t>
+            </a:r>
           </a:p>
           <a:p>
             <a:endParaRPr lang="en-US" dirty="0"/>
@@ -8436,63 +8155,54 @@
           <a:p>
             <a:r>
               <a:rPr lang="en-US" dirty="0" smtClean="0"/>
-              <a:t>Originally an internal tool used by AWS consultants to audit customer service </a:t>
-            </a:r>
-            <a:r>
-              <a:rPr lang="en-US" dirty="0" smtClean="0"/>
-              <a:t>configuration.</a:t>
-            </a:r>
+              <a:t>Originally an internal tool used by AWS consultants to audit customer service configuration.</a:t>
+            </a:r>
+          </a:p>
+          <a:p>
             <a:endParaRPr lang="en-US" dirty="0" smtClean="0"/>
           </a:p>
           <a:p>
+            <a:r>
+              <a:rPr lang="en-US" dirty="0" smtClean="0"/>
+              <a:t>Audits four aspects of deployed services:</a:t>
+            </a:r>
+          </a:p>
+          <a:p>
+            <a:pPr lvl="1"/>
+            <a:r>
+              <a:rPr lang="en-US" dirty="0" smtClean="0"/>
+              <a:t>Cost optimization</a:t>
+            </a:r>
+          </a:p>
+          <a:p>
+            <a:pPr lvl="1"/>
+            <a:r>
+              <a:rPr lang="en-US" dirty="0" smtClean="0"/>
+              <a:t>Performance</a:t>
+            </a:r>
+          </a:p>
+          <a:p>
+            <a:pPr lvl="1"/>
+            <a:r>
+              <a:rPr lang="en-US" dirty="0" smtClean="0"/>
+              <a:t>Security</a:t>
+            </a:r>
+          </a:p>
+          <a:p>
+            <a:pPr lvl="1"/>
+            <a:r>
+              <a:rPr lang="en-US" dirty="0" smtClean="0"/>
+              <a:t>Fault tolerance</a:t>
+            </a:r>
+          </a:p>
+          <a:p>
+            <a:pPr lvl="1"/>
             <a:endParaRPr lang="en-US" dirty="0" smtClean="0"/>
           </a:p>
           <a:p>
             <a:r>
               <a:rPr lang="en-US" dirty="0" smtClean="0"/>
-              <a:t>Audits four aspects of deployed services:</a:t>
-            </a:r>
-          </a:p>
-          <a:p>
-            <a:pPr lvl="1"/>
-            <a:r>
-              <a:rPr lang="en-US" dirty="0" smtClean="0"/>
-              <a:t>Cost optimization</a:t>
-            </a:r>
-          </a:p>
-          <a:p>
-            <a:pPr lvl="1"/>
-            <a:r>
-              <a:rPr lang="en-US" dirty="0" smtClean="0"/>
-              <a:t>Performance</a:t>
-            </a:r>
-          </a:p>
-          <a:p>
-            <a:pPr lvl="1"/>
-            <a:r>
-              <a:rPr lang="en-US" dirty="0" smtClean="0"/>
-              <a:t>Security</a:t>
-            </a:r>
-          </a:p>
-          <a:p>
-            <a:pPr lvl="1"/>
-            <a:r>
-              <a:rPr lang="en-US" dirty="0" smtClean="0"/>
-              <a:t>Fault tolerance</a:t>
-            </a:r>
-          </a:p>
-          <a:p>
-            <a:pPr lvl="1"/>
-            <a:endParaRPr lang="en-US" dirty="0" smtClean="0"/>
-          </a:p>
-          <a:p>
-            <a:r>
-              <a:rPr lang="en-US" dirty="0" smtClean="0"/>
-              <a:t>Basic review available for free, advanced reports require a support </a:t>
-            </a:r>
-            <a:r>
-              <a:rPr lang="en-US" dirty="0" smtClean="0"/>
-              <a:t>plan.</a:t>
+              <a:t>Basic review available for free, advanced reports require a support plan.</a:t>
             </a:r>
             <a:endParaRPr lang="en-US" dirty="0"/>
           </a:p>
@@ -8681,13 +8391,8 @@
           <a:p>
             <a:r>
               <a:rPr lang="en-US" dirty="0" smtClean="0"/>
-              <a:t>Resource Groups are collections of AWS resources that share </a:t>
-            </a:r>
-            <a:r>
-              <a:rPr lang="en-US" dirty="0" smtClean="0"/>
-              <a:t>tags.</a:t>
-            </a:r>
-            <a:endParaRPr lang="en-US" dirty="0" smtClean="0"/>
+              <a:t>Resource Groups are collections of AWS resources that share tags.</a:t>
+            </a:r>
           </a:p>
           <a:p>
             <a:pPr lvl="1"/>
@@ -8712,13 +8417,8 @@
           <a:p>
             <a:r>
               <a:rPr lang="en-US" dirty="0" smtClean="0"/>
-              <a:t>Benefit: easily view associated resources across the entire AWS </a:t>
-            </a:r>
-            <a:r>
-              <a:rPr lang="en-US" dirty="0" smtClean="0"/>
-              <a:t>platform.</a:t>
-            </a:r>
-            <a:endParaRPr lang="en-US" dirty="0" smtClean="0"/>
+              <a:t>Benefit: easily view associated resources across the entire AWS platform.</a:t>
+            </a:r>
           </a:p>
           <a:p>
             <a:pPr lvl="1"/>
@@ -8818,11 +8518,7 @@
           <a:p>
             <a:r>
               <a:rPr lang="en-US" sz="2800" dirty="0" smtClean="0"/>
-              <a:t>Due </a:t>
-            </a:r>
-            <a:r>
-              <a:rPr lang="en-US" sz="2800" dirty="0" smtClean="0"/>
-              <a:t>after Midterm </a:t>
+              <a:t>Due after Midterm </a:t>
             </a:r>
             <a:r>
               <a:rPr lang="en-US" sz="2800" smtClean="0"/>
@@ -8830,11 +8526,7 @@
             </a:r>
             <a:r>
               <a:rPr lang="en-US" sz="2800" dirty="0" smtClean="0"/>
-              <a:t>Week </a:t>
-            </a:r>
-            <a:r>
-              <a:rPr lang="en-US" sz="2800" dirty="0" smtClean="0"/>
-              <a:t>8 class:</a:t>
+              <a:t>Week 8 class:</a:t>
             </a:r>
           </a:p>
           <a:p>
@@ -9077,13 +8769,8 @@
             </a:r>
             <a:r>
               <a:rPr lang="en-US" dirty="0" smtClean="0"/>
-              <a:t>is a set of shell script commands automatically executed by the instance during the initial </a:t>
-            </a:r>
-            <a:r>
-              <a:rPr lang="en-US" dirty="0" smtClean="0"/>
-              <a:t>launch.</a:t>
-            </a:r>
-            <a:endParaRPr lang="en-US" dirty="0" smtClean="0"/>
+              <a:t>is a set of shell script commands automatically executed by the instance during the initial launch.</a:t>
+            </a:r>
           </a:p>
           <a:p>
             <a:endParaRPr lang="en-US" dirty="0" smtClean="0"/>
@@ -9109,39 +8796,24 @@
               <a:rPr lang="en-US" dirty="0" smtClean="0"/>
               <a:t> needed.</a:t>
             </a:r>
+          </a:p>
+          <a:p>
             <a:endParaRPr lang="en-US" dirty="0" smtClean="0"/>
           </a:p>
           <a:p>
+            <a:r>
+              <a:rPr lang="en-US" dirty="0" smtClean="0"/>
+              <a:t>Commands are supplied via text entry or stored in a file.</a:t>
+            </a:r>
+          </a:p>
+          <a:p>
             <a:endParaRPr lang="en-US" dirty="0" smtClean="0"/>
           </a:p>
           <a:p>
             <a:r>
               <a:rPr lang="en-US" dirty="0" smtClean="0"/>
-              <a:t>Commands are </a:t>
-            </a:r>
-            <a:r>
-              <a:rPr lang="en-US" dirty="0" smtClean="0"/>
-              <a:t>supplied via text entry or stored in a </a:t>
-            </a:r>
-            <a:r>
-              <a:rPr lang="en-US" dirty="0" smtClean="0"/>
-              <a:t>file.</a:t>
-            </a:r>
-            <a:endParaRPr lang="en-US" dirty="0" smtClean="0"/>
-          </a:p>
-          <a:p>
-            <a:endParaRPr lang="en-US" dirty="0" smtClean="0"/>
-          </a:p>
-          <a:p>
-            <a:r>
-              <a:rPr lang="en-US" dirty="0" smtClean="0"/>
-              <a:t>Benefit: automate installation and configuration of </a:t>
-            </a:r>
-            <a:r>
-              <a:rPr lang="en-US" dirty="0" smtClean="0"/>
-              <a:t>instance.</a:t>
-            </a:r>
-            <a:endParaRPr lang="en-US" dirty="0" smtClean="0"/>
+              <a:t>Benefit: automate installation and configuration of instance.</a:t>
+            </a:r>
           </a:p>
           <a:p>
             <a:endParaRPr lang="en-US" dirty="0"/>
@@ -9301,37 +8973,22 @@
             </a:r>
             <a:r>
               <a:rPr lang="en-US" dirty="0" smtClean="0"/>
-              <a:t>allows you to scale EC2 capacity up or down based on defined </a:t>
-            </a:r>
-            <a:r>
-              <a:rPr lang="en-US" dirty="0" smtClean="0"/>
-              <a:t>conditions.</a:t>
-            </a:r>
-            <a:endParaRPr lang="en-US" dirty="0" smtClean="0"/>
-          </a:p>
-          <a:p>
-            <a:pPr lvl="1"/>
-            <a:r>
-              <a:rPr lang="en-US" dirty="0" smtClean="0"/>
-              <a:t>Ensure a certain number of instances are always </a:t>
-            </a:r>
-            <a:r>
-              <a:rPr lang="en-US" dirty="0" smtClean="0"/>
-              <a:t>running.</a:t>
-            </a:r>
-            <a:endParaRPr lang="en-US" dirty="0" smtClean="0"/>
-          </a:p>
-          <a:p>
-            <a:pPr lvl="1"/>
-            <a:r>
-              <a:rPr lang="en-US" dirty="0" smtClean="0"/>
-              <a:t>Increase or decrease number of instances to support current demand and save </a:t>
-            </a:r>
-            <a:r>
-              <a:rPr lang="en-US" dirty="0" smtClean="0"/>
-              <a:t>costs.</a:t>
-            </a:r>
-            <a:endParaRPr lang="en-US" dirty="0" smtClean="0"/>
+              <a:t>allows you to scale EC2 capacity up or down based on defined conditions.</a:t>
+            </a:r>
+          </a:p>
+          <a:p>
+            <a:pPr lvl="1"/>
+            <a:r>
+              <a:rPr lang="en-US" dirty="0" smtClean="0"/>
+              <a:t>Ensure a certain number of instances are always running.</a:t>
+            </a:r>
+          </a:p>
+          <a:p>
+            <a:pPr lvl="1"/>
+            <a:r>
+              <a:rPr lang="en-US" dirty="0" smtClean="0"/>
+              <a:t>Increase or decrease number of instances to support current demand and save costs.</a:t>
+            </a:r>
           </a:p>
           <a:p>
             <a:pPr lvl="1"/>
@@ -9348,11 +9005,7 @@
             </a:r>
             <a:r>
               <a:rPr lang="en-US" dirty="0" smtClean="0"/>
-              <a:t> the service </a:t>
-            </a:r>
-            <a:r>
-              <a:rPr lang="en-US" dirty="0" smtClean="0"/>
-              <a:t>itself.</a:t>
+              <a:t> the service itself.</a:t>
             </a:r>
             <a:endParaRPr lang="en-US" dirty="0"/>
           </a:p>
@@ -9441,25 +9094,15 @@
             </a:r>
             <a:r>
               <a:rPr lang="en-US" dirty="0" smtClean="0"/>
-              <a:t>: specifies the type of EC2 instance created during the auto scaling </a:t>
-            </a:r>
-            <a:r>
-              <a:rPr lang="en-US" dirty="0" smtClean="0"/>
-              <a:t>process.</a:t>
-            </a:r>
-            <a:endParaRPr lang="en-US" dirty="0" smtClean="0"/>
+              <a:t>: specifies the type of EC2 instance created during the auto scaling process.</a:t>
+            </a:r>
           </a:p>
           <a:p>
             <a:pPr lvl="2"/>
             <a:r>
               <a:rPr lang="en-US" dirty="0" smtClean="0"/>
-              <a:t>Very similar to launching an EC2 instance, in this case just the configuration is </a:t>
-            </a:r>
-            <a:r>
-              <a:rPr lang="en-US" dirty="0" smtClean="0"/>
-              <a:t>created.</a:t>
-            </a:r>
-            <a:endParaRPr lang="en-US" dirty="0" smtClean="0"/>
+              <a:t>Very similar to launching an EC2 instance, in this case just the configuration is created.</a:t>
+            </a:r>
           </a:p>
           <a:p>
             <a:pPr lvl="2"/>
@@ -9473,11 +9116,7 @@
             </a:r>
             <a:r>
               <a:rPr lang="en-US" dirty="0" smtClean="0"/>
-              <a:t>: defines a set of EC2 instances and the the conditions which determine the number of instances in the </a:t>
-            </a:r>
-            <a:r>
-              <a:rPr lang="en-US" dirty="0" smtClean="0"/>
-              <a:t>set.</a:t>
+              <a:t>: defines a set of EC2 instances and the the conditions which determine the number of instances in the set.</a:t>
             </a:r>
             <a:endParaRPr lang="en-US" dirty="0"/>
           </a:p>
